--- a/PRESENTACIÓN TALLER GRAFOS.pptx
+++ b/PRESENTACIÓN TALLER GRAFOS.pptx
@@ -5,7 +5,7 @@
     <p:sldMasterId id="2147483664" r:id="rId1"/>
   </p:sldMasterIdLst>
   <p:notesMasterIdLst>
-    <p:notesMasterId r:id="rId11"/>
+    <p:notesMasterId r:id="rId15"/>
   </p:notesMasterIdLst>
   <p:sldIdLst>
     <p:sldId id="258" r:id="rId2"/>
@@ -17,6 +17,10 @@
     <p:sldId id="263" r:id="rId8"/>
     <p:sldId id="265" r:id="rId9"/>
     <p:sldId id="264" r:id="rId10"/>
+    <p:sldId id="267" r:id="rId11"/>
+    <p:sldId id="266" r:id="rId12"/>
+    <p:sldId id="269" r:id="rId13"/>
+    <p:sldId id="268" r:id="rId14"/>
   </p:sldIdLst>
   <p:sldSz cx="9144000" cy="5143500" type="screen16x9"/>
   <p:notesSz cx="6858000" cy="9144000"/>
@@ -222,6 +226,22 @@
       </a:defRPr>
     </a:lvl9pPr>
   </p:defaultTextStyle>
+  <p:extLst>
+    <p:ext uri="{EFAFB233-063F-42B5-8137-9DF3F51BA10A}">
+      <p15:sldGuideLst xmlns:p15="http://schemas.microsoft.com/office/powerpoint/2012/main">
+        <p15:guide id="1" orient="horz" pos="1620">
+          <p15:clr>
+            <a:srgbClr val="A4A3A4"/>
+          </p15:clr>
+        </p15:guide>
+        <p15:guide id="2" pos="2880">
+          <p15:clr>
+            <a:srgbClr val="A4A3A4"/>
+          </p15:clr>
+        </p15:guide>
+      </p15:sldGuideLst>
+    </p:ext>
+  </p:extLst>
 </p:presentation>
 </file>
 
@@ -17221,13 +17241,661 @@
           <a:lstStyle/>
           <a:p>
             <a:r>
-              <a:rPr lang="es-CO" sz="2400" b="1" dirty="0" smtClean="0">
+              <a:rPr lang="es-CO" sz="2400" b="1" dirty="0">
                 <a:latin typeface="Berlin Sans FB Demi" panose="020E0802020502020306" pitchFamily="34" charset="0"/>
               </a:rPr>
               <a:t>INTRODUCCIÓN A LA TEORÍA DE GRAFOS</a:t>
             </a:r>
-            <a:endParaRPr lang="es-CO" sz="2400" b="1" dirty="0">
-              <a:latin typeface="Berlin Sans FB Demi" panose="020E0802020502020306" pitchFamily="34" charset="0"/>
+          </a:p>
+        </p:txBody>
+      </p:sp>
+    </p:spTree>
+    <p:extLst>
+      <p:ext uri="{BB962C8B-B14F-4D97-AF65-F5344CB8AC3E}">
+        <p14:creationId xmlns:p14="http://schemas.microsoft.com/office/powerpoint/2010/main" val="1617254423"/>
+      </p:ext>
+    </p:extLst>
+  </p:cSld>
+  <p:clrMapOvr>
+    <a:masterClrMapping/>
+  </p:clrMapOvr>
+</p:sld>
+</file>
+
+<file path=ppt/slides/slide10.xml><?xml version="1.0" encoding="utf-8"?>
+<p:sld xmlns:a="http://schemas.openxmlformats.org/drawingml/2006/main" xmlns:r="http://schemas.openxmlformats.org/officeDocument/2006/relationships" xmlns:p="http://schemas.openxmlformats.org/presentationml/2006/main">
+  <p:cSld>
+    <p:bg>
+      <p:bgPr>
+        <a:solidFill>
+          <a:schemeClr val="bg1"/>
+        </a:solidFill>
+        <a:effectLst/>
+      </p:bgPr>
+    </p:bg>
+    <p:spTree>
+      <p:nvGrpSpPr>
+        <p:cNvPr id="1" name=""/>
+        <p:cNvGrpSpPr/>
+        <p:nvPr/>
+      </p:nvGrpSpPr>
+      <p:grpSpPr>
+        <a:xfrm>
+          <a:off x="0" y="0"/>
+          <a:ext cx="0" cy="0"/>
+          <a:chOff x="0" y="0"/>
+          <a:chExt cx="0" cy="0"/>
+        </a:xfrm>
+      </p:grpSpPr>
+      <p:pic>
+        <p:nvPicPr>
+          <p:cNvPr id="4" name="Shape 143" descr="logosis1.png"/>
+          <p:cNvPicPr preferRelativeResize="0"/>
+          <p:nvPr/>
+        </p:nvPicPr>
+        <p:blipFill>
+          <a:blip r:embed="rId2">
+            <a:alphaModFix/>
+          </a:blip>
+          <a:stretch>
+            <a:fillRect/>
+          </a:stretch>
+        </p:blipFill>
+        <p:spPr>
+          <a:xfrm>
+            <a:off x="7249711" y="3723878"/>
+            <a:ext cx="1894288" cy="1419622"/>
+          </a:xfrm>
+          <a:prstGeom prst="rect">
+            <a:avLst/>
+          </a:prstGeom>
+          <a:noFill/>
+          <a:ln>
+            <a:noFill/>
+          </a:ln>
+        </p:spPr>
+      </p:pic>
+      <p:sp>
+        <p:nvSpPr>
+          <p:cNvPr id="5" name="4 CuadroTexto"/>
+          <p:cNvSpPr txBox="1"/>
+          <p:nvPr/>
+        </p:nvSpPr>
+        <p:spPr>
+          <a:xfrm>
+            <a:off x="213888" y="123478"/>
+            <a:ext cx="7035823" cy="646331"/>
+          </a:xfrm>
+          <a:prstGeom prst="rect">
+            <a:avLst/>
+          </a:prstGeom>
+          <a:noFill/>
+        </p:spPr>
+        <p:txBody>
+          <a:bodyPr wrap="square" rtlCol="0">
+            <a:spAutoFit/>
+          </a:bodyPr>
+          <a:lstStyle/>
+          <a:p>
+            <a:r>
+              <a:rPr lang="es-ES" sz="3600" b="1" dirty="0">
+                <a:ln w="12700">
+                  <a:solidFill>
+                    <a:schemeClr val="tx2">
+                      <a:satMod val="155000"/>
+                    </a:schemeClr>
+                  </a:solidFill>
+                  <a:prstDash val="solid"/>
+                </a:ln>
+                <a:solidFill>
+                  <a:schemeClr val="tx1"/>
+                </a:solidFill>
+                <a:effectLst>
+                  <a:outerShdw blurRad="41275" dist="20320" dir="1800000" algn="tl" rotWithShape="0">
+                    <a:srgbClr val="000000">
+                      <a:alpha val="40000"/>
+                    </a:srgbClr>
+                  </a:outerShdw>
+                </a:effectLst>
+                <a:latin typeface="Rockwell" panose="02060603020205020403" pitchFamily="18" charset="0"/>
+              </a:rPr>
+              <a:t>Lista de Adyacencia</a:t>
+            </a:r>
+            <a:endParaRPr lang="es-CO" sz="1200" dirty="0">
+              <a:latin typeface="Rockwell" panose="02060603020205020403" pitchFamily="18" charset="0"/>
+            </a:endParaRPr>
+          </a:p>
+        </p:txBody>
+      </p:sp>
+      <p:sp>
+        <p:nvSpPr>
+          <p:cNvPr id="7" name="6 CuadroTexto"/>
+          <p:cNvSpPr txBox="1"/>
+          <p:nvPr/>
+        </p:nvSpPr>
+        <p:spPr>
+          <a:xfrm>
+            <a:off x="141880" y="827876"/>
+            <a:ext cx="7382448" cy="1815882"/>
+          </a:xfrm>
+          <a:prstGeom prst="rect">
+            <a:avLst/>
+          </a:prstGeom>
+          <a:noFill/>
+        </p:spPr>
+        <p:txBody>
+          <a:bodyPr wrap="square" rtlCol="0">
+            <a:spAutoFit/>
+          </a:bodyPr>
+          <a:lstStyle/>
+          <a:p>
+            <a:r>
+              <a:rPr lang="es-CO" sz="2800" b="1" dirty="0">
+                <a:solidFill>
+                  <a:srgbClr val="002060"/>
+                </a:solidFill>
+                <a:latin typeface="Gabriola" panose="04040605051002020D02" pitchFamily="82" charset="0"/>
+                <a:cs typeface="DaunPenh" panose="01010101010101010101" pitchFamily="2" charset="0"/>
+              </a:rPr>
+              <a:t>Una </a:t>
+            </a:r>
+            <a:r>
+              <a:rPr lang="es-CO" sz="2800" b="1" dirty="0">
+                <a:solidFill>
+                  <a:schemeClr val="accent1">
+                    <a:lumMod val="50000"/>
+                  </a:schemeClr>
+                </a:solidFill>
+                <a:latin typeface="Gabriola" panose="04040605051002020D02" pitchFamily="82" charset="0"/>
+                <a:cs typeface="DaunPenh" panose="01010101010101010101" pitchFamily="2" charset="0"/>
+              </a:rPr>
+              <a:t>lista de adyacencia</a:t>
+            </a:r>
+            <a:r>
+              <a:rPr lang="es-CO" sz="2800" b="1" dirty="0">
+                <a:solidFill>
+                  <a:srgbClr val="002060"/>
+                </a:solidFill>
+                <a:latin typeface="Gabriola" panose="04040605051002020D02" pitchFamily="82" charset="0"/>
+                <a:cs typeface="DaunPenh" panose="01010101010101010101" pitchFamily="2" charset="0"/>
+              </a:rPr>
+              <a:t> es una representación de todas las aristas de un grafo mediante una lista.</a:t>
+            </a:r>
+            <a:r>
+              <a:rPr lang="es-CO" dirty="0"/>
+              <a:t> </a:t>
+            </a:r>
+            <a:r>
+              <a:rPr lang="es-CO" sz="2800" b="1" dirty="0">
+                <a:solidFill>
+                  <a:srgbClr val="002060"/>
+                </a:solidFill>
+                <a:latin typeface="Gabriola" panose="04040605051002020D02" pitchFamily="82" charset="0"/>
+                <a:cs typeface="DaunPenh" panose="01010101010101010101" pitchFamily="2" charset="0"/>
+              </a:rPr>
+              <a:t>Se asocia a cada nodo del grafo una lista que contenga todos aquellos nodos que sean adyacentes a él.</a:t>
+            </a:r>
+          </a:p>
+          <a:p>
+            <a:endParaRPr lang="es-CO" sz="2800" b="1" dirty="0">
+              <a:solidFill>
+                <a:srgbClr val="002060"/>
+              </a:solidFill>
+              <a:latin typeface="Gabriola" panose="04040605051002020D02" pitchFamily="82" charset="0"/>
+              <a:cs typeface="DaunPenh" panose="01010101010101010101" pitchFamily="2" charset="0"/>
+            </a:endParaRPr>
+          </a:p>
+        </p:txBody>
+      </p:sp>
+      <p:pic>
+        <p:nvPicPr>
+          <p:cNvPr id="8" name="Imagen 7"/>
+          <p:cNvPicPr>
+            <a:picLocks noChangeAspect="1"/>
+          </p:cNvPicPr>
+          <p:nvPr/>
+        </p:nvPicPr>
+        <p:blipFill>
+          <a:blip r:embed="rId3"/>
+          <a:stretch>
+            <a:fillRect/>
+          </a:stretch>
+        </p:blipFill>
+        <p:spPr>
+          <a:xfrm>
+            <a:off x="305338" y="2569717"/>
+            <a:ext cx="6498910" cy="2162273"/>
+          </a:xfrm>
+          <a:prstGeom prst="rect">
+            <a:avLst/>
+          </a:prstGeom>
+        </p:spPr>
+      </p:pic>
+    </p:spTree>
+    <p:extLst>
+      <p:ext uri="{BB962C8B-B14F-4D97-AF65-F5344CB8AC3E}">
+        <p14:creationId xmlns:p14="http://schemas.microsoft.com/office/powerpoint/2010/main" val="1526532328"/>
+      </p:ext>
+    </p:extLst>
+  </p:cSld>
+  <p:clrMapOvr>
+    <a:masterClrMapping/>
+  </p:clrMapOvr>
+</p:sld>
+</file>
+
+<file path=ppt/slides/slide11.xml><?xml version="1.0" encoding="utf-8"?>
+<p:sld xmlns:a="http://schemas.openxmlformats.org/drawingml/2006/main" xmlns:r="http://schemas.openxmlformats.org/officeDocument/2006/relationships" xmlns:p="http://schemas.openxmlformats.org/presentationml/2006/main" showMasterSp="0">
+  <p:cSld>
+    <p:bg>
+      <p:bgPr>
+        <a:solidFill>
+          <a:schemeClr val="tx2"/>
+        </a:solidFill>
+        <a:effectLst/>
+      </p:bgPr>
+    </p:bg>
+    <p:spTree>
+      <p:nvGrpSpPr>
+        <p:cNvPr id="1" name=""/>
+        <p:cNvGrpSpPr/>
+        <p:nvPr/>
+      </p:nvGrpSpPr>
+      <p:grpSpPr>
+        <a:xfrm>
+          <a:off x="0" y="0"/>
+          <a:ext cx="0" cy="0"/>
+          <a:chOff x="0" y="0"/>
+          <a:chExt cx="0" cy="0"/>
+        </a:xfrm>
+      </p:grpSpPr>
+      <p:pic>
+        <p:nvPicPr>
+          <p:cNvPr id="4" name="Shape 143" descr="logosis1.png"/>
+          <p:cNvPicPr preferRelativeResize="0"/>
+          <p:nvPr/>
+        </p:nvPicPr>
+        <p:blipFill>
+          <a:blip r:embed="rId2">
+            <a:alphaModFix/>
+          </a:blip>
+          <a:stretch>
+            <a:fillRect/>
+          </a:stretch>
+        </p:blipFill>
+        <p:spPr>
+          <a:xfrm>
+            <a:off x="7884368" y="4011910"/>
+            <a:ext cx="1259631" cy="1131590"/>
+          </a:xfrm>
+          <a:prstGeom prst="rect">
+            <a:avLst/>
+          </a:prstGeom>
+          <a:noFill/>
+          <a:ln>
+            <a:noFill/>
+          </a:ln>
+        </p:spPr>
+      </p:pic>
+      <p:sp>
+        <p:nvSpPr>
+          <p:cNvPr id="5" name="4 CuadroTexto"/>
+          <p:cNvSpPr txBox="1"/>
+          <p:nvPr/>
+        </p:nvSpPr>
+        <p:spPr>
+          <a:xfrm>
+            <a:off x="35496" y="125219"/>
+            <a:ext cx="7344816" cy="646331"/>
+          </a:xfrm>
+          <a:prstGeom prst="rect">
+            <a:avLst/>
+          </a:prstGeom>
+          <a:noFill/>
+        </p:spPr>
+        <p:txBody>
+          <a:bodyPr wrap="square" rtlCol="0">
+            <a:spAutoFit/>
+          </a:bodyPr>
+          <a:lstStyle/>
+          <a:p>
+            <a:r>
+              <a:rPr lang="es-CO" sz="3600" b="1" dirty="0">
+                <a:ln w="12700">
+                  <a:solidFill>
+                    <a:schemeClr val="tx2">
+                      <a:satMod val="155000"/>
+                    </a:schemeClr>
+                  </a:solidFill>
+                  <a:prstDash val="solid"/>
+                </a:ln>
+                <a:solidFill>
+                  <a:schemeClr val="tx1"/>
+                </a:solidFill>
+                <a:effectLst>
+                  <a:outerShdw blurRad="41275" dist="20320" dir="1800000" algn="tl" rotWithShape="0">
+                    <a:srgbClr val="000000">
+                      <a:alpha val="40000"/>
+                    </a:srgbClr>
+                  </a:outerShdw>
+                </a:effectLst>
+                <a:latin typeface="Rockwell" panose="02060603020205020403" pitchFamily="18" charset="0"/>
+              </a:rPr>
+              <a:t>Búsqueda Primero en Anchura</a:t>
+            </a:r>
+          </a:p>
+        </p:txBody>
+      </p:sp>
+      <p:sp>
+        <p:nvSpPr>
+          <p:cNvPr id="7" name="6 CuadroTexto"/>
+          <p:cNvSpPr txBox="1"/>
+          <p:nvPr/>
+        </p:nvSpPr>
+        <p:spPr>
+          <a:xfrm>
+            <a:off x="35497" y="843558"/>
+            <a:ext cx="8640959" cy="4154984"/>
+          </a:xfrm>
+          <a:prstGeom prst="rect">
+            <a:avLst/>
+          </a:prstGeom>
+          <a:noFill/>
+        </p:spPr>
+        <p:txBody>
+          <a:bodyPr wrap="square" rtlCol="0">
+            <a:spAutoFit/>
+          </a:bodyPr>
+          <a:lstStyle/>
+          <a:p>
+            <a:r>
+              <a:rPr lang="es-CO" sz="2400" dirty="0" err="1">
+                <a:solidFill>
+                  <a:schemeClr val="accent1">
+                    <a:lumMod val="50000"/>
+                  </a:schemeClr>
+                </a:solidFill>
+                <a:latin typeface="Gabriola" panose="04040605051002020D02" pitchFamily="82" charset="0"/>
+                <a:cs typeface="DaunPenh" panose="01010101010101010101" pitchFamily="2" charset="0"/>
+              </a:rPr>
+              <a:t>Breadth</a:t>
+            </a:r>
+            <a:r>
+              <a:rPr lang="es-CO" sz="2400" dirty="0">
+                <a:solidFill>
+                  <a:schemeClr val="accent1">
+                    <a:lumMod val="50000"/>
+                  </a:schemeClr>
+                </a:solidFill>
+                <a:latin typeface="Gabriola" panose="04040605051002020D02" pitchFamily="82" charset="0"/>
+                <a:cs typeface="DaunPenh" panose="01010101010101010101" pitchFamily="2" charset="0"/>
+              </a:rPr>
+              <a:t> </a:t>
+            </a:r>
+            <a:r>
+              <a:rPr lang="es-CO" sz="2400" dirty="0" err="1">
+                <a:solidFill>
+                  <a:schemeClr val="accent1">
+                    <a:lumMod val="50000"/>
+                  </a:schemeClr>
+                </a:solidFill>
+                <a:latin typeface="Gabriola" panose="04040605051002020D02" pitchFamily="82" charset="0"/>
+                <a:cs typeface="DaunPenh" panose="01010101010101010101" pitchFamily="2" charset="0"/>
+              </a:rPr>
+              <a:t>First</a:t>
+            </a:r>
+            <a:r>
+              <a:rPr lang="es-CO" sz="2400" dirty="0">
+                <a:solidFill>
+                  <a:schemeClr val="accent1">
+                    <a:lumMod val="50000"/>
+                  </a:schemeClr>
+                </a:solidFill>
+                <a:latin typeface="Gabriola" panose="04040605051002020D02" pitchFamily="82" charset="0"/>
+                <a:cs typeface="DaunPenh" panose="01010101010101010101" pitchFamily="2" charset="0"/>
+              </a:rPr>
+              <a:t> </a:t>
+            </a:r>
+            <a:r>
+              <a:rPr lang="es-CO" sz="2400" dirty="0" err="1">
+                <a:solidFill>
+                  <a:schemeClr val="accent1">
+                    <a:lumMod val="50000"/>
+                  </a:schemeClr>
+                </a:solidFill>
+                <a:latin typeface="Gabriola" panose="04040605051002020D02" pitchFamily="82" charset="0"/>
+                <a:cs typeface="DaunPenh" panose="01010101010101010101" pitchFamily="2" charset="0"/>
+              </a:rPr>
+              <a:t>Search</a:t>
+            </a:r>
+            <a:r>
+              <a:rPr lang="es-CO" sz="2400" dirty="0">
+                <a:solidFill>
+                  <a:schemeClr val="accent1">
+                    <a:lumMod val="50000"/>
+                  </a:schemeClr>
+                </a:solidFill>
+                <a:latin typeface="Gabriola" panose="04040605051002020D02" pitchFamily="82" charset="0"/>
+                <a:cs typeface="DaunPenh" panose="01010101010101010101" pitchFamily="2" charset="0"/>
+              </a:rPr>
+              <a:t> </a:t>
+            </a:r>
+            <a:r>
+              <a:rPr lang="es-CO" sz="2400" dirty="0">
+                <a:solidFill>
+                  <a:srgbClr val="002060"/>
+                </a:solidFill>
+                <a:latin typeface="Gabriola" panose="04040605051002020D02" pitchFamily="82" charset="0"/>
+                <a:cs typeface="DaunPenh" panose="01010101010101010101" pitchFamily="2" charset="0"/>
+              </a:rPr>
+              <a:t>abreviado como </a:t>
+            </a:r>
+            <a:r>
+              <a:rPr lang="es-CO" sz="2400" dirty="0">
+                <a:solidFill>
+                  <a:schemeClr val="accent1">
+                    <a:lumMod val="50000"/>
+                  </a:schemeClr>
+                </a:solidFill>
+                <a:latin typeface="Gabriola" panose="04040605051002020D02" pitchFamily="82" charset="0"/>
+                <a:cs typeface="DaunPenh" panose="01010101010101010101" pitchFamily="2" charset="0"/>
+              </a:rPr>
+              <a:t>BFS</a:t>
+            </a:r>
+            <a:r>
+              <a:rPr lang="es-CO" sz="2400" dirty="0">
+                <a:solidFill>
+                  <a:srgbClr val="002060"/>
+                </a:solidFill>
+                <a:latin typeface="Gabriola" panose="04040605051002020D02" pitchFamily="82" charset="0"/>
+                <a:cs typeface="DaunPenh" panose="01010101010101010101" pitchFamily="2" charset="0"/>
+              </a:rPr>
+              <a:t>, es otro algoritmo de recorrido de grafos. Partiendo de un vértice fuente (inicial) conocido, el </a:t>
+            </a:r>
+            <a:r>
+              <a:rPr lang="es-CO" sz="2400" dirty="0">
+                <a:solidFill>
+                  <a:schemeClr val="accent1">
+                    <a:lumMod val="50000"/>
+                  </a:schemeClr>
+                </a:solidFill>
+                <a:latin typeface="Gabriola" panose="04040605051002020D02" pitchFamily="82" charset="0"/>
+                <a:cs typeface="DaunPenh" panose="01010101010101010101" pitchFamily="2" charset="0"/>
+              </a:rPr>
+              <a:t>BFS</a:t>
+            </a:r>
+            <a:r>
+              <a:rPr lang="es-CO" sz="2400" dirty="0">
+                <a:solidFill>
+                  <a:srgbClr val="002060"/>
+                </a:solidFill>
+                <a:latin typeface="Gabriola" panose="04040605051002020D02" pitchFamily="82" charset="0"/>
+                <a:cs typeface="DaunPenh" panose="01010101010101010101" pitchFamily="2" charset="0"/>
+              </a:rPr>
+              <a:t> recorrerá el grafo “primero en anchura”. Esto es porque el </a:t>
+            </a:r>
+            <a:r>
+              <a:rPr lang="es-CO" sz="2400" dirty="0">
+                <a:solidFill>
+                  <a:schemeClr val="accent1">
+                    <a:lumMod val="50000"/>
+                  </a:schemeClr>
+                </a:solidFill>
+                <a:latin typeface="Gabriola" panose="04040605051002020D02" pitchFamily="82" charset="0"/>
+                <a:cs typeface="DaunPenh" panose="01010101010101010101" pitchFamily="2" charset="0"/>
+              </a:rPr>
+              <a:t>BFS</a:t>
+            </a:r>
+            <a:r>
+              <a:rPr lang="es-CO" sz="2400" dirty="0">
+                <a:solidFill>
+                  <a:srgbClr val="002060"/>
+                </a:solidFill>
+                <a:latin typeface="Gabriola" panose="04040605051002020D02" pitchFamily="82" charset="0"/>
+                <a:cs typeface="DaunPenh" panose="01010101010101010101" pitchFamily="2" charset="0"/>
+              </a:rPr>
+              <a:t> visitará los nodos que son directamente vecinos del nodo inicial (primera capa), después los vecinos de los directamente vecinos (segunda capa) y así sucesivamente, capa por capa. </a:t>
+            </a:r>
+            <a:r>
+              <a:rPr lang="es-CO" sz="2400" dirty="0">
+                <a:solidFill>
+                  <a:schemeClr val="accent2">
+                    <a:lumMod val="50000"/>
+                  </a:schemeClr>
+                </a:solidFill>
+                <a:latin typeface="Gabriola" panose="04040605051002020D02" pitchFamily="82" charset="0"/>
+                <a:cs typeface="DaunPenh" panose="01010101010101010101" pitchFamily="2" charset="0"/>
+              </a:rPr>
+              <a:t>El </a:t>
+            </a:r>
+            <a:r>
+              <a:rPr lang="es-CO" sz="2400" dirty="0">
+                <a:solidFill>
+                  <a:schemeClr val="accent1">
+                    <a:lumMod val="50000"/>
+                  </a:schemeClr>
+                </a:solidFill>
+                <a:latin typeface="Gabriola" panose="04040605051002020D02" pitchFamily="82" charset="0"/>
+                <a:cs typeface="DaunPenh" panose="01010101010101010101" pitchFamily="2" charset="0"/>
+              </a:rPr>
+              <a:t>BFS </a:t>
+            </a:r>
+            <a:r>
+              <a:rPr lang="es-CO" sz="2400" dirty="0">
+                <a:solidFill>
+                  <a:srgbClr val="002060"/>
+                </a:solidFill>
+                <a:latin typeface="Gabriola" panose="04040605051002020D02" pitchFamily="82" charset="0"/>
+                <a:cs typeface="DaunPenh" panose="01010101010101010101" pitchFamily="2" charset="0"/>
+              </a:rPr>
+              <a:t>empieza con la inserción del nodo inicial a la cola, luego procesa la cola de la siguiente manera: Saca el nodo U superior de la cola, y desencola todos los vecinos no visitados de U, y los marca como visitados. Con la ayuda de la cola, el </a:t>
+            </a:r>
+            <a:r>
+              <a:rPr lang="es-CO" sz="2400" dirty="0">
+                <a:solidFill>
+                  <a:schemeClr val="accent1">
+                    <a:lumMod val="50000"/>
+                  </a:schemeClr>
+                </a:solidFill>
+                <a:latin typeface="Gabriola" panose="04040605051002020D02" pitchFamily="82" charset="0"/>
+                <a:cs typeface="DaunPenh" panose="01010101010101010101" pitchFamily="2" charset="0"/>
+              </a:rPr>
+              <a:t>BFS</a:t>
+            </a:r>
+            <a:r>
+              <a:rPr lang="es-CO" sz="2400" dirty="0">
+                <a:solidFill>
+                  <a:srgbClr val="002060"/>
+                </a:solidFill>
+                <a:latin typeface="Gabriola" panose="04040605051002020D02" pitchFamily="82" charset="0"/>
+                <a:cs typeface="DaunPenh" panose="01010101010101010101" pitchFamily="2" charset="0"/>
+              </a:rPr>
+              <a:t> visitará el nodo inicial y todos los nodos del componente conectado que contiene el nodo inicial capa por capa.</a:t>
+            </a:r>
+          </a:p>
+          <a:p>
+            <a:r>
+              <a:rPr lang="es-CO" sz="2400" dirty="0">
+                <a:solidFill>
+                  <a:srgbClr val="002060"/>
+                </a:solidFill>
+                <a:latin typeface="Gabriola" panose="04040605051002020D02" pitchFamily="82" charset="0"/>
+                <a:cs typeface="DaunPenh" panose="01010101010101010101" pitchFamily="2" charset="0"/>
+              </a:rPr>
+              <a:t>El algoritmo </a:t>
+            </a:r>
+            <a:r>
+              <a:rPr lang="es-CO" sz="2400" dirty="0">
+                <a:solidFill>
+                  <a:schemeClr val="accent1">
+                    <a:lumMod val="50000"/>
+                  </a:schemeClr>
+                </a:solidFill>
+                <a:latin typeface="Gabriola" panose="04040605051002020D02" pitchFamily="82" charset="0"/>
+                <a:cs typeface="DaunPenh" panose="01010101010101010101" pitchFamily="2" charset="0"/>
+              </a:rPr>
+              <a:t>BFS </a:t>
+            </a:r>
+            <a:r>
+              <a:rPr lang="es-CO" sz="2400" dirty="0">
+                <a:solidFill>
+                  <a:srgbClr val="002060"/>
+                </a:solidFill>
+                <a:latin typeface="Gabriola" panose="04040605051002020D02" pitchFamily="82" charset="0"/>
+                <a:cs typeface="DaunPenh" panose="01010101010101010101" pitchFamily="2" charset="0"/>
+              </a:rPr>
+              <a:t>se ejecuta en O(V + E) usando una </a:t>
+            </a:r>
+            <a:r>
+              <a:rPr lang="es-CO" sz="2400" dirty="0">
+                <a:solidFill>
+                  <a:schemeClr val="accent1">
+                    <a:lumMod val="50000"/>
+                  </a:schemeClr>
+                </a:solidFill>
+                <a:latin typeface="Gabriola" panose="04040605051002020D02" pitchFamily="82" charset="0"/>
+                <a:cs typeface="DaunPenh" panose="01010101010101010101" pitchFamily="2" charset="0"/>
+              </a:rPr>
+              <a:t>lista de adyacencia </a:t>
+            </a:r>
+            <a:r>
+              <a:rPr lang="es-CO" sz="2400" dirty="0">
+                <a:solidFill>
+                  <a:srgbClr val="002060"/>
+                </a:solidFill>
+                <a:latin typeface="Gabriola" panose="04040605051002020D02" pitchFamily="82" charset="0"/>
+                <a:cs typeface="DaunPenh" panose="01010101010101010101" pitchFamily="2" charset="0"/>
+              </a:rPr>
+              <a:t>y en O(V^2) usando una </a:t>
+            </a:r>
+            <a:r>
+              <a:rPr lang="es-CO" sz="2400" dirty="0">
+                <a:solidFill>
+                  <a:schemeClr val="accent1">
+                    <a:lumMod val="50000"/>
+                  </a:schemeClr>
+                </a:solidFill>
+                <a:latin typeface="Gabriola" panose="04040605051002020D02" pitchFamily="82" charset="0"/>
+                <a:cs typeface="DaunPenh" panose="01010101010101010101" pitchFamily="2" charset="0"/>
+              </a:rPr>
+              <a:t>matriz de adyacencia</a:t>
+            </a:r>
+            <a:r>
+              <a:rPr lang="es-CO" sz="2400" dirty="0">
+                <a:solidFill>
+                  <a:srgbClr val="002060"/>
+                </a:solidFill>
+                <a:latin typeface="Gabriola" panose="04040605051002020D02" pitchFamily="82" charset="0"/>
+                <a:cs typeface="DaunPenh" panose="01010101010101010101" pitchFamily="2" charset="0"/>
+              </a:rPr>
+              <a:t>.</a:t>
+            </a:r>
+            <a:endParaRPr lang="es-CO" sz="2800" dirty="0">
+              <a:solidFill>
+                <a:srgbClr val="002060"/>
+              </a:solidFill>
+              <a:latin typeface="Gabriola" panose="04040605051002020D02" pitchFamily="82" charset="0"/>
+              <a:cs typeface="DaunPenh" panose="01010101010101010101" pitchFamily="2" charset="0"/>
             </a:endParaRPr>
           </a:p>
         </p:txBody>
@@ -17235,7 +17903,371 @@
     </p:spTree>
     <p:extLst>
       <p:ext uri="{BB962C8B-B14F-4D97-AF65-F5344CB8AC3E}">
-        <p14:creationId xmlns:p14="http://schemas.microsoft.com/office/powerpoint/2010/main" val="1617254423"/>
+        <p14:creationId xmlns:p14="http://schemas.microsoft.com/office/powerpoint/2010/main" val="2410502723"/>
+      </p:ext>
+    </p:extLst>
+  </p:cSld>
+  <p:clrMapOvr>
+    <a:masterClrMapping/>
+  </p:clrMapOvr>
+</p:sld>
+</file>
+
+<file path=ppt/slides/slide12.xml><?xml version="1.0" encoding="utf-8"?>
+<p:sld xmlns:a="http://schemas.openxmlformats.org/drawingml/2006/main" xmlns:r="http://schemas.openxmlformats.org/officeDocument/2006/relationships" xmlns:p="http://schemas.openxmlformats.org/presentationml/2006/main" showMasterSp="0">
+  <p:cSld>
+    <p:bg>
+      <p:bgPr>
+        <a:solidFill>
+          <a:schemeClr val="tx2"/>
+        </a:solidFill>
+        <a:effectLst/>
+      </p:bgPr>
+    </p:bg>
+    <p:spTree>
+      <p:nvGrpSpPr>
+        <p:cNvPr id="1" name=""/>
+        <p:cNvGrpSpPr/>
+        <p:nvPr/>
+      </p:nvGrpSpPr>
+      <p:grpSpPr>
+        <a:xfrm>
+          <a:off x="0" y="0"/>
+          <a:ext cx="0" cy="0"/>
+          <a:chOff x="0" y="0"/>
+          <a:chExt cx="0" cy="0"/>
+        </a:xfrm>
+      </p:grpSpPr>
+      <p:pic>
+        <p:nvPicPr>
+          <p:cNvPr id="4" name="Shape 143" descr="logosis1.png"/>
+          <p:cNvPicPr preferRelativeResize="0"/>
+          <p:nvPr/>
+        </p:nvPicPr>
+        <p:blipFill>
+          <a:blip r:embed="rId2">
+            <a:alphaModFix/>
+          </a:blip>
+          <a:stretch>
+            <a:fillRect/>
+          </a:stretch>
+        </p:blipFill>
+        <p:spPr>
+          <a:xfrm>
+            <a:off x="7884368" y="4011910"/>
+            <a:ext cx="1259631" cy="1131590"/>
+          </a:xfrm>
+          <a:prstGeom prst="rect">
+            <a:avLst/>
+          </a:prstGeom>
+          <a:noFill/>
+          <a:ln>
+            <a:noFill/>
+          </a:ln>
+        </p:spPr>
+      </p:pic>
+      <p:sp>
+        <p:nvSpPr>
+          <p:cNvPr id="5" name="4 CuadroTexto"/>
+          <p:cNvSpPr txBox="1"/>
+          <p:nvPr/>
+        </p:nvSpPr>
+        <p:spPr>
+          <a:xfrm>
+            <a:off x="35496" y="125219"/>
+            <a:ext cx="8208912" cy="646331"/>
+          </a:xfrm>
+          <a:prstGeom prst="rect">
+            <a:avLst/>
+          </a:prstGeom>
+          <a:noFill/>
+        </p:spPr>
+        <p:txBody>
+          <a:bodyPr wrap="square" rtlCol="0">
+            <a:spAutoFit/>
+          </a:bodyPr>
+          <a:lstStyle/>
+          <a:p>
+            <a:r>
+              <a:rPr lang="es-CO" sz="3600" b="1" dirty="0">
+                <a:ln w="12700">
+                  <a:solidFill>
+                    <a:schemeClr val="tx2">
+                      <a:satMod val="155000"/>
+                    </a:schemeClr>
+                  </a:solidFill>
+                  <a:prstDash val="solid"/>
+                </a:ln>
+                <a:solidFill>
+                  <a:schemeClr val="tx1"/>
+                </a:solidFill>
+                <a:effectLst>
+                  <a:outerShdw blurRad="41275" dist="20320" dir="1800000" algn="tl" rotWithShape="0">
+                    <a:srgbClr val="000000">
+                      <a:alpha val="40000"/>
+                    </a:srgbClr>
+                  </a:outerShdw>
+                </a:effectLst>
+                <a:latin typeface="Rockwell" panose="02060603020205020403" pitchFamily="18" charset="0"/>
+              </a:rPr>
+              <a:t>Búsqueda Primero en Profundidad</a:t>
+            </a:r>
+          </a:p>
+        </p:txBody>
+      </p:sp>
+      <p:sp>
+        <p:nvSpPr>
+          <p:cNvPr id="7" name="6 CuadroTexto"/>
+          <p:cNvSpPr txBox="1"/>
+          <p:nvPr/>
+        </p:nvSpPr>
+        <p:spPr>
+          <a:xfrm>
+            <a:off x="35497" y="843558"/>
+            <a:ext cx="8640959" cy="461665"/>
+          </a:xfrm>
+          <a:prstGeom prst="rect">
+            <a:avLst/>
+          </a:prstGeom>
+          <a:noFill/>
+        </p:spPr>
+        <p:txBody>
+          <a:bodyPr wrap="square" rtlCol="0">
+            <a:spAutoFit/>
+          </a:bodyPr>
+          <a:lstStyle/>
+          <a:p>
+            <a:r>
+              <a:rPr lang="es-CO" sz="2400" dirty="0" err="1">
+                <a:solidFill>
+                  <a:schemeClr val="accent1">
+                    <a:lumMod val="50000"/>
+                  </a:schemeClr>
+                </a:solidFill>
+                <a:latin typeface="Gabriola" panose="04040605051002020D02" pitchFamily="82" charset="0"/>
+                <a:cs typeface="DaunPenh" panose="01010101010101010101" pitchFamily="2" charset="0"/>
+              </a:rPr>
+              <a:t>Breadth</a:t>
+            </a:r>
+            <a:r>
+              <a:rPr lang="es-CO" sz="2400" dirty="0">
+                <a:solidFill>
+                  <a:schemeClr val="accent1">
+                    <a:lumMod val="50000"/>
+                  </a:schemeClr>
+                </a:solidFill>
+                <a:latin typeface="Gabriola" panose="04040605051002020D02" pitchFamily="82" charset="0"/>
+                <a:cs typeface="DaunPenh" panose="01010101010101010101" pitchFamily="2" charset="0"/>
+              </a:rPr>
+              <a:t> </a:t>
+            </a:r>
+            <a:r>
+              <a:rPr lang="es-CO" sz="2400" dirty="0" err="1">
+                <a:solidFill>
+                  <a:schemeClr val="accent1">
+                    <a:lumMod val="50000"/>
+                  </a:schemeClr>
+                </a:solidFill>
+                <a:latin typeface="Gabriola" panose="04040605051002020D02" pitchFamily="82" charset="0"/>
+                <a:cs typeface="DaunPenh" panose="01010101010101010101" pitchFamily="2" charset="0"/>
+              </a:rPr>
+              <a:t>First</a:t>
+            </a:r>
+            <a:r>
+              <a:rPr lang="es-CO" sz="2400" dirty="0">
+                <a:solidFill>
+                  <a:schemeClr val="accent1">
+                    <a:lumMod val="50000"/>
+                  </a:schemeClr>
+                </a:solidFill>
+                <a:latin typeface="Gabriola" panose="04040605051002020D02" pitchFamily="82" charset="0"/>
+                <a:cs typeface="DaunPenh" panose="01010101010101010101" pitchFamily="2" charset="0"/>
+              </a:rPr>
+              <a:t> </a:t>
+            </a:r>
+            <a:r>
+              <a:rPr lang="es-CO" sz="2400" dirty="0" err="1">
+                <a:solidFill>
+                  <a:schemeClr val="accent1">
+                    <a:lumMod val="50000"/>
+                  </a:schemeClr>
+                </a:solidFill>
+                <a:latin typeface="Gabriola" panose="04040605051002020D02" pitchFamily="82" charset="0"/>
+                <a:cs typeface="DaunPenh" panose="01010101010101010101" pitchFamily="2" charset="0"/>
+              </a:rPr>
+              <a:t>Search</a:t>
+            </a:r>
+            <a:r>
+              <a:rPr lang="es-CO" sz="2400">
+                <a:solidFill>
+                  <a:schemeClr val="accent1">
+                    <a:lumMod val="50000"/>
+                  </a:schemeClr>
+                </a:solidFill>
+                <a:latin typeface="Gabriola" panose="04040605051002020D02" pitchFamily="82" charset="0"/>
+                <a:cs typeface="DaunPenh" panose="01010101010101010101" pitchFamily="2" charset="0"/>
+              </a:rPr>
+              <a:t>….</a:t>
+            </a:r>
+            <a:endParaRPr lang="es-CO" sz="2800" dirty="0">
+              <a:solidFill>
+                <a:srgbClr val="002060"/>
+              </a:solidFill>
+              <a:latin typeface="Gabriola" panose="04040605051002020D02" pitchFamily="82" charset="0"/>
+              <a:cs typeface="DaunPenh" panose="01010101010101010101" pitchFamily="2" charset="0"/>
+            </a:endParaRPr>
+          </a:p>
+        </p:txBody>
+      </p:sp>
+    </p:spTree>
+    <p:extLst>
+      <p:ext uri="{BB962C8B-B14F-4D97-AF65-F5344CB8AC3E}">
+        <p14:creationId xmlns:p14="http://schemas.microsoft.com/office/powerpoint/2010/main" val="1446796842"/>
+      </p:ext>
+    </p:extLst>
+  </p:cSld>
+  <p:clrMapOvr>
+    <a:masterClrMapping/>
+  </p:clrMapOvr>
+</p:sld>
+</file>
+
+<file path=ppt/slides/slide13.xml><?xml version="1.0" encoding="utf-8"?>
+<p:sld xmlns:a="http://schemas.openxmlformats.org/drawingml/2006/main" xmlns:r="http://schemas.openxmlformats.org/officeDocument/2006/relationships" xmlns:p="http://schemas.openxmlformats.org/presentationml/2006/main">
+  <p:cSld>
+    <p:spTree>
+      <p:nvGrpSpPr>
+        <p:cNvPr id="1" name=""/>
+        <p:cNvGrpSpPr/>
+        <p:nvPr/>
+      </p:nvGrpSpPr>
+      <p:grpSpPr>
+        <a:xfrm>
+          <a:off x="0" y="0"/>
+          <a:ext cx="0" cy="0"/>
+          <a:chOff x="0" y="0"/>
+          <a:chExt cx="0" cy="0"/>
+        </a:xfrm>
+      </p:grpSpPr>
+      <p:pic>
+        <p:nvPicPr>
+          <p:cNvPr id="4" name="Shape 143" descr="logosis1.png"/>
+          <p:cNvPicPr preferRelativeResize="0"/>
+          <p:nvPr/>
+        </p:nvPicPr>
+        <p:blipFill>
+          <a:blip r:embed="rId2">
+            <a:alphaModFix/>
+          </a:blip>
+          <a:stretch>
+            <a:fillRect/>
+          </a:stretch>
+        </p:blipFill>
+        <p:spPr>
+          <a:xfrm>
+            <a:off x="6901818" y="3657601"/>
+            <a:ext cx="2242181" cy="1485899"/>
+          </a:xfrm>
+          <a:prstGeom prst="rect">
+            <a:avLst/>
+          </a:prstGeom>
+          <a:noFill/>
+          <a:ln>
+            <a:noFill/>
+          </a:ln>
+        </p:spPr>
+      </p:pic>
+      <p:sp>
+        <p:nvSpPr>
+          <p:cNvPr id="5" name="4 CuadroTexto"/>
+          <p:cNvSpPr txBox="1"/>
+          <p:nvPr/>
+        </p:nvSpPr>
+        <p:spPr>
+          <a:xfrm>
+            <a:off x="107504" y="123478"/>
+            <a:ext cx="7035823" cy="646331"/>
+          </a:xfrm>
+          <a:prstGeom prst="rect">
+            <a:avLst/>
+          </a:prstGeom>
+          <a:noFill/>
+        </p:spPr>
+        <p:txBody>
+          <a:bodyPr wrap="square" rtlCol="0">
+            <a:spAutoFit/>
+          </a:bodyPr>
+          <a:lstStyle/>
+          <a:p>
+            <a:r>
+              <a:rPr lang="es-ES" sz="3600" b="1" dirty="0" err="1">
+                <a:ln w="12700">
+                  <a:solidFill>
+                    <a:schemeClr val="tx2">
+                      <a:satMod val="155000"/>
+                    </a:schemeClr>
+                  </a:solidFill>
+                  <a:prstDash val="solid"/>
+                </a:ln>
+                <a:solidFill>
+                  <a:schemeClr val="tx1"/>
+                </a:solidFill>
+                <a:effectLst>
+                  <a:outerShdw blurRad="41275" dist="20320" dir="1800000" algn="tl" rotWithShape="0">
+                    <a:srgbClr val="000000">
+                      <a:alpha val="40000"/>
+                    </a:srgbClr>
+                  </a:outerShdw>
+                </a:effectLst>
+                <a:latin typeface="Rockwell" panose="02060603020205020403" pitchFamily="18" charset="0"/>
+              </a:rPr>
+              <a:t>lslslslslsls</a:t>
+            </a:r>
+            <a:endParaRPr lang="es-CO" sz="1200" dirty="0">
+              <a:latin typeface="Rockwell" panose="02060603020205020403" pitchFamily="18" charset="0"/>
+            </a:endParaRPr>
+          </a:p>
+        </p:txBody>
+      </p:sp>
+      <p:sp>
+        <p:nvSpPr>
+          <p:cNvPr id="7" name="6 CuadroTexto"/>
+          <p:cNvSpPr txBox="1"/>
+          <p:nvPr/>
+        </p:nvSpPr>
+        <p:spPr>
+          <a:xfrm>
+            <a:off x="215515" y="843558"/>
+            <a:ext cx="8100901" cy="523220"/>
+          </a:xfrm>
+          <a:prstGeom prst="rect">
+            <a:avLst/>
+          </a:prstGeom>
+          <a:noFill/>
+        </p:spPr>
+        <p:txBody>
+          <a:bodyPr wrap="square" rtlCol="0">
+            <a:spAutoFit/>
+          </a:bodyPr>
+          <a:lstStyle/>
+          <a:p>
+            <a:r>
+              <a:rPr lang="es-CO" sz="2800" b="1" dirty="0">
+                <a:solidFill>
+                  <a:srgbClr val="002060"/>
+                </a:solidFill>
+                <a:latin typeface="Gabriola" panose="04040605051002020D02" pitchFamily="82" charset="0"/>
+                <a:cs typeface="DaunPenh" panose="01010101010101010101" pitchFamily="2" charset="0"/>
+              </a:rPr>
+              <a:t>S </a:t>
+            </a:r>
+          </a:p>
+        </p:txBody>
+      </p:sp>
+    </p:spTree>
+    <p:extLst>
+      <p:ext uri="{BB962C8B-B14F-4D97-AF65-F5344CB8AC3E}">
+        <p14:creationId xmlns:p14="http://schemas.microsoft.com/office/powerpoint/2010/main" val="2781779075"/>
       </p:ext>
     </p:extLst>
   </p:cSld>
@@ -17298,7 +18330,7 @@
         </p:nvSpPr>
         <p:spPr>
           <a:xfrm>
-            <a:off x="788855" y="195486"/>
+            <a:off x="683568" y="352276"/>
             <a:ext cx="5076371" cy="923330"/>
           </a:xfrm>
           <a:prstGeom prst="rect">
@@ -17332,7 +18364,7 @@
                     </a:srgbClr>
                   </a:outerShdw>
                 </a:effectLst>
-                <a:latin typeface="Cataneo BT" panose="03020802040502060804" pitchFamily="66" charset="0"/>
+                <a:latin typeface="Rockwell" panose="02060603020205020403" pitchFamily="18" charset="0"/>
               </a:rPr>
               <a:t>Qué es un Grafo? </a:t>
             </a:r>
@@ -17375,55 +18407,7 @@
                 <a:latin typeface="Gabriola" panose="04040605051002020D02" pitchFamily="82" charset="0"/>
                 <a:cs typeface="Arabic Typesetting" panose="03020402040406030203" pitchFamily="66" charset="-78"/>
               </a:rPr>
-              <a:t>U</a:t>
-            </a:r>
-            <a:r>
-              <a:rPr lang="es-CO" sz="2800" b="1" dirty="0" smtClean="0">
-                <a:solidFill>
-                  <a:schemeClr val="accent2">
-                    <a:lumMod val="50000"/>
-                  </a:schemeClr>
-                </a:solidFill>
-                <a:latin typeface="Gabriola" panose="04040605051002020D02" pitchFamily="82" charset="0"/>
-                <a:cs typeface="Arabic Typesetting" panose="03020402040406030203" pitchFamily="66" charset="-78"/>
-              </a:rPr>
-              <a:t>n </a:t>
-            </a:r>
-            <a:r>
-              <a:rPr lang="es-CO" sz="2800" b="1" dirty="0">
-                <a:solidFill>
-                  <a:schemeClr val="accent2">
-                    <a:lumMod val="50000"/>
-                  </a:schemeClr>
-                </a:solidFill>
-                <a:latin typeface="Gabriola" panose="04040605051002020D02" pitchFamily="82" charset="0"/>
-                <a:cs typeface="Arabic Typesetting" panose="03020402040406030203" pitchFamily="66" charset="-78"/>
-              </a:rPr>
-              <a:t>grafo </a:t>
-            </a:r>
-            <a:r>
-              <a:rPr lang="es-CO" sz="2800" b="1" dirty="0" smtClean="0">
-                <a:solidFill>
-                  <a:schemeClr val="accent2">
-                    <a:lumMod val="50000"/>
-                  </a:schemeClr>
-                </a:solidFill>
-                <a:latin typeface="Gabriola" panose="04040605051002020D02" pitchFamily="82" charset="0"/>
-                <a:cs typeface="Arabic Typesetting" panose="03020402040406030203" pitchFamily="66" charset="-78"/>
-              </a:rPr>
-              <a:t>G es </a:t>
-            </a:r>
-            <a:r>
-              <a:rPr lang="es-CO" sz="2800" b="1" dirty="0">
-                <a:solidFill>
-                  <a:schemeClr val="accent2">
-                    <a:lumMod val="50000"/>
-                  </a:schemeClr>
-                </a:solidFill>
-                <a:latin typeface="Gabriola" panose="04040605051002020D02" pitchFamily="82" charset="0"/>
-                <a:cs typeface="Arabic Typesetting" panose="03020402040406030203" pitchFamily="66" charset="-78"/>
-              </a:rPr>
-              <a:t>un conjunto de objetos llamados </a:t>
+              <a:t>Un grafo G es un conjunto de objetos llamados </a:t>
             </a:r>
             <a:r>
               <a:rPr lang="es-CO" sz="2800" b="1" dirty="0">
@@ -17467,41 +18451,8 @@
                 <a:latin typeface="Gabriola" panose="04040605051002020D02" pitchFamily="82" charset="0"/>
                 <a:cs typeface="Arabic Typesetting" panose="03020402040406030203" pitchFamily="66" charset="-78"/>
               </a:rPr>
-              <a:t>, las cuales permiten representar relaciones </a:t>
+              <a:t>, las cuales permiten representar relaciones binarias entre  ellos.</a:t>
             </a:r>
-            <a:r>
-              <a:rPr lang="es-CO" sz="2800" b="1" dirty="0" smtClean="0">
-                <a:solidFill>
-                  <a:schemeClr val="accent2">
-                    <a:lumMod val="50000"/>
-                  </a:schemeClr>
-                </a:solidFill>
-                <a:latin typeface="Gabriola" panose="04040605051002020D02" pitchFamily="82" charset="0"/>
-                <a:cs typeface="Arabic Typesetting" panose="03020402040406030203" pitchFamily="66" charset="-78"/>
-              </a:rPr>
-              <a:t>binarias entre  ellos</a:t>
-            </a:r>
-            <a:r>
-              <a:rPr lang="es-CO" sz="2800" b="1" dirty="0">
-                <a:solidFill>
-                  <a:schemeClr val="accent2">
-                    <a:lumMod val="50000"/>
-                  </a:schemeClr>
-                </a:solidFill>
-                <a:latin typeface="Gabriola" panose="04040605051002020D02" pitchFamily="82" charset="0"/>
-                <a:cs typeface="Arabic Typesetting" panose="03020402040406030203" pitchFamily="66" charset="-78"/>
-              </a:rPr>
-              <a:t>.</a:t>
-            </a:r>
-            <a:endParaRPr lang="es-CO" sz="2800" b="1" dirty="0">
-              <a:solidFill>
-                <a:schemeClr val="accent2">
-                  <a:lumMod val="50000"/>
-                </a:schemeClr>
-              </a:solidFill>
-              <a:latin typeface="Gabriola" panose="04040605051002020D02" pitchFamily="82" charset="0"/>
-              <a:cs typeface="Arabic Typesetting" panose="03020402040406030203" pitchFamily="66" charset="-78"/>
-            </a:endParaRPr>
           </a:p>
         </p:txBody>
       </p:sp>
@@ -17558,7 +18509,7 @@
           <a:lstStyle/>
           <a:p>
             <a:r>
-              <a:rPr lang="es-CO" sz="2000" dirty="0" smtClean="0">
+              <a:rPr lang="es-CO" sz="2000" dirty="0">
                 <a:solidFill>
                   <a:schemeClr val="accent2">
                     <a:lumMod val="50000"/>
@@ -17692,55 +18643,10 @@
                     </a:srgbClr>
                   </a:outerShdw>
                 </a:effectLst>
-                <a:latin typeface="Cataneo BT" panose="03020802040502060804" pitchFamily="66" charset="0"/>
+                <a:latin typeface="Rockwell" panose="02060603020205020403" pitchFamily="18" charset="0"/>
               </a:rPr>
-              <a:t>Qué es </a:t>
+              <a:t>Qué es una Arista? </a:t>
             </a:r>
-            <a:r>
-              <a:rPr lang="es-ES" sz="4000" b="1" dirty="0" smtClean="0">
-                <a:ln w="12700">
-                  <a:solidFill>
-                    <a:schemeClr val="tx2">
-                      <a:satMod val="155000"/>
-                    </a:schemeClr>
-                  </a:solidFill>
-                  <a:prstDash val="solid"/>
-                </a:ln>
-                <a:solidFill>
-                  <a:schemeClr val="tx1"/>
-                </a:solidFill>
-                <a:effectLst>
-                  <a:outerShdw blurRad="41275" dist="20320" dir="1800000" algn="tl" rotWithShape="0">
-                    <a:srgbClr val="000000">
-                      <a:alpha val="40000"/>
-                    </a:srgbClr>
-                  </a:outerShdw>
-                </a:effectLst>
-                <a:latin typeface="Cataneo BT" panose="03020802040502060804" pitchFamily="66" charset="0"/>
-              </a:rPr>
-              <a:t>una Arista? </a:t>
-            </a:r>
-            <a:endParaRPr lang="es-ES" sz="4000" b="1" dirty="0">
-              <a:ln w="12700">
-                <a:solidFill>
-                  <a:schemeClr val="tx2">
-                    <a:satMod val="155000"/>
-                  </a:schemeClr>
-                </a:solidFill>
-                <a:prstDash val="solid"/>
-              </a:ln>
-              <a:solidFill>
-                <a:schemeClr val="tx1"/>
-              </a:solidFill>
-              <a:effectLst>
-                <a:outerShdw blurRad="41275" dist="20320" dir="1800000" algn="tl" rotWithShape="0">
-                  <a:srgbClr val="000000">
-                    <a:alpha val="40000"/>
-                  </a:srgbClr>
-                </a:outerShdw>
-              </a:effectLst>
-              <a:latin typeface="Cataneo BT" panose="03020802040502060804" pitchFamily="66" charset="0"/>
-            </a:endParaRPr>
           </a:p>
           <a:p>
             <a:endParaRPr lang="es-CO" dirty="0"/>
@@ -17774,7 +18680,7 @@
                 <a:solidFill>
                   <a:srgbClr val="002060"/>
                 </a:solidFill>
-                <a:latin typeface="DaunPenh" panose="01010101010101010101" pitchFamily="2" charset="0"/>
+                <a:latin typeface="Gabriola" panose="04040605051002020D02" pitchFamily="82" charset="0"/>
                 <a:cs typeface="DaunPenh" panose="01010101010101010101" pitchFamily="2" charset="0"/>
               </a:rPr>
               <a:t>En teoría de grafos, una</a:t>
@@ -17786,7 +18692,7 @@
                     <a:lumMod val="50000"/>
                   </a:schemeClr>
                 </a:solidFill>
-                <a:latin typeface="DaunPenh" panose="01010101010101010101" pitchFamily="2" charset="0"/>
+                <a:latin typeface="Gabriola" panose="04040605051002020D02" pitchFamily="82" charset="0"/>
                 <a:cs typeface="DaunPenh" panose="01010101010101010101" pitchFamily="2" charset="0"/>
               </a:rPr>
               <a:t> </a:t>
@@ -17796,7 +18702,7 @@
                 <a:solidFill>
                   <a:srgbClr val="0070C0"/>
                 </a:solidFill>
-                <a:latin typeface="DaunPenh" panose="01010101010101010101" pitchFamily="2" charset="0"/>
+                <a:latin typeface="Gabriola" panose="04040605051002020D02" pitchFamily="82" charset="0"/>
                 <a:cs typeface="DaunPenh" panose="01010101010101010101" pitchFamily="2" charset="0"/>
               </a:rPr>
               <a:t>arista </a:t>
@@ -17806,7 +18712,7 @@
                 <a:solidFill>
                   <a:srgbClr val="002060"/>
                 </a:solidFill>
-                <a:latin typeface="DaunPenh" panose="01010101010101010101" pitchFamily="2" charset="0"/>
+                <a:latin typeface="Gabriola" panose="04040605051002020D02" pitchFamily="82" charset="0"/>
                 <a:cs typeface="DaunPenh" panose="01010101010101010101" pitchFamily="2" charset="0"/>
               </a:rPr>
               <a:t>corresponde a una relación entre dos </a:t>
@@ -17816,7 +18722,7 @@
                 <a:solidFill>
                   <a:srgbClr val="0070C0"/>
                 </a:solidFill>
-                <a:latin typeface="DaunPenh" panose="01010101010101010101" pitchFamily="2" charset="0"/>
+                <a:latin typeface="Gabriola" panose="04040605051002020D02" pitchFamily="82" charset="0"/>
                 <a:cs typeface="DaunPenh" panose="01010101010101010101" pitchFamily="2" charset="0"/>
               </a:rPr>
               <a:t>vértices </a:t>
@@ -17826,7 +18732,7 @@
                 <a:solidFill>
                   <a:srgbClr val="002060"/>
                 </a:solidFill>
-                <a:latin typeface="DaunPenh" panose="01010101010101010101" pitchFamily="2" charset="0"/>
+                <a:latin typeface="Gabriola" panose="04040605051002020D02" pitchFamily="82" charset="0"/>
                 <a:cs typeface="DaunPenh" panose="01010101010101010101" pitchFamily="2" charset="0"/>
               </a:rPr>
               <a:t>o </a:t>
@@ -17836,7 +18742,7 @@
                 <a:solidFill>
                   <a:srgbClr val="0070C0"/>
                 </a:solidFill>
-                <a:latin typeface="DaunPenh" panose="01010101010101010101" pitchFamily="2" charset="0"/>
+                <a:latin typeface="Gabriola" panose="04040605051002020D02" pitchFamily="82" charset="0"/>
                 <a:cs typeface="DaunPenh" panose="01010101010101010101" pitchFamily="2" charset="0"/>
               </a:rPr>
               <a:t>nodos </a:t>
@@ -17846,7 +18752,7 @@
                 <a:solidFill>
                   <a:srgbClr val="002060"/>
                 </a:solidFill>
-                <a:latin typeface="DaunPenh" panose="01010101010101010101" pitchFamily="2" charset="0"/>
+                <a:latin typeface="Gabriola" panose="04040605051002020D02" pitchFamily="82" charset="0"/>
                 <a:cs typeface="DaunPenh" panose="01010101010101010101" pitchFamily="2" charset="0"/>
               </a:rPr>
               <a:t>de un grafo.</a:t>
@@ -17858,37 +18764,17 @@
                 <a:solidFill>
                   <a:srgbClr val="002060"/>
                 </a:solidFill>
-                <a:latin typeface="DaunPenh" panose="01010101010101010101" pitchFamily="2" charset="0"/>
+                <a:latin typeface="Gabriola" panose="04040605051002020D02" pitchFamily="82" charset="0"/>
                 <a:cs typeface="DaunPenh" panose="01010101010101010101" pitchFamily="2" charset="0"/>
               </a:rPr>
-              <a:t>Para caracterizar un grafo G son suficientes únicamente el conjunto de todas sus aristas, comúnmente denotado con la letra E (</a:t>
-            </a:r>
-            <a:r>
-              <a:rPr lang="es-CO" sz="2800" b="1" dirty="0" smtClean="0">
-                <a:solidFill>
-                  <a:srgbClr val="002060"/>
-                </a:solidFill>
-                <a:latin typeface="DaunPenh" panose="01010101010101010101" pitchFamily="2" charset="0"/>
-                <a:cs typeface="DaunPenh" panose="01010101010101010101" pitchFamily="2" charset="0"/>
-              </a:rPr>
-              <a:t>Edge), </a:t>
+              <a:t>Para caracterizar un grafo G son suficientes únicamente el conjunto de todas sus aristas, comúnmente denotado con la letra E (Edge), junto con el conjunto de sus </a:t>
             </a:r>
             <a:r>
               <a:rPr lang="es-CO" sz="2800" b="1" dirty="0">
                 <a:solidFill>
-                  <a:srgbClr val="002060"/>
-                </a:solidFill>
-                <a:latin typeface="DaunPenh" panose="01010101010101010101" pitchFamily="2" charset="0"/>
-                <a:cs typeface="DaunPenh" panose="01010101010101010101" pitchFamily="2" charset="0"/>
-              </a:rPr>
-              <a:t>junto con el conjunto de sus </a:t>
-            </a:r>
-            <a:r>
-              <a:rPr lang="es-CO" sz="2800" b="1" dirty="0">
-                <a:solidFill>
                   <a:srgbClr val="0070C0"/>
                 </a:solidFill>
-                <a:latin typeface="DaunPenh" panose="01010101010101010101" pitchFamily="2" charset="0"/>
+                <a:latin typeface="Gabriola" panose="04040605051002020D02" pitchFamily="82" charset="0"/>
                 <a:cs typeface="DaunPenh" panose="01010101010101010101" pitchFamily="2" charset="0"/>
               </a:rPr>
               <a:t>vértices</a:t>
@@ -17898,7 +18784,7 @@
                 <a:solidFill>
                   <a:srgbClr val="002060"/>
                 </a:solidFill>
-                <a:latin typeface="DaunPenh" panose="01010101010101010101" pitchFamily="2" charset="0"/>
+                <a:latin typeface="Gabriola" panose="04040605051002020D02" pitchFamily="82" charset="0"/>
                 <a:cs typeface="DaunPenh" panose="01010101010101010101" pitchFamily="2" charset="0"/>
               </a:rPr>
               <a:t> o</a:t>
@@ -17908,7 +18794,7 @@
                 <a:solidFill>
                   <a:srgbClr val="0070C0"/>
                 </a:solidFill>
-                <a:latin typeface="DaunPenh" panose="01010101010101010101" pitchFamily="2" charset="0"/>
+                <a:latin typeface="Gabriola" panose="04040605051002020D02" pitchFamily="82" charset="0"/>
                 <a:cs typeface="DaunPenh" panose="01010101010101010101" pitchFamily="2" charset="0"/>
               </a:rPr>
               <a:t> nodos</a:t>
@@ -17918,57 +18804,23 @@
                 <a:solidFill>
                   <a:srgbClr val="002060"/>
                 </a:solidFill>
-                <a:latin typeface="DaunPenh" panose="01010101010101010101" pitchFamily="2" charset="0"/>
+                <a:latin typeface="Gabriola" panose="04040605051002020D02" pitchFamily="82" charset="0"/>
                 <a:cs typeface="DaunPenh" panose="01010101010101010101" pitchFamily="2" charset="0"/>
               </a:rPr>
               <a:t>, denotado por V. Así, dicho grafo se puede representar como </a:t>
             </a:r>
-            <a:endParaRPr lang="es-CO" sz="2800" b="1" dirty="0" smtClean="0">
-              <a:solidFill>
-                <a:srgbClr val="002060"/>
-              </a:solidFill>
-              <a:latin typeface="DaunPenh" panose="01010101010101010101" pitchFamily="2" charset="0"/>
-              <a:cs typeface="DaunPenh" panose="01010101010101010101" pitchFamily="2" charset="0"/>
-            </a:endParaRPr>
           </a:p>
           <a:p>
             <a:r>
-              <a:rPr lang="es-CO" sz="2800" b="1" dirty="0" smtClean="0">
+              <a:rPr lang="es-CO" sz="2800" b="1" dirty="0">
                 <a:solidFill>
                   <a:srgbClr val="002060"/>
                 </a:solidFill>
-                <a:latin typeface="DaunPenh" panose="01010101010101010101" pitchFamily="2" charset="0"/>
+                <a:latin typeface="Gabriola" panose="04040605051002020D02" pitchFamily="82" charset="0"/>
                 <a:cs typeface="DaunPenh" panose="01010101010101010101" pitchFamily="2" charset="0"/>
               </a:rPr>
-              <a:t>G </a:t>
+              <a:t>G = (V,E)</a:t>
             </a:r>
-            <a:r>
-              <a:rPr lang="es-CO" sz="2800" b="1" dirty="0">
-                <a:solidFill>
-                  <a:srgbClr val="002060"/>
-                </a:solidFill>
-                <a:latin typeface="DaunPenh" panose="01010101010101010101" pitchFamily="2" charset="0"/>
-                <a:cs typeface="DaunPenh" panose="01010101010101010101" pitchFamily="2" charset="0"/>
-              </a:rPr>
-              <a:t>= (V,E</a:t>
-            </a:r>
-            <a:r>
-              <a:rPr lang="es-CO" sz="2800" b="1" dirty="0" smtClean="0">
-                <a:solidFill>
-                  <a:srgbClr val="002060"/>
-                </a:solidFill>
-                <a:latin typeface="DaunPenh" panose="01010101010101010101" pitchFamily="2" charset="0"/>
-                <a:cs typeface="DaunPenh" panose="01010101010101010101" pitchFamily="2" charset="0"/>
-              </a:rPr>
-              <a:t>)</a:t>
-            </a:r>
-            <a:endParaRPr lang="es-CO" sz="2800" b="1" dirty="0">
-              <a:solidFill>
-                <a:srgbClr val="002060"/>
-              </a:solidFill>
-              <a:latin typeface="DaunPenh" panose="01010101010101010101" pitchFamily="2" charset="0"/>
-              <a:cs typeface="DaunPenh" panose="01010101010101010101" pitchFamily="2" charset="0"/>
-            </a:endParaRPr>
           </a:p>
         </p:txBody>
       </p:sp>
@@ -18038,8 +18890,8 @@
         </p:nvSpPr>
         <p:spPr>
           <a:xfrm>
-            <a:off x="251520" y="237258"/>
-            <a:ext cx="5472608" cy="923330"/>
+            <a:off x="251520" y="280268"/>
+            <a:ext cx="6840760" cy="923330"/>
           </a:xfrm>
           <a:prstGeom prst="rect">
             <a:avLst/>
@@ -18072,33 +18924,9 @@
                     </a:srgbClr>
                   </a:outerShdw>
                 </a:effectLst>
-                <a:latin typeface="Cataneo BT" panose="03020802040502060804" pitchFamily="66" charset="0"/>
+                <a:latin typeface="Rockwell" panose="02060603020205020403" pitchFamily="18" charset="0"/>
               </a:rPr>
-              <a:t>Qué es </a:t>
-            </a:r>
-            <a:r>
-              <a:rPr lang="es-ES" sz="4000" b="1" dirty="0" smtClean="0">
-                <a:ln w="12700">
-                  <a:solidFill>
-                    <a:schemeClr val="tx2">
-                      <a:satMod val="155000"/>
-                    </a:schemeClr>
-                  </a:solidFill>
-                  <a:prstDash val="solid"/>
-                </a:ln>
-                <a:solidFill>
-                  <a:schemeClr val="tx1"/>
-                </a:solidFill>
-                <a:effectLst>
-                  <a:outerShdw blurRad="41275" dist="20320" dir="1800000" algn="tl" rotWithShape="0">
-                    <a:srgbClr val="000000">
-                      <a:alpha val="40000"/>
-                    </a:srgbClr>
-                  </a:outerShdw>
-                </a:effectLst>
-                <a:latin typeface="Cataneo BT" panose="03020802040502060804" pitchFamily="66" charset="0"/>
-              </a:rPr>
-              <a:t>un </a:t>
+              <a:t>Qué es un Nodo o Vértice?</a:t>
             </a:r>
             <a:r>
               <a:rPr lang="es-ES" sz="4000" b="1" dirty="0">
@@ -18122,53 +18950,8 @@
                 </a:effectLst>
                 <a:latin typeface="Cataneo BT" panose="03020802040502060804" pitchFamily="66" charset="0"/>
               </a:rPr>
-              <a:t>N</a:t>
+              <a:t> </a:t>
             </a:r>
-            <a:r>
-              <a:rPr lang="es-ES" sz="4000" b="1" dirty="0" smtClean="0">
-                <a:ln w="12700">
-                  <a:solidFill>
-                    <a:schemeClr val="tx2">
-                      <a:satMod val="155000"/>
-                    </a:schemeClr>
-                  </a:solidFill>
-                  <a:prstDash val="solid"/>
-                </a:ln>
-                <a:solidFill>
-                  <a:schemeClr val="tx1"/>
-                </a:solidFill>
-                <a:effectLst>
-                  <a:outerShdw blurRad="41275" dist="20320" dir="1800000" algn="tl" rotWithShape="0">
-                    <a:srgbClr val="000000">
-                      <a:alpha val="40000"/>
-                    </a:srgbClr>
-                  </a:outerShdw>
-                </a:effectLst>
-                <a:latin typeface="Cataneo BT" panose="03020802040502060804" pitchFamily="66" charset="0"/>
-              </a:rPr>
-              <a:t>odo o Vértice? </a:t>
-            </a:r>
-            <a:endParaRPr lang="es-ES" sz="4000" b="1" dirty="0">
-              <a:ln w="12700">
-                <a:solidFill>
-                  <a:schemeClr val="tx2">
-                    <a:satMod val="155000"/>
-                  </a:schemeClr>
-                </a:solidFill>
-                <a:prstDash val="solid"/>
-              </a:ln>
-              <a:solidFill>
-                <a:schemeClr val="tx1"/>
-              </a:solidFill>
-              <a:effectLst>
-                <a:outerShdw blurRad="41275" dist="20320" dir="1800000" algn="tl" rotWithShape="0">
-                  <a:srgbClr val="000000">
-                    <a:alpha val="40000"/>
-                  </a:srgbClr>
-                </a:outerShdw>
-              </a:effectLst>
-              <a:latin typeface="Cataneo BT" panose="03020802040502060804" pitchFamily="66" charset="0"/>
-            </a:endParaRPr>
           </a:p>
           <a:p>
             <a:endParaRPr lang="es-CO" dirty="0"/>
@@ -18198,42 +18981,35 @@
           <a:lstStyle/>
           <a:p>
             <a:r>
-              <a:rPr lang="es-CO" sz="2800" b="1" dirty="0" smtClean="0">
+              <a:rPr lang="es-CO" sz="2800" b="1" dirty="0">
                 <a:solidFill>
                   <a:srgbClr val="002060"/>
                 </a:solidFill>
-                <a:latin typeface="DaunPenh" panose="01010101010101010101" pitchFamily="2" charset="0"/>
+                <a:latin typeface="Gabriola" panose="04040605051002020D02" pitchFamily="82" charset="0"/>
                 <a:cs typeface="DaunPenh" panose="01010101010101010101" pitchFamily="2" charset="0"/>
               </a:rPr>
               <a:t>Los </a:t>
             </a:r>
             <a:r>
-              <a:rPr lang="es-CO" sz="2800" b="1" dirty="0" smtClean="0">
+              <a:rPr lang="es-CO" sz="2800" b="1" dirty="0">
                 <a:solidFill>
                   <a:srgbClr val="0070C0"/>
                 </a:solidFill>
-                <a:latin typeface="DaunPenh" panose="01010101010101010101" pitchFamily="2" charset="0"/>
+                <a:latin typeface="Gabriola" panose="04040605051002020D02" pitchFamily="82" charset="0"/>
                 <a:cs typeface="DaunPenh" panose="01010101010101010101" pitchFamily="2" charset="0"/>
               </a:rPr>
               <a:t>nodos o vértices </a:t>
             </a:r>
             <a:r>
-              <a:rPr lang="es-CO" sz="2800" b="1" dirty="0" smtClean="0">
+              <a:rPr lang="es-CO" sz="2800" b="1" dirty="0">
                 <a:solidFill>
                   <a:srgbClr val="002060"/>
                 </a:solidFill>
-                <a:latin typeface="DaunPenh" panose="01010101010101010101" pitchFamily="2" charset="0"/>
+                <a:latin typeface="Gabriola" panose="04040605051002020D02" pitchFamily="82" charset="0"/>
                 <a:cs typeface="DaunPenh" panose="01010101010101010101" pitchFamily="2" charset="0"/>
               </a:rPr>
               <a:t>pertenecen a un conjunto finito, y son la unidad fundamental por la que están formados los grafos. De forma general, cada nodo se convierte en el identificador del problema a modelar.</a:t>
             </a:r>
-            <a:endParaRPr lang="es-CO" sz="2800" b="1" dirty="0">
-              <a:solidFill>
-                <a:srgbClr val="002060"/>
-              </a:solidFill>
-              <a:latin typeface="DaunPenh" panose="01010101010101010101" pitchFamily="2" charset="0"/>
-              <a:cs typeface="DaunPenh" panose="01010101010101010101" pitchFamily="2" charset="0"/>
-            </a:endParaRPr>
           </a:p>
         </p:txBody>
       </p:sp>
@@ -18353,7 +19129,7 @@
                 <a:solidFill>
                   <a:srgbClr val="002060"/>
                 </a:solidFill>
-                <a:latin typeface="DaunPenh" panose="01010101010101010101" pitchFamily="2" charset="0"/>
+                <a:latin typeface="Gabriola" panose="04040605051002020D02" pitchFamily="82" charset="0"/>
                 <a:cs typeface="DaunPenh" panose="01010101010101010101" pitchFamily="2" charset="0"/>
               </a:rPr>
               <a:t>En un </a:t>
@@ -18363,7 +19139,7 @@
                 <a:solidFill>
                   <a:srgbClr val="0070C0"/>
                 </a:solidFill>
-                <a:latin typeface="DaunPenh" panose="01010101010101010101" pitchFamily="2" charset="0"/>
+                <a:latin typeface="Gabriola" panose="04040605051002020D02" pitchFamily="82" charset="0"/>
                 <a:cs typeface="DaunPenh" panose="01010101010101010101" pitchFamily="2" charset="0"/>
               </a:rPr>
               <a:t>grado dirigido </a:t>
@@ -18373,50 +19149,40 @@
                 <a:solidFill>
                   <a:srgbClr val="002060"/>
                 </a:solidFill>
-                <a:latin typeface="DaunPenh" panose="01010101010101010101" pitchFamily="2" charset="0"/>
+                <a:latin typeface="Gabriola" panose="04040605051002020D02" pitchFamily="82" charset="0"/>
                 <a:cs typeface="DaunPenh" panose="01010101010101010101" pitchFamily="2" charset="0"/>
               </a:rPr>
-              <a:t>la arista se representa como una flecha, que parte del nodo origen y apunta al nodo destino</a:t>
-            </a:r>
-            <a:r>
-              <a:rPr lang="es-CO" sz="2800" b="1" dirty="0" smtClean="0">
-                <a:solidFill>
-                  <a:srgbClr val="002060"/>
-                </a:solidFill>
-                <a:latin typeface="DaunPenh" panose="01010101010101010101" pitchFamily="2" charset="0"/>
-                <a:cs typeface="DaunPenh" panose="01010101010101010101" pitchFamily="2" charset="0"/>
-              </a:rPr>
-              <a:t>.</a:t>
+              <a:t>la arista se representa como una flecha, que parte del nodo origen y apunta al nodo destino.</a:t>
             </a:r>
           </a:p>
           <a:p>
             <a:pPr algn="just"/>
             <a:r>
-              <a:rPr lang="es-CO" sz="2800" b="1" dirty="0" smtClean="0">
+              <a:rPr lang="es-CO" sz="2800" b="1" dirty="0">
                 <a:solidFill>
                   <a:srgbClr val="002060"/>
                 </a:solidFill>
-                <a:latin typeface="DaunPenh" panose="01010101010101010101" pitchFamily="2" charset="0"/>
+                <a:latin typeface="Gabriola" panose="04040605051002020D02" pitchFamily="82" charset="0"/>
                 <a:cs typeface="DaunPenh" panose="01010101010101010101" pitchFamily="2" charset="0"/>
               </a:rPr>
               <a:t>En un </a:t>
             </a:r>
             <a:r>
-              <a:rPr lang="es-CO" sz="2800" b="1" dirty="0" smtClean="0">
+              <a:rPr lang="es-CO" sz="2800" b="1" dirty="0">
                 <a:solidFill>
                   <a:srgbClr val="0070C0"/>
                 </a:solidFill>
-                <a:latin typeface="DaunPenh" panose="01010101010101010101" pitchFamily="2" charset="0"/>
+                <a:latin typeface="Gabriola" panose="04040605051002020D02" pitchFamily="82" charset="0"/>
                 <a:cs typeface="DaunPenh" panose="01010101010101010101" pitchFamily="2" charset="0"/>
               </a:rPr>
               <a:t>grafo NO dirigido </a:t>
             </a:r>
             <a:r>
-              <a:rPr lang="es-CO" sz="2800" b="1" dirty="0" smtClean="0">
+              <a:rPr lang="es-CO" sz="2800" b="1" dirty="0">
                 <a:solidFill>
                   <a:srgbClr val="002060"/>
                 </a:solidFill>
-                <a:latin typeface="DaunPenh" panose="01010101010101010101" pitchFamily="2" charset="0"/>
+                <a:latin typeface="Gabriola" panose="04040605051002020D02" pitchFamily="82" charset="0"/>
                 <a:cs typeface="DaunPenh" panose="01010101010101010101" pitchFamily="2" charset="0"/>
               </a:rPr>
               <a:t>la representación de la arista es una línea que une dos nodos.</a:t>
@@ -18432,8 +19198,8 @@
         </p:nvSpPr>
         <p:spPr>
           <a:xfrm>
-            <a:off x="251520" y="123478"/>
-            <a:ext cx="7035823" cy="923330"/>
+            <a:off x="35496" y="123478"/>
+            <a:ext cx="8640960" cy="923330"/>
           </a:xfrm>
           <a:prstGeom prst="rect">
             <a:avLst/>
@@ -18447,7 +19213,7 @@
           <a:lstStyle/>
           <a:p>
             <a:r>
-              <a:rPr lang="es-ES" sz="4000" b="1" dirty="0" smtClean="0">
+              <a:rPr lang="es-ES" sz="4000" b="1" dirty="0">
                 <a:ln w="12700">
                   <a:solidFill>
                     <a:schemeClr val="tx2">
@@ -18466,31 +19232,10 @@
                     </a:srgbClr>
                   </a:outerShdw>
                 </a:effectLst>
-                <a:latin typeface="Cataneo BT" panose="03020802040502060804" pitchFamily="66" charset="0"/>
+                <a:latin typeface="Rockwell" panose="02060603020205020403" pitchFamily="18" charset="0"/>
               </a:rPr>
               <a:t>Grafos Dirigidos y No Dirigidos</a:t>
             </a:r>
-            <a:endParaRPr lang="es-ES" sz="4000" b="1" dirty="0">
-              <a:ln w="12700">
-                <a:solidFill>
-                  <a:schemeClr val="tx2">
-                    <a:satMod val="155000"/>
-                  </a:schemeClr>
-                </a:solidFill>
-                <a:prstDash val="solid"/>
-              </a:ln>
-              <a:solidFill>
-                <a:schemeClr val="tx1"/>
-              </a:solidFill>
-              <a:effectLst>
-                <a:outerShdw blurRad="41275" dist="20320" dir="1800000" algn="tl" rotWithShape="0">
-                  <a:srgbClr val="000000">
-                    <a:alpha val="40000"/>
-                  </a:srgbClr>
-                </a:outerShdw>
-              </a:effectLst>
-              <a:latin typeface="Cataneo BT" panose="03020802040502060804" pitchFamily="66" charset="0"/>
-            </a:endParaRPr>
           </a:p>
           <a:p>
             <a:endParaRPr lang="es-CO" dirty="0"/>
@@ -18580,10 +19325,9 @@
           <a:lstStyle/>
           <a:p>
             <a:r>
-              <a:rPr lang="es-CO" b="1" dirty="0" smtClean="0"/>
+              <a:rPr lang="es-CO" b="1" dirty="0"/>
               <a:t>Grafo NO dirigido</a:t>
             </a:r>
-            <a:endParaRPr lang="es-CO" b="1" dirty="0"/>
           </a:p>
         </p:txBody>
       </p:sp>
@@ -18610,10 +19354,9 @@
           <a:lstStyle/>
           <a:p>
             <a:r>
-              <a:rPr lang="es-CO" b="1" dirty="0" smtClean="0"/>
+              <a:rPr lang="es-CO" b="1" dirty="0"/>
               <a:t>Grafo dirigido</a:t>
             </a:r>
-            <a:endParaRPr lang="es-CO" b="1" dirty="0"/>
           </a:p>
         </p:txBody>
       </p:sp>
@@ -18640,7 +19383,7 @@
           <a:lstStyle/>
           <a:p>
             <a:r>
-              <a:rPr lang="es-CO" sz="2800" b="1" dirty="0" smtClean="0">
+              <a:rPr lang="es-CO" sz="2800" b="1" dirty="0">
                 <a:solidFill>
                   <a:srgbClr val="C00000"/>
                 </a:solidFill>
@@ -18648,12 +19391,6 @@
               </a:rPr>
               <a:t>Representación: </a:t>
             </a:r>
-            <a:endParaRPr lang="es-CO" sz="2800" b="1" dirty="0">
-              <a:solidFill>
-                <a:srgbClr val="C00000"/>
-              </a:solidFill>
-              <a:latin typeface="Gabriola" panose="04040605051002020D02" pitchFamily="82" charset="0"/>
-            </a:endParaRPr>
           </a:p>
         </p:txBody>
       </p:sp>
@@ -18723,8 +19460,8 @@
         </p:nvSpPr>
         <p:spPr>
           <a:xfrm>
-            <a:off x="251520" y="172344"/>
-            <a:ext cx="7035823" cy="707886"/>
+            <a:off x="107504" y="172344"/>
+            <a:ext cx="8712968" cy="707886"/>
           </a:xfrm>
           <a:prstGeom prst="rect">
             <a:avLst/>
@@ -18738,7 +19475,7 @@
           <a:lstStyle/>
           <a:p>
             <a:r>
-              <a:rPr lang="es-ES" sz="4000" b="1" dirty="0" smtClean="0">
+              <a:rPr lang="es-ES" sz="4000" b="1" dirty="0">
                 <a:ln w="12700">
                   <a:solidFill>
                     <a:schemeClr val="tx2">
@@ -18757,11 +19494,31 @@
                     </a:srgbClr>
                   </a:outerShdw>
                 </a:effectLst>
-                <a:latin typeface="Cataneo BT" panose="03020802040502060804" pitchFamily="66" charset="0"/>
+                <a:latin typeface="Rockwell" panose="02060603020205020403" pitchFamily="18" charset="0"/>
               </a:rPr>
-              <a:t>Cuáles son los Grafos Dirigidos?</a:t>
+              <a:t>Grafos Dirigidos</a:t>
             </a:r>
-            <a:endParaRPr lang="es-CO" dirty="0"/>
+            <a:endParaRPr lang="es-CO" sz="4000" b="1" dirty="0">
+              <a:ln w="12700">
+                <a:solidFill>
+                  <a:schemeClr val="tx2">
+                    <a:satMod val="155000"/>
+                  </a:schemeClr>
+                </a:solidFill>
+                <a:prstDash val="solid"/>
+              </a:ln>
+              <a:solidFill>
+                <a:schemeClr val="tx1"/>
+              </a:solidFill>
+              <a:effectLst>
+                <a:outerShdw blurRad="41275" dist="20320" dir="1800000" algn="tl" rotWithShape="0">
+                  <a:srgbClr val="000000">
+                    <a:alpha val="40000"/>
+                  </a:srgbClr>
+                </a:outerShdw>
+              </a:effectLst>
+              <a:latin typeface="Rockwell" panose="02060603020205020403" pitchFamily="18" charset="0"/>
+            </a:endParaRPr>
           </a:p>
         </p:txBody>
       </p:sp>
@@ -18773,7 +19530,7 @@
         </p:nvSpPr>
         <p:spPr>
           <a:xfrm>
-            <a:off x="251520" y="1020218"/>
+            <a:off x="251520" y="887189"/>
             <a:ext cx="6840760" cy="1384995"/>
           </a:xfrm>
           <a:prstGeom prst="rect">
@@ -18788,91 +19545,91 @@
           <a:lstStyle/>
           <a:p>
             <a:r>
-              <a:rPr lang="es-CO" sz="2800" b="1" dirty="0" smtClean="0">
+              <a:rPr lang="es-CO" sz="2800" b="1" dirty="0">
                 <a:solidFill>
                   <a:srgbClr val="002060"/>
                 </a:solidFill>
-                <a:latin typeface="DaunPenh" panose="01010101010101010101" pitchFamily="2" charset="0"/>
+                <a:latin typeface="Gabriola" panose="04040605051002020D02" pitchFamily="82" charset="0"/>
                 <a:cs typeface="DaunPenh" panose="01010101010101010101" pitchFamily="2" charset="0"/>
               </a:rPr>
               <a:t>Los </a:t>
             </a:r>
             <a:r>
-              <a:rPr lang="es-CO" sz="2800" b="1" dirty="0" smtClean="0">
+              <a:rPr lang="es-CO" sz="2800" b="1" dirty="0">
                 <a:solidFill>
                   <a:srgbClr val="0070C0"/>
                 </a:solidFill>
-                <a:latin typeface="DaunPenh" panose="01010101010101010101" pitchFamily="2" charset="0"/>
+                <a:latin typeface="Gabriola" panose="04040605051002020D02" pitchFamily="82" charset="0"/>
                 <a:cs typeface="DaunPenh" panose="01010101010101010101" pitchFamily="2" charset="0"/>
               </a:rPr>
               <a:t>grafos dirigidos </a:t>
             </a:r>
             <a:r>
-              <a:rPr lang="es-CO" sz="2800" b="1" dirty="0" smtClean="0">
+              <a:rPr lang="es-CO" sz="2800" b="1" dirty="0">
                 <a:solidFill>
                   <a:srgbClr val="002060"/>
                 </a:solidFill>
-                <a:latin typeface="DaunPenh" panose="01010101010101010101" pitchFamily="2" charset="0"/>
+                <a:latin typeface="Gabriola" panose="04040605051002020D02" pitchFamily="82" charset="0"/>
                 <a:cs typeface="DaunPenh" panose="01010101010101010101" pitchFamily="2" charset="0"/>
               </a:rPr>
               <a:t>son los grafos en los que las </a:t>
             </a:r>
             <a:r>
-              <a:rPr lang="es-CO" sz="2800" b="1" dirty="0" smtClean="0">
+              <a:rPr lang="es-CO" sz="2800" b="1" dirty="0">
                 <a:solidFill>
                   <a:srgbClr val="0070C0"/>
                 </a:solidFill>
-                <a:latin typeface="DaunPenh" panose="01010101010101010101" pitchFamily="2" charset="0"/>
+                <a:latin typeface="Gabriola" panose="04040605051002020D02" pitchFamily="82" charset="0"/>
                 <a:cs typeface="DaunPenh" panose="01010101010101010101" pitchFamily="2" charset="0"/>
               </a:rPr>
               <a:t>aristas</a:t>
             </a:r>
             <a:r>
-              <a:rPr lang="es-CO" sz="2800" b="1" dirty="0" smtClean="0">
+              <a:rPr lang="es-CO" sz="2800" b="1" dirty="0">
                 <a:solidFill>
                   <a:srgbClr val="002060"/>
                 </a:solidFill>
-                <a:latin typeface="DaunPenh" panose="01010101010101010101" pitchFamily="2" charset="0"/>
+                <a:latin typeface="Gabriola" panose="04040605051002020D02" pitchFamily="82" charset="0"/>
                 <a:cs typeface="DaunPenh" panose="01010101010101010101" pitchFamily="2" charset="0"/>
               </a:rPr>
               <a:t> tienen una dirección definida; por ejemplo, se puede dar el caso de poder ir </a:t>
             </a:r>
             <a:r>
-              <a:rPr lang="es-CO" sz="2800" b="1" dirty="0" smtClean="0">
+              <a:rPr lang="es-CO" sz="2800" b="1" dirty="0">
                 <a:solidFill>
                   <a:srgbClr val="0070C0"/>
                 </a:solidFill>
-                <a:latin typeface="DaunPenh" panose="01010101010101010101" pitchFamily="2" charset="0"/>
+                <a:latin typeface="Gabriola" panose="04040605051002020D02" pitchFamily="82" charset="0"/>
                 <a:cs typeface="DaunPenh" panose="01010101010101010101" pitchFamily="2" charset="0"/>
               </a:rPr>
               <a:t>del nodo A al nodo B</a:t>
             </a:r>
             <a:r>
-              <a:rPr lang="es-CO" sz="2800" b="1" dirty="0" smtClean="0">
+              <a:rPr lang="es-CO" sz="2800" b="1" dirty="0">
                 <a:solidFill>
                   <a:srgbClr val="002060"/>
                 </a:solidFill>
-                <a:latin typeface="DaunPenh" panose="01010101010101010101" pitchFamily="2" charset="0"/>
+                <a:latin typeface="Gabriola" panose="04040605051002020D02" pitchFamily="82" charset="0"/>
                 <a:cs typeface="DaunPenh" panose="01010101010101010101" pitchFamily="2" charset="0"/>
               </a:rPr>
               <a:t>, pero </a:t>
             </a:r>
             <a:r>
-              <a:rPr lang="es-CO" sz="2800" b="1" dirty="0" smtClean="0">
+              <a:rPr lang="es-CO" sz="2800" b="1" dirty="0">
                 <a:solidFill>
                   <a:srgbClr val="0070C0"/>
                 </a:solidFill>
-                <a:latin typeface="DaunPenh" panose="01010101010101010101" pitchFamily="2" charset="0"/>
+                <a:latin typeface="Gabriola" panose="04040605051002020D02" pitchFamily="82" charset="0"/>
                 <a:cs typeface="DaunPenh" panose="01010101010101010101" pitchFamily="2" charset="0"/>
               </a:rPr>
               <a:t>no</a:t>
             </a:r>
             <a:r>
-              <a:rPr lang="es-CO" sz="2800" b="1" dirty="0" smtClean="0">
+              <a:rPr lang="es-CO" sz="2800" b="1" dirty="0">
                 <a:solidFill>
                   <a:srgbClr val="002060"/>
                 </a:solidFill>
-                <a:latin typeface="DaunPenh" panose="01010101010101010101" pitchFamily="2" charset="0"/>
+                <a:latin typeface="Gabriola" panose="04040605051002020D02" pitchFamily="82" charset="0"/>
                 <a:cs typeface="DaunPenh" panose="01010101010101010101" pitchFamily="2" charset="0"/>
               </a:rPr>
               <a:t> al revés.</a:t>
@@ -18902,8 +19659,8 @@
         </p:blipFill>
         <p:spPr>
           <a:xfrm>
-            <a:off x="539552" y="2241090"/>
-            <a:ext cx="2202415" cy="2833022"/>
+            <a:off x="539552" y="2314528"/>
+            <a:ext cx="2088232" cy="2686146"/>
           </a:xfrm>
           <a:prstGeom prst="rect">
             <a:avLst/>
@@ -18941,25 +19698,8 @@
                 <a:latin typeface="Bell MT" panose="02020503060305020303" pitchFamily="18" charset="0"/>
                 <a:cs typeface="Aparajita" panose="020B0604020202020204" pitchFamily="34" charset="0"/>
               </a:rPr>
-              <a:t>El conjunto </a:t>
+              <a:t>El conjunto de aristas</a:t>
             </a:r>
-            <a:r>
-              <a:rPr lang="es-CO" sz="1800" b="1" dirty="0" smtClean="0">
-                <a:solidFill>
-                  <a:schemeClr val="tx1"/>
-                </a:solidFill>
-                <a:latin typeface="Bell MT" panose="02020503060305020303" pitchFamily="18" charset="0"/>
-                <a:cs typeface="Aparajita" panose="020B0604020202020204" pitchFamily="34" charset="0"/>
-              </a:rPr>
-              <a:t>de aristas</a:t>
-            </a:r>
-            <a:endParaRPr lang="es-CO" sz="1800" b="1" dirty="0">
-              <a:solidFill>
-                <a:schemeClr val="tx1"/>
-              </a:solidFill>
-              <a:latin typeface="Bell MT" panose="02020503060305020303" pitchFamily="18" charset="0"/>
-              <a:cs typeface="Aparajita" panose="020B0604020202020204" pitchFamily="34" charset="0"/>
-            </a:endParaRPr>
           </a:p>
           <a:p>
             <a:pPr algn="ctr"/>
@@ -18971,65 +19711,8 @@
                 <a:latin typeface="Bell MT" panose="02020503060305020303" pitchFamily="18" charset="0"/>
                 <a:cs typeface="Aparajita" panose="020B0604020202020204" pitchFamily="34" charset="0"/>
               </a:rPr>
-              <a:t>E = { (A,B), (B,A), (B,C), (C,B), </a:t>
+              <a:t>E = { (A,B), (B,A), (B,C), (C,B), (D,C), 	(C,D), (D,A), (E,A) }</a:t>
             </a:r>
-            <a:r>
-              <a:rPr lang="es-CO" sz="1800" dirty="0" smtClean="0">
-                <a:solidFill>
-                  <a:schemeClr val="tx1"/>
-                </a:solidFill>
-                <a:latin typeface="Bell MT" panose="02020503060305020303" pitchFamily="18" charset="0"/>
-                <a:cs typeface="Aparajita" panose="020B0604020202020204" pitchFamily="34" charset="0"/>
-              </a:rPr>
-              <a:t>(</a:t>
-            </a:r>
-            <a:r>
-              <a:rPr lang="es-CO" sz="1800" dirty="0">
-                <a:solidFill>
-                  <a:schemeClr val="tx1"/>
-                </a:solidFill>
-                <a:latin typeface="Bell MT" panose="02020503060305020303" pitchFamily="18" charset="0"/>
-                <a:cs typeface="Aparajita" panose="020B0604020202020204" pitchFamily="34" charset="0"/>
-              </a:rPr>
-              <a:t>D,C), </a:t>
-            </a:r>
-            <a:r>
-              <a:rPr lang="es-CO" sz="1800" dirty="0" smtClean="0">
-                <a:solidFill>
-                  <a:schemeClr val="tx1"/>
-                </a:solidFill>
-                <a:latin typeface="Bell MT" panose="02020503060305020303" pitchFamily="18" charset="0"/>
-                <a:cs typeface="Aparajita" panose="020B0604020202020204" pitchFamily="34" charset="0"/>
-              </a:rPr>
-              <a:t>	(</a:t>
-            </a:r>
-            <a:r>
-              <a:rPr lang="es-CO" sz="1800" dirty="0">
-                <a:solidFill>
-                  <a:schemeClr val="tx1"/>
-                </a:solidFill>
-                <a:latin typeface="Bell MT" panose="02020503060305020303" pitchFamily="18" charset="0"/>
-                <a:cs typeface="Aparajita" panose="020B0604020202020204" pitchFamily="34" charset="0"/>
-              </a:rPr>
-              <a:t>C,D), (D,A), (E,A) </a:t>
-            </a:r>
-            <a:r>
-              <a:rPr lang="es-CO" sz="1800" dirty="0" smtClean="0">
-                <a:solidFill>
-                  <a:schemeClr val="tx1"/>
-                </a:solidFill>
-                <a:latin typeface="Bell MT" panose="02020503060305020303" pitchFamily="18" charset="0"/>
-                <a:cs typeface="Aparajita" panose="020B0604020202020204" pitchFamily="34" charset="0"/>
-              </a:rPr>
-              <a:t>}</a:t>
-            </a:r>
-            <a:endParaRPr lang="es-CO" sz="1800" dirty="0">
-              <a:solidFill>
-                <a:schemeClr val="tx1"/>
-              </a:solidFill>
-              <a:latin typeface="Bell MT" panose="02020503060305020303" pitchFamily="18" charset="0"/>
-              <a:cs typeface="Aparajita" panose="020B0604020202020204" pitchFamily="34" charset="0"/>
-            </a:endParaRPr>
           </a:p>
         </p:txBody>
       </p:sp>
@@ -19100,7 +19783,7 @@
         <p:spPr>
           <a:xfrm>
             <a:off x="179512" y="197227"/>
-            <a:ext cx="7035823" cy="646331"/>
+            <a:ext cx="8712968" cy="615553"/>
           </a:xfrm>
           <a:prstGeom prst="rect">
             <a:avLst/>
@@ -19114,7 +19797,7 @@
           <a:lstStyle/>
           <a:p>
             <a:r>
-              <a:rPr lang="es-ES" sz="3600" b="1" dirty="0" smtClean="0">
+              <a:rPr lang="es-ES" sz="3400" b="1" dirty="0">
                 <a:ln w="12700">
                   <a:solidFill>
                     <a:schemeClr val="tx2">
@@ -19133,11 +19816,10 @@
                     </a:srgbClr>
                   </a:outerShdw>
                 </a:effectLst>
-                <a:latin typeface="Cataneo BT" panose="03020802040502060804" pitchFamily="66" charset="0"/>
+                <a:latin typeface="Rockwell" panose="02060603020205020403" pitchFamily="18" charset="0"/>
               </a:rPr>
-              <a:t>Cuáles son los Grafos NO Dirigidos?</a:t>
+              <a:t>Grafos NO Dirigidos</a:t>
             </a:r>
-            <a:endParaRPr lang="es-CO" sz="1200" dirty="0"/>
           </a:p>
         </p:txBody>
       </p:sp>
@@ -19149,7 +19831,7 @@
         </p:nvSpPr>
         <p:spPr>
           <a:xfrm>
-            <a:off x="251519" y="915566"/>
+            <a:off x="251519" y="843558"/>
             <a:ext cx="6963815" cy="1815882"/>
           </a:xfrm>
           <a:prstGeom prst="rect">
@@ -19164,31 +19846,21 @@
           <a:lstStyle/>
           <a:p>
             <a:r>
-              <a:rPr lang="es-CO" sz="2800" b="1" dirty="0" smtClean="0">
+              <a:rPr lang="es-CO" sz="2800" b="1" dirty="0">
                 <a:solidFill>
                   <a:srgbClr val="002060"/>
                 </a:solidFill>
-                <a:latin typeface="DaunPenh" panose="01010101010101010101" pitchFamily="2" charset="0"/>
+                <a:latin typeface="Gabriola" panose="04040605051002020D02" pitchFamily="82" charset="0"/>
                 <a:cs typeface="DaunPenh" panose="01010101010101010101" pitchFamily="2" charset="0"/>
               </a:rPr>
-              <a:t>Sea </a:t>
+              <a:t>Sea G un </a:t>
             </a:r>
             <a:r>
               <a:rPr lang="es-CO" sz="2800" b="1" dirty="0">
                 <a:solidFill>
-                  <a:srgbClr val="002060"/>
-                </a:solidFill>
-                <a:latin typeface="DaunPenh" panose="01010101010101010101" pitchFamily="2" charset="0"/>
-                <a:cs typeface="DaunPenh" panose="01010101010101010101" pitchFamily="2" charset="0"/>
-              </a:rPr>
-              <a:t>G un </a:t>
-            </a:r>
-            <a:r>
-              <a:rPr lang="es-CO" sz="2800" b="1" dirty="0">
-                <a:solidFill>
                   <a:srgbClr val="0070C0"/>
                 </a:solidFill>
-                <a:latin typeface="DaunPenh" panose="01010101010101010101" pitchFamily="2" charset="0"/>
+                <a:latin typeface="Gabriola" panose="04040605051002020D02" pitchFamily="82" charset="0"/>
                 <a:cs typeface="DaunPenh" panose="01010101010101010101" pitchFamily="2" charset="0"/>
               </a:rPr>
               <a:t>grafo no dirigido </a:t>
@@ -19198,37 +19870,17 @@
                 <a:solidFill>
                   <a:srgbClr val="002060"/>
                 </a:solidFill>
-                <a:latin typeface="DaunPenh" panose="01010101010101010101" pitchFamily="2" charset="0"/>
+                <a:latin typeface="Gabriola" panose="04040605051002020D02" pitchFamily="82" charset="0"/>
                 <a:cs typeface="DaunPenh" panose="01010101010101010101" pitchFamily="2" charset="0"/>
               </a:rPr>
-              <a:t>donde G =(V,E) donde </a:t>
-            </a:r>
-            <a:r>
-              <a:rPr lang="es-CO" sz="2800" b="1" dirty="0" smtClean="0">
-                <a:solidFill>
-                  <a:srgbClr val="002060"/>
-                </a:solidFill>
-                <a:latin typeface="DaunPenh" panose="01010101010101010101" pitchFamily="2" charset="0"/>
-                <a:cs typeface="DaunPenh" panose="01010101010101010101" pitchFamily="2" charset="0"/>
-              </a:rPr>
-              <a:t>V corresponde </a:t>
+              <a:t>donde G =(V,E) donde V corresponde al conjunto de nodos y E el conjunto de aristas del grafo, un grafo </a:t>
             </a:r>
             <a:r>
               <a:rPr lang="es-CO" sz="2800" b="1" dirty="0">
                 <a:solidFill>
-                  <a:srgbClr val="002060"/>
-                </a:solidFill>
-                <a:latin typeface="DaunPenh" panose="01010101010101010101" pitchFamily="2" charset="0"/>
-                <a:cs typeface="DaunPenh" panose="01010101010101010101" pitchFamily="2" charset="0"/>
-              </a:rPr>
-              <a:t>al conjunto de nodos y E el conjunto de aristas del grafo, un grafo </a:t>
-            </a:r>
-            <a:r>
-              <a:rPr lang="es-CO" sz="2800" b="1" dirty="0">
-                <a:solidFill>
                   <a:srgbClr val="0070C0"/>
                 </a:solidFill>
-                <a:latin typeface="DaunPenh" panose="01010101010101010101" pitchFamily="2" charset="0"/>
+                <a:latin typeface="Gabriola" panose="04040605051002020D02" pitchFamily="82" charset="0"/>
                 <a:cs typeface="DaunPenh" panose="01010101010101010101" pitchFamily="2" charset="0"/>
               </a:rPr>
               <a:t>no dirigido </a:t>
@@ -19238,7 +19890,7 @@
                 <a:solidFill>
                   <a:srgbClr val="002060"/>
                 </a:solidFill>
-                <a:latin typeface="DaunPenh" panose="01010101010101010101" pitchFamily="2" charset="0"/>
+                <a:latin typeface="Gabriola" panose="04040605051002020D02" pitchFamily="82" charset="0"/>
                 <a:cs typeface="DaunPenh" panose="01010101010101010101" pitchFamily="2" charset="0"/>
               </a:rPr>
               <a:t>se diferencia de un grafo dirigido porque cada arista en E es un </a:t>
@@ -19248,7 +19900,7 @@
                 <a:solidFill>
                   <a:srgbClr val="0070C0"/>
                 </a:solidFill>
-                <a:latin typeface="DaunPenh" panose="01010101010101010101" pitchFamily="2" charset="0"/>
+                <a:latin typeface="Gabriola" panose="04040605051002020D02" pitchFamily="82" charset="0"/>
                 <a:cs typeface="DaunPenh" panose="01010101010101010101" pitchFamily="2" charset="0"/>
               </a:rPr>
               <a:t>par no ordenado </a:t>
@@ -19258,18 +19910,11 @@
                 <a:solidFill>
                   <a:srgbClr val="002060"/>
                 </a:solidFill>
-                <a:latin typeface="DaunPenh" panose="01010101010101010101" pitchFamily="2" charset="0"/>
+                <a:latin typeface="Gabriola" panose="04040605051002020D02" pitchFamily="82" charset="0"/>
                 <a:cs typeface="DaunPenh" panose="01010101010101010101" pitchFamily="2" charset="0"/>
               </a:rPr>
               <a:t>de nodos.</a:t>
             </a:r>
-            <a:endParaRPr lang="es-CO" sz="2800" b="1" dirty="0">
-              <a:solidFill>
-                <a:srgbClr val="002060"/>
-              </a:solidFill>
-              <a:latin typeface="DaunPenh" panose="01010101010101010101" pitchFamily="2" charset="0"/>
-              <a:cs typeface="DaunPenh" panose="01010101010101010101" pitchFamily="2" charset="0"/>
-            </a:endParaRPr>
           </a:p>
         </p:txBody>
       </p:sp>
@@ -19295,8 +19940,8 @@
         </p:blipFill>
         <p:spPr>
           <a:xfrm>
-            <a:off x="971600" y="2604492"/>
-            <a:ext cx="2300644" cy="2487538"/>
+            <a:off x="899592" y="2715766"/>
+            <a:ext cx="2197730" cy="2376264"/>
           </a:xfrm>
           <a:prstGeom prst="rect">
             <a:avLst/>
@@ -19334,25 +19979,8 @@
                 <a:latin typeface="Bell MT" panose="02020503060305020303" pitchFamily="18" charset="0"/>
                 <a:cs typeface="Aparajita" panose="020B0604020202020204" pitchFamily="34" charset="0"/>
               </a:rPr>
-              <a:t>El conjunto </a:t>
+              <a:t>El conjunto de aristas</a:t>
             </a:r>
-            <a:r>
-              <a:rPr lang="es-CO" sz="1800" b="1" dirty="0" smtClean="0">
-                <a:solidFill>
-                  <a:schemeClr val="tx1"/>
-                </a:solidFill>
-                <a:latin typeface="Bell MT" panose="02020503060305020303" pitchFamily="18" charset="0"/>
-                <a:cs typeface="Aparajita" panose="020B0604020202020204" pitchFamily="34" charset="0"/>
-              </a:rPr>
-              <a:t>de aristas</a:t>
-            </a:r>
-            <a:endParaRPr lang="es-CO" sz="1800" b="1" dirty="0">
-              <a:solidFill>
-                <a:schemeClr val="tx1"/>
-              </a:solidFill>
-              <a:latin typeface="Bell MT" panose="02020503060305020303" pitchFamily="18" charset="0"/>
-              <a:cs typeface="Aparajita" panose="020B0604020202020204" pitchFamily="34" charset="0"/>
-            </a:endParaRPr>
           </a:p>
           <a:p>
             <a:pPr algn="ctr"/>
@@ -19364,105 +19992,8 @@
                 <a:latin typeface="Bell MT" panose="02020503060305020303" pitchFamily="18" charset="0"/>
                 <a:cs typeface="Aparajita" panose="020B0604020202020204" pitchFamily="34" charset="0"/>
               </a:rPr>
-              <a:t>E = { (A,B</a:t>
+              <a:t>E = { (A,B), (B,A), (A,C), (C,A), (A,D),  (D,A), (B,C), (C,B), (B,D), (D,B) }</a:t>
             </a:r>
-            <a:r>
-              <a:rPr lang="es-CO" sz="1800" dirty="0" smtClean="0">
-                <a:solidFill>
-                  <a:schemeClr val="tx1"/>
-                </a:solidFill>
-                <a:latin typeface="Bell MT" panose="02020503060305020303" pitchFamily="18" charset="0"/>
-                <a:cs typeface="Aparajita" panose="020B0604020202020204" pitchFamily="34" charset="0"/>
-              </a:rPr>
-              <a:t>),</a:t>
-            </a:r>
-            <a:r>
-              <a:rPr lang="es-CO" sz="1800" dirty="0">
-                <a:solidFill>
-                  <a:schemeClr val="tx1"/>
-                </a:solidFill>
-                <a:latin typeface="Bell MT" panose="02020503060305020303" pitchFamily="18" charset="0"/>
-                <a:cs typeface="Aparajita" panose="020B0604020202020204" pitchFamily="34" charset="0"/>
-              </a:rPr>
-              <a:t> (B,A),</a:t>
-            </a:r>
-            <a:r>
-              <a:rPr lang="es-CO" sz="1800" dirty="0" smtClean="0">
-                <a:solidFill>
-                  <a:schemeClr val="tx1"/>
-                </a:solidFill>
-                <a:latin typeface="Bell MT" panose="02020503060305020303" pitchFamily="18" charset="0"/>
-                <a:cs typeface="Aparajita" panose="020B0604020202020204" pitchFamily="34" charset="0"/>
-              </a:rPr>
-              <a:t> (A,C),</a:t>
-            </a:r>
-            <a:r>
-              <a:rPr lang="es-CO" sz="1800" dirty="0">
-                <a:solidFill>
-                  <a:schemeClr val="tx1"/>
-                </a:solidFill>
-                <a:latin typeface="Bell MT" panose="02020503060305020303" pitchFamily="18" charset="0"/>
-                <a:cs typeface="Aparajita" panose="020B0604020202020204" pitchFamily="34" charset="0"/>
-              </a:rPr>
-              <a:t> (C,A),</a:t>
-            </a:r>
-            <a:r>
-              <a:rPr lang="es-CO" sz="1800" dirty="0" smtClean="0">
-                <a:solidFill>
-                  <a:schemeClr val="tx1"/>
-                </a:solidFill>
-                <a:latin typeface="Bell MT" panose="02020503060305020303" pitchFamily="18" charset="0"/>
-                <a:cs typeface="Aparajita" panose="020B0604020202020204" pitchFamily="34" charset="0"/>
-              </a:rPr>
-              <a:t> (A,D),  </a:t>
-            </a:r>
-            <a:r>
-              <a:rPr lang="es-CO" sz="1800" dirty="0">
-                <a:solidFill>
-                  <a:schemeClr val="tx1"/>
-                </a:solidFill>
-                <a:latin typeface="Bell MT" panose="02020503060305020303" pitchFamily="18" charset="0"/>
-                <a:cs typeface="Aparajita" panose="020B0604020202020204" pitchFamily="34" charset="0"/>
-              </a:rPr>
-              <a:t>(D,A), </a:t>
-            </a:r>
-            <a:r>
-              <a:rPr lang="es-CO" sz="1800" dirty="0" smtClean="0">
-                <a:solidFill>
-                  <a:schemeClr val="tx1"/>
-                </a:solidFill>
-                <a:latin typeface="Bell MT" panose="02020503060305020303" pitchFamily="18" charset="0"/>
-                <a:cs typeface="Aparajita" panose="020B0604020202020204" pitchFamily="34" charset="0"/>
-              </a:rPr>
-              <a:t>(B,C),</a:t>
-            </a:r>
-            <a:r>
-              <a:rPr lang="es-CO" sz="1800" dirty="0">
-                <a:solidFill>
-                  <a:schemeClr val="tx1"/>
-                </a:solidFill>
-                <a:latin typeface="Bell MT" panose="02020503060305020303" pitchFamily="18" charset="0"/>
-                <a:cs typeface="Aparajita" panose="020B0604020202020204" pitchFamily="34" charset="0"/>
-              </a:rPr>
-              <a:t> (C,B),</a:t>
-            </a:r>
-            <a:r>
-              <a:rPr lang="es-CO" sz="1800" dirty="0" smtClean="0">
-                <a:solidFill>
-                  <a:schemeClr val="tx1"/>
-                </a:solidFill>
-                <a:latin typeface="Bell MT" panose="02020503060305020303" pitchFamily="18" charset="0"/>
-                <a:cs typeface="Aparajita" panose="020B0604020202020204" pitchFamily="34" charset="0"/>
-              </a:rPr>
-              <a:t> (B,D), (D,B) }</a:t>
-            </a:r>
-            <a:endParaRPr lang="es-CO" sz="1800" dirty="0">
-              <a:solidFill>
-                <a:schemeClr val="tx1"/>
-              </a:solidFill>
-              <a:latin typeface="Bell MT" panose="02020503060305020303" pitchFamily="18" charset="0"/>
-              <a:cs typeface="Aparajita" panose="020B0604020202020204" pitchFamily="34" charset="0"/>
-            </a:endParaRPr>
           </a:p>
         </p:txBody>
       </p:sp>
@@ -19496,25 +20027,6 @@
           <a:chExt cx="0" cy="0"/>
         </a:xfrm>
       </p:grpSpPr>
-      <p:sp>
-        <p:nvSpPr>
-          <p:cNvPr id="3" name="2 Marcador de texto"/>
-          <p:cNvSpPr>
-            <a:spLocks noGrp="1"/>
-          </p:cNvSpPr>
-          <p:nvPr>
-            <p:ph type="body" idx="1"/>
-          </p:nvPr>
-        </p:nvSpPr>
-        <p:spPr/>
-        <p:txBody>
-          <a:bodyPr/>
-          <a:lstStyle/>
-          <a:p>
-            <a:endParaRPr lang="es-CO" dirty="0"/>
-          </a:p>
-        </p:txBody>
-      </p:sp>
       <p:pic>
         <p:nvPicPr>
           <p:cNvPr id="4" name="Shape 143" descr="logosis1.png"/>
@@ -19551,7 +20063,7 @@
         </p:nvSpPr>
         <p:spPr>
           <a:xfrm>
-            <a:off x="179512" y="197227"/>
+            <a:off x="179512" y="390018"/>
             <a:ext cx="7035823" cy="646331"/>
           </a:xfrm>
           <a:prstGeom prst="rect">
@@ -19566,7 +20078,7 @@
           <a:lstStyle/>
           <a:p>
             <a:r>
-              <a:rPr lang="es-ES" sz="3600" b="1" dirty="0" smtClean="0">
+              <a:rPr lang="es-ES" sz="3600" b="1" dirty="0">
                 <a:ln w="12700">
                   <a:solidFill>
                     <a:schemeClr val="tx2">
@@ -19585,11 +20097,92 @@
                     </a:srgbClr>
                   </a:outerShdw>
                 </a:effectLst>
-                <a:latin typeface="Cataneo BT" panose="03020802040502060804" pitchFamily="66" charset="0"/>
+                <a:latin typeface="Rockwell" panose="02060603020205020403" pitchFamily="18" charset="0"/>
               </a:rPr>
               <a:t>Formas De Representación</a:t>
             </a:r>
-            <a:endParaRPr lang="es-CO" sz="1200" dirty="0"/>
+            <a:endParaRPr lang="es-CO" sz="1200" dirty="0">
+              <a:latin typeface="Rockwell" panose="02060603020205020403" pitchFamily="18" charset="0"/>
+            </a:endParaRPr>
+          </a:p>
+        </p:txBody>
+      </p:sp>
+      <p:sp>
+        <p:nvSpPr>
+          <p:cNvPr id="6" name="6 CuadroTexto"/>
+          <p:cNvSpPr txBox="1"/>
+          <p:nvPr/>
+        </p:nvSpPr>
+        <p:spPr>
+          <a:xfrm>
+            <a:off x="167851" y="1347614"/>
+            <a:ext cx="6963815" cy="1754326"/>
+          </a:xfrm>
+          <a:prstGeom prst="rect">
+            <a:avLst/>
+          </a:prstGeom>
+          <a:noFill/>
+        </p:spPr>
+        <p:txBody>
+          <a:bodyPr wrap="square" rtlCol="0">
+            <a:spAutoFit/>
+          </a:bodyPr>
+          <a:lstStyle/>
+          <a:p>
+            <a:r>
+              <a:rPr lang="es-CO" sz="3600" b="1" dirty="0">
+                <a:solidFill>
+                  <a:srgbClr val="002060"/>
+                </a:solidFill>
+                <a:latin typeface="Gabriola" panose="04040605051002020D02" pitchFamily="82" charset="0"/>
+                <a:cs typeface="DaunPenh" panose="01010101010101010101" pitchFamily="2" charset="0"/>
+              </a:rPr>
+              <a:t>Existen diferentes implementaciones del tipo grafo: con una </a:t>
+            </a:r>
+            <a:r>
+              <a:rPr lang="es-CO" sz="3600" b="1" dirty="0">
+                <a:solidFill>
+                  <a:schemeClr val="accent1">
+                    <a:lumMod val="50000"/>
+                  </a:schemeClr>
+                </a:solidFill>
+                <a:latin typeface="Gabriola" panose="04040605051002020D02" pitchFamily="82" charset="0"/>
+                <a:cs typeface="DaunPenh" panose="01010101010101010101" pitchFamily="2" charset="0"/>
+              </a:rPr>
+              <a:t>matriz de adyacencias </a:t>
+            </a:r>
+            <a:r>
+              <a:rPr lang="es-CO" sz="3600" b="1" dirty="0">
+                <a:solidFill>
+                  <a:srgbClr val="002060"/>
+                </a:solidFill>
+                <a:latin typeface="Gabriola" panose="04040605051002020D02" pitchFamily="82" charset="0"/>
+                <a:cs typeface="DaunPenh" panose="01010101010101010101" pitchFamily="2" charset="0"/>
+              </a:rPr>
+              <a:t>(forma acotada) y con </a:t>
+            </a:r>
+            <a:r>
+              <a:rPr lang="es-CO" sz="3600" b="1" dirty="0">
+                <a:solidFill>
+                  <a:schemeClr val="accent1">
+                    <a:lumMod val="50000"/>
+                  </a:schemeClr>
+                </a:solidFill>
+                <a:latin typeface="Gabriola" panose="04040605051002020D02" pitchFamily="82" charset="0"/>
+                <a:cs typeface="DaunPenh" panose="01010101010101010101" pitchFamily="2" charset="0"/>
+              </a:rPr>
+              <a:t>listas de adyacencia</a:t>
+            </a:r>
+            <a:r>
+              <a:rPr lang="es-CO" sz="3600" b="1" dirty="0">
+                <a:solidFill>
+                  <a:srgbClr val="002060"/>
+                </a:solidFill>
+                <a:latin typeface="Gabriola" panose="04040605051002020D02" pitchFamily="82" charset="0"/>
+                <a:cs typeface="DaunPenh" panose="01010101010101010101" pitchFamily="2" charset="0"/>
+              </a:rPr>
+              <a:t> (no acotadas).</a:t>
+            </a:r>
           </a:p>
         </p:txBody>
       </p:sp>
@@ -19623,25 +20216,6 @@
           <a:chExt cx="0" cy="0"/>
         </a:xfrm>
       </p:grpSpPr>
-      <p:sp>
-        <p:nvSpPr>
-          <p:cNvPr id="3" name="2 Marcador de texto"/>
-          <p:cNvSpPr>
-            <a:spLocks noGrp="1"/>
-          </p:cNvSpPr>
-          <p:nvPr>
-            <p:ph type="body" idx="1"/>
-          </p:nvPr>
-        </p:nvSpPr>
-        <p:spPr/>
-        <p:txBody>
-          <a:bodyPr/>
-          <a:lstStyle/>
-          <a:p>
-            <a:endParaRPr lang="es-CO" dirty="0"/>
-          </a:p>
-        </p:txBody>
-      </p:sp>
       <p:pic>
         <p:nvPicPr>
           <p:cNvPr id="4" name="Shape 143" descr="logosis1.png"/>
@@ -19658,8 +20232,8 @@
         </p:blipFill>
         <p:spPr>
           <a:xfrm>
-            <a:off x="6901818" y="3657601"/>
-            <a:ext cx="2242181" cy="1485899"/>
+            <a:off x="7308304" y="3723878"/>
+            <a:ext cx="1869442" cy="1406118"/>
           </a:xfrm>
           <a:prstGeom prst="rect">
             <a:avLst/>
@@ -19668,6 +20242,157 @@
           <a:ln>
             <a:noFill/>
           </a:ln>
+        </p:spPr>
+      </p:pic>
+      <p:sp>
+        <p:nvSpPr>
+          <p:cNvPr id="5" name="4 CuadroTexto"/>
+          <p:cNvSpPr txBox="1"/>
+          <p:nvPr/>
+        </p:nvSpPr>
+        <p:spPr>
+          <a:xfrm>
+            <a:off x="107504" y="51470"/>
+            <a:ext cx="7035823" cy="646331"/>
+          </a:xfrm>
+          <a:prstGeom prst="rect">
+            <a:avLst/>
+          </a:prstGeom>
+          <a:noFill/>
+        </p:spPr>
+        <p:txBody>
+          <a:bodyPr wrap="square" rtlCol="0">
+            <a:spAutoFit/>
+          </a:bodyPr>
+          <a:lstStyle/>
+          <a:p>
+            <a:r>
+              <a:rPr lang="es-ES" sz="3600" b="1" dirty="0">
+                <a:ln w="12700">
+                  <a:solidFill>
+                    <a:schemeClr val="tx2">
+                      <a:satMod val="155000"/>
+                    </a:schemeClr>
+                  </a:solidFill>
+                  <a:prstDash val="solid"/>
+                </a:ln>
+                <a:solidFill>
+                  <a:schemeClr val="tx1"/>
+                </a:solidFill>
+                <a:effectLst>
+                  <a:outerShdw blurRad="41275" dist="20320" dir="1800000" algn="tl" rotWithShape="0">
+                    <a:srgbClr val="000000">
+                      <a:alpha val="40000"/>
+                    </a:srgbClr>
+                  </a:outerShdw>
+                </a:effectLst>
+                <a:latin typeface="Rockwell" panose="02060603020205020403" pitchFamily="18" charset="0"/>
+              </a:rPr>
+              <a:t>Matriz de Adyacencia</a:t>
+            </a:r>
+            <a:endParaRPr lang="es-CO" sz="1200" dirty="0">
+              <a:latin typeface="Rockwell" panose="02060603020205020403" pitchFamily="18" charset="0"/>
+            </a:endParaRPr>
+          </a:p>
+        </p:txBody>
+      </p:sp>
+      <p:sp>
+        <p:nvSpPr>
+          <p:cNvPr id="6" name="6 CuadroTexto"/>
+          <p:cNvSpPr txBox="1"/>
+          <p:nvPr/>
+        </p:nvSpPr>
+        <p:spPr>
+          <a:xfrm>
+            <a:off x="107504" y="683860"/>
+            <a:ext cx="8100901" cy="1815882"/>
+          </a:xfrm>
+          <a:prstGeom prst="rect">
+            <a:avLst/>
+          </a:prstGeom>
+          <a:noFill/>
+        </p:spPr>
+        <p:txBody>
+          <a:bodyPr wrap="square" rtlCol="0">
+            <a:spAutoFit/>
+          </a:bodyPr>
+          <a:lstStyle/>
+          <a:p>
+            <a:r>
+              <a:rPr lang="es-CO" sz="2800" b="1" dirty="0">
+                <a:solidFill>
+                  <a:srgbClr val="002060"/>
+                </a:solidFill>
+                <a:latin typeface="Gabriola" panose="04040605051002020D02" pitchFamily="82" charset="0"/>
+                <a:cs typeface="DaunPenh" panose="01010101010101010101" pitchFamily="2" charset="0"/>
+              </a:rPr>
+              <a:t>Es una matriz cuadrada que se utiliza para representar relaciones binarias. Para un grafo G se asocia cada fila y cada columna a cada nodo del grafo, siendo los elementos de la matriz la relación entre los mismos, tomando los valores de</a:t>
+            </a:r>
+            <a:r>
+              <a:rPr lang="es-CO" sz="2800" b="1" dirty="0">
+                <a:solidFill>
+                  <a:srgbClr val="002060"/>
+                </a:solidFill>
+                <a:latin typeface="Rockwell" panose="02060603020205020403" pitchFamily="18" charset="0"/>
+                <a:cs typeface="DaunPenh" panose="01010101010101010101" pitchFamily="2" charset="0"/>
+              </a:rPr>
+              <a:t> 1 </a:t>
+            </a:r>
+            <a:r>
+              <a:rPr lang="es-CO" sz="2800" b="1" dirty="0">
+                <a:solidFill>
+                  <a:srgbClr val="002060"/>
+                </a:solidFill>
+                <a:latin typeface="Gabriola" panose="04040605051002020D02" pitchFamily="82" charset="0"/>
+                <a:cs typeface="DaunPenh" panose="01010101010101010101" pitchFamily="2" charset="0"/>
+              </a:rPr>
+              <a:t>si existe la arista y</a:t>
+            </a:r>
+            <a:r>
+              <a:rPr lang="es-CO" sz="2800" b="1" dirty="0">
+                <a:solidFill>
+                  <a:srgbClr val="002060"/>
+                </a:solidFill>
+                <a:latin typeface="Rockwell" panose="02060603020205020403" pitchFamily="18" charset="0"/>
+                <a:cs typeface="DaunPenh" panose="01010101010101010101" pitchFamily="2" charset="0"/>
+              </a:rPr>
+              <a:t> 0 </a:t>
+            </a:r>
+            <a:r>
+              <a:rPr lang="es-CO" sz="2800" b="1" dirty="0">
+                <a:solidFill>
+                  <a:srgbClr val="002060"/>
+                </a:solidFill>
+                <a:latin typeface="Gabriola" panose="04040605051002020D02" pitchFamily="82" charset="0"/>
+                <a:cs typeface="DaunPenh" panose="01010101010101010101" pitchFamily="2" charset="0"/>
+              </a:rPr>
+              <a:t>en caso contrario.</a:t>
+            </a:r>
+          </a:p>
+        </p:txBody>
+      </p:sp>
+      <p:pic>
+        <p:nvPicPr>
+          <p:cNvPr id="9" name="Imagen 8"/>
+          <p:cNvPicPr>
+            <a:picLocks noChangeAspect="1"/>
+          </p:cNvPicPr>
+          <p:nvPr/>
+        </p:nvPicPr>
+        <p:blipFill>
+          <a:blip r:embed="rId3"/>
+          <a:stretch>
+            <a:fillRect/>
+          </a:stretch>
+        </p:blipFill>
+        <p:spPr>
+          <a:xfrm>
+            <a:off x="539552" y="2643758"/>
+            <a:ext cx="5544616" cy="2355955"/>
+          </a:xfrm>
+          <a:prstGeom prst="rect">
+            <a:avLst/>
+          </a:prstGeom>
         </p:spPr>
       </p:pic>
     </p:spTree>

--- a/PRESENTACIÓN TALLER GRAFOS.pptx
+++ b/PRESENTACIÓN TALLER GRAFOS.pptx
@@ -5,22 +5,23 @@
     <p:sldMasterId id="2147483664" r:id="rId1"/>
   </p:sldMasterIdLst>
   <p:notesMasterIdLst>
-    <p:notesMasterId r:id="rId15"/>
+    <p:notesMasterId r:id="rId16"/>
   </p:notesMasterIdLst>
   <p:sldIdLst>
     <p:sldId id="258" r:id="rId2"/>
     <p:sldId id="257" r:id="rId3"/>
-    <p:sldId id="259" r:id="rId4"/>
-    <p:sldId id="262" r:id="rId5"/>
-    <p:sldId id="260" r:id="rId6"/>
-    <p:sldId id="261" r:id="rId7"/>
-    <p:sldId id="263" r:id="rId8"/>
-    <p:sldId id="265" r:id="rId9"/>
-    <p:sldId id="264" r:id="rId10"/>
-    <p:sldId id="267" r:id="rId11"/>
-    <p:sldId id="266" r:id="rId12"/>
-    <p:sldId id="269" r:id="rId13"/>
-    <p:sldId id="268" r:id="rId14"/>
+    <p:sldId id="262" r:id="rId4"/>
+    <p:sldId id="259" r:id="rId5"/>
+    <p:sldId id="261" r:id="rId6"/>
+    <p:sldId id="263" r:id="rId7"/>
+    <p:sldId id="265" r:id="rId8"/>
+    <p:sldId id="264" r:id="rId9"/>
+    <p:sldId id="267" r:id="rId10"/>
+    <p:sldId id="266" r:id="rId11"/>
+    <p:sldId id="268" r:id="rId12"/>
+    <p:sldId id="271" r:id="rId13"/>
+    <p:sldId id="269" r:id="rId14"/>
+    <p:sldId id="270" r:id="rId15"/>
   </p:sldIdLst>
   <p:sldSz cx="9144000" cy="5143500" type="screen16x9"/>
   <p:notesSz cx="6858000" cy="9144000"/>
@@ -17263,228 +17264,6 @@
 </file>
 
 <file path=ppt/slides/slide10.xml><?xml version="1.0" encoding="utf-8"?>
-<p:sld xmlns:a="http://schemas.openxmlformats.org/drawingml/2006/main" xmlns:r="http://schemas.openxmlformats.org/officeDocument/2006/relationships" xmlns:p="http://schemas.openxmlformats.org/presentationml/2006/main">
-  <p:cSld>
-    <p:bg>
-      <p:bgPr>
-        <a:solidFill>
-          <a:schemeClr val="bg1"/>
-        </a:solidFill>
-        <a:effectLst/>
-      </p:bgPr>
-    </p:bg>
-    <p:spTree>
-      <p:nvGrpSpPr>
-        <p:cNvPr id="1" name=""/>
-        <p:cNvGrpSpPr/>
-        <p:nvPr/>
-      </p:nvGrpSpPr>
-      <p:grpSpPr>
-        <a:xfrm>
-          <a:off x="0" y="0"/>
-          <a:ext cx="0" cy="0"/>
-          <a:chOff x="0" y="0"/>
-          <a:chExt cx="0" cy="0"/>
-        </a:xfrm>
-      </p:grpSpPr>
-      <p:pic>
-        <p:nvPicPr>
-          <p:cNvPr id="4" name="Shape 143" descr="logosis1.png"/>
-          <p:cNvPicPr preferRelativeResize="0"/>
-          <p:nvPr/>
-        </p:nvPicPr>
-        <p:blipFill>
-          <a:blip r:embed="rId2">
-            <a:alphaModFix/>
-          </a:blip>
-          <a:stretch>
-            <a:fillRect/>
-          </a:stretch>
-        </p:blipFill>
-        <p:spPr>
-          <a:xfrm>
-            <a:off x="7249711" y="3723878"/>
-            <a:ext cx="1894288" cy="1419622"/>
-          </a:xfrm>
-          <a:prstGeom prst="rect">
-            <a:avLst/>
-          </a:prstGeom>
-          <a:noFill/>
-          <a:ln>
-            <a:noFill/>
-          </a:ln>
-        </p:spPr>
-      </p:pic>
-      <p:sp>
-        <p:nvSpPr>
-          <p:cNvPr id="5" name="4 CuadroTexto"/>
-          <p:cNvSpPr txBox="1"/>
-          <p:nvPr/>
-        </p:nvSpPr>
-        <p:spPr>
-          <a:xfrm>
-            <a:off x="213888" y="123478"/>
-            <a:ext cx="7035823" cy="646331"/>
-          </a:xfrm>
-          <a:prstGeom prst="rect">
-            <a:avLst/>
-          </a:prstGeom>
-          <a:noFill/>
-        </p:spPr>
-        <p:txBody>
-          <a:bodyPr wrap="square" rtlCol="0">
-            <a:spAutoFit/>
-          </a:bodyPr>
-          <a:lstStyle/>
-          <a:p>
-            <a:r>
-              <a:rPr lang="es-ES" sz="3600" b="1" dirty="0">
-                <a:ln w="12700">
-                  <a:solidFill>
-                    <a:schemeClr val="tx2">
-                      <a:satMod val="155000"/>
-                    </a:schemeClr>
-                  </a:solidFill>
-                  <a:prstDash val="solid"/>
-                </a:ln>
-                <a:solidFill>
-                  <a:schemeClr val="tx1"/>
-                </a:solidFill>
-                <a:effectLst>
-                  <a:outerShdw blurRad="41275" dist="20320" dir="1800000" algn="tl" rotWithShape="0">
-                    <a:srgbClr val="000000">
-                      <a:alpha val="40000"/>
-                    </a:srgbClr>
-                  </a:outerShdw>
-                </a:effectLst>
-                <a:latin typeface="Rockwell" panose="02060603020205020403" pitchFamily="18" charset="0"/>
-              </a:rPr>
-              <a:t>Lista de Adyacencia</a:t>
-            </a:r>
-            <a:endParaRPr lang="es-CO" sz="1200" dirty="0">
-              <a:latin typeface="Rockwell" panose="02060603020205020403" pitchFamily="18" charset="0"/>
-            </a:endParaRPr>
-          </a:p>
-        </p:txBody>
-      </p:sp>
-      <p:sp>
-        <p:nvSpPr>
-          <p:cNvPr id="7" name="6 CuadroTexto"/>
-          <p:cNvSpPr txBox="1"/>
-          <p:nvPr/>
-        </p:nvSpPr>
-        <p:spPr>
-          <a:xfrm>
-            <a:off x="141880" y="827876"/>
-            <a:ext cx="7382448" cy="1815882"/>
-          </a:xfrm>
-          <a:prstGeom prst="rect">
-            <a:avLst/>
-          </a:prstGeom>
-          <a:noFill/>
-        </p:spPr>
-        <p:txBody>
-          <a:bodyPr wrap="square" rtlCol="0">
-            <a:spAutoFit/>
-          </a:bodyPr>
-          <a:lstStyle/>
-          <a:p>
-            <a:r>
-              <a:rPr lang="es-CO" sz="2800" b="1" dirty="0">
-                <a:solidFill>
-                  <a:srgbClr val="002060"/>
-                </a:solidFill>
-                <a:latin typeface="Gabriola" panose="04040605051002020D02" pitchFamily="82" charset="0"/>
-                <a:cs typeface="DaunPenh" panose="01010101010101010101" pitchFamily="2" charset="0"/>
-              </a:rPr>
-              <a:t>Una </a:t>
-            </a:r>
-            <a:r>
-              <a:rPr lang="es-CO" sz="2800" b="1" dirty="0">
-                <a:solidFill>
-                  <a:schemeClr val="accent1">
-                    <a:lumMod val="50000"/>
-                  </a:schemeClr>
-                </a:solidFill>
-                <a:latin typeface="Gabriola" panose="04040605051002020D02" pitchFamily="82" charset="0"/>
-                <a:cs typeface="DaunPenh" panose="01010101010101010101" pitchFamily="2" charset="0"/>
-              </a:rPr>
-              <a:t>lista de adyacencia</a:t>
-            </a:r>
-            <a:r>
-              <a:rPr lang="es-CO" sz="2800" b="1" dirty="0">
-                <a:solidFill>
-                  <a:srgbClr val="002060"/>
-                </a:solidFill>
-                <a:latin typeface="Gabriola" panose="04040605051002020D02" pitchFamily="82" charset="0"/>
-                <a:cs typeface="DaunPenh" panose="01010101010101010101" pitchFamily="2" charset="0"/>
-              </a:rPr>
-              <a:t> es una representación de todas las aristas de un grafo mediante una lista.</a:t>
-            </a:r>
-            <a:r>
-              <a:rPr lang="es-CO" dirty="0"/>
-              <a:t> </a:t>
-            </a:r>
-            <a:r>
-              <a:rPr lang="es-CO" sz="2800" b="1" dirty="0">
-                <a:solidFill>
-                  <a:srgbClr val="002060"/>
-                </a:solidFill>
-                <a:latin typeface="Gabriola" panose="04040605051002020D02" pitchFamily="82" charset="0"/>
-                <a:cs typeface="DaunPenh" panose="01010101010101010101" pitchFamily="2" charset="0"/>
-              </a:rPr>
-              <a:t>Se asocia a cada nodo del grafo una lista que contenga todos aquellos nodos que sean adyacentes a él.</a:t>
-            </a:r>
-          </a:p>
-          <a:p>
-            <a:endParaRPr lang="es-CO" sz="2800" b="1" dirty="0">
-              <a:solidFill>
-                <a:srgbClr val="002060"/>
-              </a:solidFill>
-              <a:latin typeface="Gabriola" panose="04040605051002020D02" pitchFamily="82" charset="0"/>
-              <a:cs typeface="DaunPenh" panose="01010101010101010101" pitchFamily="2" charset="0"/>
-            </a:endParaRPr>
-          </a:p>
-        </p:txBody>
-      </p:sp>
-      <p:pic>
-        <p:nvPicPr>
-          <p:cNvPr id="8" name="Imagen 7"/>
-          <p:cNvPicPr>
-            <a:picLocks noChangeAspect="1"/>
-          </p:cNvPicPr>
-          <p:nvPr/>
-        </p:nvPicPr>
-        <p:blipFill>
-          <a:blip r:embed="rId3"/>
-          <a:stretch>
-            <a:fillRect/>
-          </a:stretch>
-        </p:blipFill>
-        <p:spPr>
-          <a:xfrm>
-            <a:off x="305338" y="2569717"/>
-            <a:ext cx="6498910" cy="2162273"/>
-          </a:xfrm>
-          <a:prstGeom prst="rect">
-            <a:avLst/>
-          </a:prstGeom>
-        </p:spPr>
-      </p:pic>
-    </p:spTree>
-    <p:extLst>
-      <p:ext uri="{BB962C8B-B14F-4D97-AF65-F5344CB8AC3E}">
-        <p14:creationId xmlns:p14="http://schemas.microsoft.com/office/powerpoint/2010/main" val="1526532328"/>
-      </p:ext>
-    </p:extLst>
-  </p:cSld>
-  <p:clrMapOvr>
-    <a:masterClrMapping/>
-  </p:clrMapOvr>
-</p:sld>
-</file>
-
-<file path=ppt/slides/slide11.xml><?xml version="1.0" encoding="utf-8"?>
 <p:sld xmlns:a="http://schemas.openxmlformats.org/drawingml/2006/main" xmlns:r="http://schemas.openxmlformats.org/officeDocument/2006/relationships" xmlns:p="http://schemas.openxmlformats.org/presentationml/2006/main" showMasterSp="0">
   <p:cSld>
     <p:bg>
@@ -17913,7 +17692,199 @@
 </p:sld>
 </file>
 
+<file path=ppt/slides/slide11.xml><?xml version="1.0" encoding="utf-8"?>
+<p:sld xmlns:a="http://schemas.openxmlformats.org/drawingml/2006/main" xmlns:r="http://schemas.openxmlformats.org/officeDocument/2006/relationships" xmlns:p="http://schemas.openxmlformats.org/presentationml/2006/main">
+  <p:cSld>
+    <p:spTree>
+      <p:nvGrpSpPr>
+        <p:cNvPr id="1" name=""/>
+        <p:cNvGrpSpPr/>
+        <p:nvPr/>
+      </p:nvGrpSpPr>
+      <p:grpSpPr>
+        <a:xfrm>
+          <a:off x="0" y="0"/>
+          <a:ext cx="0" cy="0"/>
+          <a:chOff x="0" y="0"/>
+          <a:chExt cx="0" cy="0"/>
+        </a:xfrm>
+      </p:grpSpPr>
+      <p:pic>
+        <p:nvPicPr>
+          <p:cNvPr id="4" name="Shape 143" descr="logosis1.png"/>
+          <p:cNvPicPr preferRelativeResize="0"/>
+          <p:nvPr/>
+        </p:nvPicPr>
+        <p:blipFill>
+          <a:blip r:embed="rId2">
+            <a:alphaModFix/>
+          </a:blip>
+          <a:stretch>
+            <a:fillRect/>
+          </a:stretch>
+        </p:blipFill>
+        <p:spPr>
+          <a:xfrm>
+            <a:off x="7812360" y="4083918"/>
+            <a:ext cx="1331639" cy="1059582"/>
+          </a:xfrm>
+          <a:prstGeom prst="rect">
+            <a:avLst/>
+          </a:prstGeom>
+          <a:noFill/>
+          <a:ln>
+            <a:noFill/>
+          </a:ln>
+        </p:spPr>
+      </p:pic>
+      <p:pic>
+        <p:nvPicPr>
+          <p:cNvPr id="3" name="Imagen 2"/>
+          <p:cNvPicPr>
+            <a:picLocks noChangeAspect="1"/>
+          </p:cNvPicPr>
+          <p:nvPr/>
+        </p:nvPicPr>
+        <p:blipFill>
+          <a:blip r:embed="rId3"/>
+          <a:stretch>
+            <a:fillRect/>
+          </a:stretch>
+        </p:blipFill>
+        <p:spPr>
+          <a:xfrm>
+            <a:off x="81434" y="987574"/>
+            <a:ext cx="7300731" cy="3793830"/>
+          </a:xfrm>
+          <a:prstGeom prst="rect">
+            <a:avLst/>
+          </a:prstGeom>
+        </p:spPr>
+      </p:pic>
+      <p:sp>
+        <p:nvSpPr>
+          <p:cNvPr id="6" name="Título 5"/>
+          <p:cNvSpPr>
+            <a:spLocks noGrp="1"/>
+          </p:cNvSpPr>
+          <p:nvPr>
+            <p:ph type="title"/>
+          </p:nvPr>
+        </p:nvSpPr>
+        <p:spPr>
+          <a:xfrm>
+            <a:off x="508000" y="457200"/>
+            <a:ext cx="6447600" cy="530374"/>
+          </a:xfrm>
+        </p:spPr>
+        <p:txBody>
+          <a:bodyPr/>
+          <a:lstStyle/>
+          <a:p>
+            <a:pPr algn="ctr"/>
+            <a:r>
+              <a:rPr lang="es-CO" dirty="0"/>
+              <a:t>IMPLEMENTACION EN C++</a:t>
+            </a:r>
+          </a:p>
+        </p:txBody>
+      </p:sp>
+    </p:spTree>
+    <p:extLst>
+      <p:ext uri="{BB962C8B-B14F-4D97-AF65-F5344CB8AC3E}">
+        <p14:creationId xmlns:p14="http://schemas.microsoft.com/office/powerpoint/2010/main" val="2781779075"/>
+      </p:ext>
+    </p:extLst>
+  </p:cSld>
+  <p:clrMapOvr>
+    <a:masterClrMapping/>
+  </p:clrMapOvr>
+</p:sld>
+</file>
+
 <file path=ppt/slides/slide12.xml><?xml version="1.0" encoding="utf-8"?>
+<p:sld xmlns:a="http://schemas.openxmlformats.org/drawingml/2006/main" xmlns:r="http://schemas.openxmlformats.org/officeDocument/2006/relationships" xmlns:p="http://schemas.openxmlformats.org/presentationml/2006/main">
+  <p:cSld>
+    <p:spTree>
+      <p:nvGrpSpPr>
+        <p:cNvPr id="1" name=""/>
+        <p:cNvGrpSpPr/>
+        <p:nvPr/>
+      </p:nvGrpSpPr>
+      <p:grpSpPr>
+        <a:xfrm>
+          <a:off x="0" y="0"/>
+          <a:ext cx="0" cy="0"/>
+          <a:chOff x="0" y="0"/>
+          <a:chExt cx="0" cy="0"/>
+        </a:xfrm>
+      </p:grpSpPr>
+      <p:pic>
+        <p:nvPicPr>
+          <p:cNvPr id="6" name="Imagen 5"/>
+          <p:cNvPicPr>
+            <a:picLocks noChangeAspect="1"/>
+          </p:cNvPicPr>
+          <p:nvPr/>
+        </p:nvPicPr>
+        <p:blipFill>
+          <a:blip r:embed="rId2"/>
+          <a:stretch>
+            <a:fillRect/>
+          </a:stretch>
+        </p:blipFill>
+        <p:spPr>
+          <a:xfrm>
+            <a:off x="203408" y="1347614"/>
+            <a:ext cx="6888872" cy="2664296"/>
+          </a:xfrm>
+          <a:prstGeom prst="rect">
+            <a:avLst/>
+          </a:prstGeom>
+        </p:spPr>
+      </p:pic>
+      <p:sp>
+        <p:nvSpPr>
+          <p:cNvPr id="7" name="Título 6"/>
+          <p:cNvSpPr>
+            <a:spLocks noGrp="1"/>
+          </p:cNvSpPr>
+          <p:nvPr>
+            <p:ph type="title"/>
+          </p:nvPr>
+        </p:nvSpPr>
+        <p:spPr>
+          <a:xfrm>
+            <a:off x="508000" y="457200"/>
+            <a:ext cx="6447600" cy="572102"/>
+          </a:xfrm>
+        </p:spPr>
+        <p:txBody>
+          <a:bodyPr/>
+          <a:lstStyle/>
+          <a:p>
+            <a:pPr algn="ctr"/>
+            <a:r>
+              <a:rPr lang="es-CO" dirty="0"/>
+              <a:t>EJEMPLO BFS</a:t>
+            </a:r>
+          </a:p>
+        </p:txBody>
+      </p:sp>
+    </p:spTree>
+    <p:extLst>
+      <p:ext uri="{BB962C8B-B14F-4D97-AF65-F5344CB8AC3E}">
+        <p14:creationId xmlns:p14="http://schemas.microsoft.com/office/powerpoint/2010/main" val="729683089"/>
+      </p:ext>
+    </p:extLst>
+  </p:cSld>
+  <p:clrMapOvr>
+    <a:masterClrMapping/>
+  </p:clrMapOvr>
+</p:sld>
+</file>
+
+<file path=ppt/slides/slide13.xml><?xml version="1.0" encoding="utf-8"?>
 <p:sld xmlns:a="http://schemas.openxmlformats.org/drawingml/2006/main" xmlns:r="http://schemas.openxmlformats.org/officeDocument/2006/relationships" xmlns:p="http://schemas.openxmlformats.org/presentationml/2006/main" showMasterSp="0">
   <p:cSld>
     <p:bg>
@@ -18132,7 +18103,7 @@
 </p:sld>
 </file>
 
-<file path=ppt/slides/slide13.xml><?xml version="1.0" encoding="utf-8"?>
+<file path=ppt/slides/slide14.xml><?xml version="1.0" encoding="utf-8"?>
 <p:sld xmlns:a="http://schemas.openxmlformats.org/drawingml/2006/main" xmlns:r="http://schemas.openxmlformats.org/officeDocument/2006/relationships" xmlns:p="http://schemas.openxmlformats.org/presentationml/2006/main">
   <p:cSld>
     <p:spTree>
@@ -18267,7 +18238,7 @@
     </p:spTree>
     <p:extLst>
       <p:ext uri="{BB962C8B-B14F-4D97-AF65-F5344CB8AC3E}">
-        <p14:creationId xmlns:p14="http://schemas.microsoft.com/office/powerpoint/2010/main" val="2781779075"/>
+        <p14:creationId xmlns:p14="http://schemas.microsoft.com/office/powerpoint/2010/main" val="2683248546"/>
       </p:ext>
     </p:extLst>
   </p:cSld>
@@ -18407,7 +18378,7 @@
                 <a:latin typeface="Gabriola" panose="04040605051002020D02" pitchFamily="82" charset="0"/>
                 <a:cs typeface="Arabic Typesetting" panose="03020402040406030203" pitchFamily="66" charset="-78"/>
               </a:rPr>
-              <a:t>Un grafo G es un conjunto de objetos llamados </a:t>
+              <a:t>Un grafo es un conjunto de objetos llamados </a:t>
             </a:r>
             <a:r>
               <a:rPr lang="es-CO" sz="2800" b="1" dirty="0">
@@ -18609,8 +18580,8 @@
         </p:nvSpPr>
         <p:spPr>
           <a:xfrm>
-            <a:off x="251520" y="237258"/>
-            <a:ext cx="5076371" cy="923330"/>
+            <a:off x="251520" y="280268"/>
+            <a:ext cx="6840760" cy="923330"/>
           </a:xfrm>
           <a:prstGeom prst="rect">
             <a:avLst/>
@@ -18645,7 +18616,31 @@
                 </a:effectLst>
                 <a:latin typeface="Rockwell" panose="02060603020205020403" pitchFamily="18" charset="0"/>
               </a:rPr>
-              <a:t>Qué es una Arista? </a:t>
+              <a:t>Qué es un Nodo o Vértice?</a:t>
+            </a:r>
+            <a:r>
+              <a:rPr lang="es-ES" sz="4000" b="1" dirty="0">
+                <a:ln w="12700">
+                  <a:solidFill>
+                    <a:schemeClr val="tx2">
+                      <a:satMod val="155000"/>
+                    </a:schemeClr>
+                  </a:solidFill>
+                  <a:prstDash val="solid"/>
+                </a:ln>
+                <a:solidFill>
+                  <a:schemeClr val="tx1"/>
+                </a:solidFill>
+                <a:effectLst>
+                  <a:outerShdw blurRad="41275" dist="20320" dir="1800000" algn="tl" rotWithShape="0">
+                    <a:srgbClr val="000000">
+                      <a:alpha val="40000"/>
+                    </a:srgbClr>
+                  </a:outerShdw>
+                </a:effectLst>
+                <a:latin typeface="Cataneo BT" panose="03020802040502060804" pitchFamily="66" charset="0"/>
+              </a:rPr>
+              <a:t> </a:t>
             </a:r>
           </a:p>
           <a:p>
@@ -18662,7 +18657,7 @@
         <p:spPr>
           <a:xfrm>
             <a:off x="251520" y="1169319"/>
-            <a:ext cx="6840760" cy="3108543"/>
+            <a:ext cx="6840760" cy="1815882"/>
           </a:xfrm>
           <a:prstGeom prst="rect">
             <a:avLst/>
@@ -18683,151 +18678,65 @@
                 <a:latin typeface="Gabriola" panose="04040605051002020D02" pitchFamily="82" charset="0"/>
                 <a:cs typeface="DaunPenh" panose="01010101010101010101" pitchFamily="2" charset="0"/>
               </a:rPr>
-              <a:t>En teoría de grafos, una</a:t>
+              <a:t>Los </a:t>
             </a:r>
             <a:r>
               <a:rPr lang="es-CO" sz="2800" b="1" dirty="0">
                 <a:solidFill>
-                  <a:schemeClr val="accent6">
-                    <a:lumMod val="50000"/>
-                  </a:schemeClr>
+                  <a:srgbClr val="0070C0"/>
                 </a:solidFill>
                 <a:latin typeface="Gabriola" panose="04040605051002020D02" pitchFamily="82" charset="0"/>
                 <a:cs typeface="DaunPenh" panose="01010101010101010101" pitchFamily="2" charset="0"/>
               </a:rPr>
-              <a:t> </a:t>
+              <a:t>nodos o vértices </a:t>
             </a:r>
             <a:r>
               <a:rPr lang="es-CO" sz="2800" b="1" dirty="0">
                 <a:solidFill>
-                  <a:srgbClr val="0070C0"/>
+                  <a:srgbClr val="002060"/>
                 </a:solidFill>
                 <a:latin typeface="Gabriola" panose="04040605051002020D02" pitchFamily="82" charset="0"/>
                 <a:cs typeface="DaunPenh" panose="01010101010101010101" pitchFamily="2" charset="0"/>
               </a:rPr>
-              <a:t>arista </a:t>
-            </a:r>
-            <a:r>
-              <a:rPr lang="es-CO" sz="2800" b="1" dirty="0">
-                <a:solidFill>
-                  <a:srgbClr val="002060"/>
-                </a:solidFill>
-                <a:latin typeface="Gabriola" panose="04040605051002020D02" pitchFamily="82" charset="0"/>
-                <a:cs typeface="DaunPenh" panose="01010101010101010101" pitchFamily="2" charset="0"/>
-              </a:rPr>
-              <a:t>corresponde a una relación entre dos </a:t>
-            </a:r>
-            <a:r>
-              <a:rPr lang="es-CO" sz="2800" b="1" dirty="0">
-                <a:solidFill>
-                  <a:srgbClr val="0070C0"/>
-                </a:solidFill>
-                <a:latin typeface="Gabriola" panose="04040605051002020D02" pitchFamily="82" charset="0"/>
-                <a:cs typeface="DaunPenh" panose="01010101010101010101" pitchFamily="2" charset="0"/>
-              </a:rPr>
-              <a:t>vértices </a:t>
-            </a:r>
-            <a:r>
-              <a:rPr lang="es-CO" sz="2800" b="1" dirty="0">
-                <a:solidFill>
-                  <a:srgbClr val="002060"/>
-                </a:solidFill>
-                <a:latin typeface="Gabriola" panose="04040605051002020D02" pitchFamily="82" charset="0"/>
-                <a:cs typeface="DaunPenh" panose="01010101010101010101" pitchFamily="2" charset="0"/>
-              </a:rPr>
-              <a:t>o </a:t>
-            </a:r>
-            <a:r>
-              <a:rPr lang="es-CO" sz="2800" b="1" dirty="0">
-                <a:solidFill>
-                  <a:srgbClr val="0070C0"/>
-                </a:solidFill>
-                <a:latin typeface="Gabriola" panose="04040605051002020D02" pitchFamily="82" charset="0"/>
-                <a:cs typeface="DaunPenh" panose="01010101010101010101" pitchFamily="2" charset="0"/>
-              </a:rPr>
-              <a:t>nodos </a:t>
-            </a:r>
-            <a:r>
-              <a:rPr lang="es-CO" sz="2800" b="1" dirty="0">
-                <a:solidFill>
-                  <a:srgbClr val="002060"/>
-                </a:solidFill>
-                <a:latin typeface="Gabriola" panose="04040605051002020D02" pitchFamily="82" charset="0"/>
-                <a:cs typeface="DaunPenh" panose="01010101010101010101" pitchFamily="2" charset="0"/>
-              </a:rPr>
-              <a:t>de un grafo.</a:t>
-            </a:r>
-          </a:p>
-          <a:p>
-            <a:r>
-              <a:rPr lang="es-CO" sz="2800" b="1" dirty="0">
-                <a:solidFill>
-                  <a:srgbClr val="002060"/>
-                </a:solidFill>
-                <a:latin typeface="Gabriola" panose="04040605051002020D02" pitchFamily="82" charset="0"/>
-                <a:cs typeface="DaunPenh" panose="01010101010101010101" pitchFamily="2" charset="0"/>
-              </a:rPr>
-              <a:t>Para caracterizar un grafo G son suficientes únicamente el conjunto de todas sus aristas, comúnmente denotado con la letra E (Edge), junto con el conjunto de sus </a:t>
-            </a:r>
-            <a:r>
-              <a:rPr lang="es-CO" sz="2800" b="1" dirty="0">
-                <a:solidFill>
-                  <a:srgbClr val="0070C0"/>
-                </a:solidFill>
-                <a:latin typeface="Gabriola" panose="04040605051002020D02" pitchFamily="82" charset="0"/>
-                <a:cs typeface="DaunPenh" panose="01010101010101010101" pitchFamily="2" charset="0"/>
-              </a:rPr>
-              <a:t>vértices</a:t>
-            </a:r>
-            <a:r>
-              <a:rPr lang="es-CO" sz="2800" b="1" dirty="0">
-                <a:solidFill>
-                  <a:srgbClr val="002060"/>
-                </a:solidFill>
-                <a:latin typeface="Gabriola" panose="04040605051002020D02" pitchFamily="82" charset="0"/>
-                <a:cs typeface="DaunPenh" panose="01010101010101010101" pitchFamily="2" charset="0"/>
-              </a:rPr>
-              <a:t> o</a:t>
-            </a:r>
-            <a:r>
-              <a:rPr lang="es-CO" sz="2800" b="1" dirty="0">
-                <a:solidFill>
-                  <a:srgbClr val="0070C0"/>
-                </a:solidFill>
-                <a:latin typeface="Gabriola" panose="04040605051002020D02" pitchFamily="82" charset="0"/>
-                <a:cs typeface="DaunPenh" panose="01010101010101010101" pitchFamily="2" charset="0"/>
-              </a:rPr>
-              <a:t> nodos</a:t>
-            </a:r>
-            <a:r>
-              <a:rPr lang="es-CO" sz="2800" b="1" dirty="0">
-                <a:solidFill>
-                  <a:srgbClr val="002060"/>
-                </a:solidFill>
-                <a:latin typeface="Gabriola" panose="04040605051002020D02" pitchFamily="82" charset="0"/>
-                <a:cs typeface="DaunPenh" panose="01010101010101010101" pitchFamily="2" charset="0"/>
-              </a:rPr>
-              <a:t>, denotado por V. Así, dicho grafo se puede representar como </a:t>
-            </a:r>
-          </a:p>
-          <a:p>
-            <a:r>
-              <a:rPr lang="es-CO" sz="2800" b="1" dirty="0">
-                <a:solidFill>
-                  <a:srgbClr val="002060"/>
-                </a:solidFill>
-                <a:latin typeface="Gabriola" panose="04040605051002020D02" pitchFamily="82" charset="0"/>
-                <a:cs typeface="DaunPenh" panose="01010101010101010101" pitchFamily="2" charset="0"/>
-              </a:rPr>
-              <a:t>G = (V,E)</a:t>
+              <a:t>pertenecen a un conjunto finito, y son la unidad fundamental por la que están formados los grafos. De forma general, cada nodo se convierte en el identificador del problema a modelar.</a:t>
             </a:r>
           </a:p>
         </p:txBody>
       </p:sp>
+      <p:pic>
+        <p:nvPicPr>
+          <p:cNvPr id="2" name="1 Imagen"/>
+          <p:cNvPicPr>
+            <a:picLocks noChangeAspect="1"/>
+          </p:cNvPicPr>
+          <p:nvPr/>
+        </p:nvPicPr>
+        <p:blipFill>
+          <a:blip r:embed="rId3">
+            <a:extLst>
+              <a:ext uri="{28A0092B-C50C-407E-A947-70E740481C1C}">
+                <a14:useLocalDpi xmlns:a14="http://schemas.microsoft.com/office/drawing/2010/main" val="0"/>
+              </a:ext>
+            </a:extLst>
+          </a:blip>
+          <a:stretch>
+            <a:fillRect/>
+          </a:stretch>
+        </p:blipFill>
+        <p:spPr>
+          <a:xfrm>
+            <a:off x="1691680" y="3075806"/>
+            <a:ext cx="3381164" cy="1639865"/>
+          </a:xfrm>
+          <a:prstGeom prst="rect">
+            <a:avLst/>
+          </a:prstGeom>
+        </p:spPr>
+      </p:pic>
     </p:spTree>
     <p:extLst>
       <p:ext uri="{BB962C8B-B14F-4D97-AF65-F5344CB8AC3E}">
-        <p14:creationId xmlns:p14="http://schemas.microsoft.com/office/powerpoint/2010/main" val="1409945284"/>
+        <p14:creationId xmlns:p14="http://schemas.microsoft.com/office/powerpoint/2010/main" val="692181209"/>
       </p:ext>
     </p:extLst>
   </p:cSld>
@@ -18890,8 +18799,8 @@
         </p:nvSpPr>
         <p:spPr>
           <a:xfrm>
-            <a:off x="251520" y="280268"/>
-            <a:ext cx="6840760" cy="923330"/>
+            <a:off x="251520" y="237258"/>
+            <a:ext cx="5076371" cy="923330"/>
           </a:xfrm>
           <a:prstGeom prst="rect">
             <a:avLst/>
@@ -18926,31 +18835,7 @@
                 </a:effectLst>
                 <a:latin typeface="Rockwell" panose="02060603020205020403" pitchFamily="18" charset="0"/>
               </a:rPr>
-              <a:t>Qué es un Nodo o Vértice?</a:t>
-            </a:r>
-            <a:r>
-              <a:rPr lang="es-ES" sz="4000" b="1" dirty="0">
-                <a:ln w="12700">
-                  <a:solidFill>
-                    <a:schemeClr val="tx2">
-                      <a:satMod val="155000"/>
-                    </a:schemeClr>
-                  </a:solidFill>
-                  <a:prstDash val="solid"/>
-                </a:ln>
-                <a:solidFill>
-                  <a:schemeClr val="tx1"/>
-                </a:solidFill>
-                <a:effectLst>
-                  <a:outerShdw blurRad="41275" dist="20320" dir="1800000" algn="tl" rotWithShape="0">
-                    <a:srgbClr val="000000">
-                      <a:alpha val="40000"/>
-                    </a:srgbClr>
-                  </a:outerShdw>
-                </a:effectLst>
-                <a:latin typeface="Cataneo BT" panose="03020802040502060804" pitchFamily="66" charset="0"/>
-              </a:rPr>
-              <a:t> </a:t>
+              <a:t>Qué es una Arista? </a:t>
             </a:r>
           </a:p>
           <a:p>
@@ -18967,7 +18852,7 @@
         <p:spPr>
           <a:xfrm>
             <a:off x="251520" y="1169319"/>
-            <a:ext cx="6840760" cy="1815882"/>
+            <a:ext cx="6840760" cy="3108543"/>
           </a:xfrm>
           <a:prstGeom prst="rect">
             <a:avLst/>
@@ -18988,7 +18873,7 @@
                 <a:latin typeface="Gabriola" panose="04040605051002020D02" pitchFamily="82" charset="0"/>
                 <a:cs typeface="DaunPenh" panose="01010101010101010101" pitchFamily="2" charset="0"/>
               </a:rPr>
-              <a:t>Los </a:t>
+              <a:t>Una </a:t>
             </a:r>
             <a:r>
               <a:rPr lang="es-CO" sz="2800" b="1" dirty="0">
@@ -18998,7 +18883,7 @@
                 <a:latin typeface="Gabriola" panose="04040605051002020D02" pitchFamily="82" charset="0"/>
                 <a:cs typeface="DaunPenh" panose="01010101010101010101" pitchFamily="2" charset="0"/>
               </a:rPr>
-              <a:t>nodos o vértices </a:t>
+              <a:t>arista </a:t>
             </a:r>
             <a:r>
               <a:rPr lang="es-CO" sz="2800" b="1" dirty="0">
@@ -19008,45 +18893,99 @@
                 <a:latin typeface="Gabriola" panose="04040605051002020D02" pitchFamily="82" charset="0"/>
                 <a:cs typeface="DaunPenh" panose="01010101010101010101" pitchFamily="2" charset="0"/>
               </a:rPr>
-              <a:t>pertenecen a un conjunto finito, y son la unidad fundamental por la que están formados los grafos. De forma general, cada nodo se convierte en el identificador del problema a modelar.</a:t>
+              <a:t>corresponde a una relación entre dos </a:t>
+            </a:r>
+            <a:r>
+              <a:rPr lang="es-CO" sz="2800" b="1" dirty="0">
+                <a:solidFill>
+                  <a:srgbClr val="0070C0"/>
+                </a:solidFill>
+                <a:latin typeface="Gabriola" panose="04040605051002020D02" pitchFamily="82" charset="0"/>
+                <a:cs typeface="DaunPenh" panose="01010101010101010101" pitchFamily="2" charset="0"/>
+              </a:rPr>
+              <a:t>nodos </a:t>
+            </a:r>
+            <a:r>
+              <a:rPr lang="es-CO" sz="2800" b="1" dirty="0">
+                <a:solidFill>
+                  <a:srgbClr val="002060"/>
+                </a:solidFill>
+                <a:latin typeface="Gabriola" panose="04040605051002020D02" pitchFamily="82" charset="0"/>
+                <a:cs typeface="DaunPenh" panose="01010101010101010101" pitchFamily="2" charset="0"/>
+              </a:rPr>
+              <a:t>de un grafo.</a:t>
+            </a:r>
+          </a:p>
+          <a:p>
+            <a:r>
+              <a:rPr lang="es-CO" sz="2800" b="1" dirty="0">
+                <a:solidFill>
+                  <a:srgbClr val="002060"/>
+                </a:solidFill>
+                <a:latin typeface="Gabriola" panose="04040605051002020D02" pitchFamily="82" charset="0"/>
+                <a:cs typeface="DaunPenh" panose="01010101010101010101" pitchFamily="2" charset="0"/>
+              </a:rPr>
+              <a:t>Para caracterizar un grafo G son suficientes únicamente el conjunto de todas sus aristas, comúnmente denotado con la letra E (Edge), junto con el conjunto de sus </a:t>
+            </a:r>
+            <a:r>
+              <a:rPr lang="es-CO" sz="2800" b="1" dirty="0">
+                <a:solidFill>
+                  <a:srgbClr val="0070C0"/>
+                </a:solidFill>
+                <a:latin typeface="Gabriola" panose="04040605051002020D02" pitchFamily="82" charset="0"/>
+                <a:cs typeface="DaunPenh" panose="01010101010101010101" pitchFamily="2" charset="0"/>
+              </a:rPr>
+              <a:t>vértices</a:t>
+            </a:r>
+            <a:r>
+              <a:rPr lang="es-CO" sz="2800" b="1" dirty="0">
+                <a:solidFill>
+                  <a:srgbClr val="002060"/>
+                </a:solidFill>
+                <a:latin typeface="Gabriola" panose="04040605051002020D02" pitchFamily="82" charset="0"/>
+                <a:cs typeface="DaunPenh" panose="01010101010101010101" pitchFamily="2" charset="0"/>
+              </a:rPr>
+              <a:t> o</a:t>
+            </a:r>
+            <a:r>
+              <a:rPr lang="es-CO" sz="2800" b="1" dirty="0">
+                <a:solidFill>
+                  <a:srgbClr val="0070C0"/>
+                </a:solidFill>
+                <a:latin typeface="Gabriola" panose="04040605051002020D02" pitchFamily="82" charset="0"/>
+                <a:cs typeface="DaunPenh" panose="01010101010101010101" pitchFamily="2" charset="0"/>
+              </a:rPr>
+              <a:t> nodos</a:t>
+            </a:r>
+            <a:r>
+              <a:rPr lang="es-CO" sz="2800" b="1" dirty="0">
+                <a:solidFill>
+                  <a:srgbClr val="002060"/>
+                </a:solidFill>
+                <a:latin typeface="Gabriola" panose="04040605051002020D02" pitchFamily="82" charset="0"/>
+                <a:cs typeface="DaunPenh" panose="01010101010101010101" pitchFamily="2" charset="0"/>
+              </a:rPr>
+              <a:t>, denotado por V. </a:t>
+            </a:r>
+          </a:p>
+          <a:p>
+            <a:r>
+              <a:rPr lang="es-CO" sz="2800" b="1" dirty="0">
+                <a:solidFill>
+                  <a:srgbClr val="002060"/>
+                </a:solidFill>
+                <a:latin typeface="Gabriola" panose="04040605051002020D02" pitchFamily="82" charset="0"/>
+                <a:cs typeface="DaunPenh" panose="01010101010101010101" pitchFamily="2" charset="0"/>
+              </a:rPr>
+              <a:t>Así, dicho grafo se puede representar como G = (V,E)</a:t>
             </a:r>
           </a:p>
         </p:txBody>
       </p:sp>
-      <p:pic>
-        <p:nvPicPr>
-          <p:cNvPr id="2" name="1 Imagen"/>
-          <p:cNvPicPr>
-            <a:picLocks noChangeAspect="1"/>
-          </p:cNvPicPr>
-          <p:nvPr/>
-        </p:nvPicPr>
-        <p:blipFill>
-          <a:blip r:embed="rId3">
-            <a:extLst>
-              <a:ext uri="{28A0092B-C50C-407E-A947-70E740481C1C}">
-                <a14:useLocalDpi xmlns:a14="http://schemas.microsoft.com/office/drawing/2010/main" val="0"/>
-              </a:ext>
-            </a:extLst>
-          </a:blip>
-          <a:stretch>
-            <a:fillRect/>
-          </a:stretch>
-        </p:blipFill>
-        <p:spPr>
-          <a:xfrm>
-            <a:off x="1691680" y="3075806"/>
-            <a:ext cx="3381164" cy="1639865"/>
-          </a:xfrm>
-          <a:prstGeom prst="rect">
-            <a:avLst/>
-          </a:prstGeom>
-        </p:spPr>
-      </p:pic>
     </p:spTree>
     <p:extLst>
       <p:ext uri="{BB962C8B-B14F-4D97-AF65-F5344CB8AC3E}">
-        <p14:creationId xmlns:p14="http://schemas.microsoft.com/office/powerpoint/2010/main" val="692181209"/>
+        <p14:creationId xmlns:p14="http://schemas.microsoft.com/office/powerpoint/2010/main" val="1409945284"/>
       </p:ext>
     </p:extLst>
   </p:cSld>
@@ -19057,357 +18996,6 @@
 </file>
 
 <file path=ppt/slides/slide5.xml><?xml version="1.0" encoding="utf-8"?>
-<p:sld xmlns:a="http://schemas.openxmlformats.org/drawingml/2006/main" xmlns:r="http://schemas.openxmlformats.org/officeDocument/2006/relationships" xmlns:p="http://schemas.openxmlformats.org/presentationml/2006/main">
-  <p:cSld>
-    <p:spTree>
-      <p:nvGrpSpPr>
-        <p:cNvPr id="1" name=""/>
-        <p:cNvGrpSpPr/>
-        <p:nvPr/>
-      </p:nvGrpSpPr>
-      <p:grpSpPr>
-        <a:xfrm>
-          <a:off x="0" y="0"/>
-          <a:ext cx="0" cy="0"/>
-          <a:chOff x="0" y="0"/>
-          <a:chExt cx="0" cy="0"/>
-        </a:xfrm>
-      </p:grpSpPr>
-      <p:pic>
-        <p:nvPicPr>
-          <p:cNvPr id="4" name="Shape 143" descr="logosis1.png"/>
-          <p:cNvPicPr preferRelativeResize="0"/>
-          <p:nvPr/>
-        </p:nvPicPr>
-        <p:blipFill>
-          <a:blip r:embed="rId2">
-            <a:alphaModFix/>
-          </a:blip>
-          <a:stretch>
-            <a:fillRect/>
-          </a:stretch>
-        </p:blipFill>
-        <p:spPr>
-          <a:xfrm>
-            <a:off x="6901818" y="3657601"/>
-            <a:ext cx="2242181" cy="1485899"/>
-          </a:xfrm>
-          <a:prstGeom prst="rect">
-            <a:avLst/>
-          </a:prstGeom>
-          <a:noFill/>
-          <a:ln>
-            <a:noFill/>
-          </a:ln>
-        </p:spPr>
-      </p:pic>
-      <p:sp>
-        <p:nvSpPr>
-          <p:cNvPr id="7" name="6 CuadroTexto"/>
-          <p:cNvSpPr txBox="1"/>
-          <p:nvPr/>
-        </p:nvSpPr>
-        <p:spPr>
-          <a:xfrm>
-            <a:off x="296788" y="1331932"/>
-            <a:ext cx="6480720" cy="1815882"/>
-          </a:xfrm>
-          <a:prstGeom prst="rect">
-            <a:avLst/>
-          </a:prstGeom>
-          <a:noFill/>
-        </p:spPr>
-        <p:txBody>
-          <a:bodyPr wrap="square" rtlCol="0">
-            <a:spAutoFit/>
-          </a:bodyPr>
-          <a:lstStyle/>
-          <a:p>
-            <a:pPr algn="just"/>
-            <a:r>
-              <a:rPr lang="es-CO" sz="2800" b="1" dirty="0">
-                <a:solidFill>
-                  <a:srgbClr val="002060"/>
-                </a:solidFill>
-                <a:latin typeface="Gabriola" panose="04040605051002020D02" pitchFamily="82" charset="0"/>
-                <a:cs typeface="DaunPenh" panose="01010101010101010101" pitchFamily="2" charset="0"/>
-              </a:rPr>
-              <a:t>En un </a:t>
-            </a:r>
-            <a:r>
-              <a:rPr lang="es-CO" sz="2800" b="1" dirty="0">
-                <a:solidFill>
-                  <a:srgbClr val="0070C0"/>
-                </a:solidFill>
-                <a:latin typeface="Gabriola" panose="04040605051002020D02" pitchFamily="82" charset="0"/>
-                <a:cs typeface="DaunPenh" panose="01010101010101010101" pitchFamily="2" charset="0"/>
-              </a:rPr>
-              <a:t>grado dirigido </a:t>
-            </a:r>
-            <a:r>
-              <a:rPr lang="es-CO" sz="2800" b="1" dirty="0">
-                <a:solidFill>
-                  <a:srgbClr val="002060"/>
-                </a:solidFill>
-                <a:latin typeface="Gabriola" panose="04040605051002020D02" pitchFamily="82" charset="0"/>
-                <a:cs typeface="DaunPenh" panose="01010101010101010101" pitchFamily="2" charset="0"/>
-              </a:rPr>
-              <a:t>la arista se representa como una flecha, que parte del nodo origen y apunta al nodo destino.</a:t>
-            </a:r>
-          </a:p>
-          <a:p>
-            <a:pPr algn="just"/>
-            <a:r>
-              <a:rPr lang="es-CO" sz="2800" b="1" dirty="0">
-                <a:solidFill>
-                  <a:srgbClr val="002060"/>
-                </a:solidFill>
-                <a:latin typeface="Gabriola" panose="04040605051002020D02" pitchFamily="82" charset="0"/>
-                <a:cs typeface="DaunPenh" panose="01010101010101010101" pitchFamily="2" charset="0"/>
-              </a:rPr>
-              <a:t>En un </a:t>
-            </a:r>
-            <a:r>
-              <a:rPr lang="es-CO" sz="2800" b="1" dirty="0">
-                <a:solidFill>
-                  <a:srgbClr val="0070C0"/>
-                </a:solidFill>
-                <a:latin typeface="Gabriola" panose="04040605051002020D02" pitchFamily="82" charset="0"/>
-                <a:cs typeface="DaunPenh" panose="01010101010101010101" pitchFamily="2" charset="0"/>
-              </a:rPr>
-              <a:t>grafo NO dirigido </a:t>
-            </a:r>
-            <a:r>
-              <a:rPr lang="es-CO" sz="2800" b="1" dirty="0">
-                <a:solidFill>
-                  <a:srgbClr val="002060"/>
-                </a:solidFill>
-                <a:latin typeface="Gabriola" panose="04040605051002020D02" pitchFamily="82" charset="0"/>
-                <a:cs typeface="DaunPenh" panose="01010101010101010101" pitchFamily="2" charset="0"/>
-              </a:rPr>
-              <a:t>la representación de la arista es una línea que une dos nodos.</a:t>
-            </a:r>
-          </a:p>
-        </p:txBody>
-      </p:sp>
-      <p:sp>
-        <p:nvSpPr>
-          <p:cNvPr id="8" name="7 CuadroTexto"/>
-          <p:cNvSpPr txBox="1"/>
-          <p:nvPr/>
-        </p:nvSpPr>
-        <p:spPr>
-          <a:xfrm>
-            <a:off x="35496" y="123478"/>
-            <a:ext cx="8640960" cy="923330"/>
-          </a:xfrm>
-          <a:prstGeom prst="rect">
-            <a:avLst/>
-          </a:prstGeom>
-          <a:noFill/>
-        </p:spPr>
-        <p:txBody>
-          <a:bodyPr wrap="square" rtlCol="0">
-            <a:spAutoFit/>
-          </a:bodyPr>
-          <a:lstStyle/>
-          <a:p>
-            <a:r>
-              <a:rPr lang="es-ES" sz="4000" b="1" dirty="0">
-                <a:ln w="12700">
-                  <a:solidFill>
-                    <a:schemeClr val="tx2">
-                      <a:satMod val="155000"/>
-                    </a:schemeClr>
-                  </a:solidFill>
-                  <a:prstDash val="solid"/>
-                </a:ln>
-                <a:solidFill>
-                  <a:schemeClr val="tx1"/>
-                </a:solidFill>
-                <a:effectLst>
-                  <a:outerShdw blurRad="41275" dist="20320" dir="1800000" algn="tl" rotWithShape="0">
-                    <a:srgbClr val="000000">
-                      <a:alpha val="40000"/>
-                    </a:srgbClr>
-                  </a:outerShdw>
-                </a:effectLst>
-                <a:latin typeface="Rockwell" panose="02060603020205020403" pitchFamily="18" charset="0"/>
-              </a:rPr>
-              <a:t>Grafos Dirigidos y No Dirigidos</a:t>
-            </a:r>
-          </a:p>
-          <a:p>
-            <a:endParaRPr lang="es-CO" dirty="0"/>
-          </a:p>
-        </p:txBody>
-      </p:sp>
-      <p:pic>
-        <p:nvPicPr>
-          <p:cNvPr id="9" name="8 Imagen"/>
-          <p:cNvPicPr>
-            <a:picLocks noChangeAspect="1"/>
-          </p:cNvPicPr>
-          <p:nvPr/>
-        </p:nvPicPr>
-        <p:blipFill>
-          <a:blip r:embed="rId3">
-            <a:extLst>
-              <a:ext uri="{28A0092B-C50C-407E-A947-70E740481C1C}">
-                <a14:useLocalDpi xmlns:a14="http://schemas.microsoft.com/office/drawing/2010/main" val="0"/>
-              </a:ext>
-            </a:extLst>
-          </a:blip>
-          <a:stretch>
-            <a:fillRect/>
-          </a:stretch>
-        </p:blipFill>
-        <p:spPr>
-          <a:xfrm>
-            <a:off x="1043608" y="3147814"/>
-            <a:ext cx="1507702" cy="1368152"/>
-          </a:xfrm>
-          <a:prstGeom prst="rect">
-            <a:avLst/>
-          </a:prstGeom>
-        </p:spPr>
-      </p:pic>
-      <p:pic>
-        <p:nvPicPr>
-          <p:cNvPr id="11" name="10 Imagen"/>
-          <p:cNvPicPr>
-            <a:picLocks noChangeAspect="1"/>
-          </p:cNvPicPr>
-          <p:nvPr/>
-        </p:nvPicPr>
-        <p:blipFill>
-          <a:blip r:embed="rId4">
-            <a:extLst>
-              <a:ext uri="{28A0092B-C50C-407E-A947-70E740481C1C}">
-                <a14:useLocalDpi xmlns:a14="http://schemas.microsoft.com/office/drawing/2010/main" val="0"/>
-              </a:ext>
-            </a:extLst>
-          </a:blip>
-          <a:stretch>
-            <a:fillRect/>
-          </a:stretch>
-        </p:blipFill>
-        <p:spPr>
-          <a:xfrm>
-            <a:off x="4051560" y="3091488"/>
-            <a:ext cx="1544909" cy="1424478"/>
-          </a:xfrm>
-          <a:prstGeom prst="rect">
-            <a:avLst/>
-          </a:prstGeom>
-        </p:spPr>
-      </p:pic>
-      <p:sp>
-        <p:nvSpPr>
-          <p:cNvPr id="12" name="11 CuadroTexto"/>
-          <p:cNvSpPr txBox="1"/>
-          <p:nvPr/>
-        </p:nvSpPr>
-        <p:spPr>
-          <a:xfrm>
-            <a:off x="973634" y="4640237"/>
-            <a:ext cx="1686680" cy="307777"/>
-          </a:xfrm>
-          <a:prstGeom prst="rect">
-            <a:avLst/>
-          </a:prstGeom>
-          <a:noFill/>
-        </p:spPr>
-        <p:txBody>
-          <a:bodyPr wrap="none" rtlCol="0">
-            <a:spAutoFit/>
-          </a:bodyPr>
-          <a:lstStyle/>
-          <a:p>
-            <a:r>
-              <a:rPr lang="es-CO" b="1" dirty="0"/>
-              <a:t>Grafo NO dirigido</a:t>
-            </a:r>
-          </a:p>
-        </p:txBody>
-      </p:sp>
-      <p:sp>
-        <p:nvSpPr>
-          <p:cNvPr id="13" name="12 CuadroTexto"/>
-          <p:cNvSpPr txBox="1"/>
-          <p:nvPr/>
-        </p:nvSpPr>
-        <p:spPr>
-          <a:xfrm>
-            <a:off x="4051560" y="4640237"/>
-            <a:ext cx="1367682" cy="307777"/>
-          </a:xfrm>
-          <a:prstGeom prst="rect">
-            <a:avLst/>
-          </a:prstGeom>
-          <a:noFill/>
-        </p:spPr>
-        <p:txBody>
-          <a:bodyPr wrap="none" rtlCol="0">
-            <a:spAutoFit/>
-          </a:bodyPr>
-          <a:lstStyle/>
-          <a:p>
-            <a:r>
-              <a:rPr lang="es-CO" b="1" dirty="0"/>
-              <a:t>Grafo dirigido</a:t>
-            </a:r>
-          </a:p>
-        </p:txBody>
-      </p:sp>
-      <p:sp>
-        <p:nvSpPr>
-          <p:cNvPr id="14" name="13 CuadroTexto"/>
-          <p:cNvSpPr txBox="1"/>
-          <p:nvPr/>
-        </p:nvSpPr>
-        <p:spPr>
-          <a:xfrm>
-            <a:off x="251520" y="824394"/>
-            <a:ext cx="1965603" cy="523220"/>
-          </a:xfrm>
-          <a:prstGeom prst="rect">
-            <a:avLst/>
-          </a:prstGeom>
-          <a:noFill/>
-        </p:spPr>
-        <p:txBody>
-          <a:bodyPr wrap="none" rtlCol="0">
-            <a:spAutoFit/>
-          </a:bodyPr>
-          <a:lstStyle/>
-          <a:p>
-            <a:r>
-              <a:rPr lang="es-CO" sz="2800" b="1" dirty="0">
-                <a:solidFill>
-                  <a:srgbClr val="C00000"/>
-                </a:solidFill>
-                <a:latin typeface="Gabriola" panose="04040605051002020D02" pitchFamily="82" charset="0"/>
-              </a:rPr>
-              <a:t>Representación: </a:t>
-            </a:r>
-          </a:p>
-        </p:txBody>
-      </p:sp>
-    </p:spTree>
-    <p:extLst>
-      <p:ext uri="{BB962C8B-B14F-4D97-AF65-F5344CB8AC3E}">
-        <p14:creationId xmlns:p14="http://schemas.microsoft.com/office/powerpoint/2010/main" val="812205442"/>
-      </p:ext>
-    </p:extLst>
-  </p:cSld>
-  <p:clrMapOvr>
-    <a:masterClrMapping/>
-  </p:clrMapOvr>
-</p:sld>
-</file>
-
-<file path=ppt/slides/slide6.xml><?xml version="1.0" encoding="utf-8"?>
 <p:sld xmlns:a="http://schemas.openxmlformats.org/drawingml/2006/main" xmlns:r="http://schemas.openxmlformats.org/officeDocument/2006/relationships" xmlns:p="http://schemas.openxmlformats.org/presentationml/2006/main">
   <p:cSld>
     <p:spTree>
@@ -19729,7 +19317,7 @@
 </p:sld>
 </file>
 
-<file path=ppt/slides/slide7.xml><?xml version="1.0" encoding="utf-8"?>
+<file path=ppt/slides/slide6.xml><?xml version="1.0" encoding="utf-8"?>
 <p:sld xmlns:a="http://schemas.openxmlformats.org/drawingml/2006/main" xmlns:r="http://schemas.openxmlformats.org/officeDocument/2006/relationships" xmlns:p="http://schemas.openxmlformats.org/presentationml/2006/main">
   <p:cSld>
     <p:spTree>
@@ -19832,7 +19420,7 @@
         <p:spPr>
           <a:xfrm>
             <a:off x="251519" y="843558"/>
-            <a:ext cx="6963815" cy="1815882"/>
+            <a:ext cx="6963815" cy="1384995"/>
           </a:xfrm>
           <a:prstGeom prst="rect">
             <a:avLst/>
@@ -19853,7 +19441,7 @@
                 <a:latin typeface="Gabriola" panose="04040605051002020D02" pitchFamily="82" charset="0"/>
                 <a:cs typeface="DaunPenh" panose="01010101010101010101" pitchFamily="2" charset="0"/>
               </a:rPr>
-              <a:t>Sea G un </a:t>
+              <a:t>Un </a:t>
             </a:r>
             <a:r>
               <a:rPr lang="es-CO" sz="2800" b="1" dirty="0">
@@ -19873,47 +19461,19 @@
                 <a:latin typeface="Gabriola" panose="04040605051002020D02" pitchFamily="82" charset="0"/>
                 <a:cs typeface="DaunPenh" panose="01010101010101010101" pitchFamily="2" charset="0"/>
               </a:rPr>
-              <a:t>donde G =(V,E) donde V corresponde al conjunto de nodos y E el conjunto de aristas del grafo, un grafo </a:t>
+              <a:t>es aquel en el que las aristas no tienen orientación. </a:t>
             </a:r>
+          </a:p>
+          <a:p>
             <a:r>
               <a:rPr lang="es-CO" sz="2800" b="1" dirty="0">
                 <a:solidFill>
-                  <a:srgbClr val="0070C0"/>
+                  <a:srgbClr val="002060"/>
                 </a:solidFill>
                 <a:latin typeface="Gabriola" panose="04040605051002020D02" pitchFamily="82" charset="0"/>
                 <a:cs typeface="DaunPenh" panose="01010101010101010101" pitchFamily="2" charset="0"/>
               </a:rPr>
-              <a:t>no dirigido </a:t>
-            </a:r>
-            <a:r>
-              <a:rPr lang="es-CO" sz="2800" b="1" dirty="0">
-                <a:solidFill>
-                  <a:srgbClr val="002060"/>
-                </a:solidFill>
-                <a:latin typeface="Gabriola" panose="04040605051002020D02" pitchFamily="82" charset="0"/>
-                <a:cs typeface="DaunPenh" panose="01010101010101010101" pitchFamily="2" charset="0"/>
-              </a:rPr>
-              <a:t>se diferencia de un grafo dirigido porque cada arista en E es un </a:t>
-            </a:r>
-            <a:r>
-              <a:rPr lang="es-CO" sz="2800" b="1" dirty="0">
-                <a:solidFill>
-                  <a:srgbClr val="0070C0"/>
-                </a:solidFill>
-                <a:latin typeface="Gabriola" panose="04040605051002020D02" pitchFamily="82" charset="0"/>
-                <a:cs typeface="DaunPenh" panose="01010101010101010101" pitchFamily="2" charset="0"/>
-              </a:rPr>
-              <a:t>par no ordenado </a:t>
-            </a:r>
-            <a:r>
-              <a:rPr lang="es-CO" sz="2800" b="1" dirty="0">
-                <a:solidFill>
-                  <a:srgbClr val="002060"/>
-                </a:solidFill>
-                <a:latin typeface="Gabriola" panose="04040605051002020D02" pitchFamily="82" charset="0"/>
-                <a:cs typeface="DaunPenh" panose="01010101010101010101" pitchFamily="2" charset="0"/>
-              </a:rPr>
-              <a:t>de nodos.</a:t>
+              <a:t>La arista (u, v) es igual a la arista (v, u).</a:t>
             </a:r>
           </a:p>
         </p:txBody>
@@ -20010,7 +19570,7 @@
 </p:sld>
 </file>
 
-<file path=ppt/slides/slide8.xml><?xml version="1.0" encoding="utf-8"?>
+<file path=ppt/slides/slide7.xml><?xml version="1.0" encoding="utf-8"?>
 <p:sld xmlns:a="http://schemas.openxmlformats.org/drawingml/2006/main" xmlns:r="http://schemas.openxmlformats.org/officeDocument/2006/relationships" xmlns:p="http://schemas.openxmlformats.org/presentationml/2006/main">
   <p:cSld>
     <p:spTree>
@@ -20116,7 +19676,7 @@
         <p:spPr>
           <a:xfrm>
             <a:off x="167851" y="1347614"/>
-            <a:ext cx="6963815" cy="1754326"/>
+            <a:ext cx="7140453" cy="1754326"/>
           </a:xfrm>
           <a:prstGeom prst="rect">
             <a:avLst/>
@@ -20137,19 +19697,44 @@
                 <a:latin typeface="Gabriola" panose="04040605051002020D02" pitchFamily="82" charset="0"/>
                 <a:cs typeface="DaunPenh" panose="01010101010101010101" pitchFamily="2" charset="0"/>
               </a:rPr>
-              <a:t>Existen diferentes implementaciones del tipo grafo: con una </a:t>
+              <a:t>Existen diferentes formas de representar un grafo: </a:t>
+            </a:r>
+          </a:p>
+          <a:p>
+            <a:pPr marL="742950" indent="-742950">
+              <a:buAutoNum type="alphaLcParenR"/>
+            </a:pPr>
+            <a:r>
+              <a:rPr lang="es-CO" sz="3600" b="1" dirty="0">
+                <a:solidFill>
+                  <a:schemeClr val="accent1">
+                    <a:lumMod val="50000"/>
+                  </a:schemeClr>
+                </a:solidFill>
+                <a:latin typeface="Gabriola" panose="04040605051002020D02" pitchFamily="82" charset="0"/>
+                <a:cs typeface="DaunPenh" panose="01010101010101010101" pitchFamily="2" charset="0"/>
+              </a:rPr>
+              <a:t>matriz de adyacencia </a:t>
             </a:r>
             <a:r>
               <a:rPr lang="es-CO" sz="3600" b="1" dirty="0">
                 <a:solidFill>
-                  <a:schemeClr val="accent1">
-                    <a:lumMod val="50000"/>
-                  </a:schemeClr>
+                  <a:srgbClr val="002060"/>
                 </a:solidFill>
                 <a:latin typeface="Gabriola" panose="04040605051002020D02" pitchFamily="82" charset="0"/>
                 <a:cs typeface="DaunPenh" panose="01010101010101010101" pitchFamily="2" charset="0"/>
               </a:rPr>
-              <a:t>matriz de adyacencias </a:t>
+              <a:t>(Arreglo </a:t>
+            </a:r>
+            <a:r>
+              <a:rPr lang="es-CO" sz="2400" b="1" dirty="0">
+                <a:solidFill>
+                  <a:srgbClr val="002060"/>
+                </a:solidFill>
+                <a:latin typeface="+mn-lt"/>
+                <a:cs typeface="DaunPenh" panose="01010101010101010101" pitchFamily="2" charset="0"/>
+              </a:rPr>
+              <a:t>2D</a:t>
             </a:r>
             <a:r>
               <a:rPr lang="es-CO" sz="3600" b="1" dirty="0">
@@ -20159,8 +19744,13 @@
                 <a:latin typeface="Gabriola" panose="04040605051002020D02" pitchFamily="82" charset="0"/>
                 <a:cs typeface="DaunPenh" panose="01010101010101010101" pitchFamily="2" charset="0"/>
               </a:rPr>
-              <a:t>(forma acotada) y con </a:t>
+              <a:t>) </a:t>
             </a:r>
+          </a:p>
+          <a:p>
+            <a:pPr marL="742950" indent="-742950">
+              <a:buAutoNum type="alphaLcParenR"/>
+            </a:pPr>
             <a:r>
               <a:rPr lang="es-CO" sz="3600" b="1" dirty="0">
                 <a:solidFill>
@@ -20181,7 +19771,27 @@
                 <a:latin typeface="Gabriola" panose="04040605051002020D02" pitchFamily="82" charset="0"/>
                 <a:cs typeface="DaunPenh" panose="01010101010101010101" pitchFamily="2" charset="0"/>
               </a:rPr>
-              <a:t> (no acotadas).</a:t>
+              <a:t> (</a:t>
+            </a:r>
+            <a:r>
+              <a:rPr lang="es-CO" sz="2800" b="1" dirty="0">
+                <a:solidFill>
+                  <a:srgbClr val="002060"/>
+                </a:solidFill>
+                <a:latin typeface="Gabriola" panose="04040605051002020D02" pitchFamily="82" charset="0"/>
+                <a:cs typeface="DaunPenh" panose="01010101010101010101" pitchFamily="2" charset="0"/>
+              </a:rPr>
+              <a:t>vector de vector de pares</a:t>
+            </a:r>
+            <a:r>
+              <a:rPr lang="es-CO" sz="3600" b="1" dirty="0">
+                <a:solidFill>
+                  <a:srgbClr val="002060"/>
+                </a:solidFill>
+                <a:latin typeface="Gabriola" panose="04040605051002020D02" pitchFamily="82" charset="0"/>
+                <a:cs typeface="DaunPenh" panose="01010101010101010101" pitchFamily="2" charset="0"/>
+              </a:rPr>
+              <a:t>).</a:t>
             </a:r>
           </a:p>
         </p:txBody>
@@ -20199,7 +19809,7 @@
 </p:sld>
 </file>
 
-<file path=ppt/slides/slide9.xml><?xml version="1.0" encoding="utf-8"?>
+<file path=ppt/slides/slide8.xml><?xml version="1.0" encoding="utf-8"?>
 <p:sld xmlns:a="http://schemas.openxmlformats.org/drawingml/2006/main" xmlns:r="http://schemas.openxmlformats.org/officeDocument/2006/relationships" xmlns:p="http://schemas.openxmlformats.org/presentationml/2006/main">
   <p:cSld>
     <p:spTree>
@@ -20399,6 +20009,228 @@
     <p:extLst>
       <p:ext uri="{BB962C8B-B14F-4D97-AF65-F5344CB8AC3E}">
         <p14:creationId xmlns:p14="http://schemas.microsoft.com/office/powerpoint/2010/main" val="3686365929"/>
+      </p:ext>
+    </p:extLst>
+  </p:cSld>
+  <p:clrMapOvr>
+    <a:masterClrMapping/>
+  </p:clrMapOvr>
+</p:sld>
+</file>
+
+<file path=ppt/slides/slide9.xml><?xml version="1.0" encoding="utf-8"?>
+<p:sld xmlns:a="http://schemas.openxmlformats.org/drawingml/2006/main" xmlns:r="http://schemas.openxmlformats.org/officeDocument/2006/relationships" xmlns:p="http://schemas.openxmlformats.org/presentationml/2006/main">
+  <p:cSld>
+    <p:bg>
+      <p:bgPr>
+        <a:solidFill>
+          <a:schemeClr val="bg1"/>
+        </a:solidFill>
+        <a:effectLst/>
+      </p:bgPr>
+    </p:bg>
+    <p:spTree>
+      <p:nvGrpSpPr>
+        <p:cNvPr id="1" name=""/>
+        <p:cNvGrpSpPr/>
+        <p:nvPr/>
+      </p:nvGrpSpPr>
+      <p:grpSpPr>
+        <a:xfrm>
+          <a:off x="0" y="0"/>
+          <a:ext cx="0" cy="0"/>
+          <a:chOff x="0" y="0"/>
+          <a:chExt cx="0" cy="0"/>
+        </a:xfrm>
+      </p:grpSpPr>
+      <p:pic>
+        <p:nvPicPr>
+          <p:cNvPr id="4" name="Shape 143" descr="logosis1.png"/>
+          <p:cNvPicPr preferRelativeResize="0"/>
+          <p:nvPr/>
+        </p:nvPicPr>
+        <p:blipFill>
+          <a:blip r:embed="rId2">
+            <a:alphaModFix/>
+          </a:blip>
+          <a:stretch>
+            <a:fillRect/>
+          </a:stretch>
+        </p:blipFill>
+        <p:spPr>
+          <a:xfrm>
+            <a:off x="7249711" y="3723878"/>
+            <a:ext cx="1894288" cy="1419622"/>
+          </a:xfrm>
+          <a:prstGeom prst="rect">
+            <a:avLst/>
+          </a:prstGeom>
+          <a:noFill/>
+          <a:ln>
+            <a:noFill/>
+          </a:ln>
+        </p:spPr>
+      </p:pic>
+      <p:sp>
+        <p:nvSpPr>
+          <p:cNvPr id="5" name="4 CuadroTexto"/>
+          <p:cNvSpPr txBox="1"/>
+          <p:nvPr/>
+        </p:nvSpPr>
+        <p:spPr>
+          <a:xfrm>
+            <a:off x="213888" y="123478"/>
+            <a:ext cx="7035823" cy="646331"/>
+          </a:xfrm>
+          <a:prstGeom prst="rect">
+            <a:avLst/>
+          </a:prstGeom>
+          <a:noFill/>
+        </p:spPr>
+        <p:txBody>
+          <a:bodyPr wrap="square" rtlCol="0">
+            <a:spAutoFit/>
+          </a:bodyPr>
+          <a:lstStyle/>
+          <a:p>
+            <a:r>
+              <a:rPr lang="es-ES" sz="3600" b="1" dirty="0">
+                <a:ln w="12700">
+                  <a:solidFill>
+                    <a:schemeClr val="tx2">
+                      <a:satMod val="155000"/>
+                    </a:schemeClr>
+                  </a:solidFill>
+                  <a:prstDash val="solid"/>
+                </a:ln>
+                <a:solidFill>
+                  <a:schemeClr val="tx1"/>
+                </a:solidFill>
+                <a:effectLst>
+                  <a:outerShdw blurRad="41275" dist="20320" dir="1800000" algn="tl" rotWithShape="0">
+                    <a:srgbClr val="000000">
+                      <a:alpha val="40000"/>
+                    </a:srgbClr>
+                  </a:outerShdw>
+                </a:effectLst>
+                <a:latin typeface="Rockwell" panose="02060603020205020403" pitchFamily="18" charset="0"/>
+              </a:rPr>
+              <a:t>Lista de Adyacencia</a:t>
+            </a:r>
+            <a:endParaRPr lang="es-CO" sz="1200" dirty="0">
+              <a:latin typeface="Rockwell" panose="02060603020205020403" pitchFamily="18" charset="0"/>
+            </a:endParaRPr>
+          </a:p>
+        </p:txBody>
+      </p:sp>
+      <p:sp>
+        <p:nvSpPr>
+          <p:cNvPr id="7" name="6 CuadroTexto"/>
+          <p:cNvSpPr txBox="1"/>
+          <p:nvPr/>
+        </p:nvSpPr>
+        <p:spPr>
+          <a:xfrm>
+            <a:off x="141880" y="827876"/>
+            <a:ext cx="7382448" cy="1815882"/>
+          </a:xfrm>
+          <a:prstGeom prst="rect">
+            <a:avLst/>
+          </a:prstGeom>
+          <a:noFill/>
+        </p:spPr>
+        <p:txBody>
+          <a:bodyPr wrap="square" rtlCol="0">
+            <a:spAutoFit/>
+          </a:bodyPr>
+          <a:lstStyle/>
+          <a:p>
+            <a:r>
+              <a:rPr lang="es-CO" sz="2800" b="1" dirty="0">
+                <a:solidFill>
+                  <a:srgbClr val="002060"/>
+                </a:solidFill>
+                <a:latin typeface="Gabriola" panose="04040605051002020D02" pitchFamily="82" charset="0"/>
+                <a:cs typeface="DaunPenh" panose="01010101010101010101" pitchFamily="2" charset="0"/>
+              </a:rPr>
+              <a:t>Una </a:t>
+            </a:r>
+            <a:r>
+              <a:rPr lang="es-CO" sz="2800" b="1" dirty="0">
+                <a:solidFill>
+                  <a:schemeClr val="accent1">
+                    <a:lumMod val="50000"/>
+                  </a:schemeClr>
+                </a:solidFill>
+                <a:latin typeface="Gabriola" panose="04040605051002020D02" pitchFamily="82" charset="0"/>
+                <a:cs typeface="DaunPenh" panose="01010101010101010101" pitchFamily="2" charset="0"/>
+              </a:rPr>
+              <a:t>lista de adyacencia</a:t>
+            </a:r>
+            <a:r>
+              <a:rPr lang="es-CO" sz="2800" b="1" dirty="0">
+                <a:solidFill>
+                  <a:srgbClr val="002060"/>
+                </a:solidFill>
+                <a:latin typeface="Gabriola" panose="04040605051002020D02" pitchFamily="82" charset="0"/>
+                <a:cs typeface="DaunPenh" panose="01010101010101010101" pitchFamily="2" charset="0"/>
+              </a:rPr>
+              <a:t> es una representación de todas las aristas de un grafo mediante una lista.</a:t>
+            </a:r>
+            <a:r>
+              <a:rPr lang="es-CO" dirty="0"/>
+              <a:t> </a:t>
+            </a:r>
+            <a:r>
+              <a:rPr lang="es-CO" sz="2800" b="1" dirty="0">
+                <a:solidFill>
+                  <a:srgbClr val="002060"/>
+                </a:solidFill>
+                <a:latin typeface="Gabriola" panose="04040605051002020D02" pitchFamily="82" charset="0"/>
+                <a:cs typeface="DaunPenh" panose="01010101010101010101" pitchFamily="2" charset="0"/>
+              </a:rPr>
+              <a:t>Se asocia a cada nodo del grafo una lista que contenga todos aquellos nodos que sean adyacentes a él.</a:t>
+            </a:r>
+          </a:p>
+          <a:p>
+            <a:endParaRPr lang="es-CO" sz="2800" b="1" dirty="0">
+              <a:solidFill>
+                <a:srgbClr val="002060"/>
+              </a:solidFill>
+              <a:latin typeface="Gabriola" panose="04040605051002020D02" pitchFamily="82" charset="0"/>
+              <a:cs typeface="DaunPenh" panose="01010101010101010101" pitchFamily="2" charset="0"/>
+            </a:endParaRPr>
+          </a:p>
+        </p:txBody>
+      </p:sp>
+      <p:pic>
+        <p:nvPicPr>
+          <p:cNvPr id="8" name="Imagen 7"/>
+          <p:cNvPicPr>
+            <a:picLocks noChangeAspect="1"/>
+          </p:cNvPicPr>
+          <p:nvPr/>
+        </p:nvPicPr>
+        <p:blipFill>
+          <a:blip r:embed="rId3"/>
+          <a:stretch>
+            <a:fillRect/>
+          </a:stretch>
+        </p:blipFill>
+        <p:spPr>
+          <a:xfrm>
+            <a:off x="305338" y="2569717"/>
+            <a:ext cx="6498910" cy="2162273"/>
+          </a:xfrm>
+          <a:prstGeom prst="rect">
+            <a:avLst/>
+          </a:prstGeom>
+        </p:spPr>
+      </p:pic>
+    </p:spTree>
+    <p:extLst>
+      <p:ext uri="{BB962C8B-B14F-4D97-AF65-F5344CB8AC3E}">
+        <p14:creationId xmlns:p14="http://schemas.microsoft.com/office/powerpoint/2010/main" val="1526532328"/>
       </p:ext>
     </p:extLst>
   </p:cSld>

--- a/PRESENTACIÓN TALLER GRAFOS.pptx
+++ b/PRESENTACIÓN TALLER GRAFOS.pptx
@@ -5,23 +5,28 @@
     <p:sldMasterId id="2147483664" r:id="rId1"/>
   </p:sldMasterIdLst>
   <p:notesMasterIdLst>
-    <p:notesMasterId r:id="rId16"/>
+    <p:notesMasterId r:id="rId21"/>
   </p:notesMasterIdLst>
   <p:sldIdLst>
     <p:sldId id="258" r:id="rId2"/>
-    <p:sldId id="257" r:id="rId3"/>
-    <p:sldId id="262" r:id="rId4"/>
-    <p:sldId id="259" r:id="rId5"/>
-    <p:sldId id="261" r:id="rId6"/>
-    <p:sldId id="263" r:id="rId7"/>
-    <p:sldId id="265" r:id="rId8"/>
-    <p:sldId id="264" r:id="rId9"/>
-    <p:sldId id="267" r:id="rId10"/>
-    <p:sldId id="266" r:id="rId11"/>
-    <p:sldId id="268" r:id="rId12"/>
-    <p:sldId id="271" r:id="rId13"/>
-    <p:sldId id="269" r:id="rId14"/>
-    <p:sldId id="270" r:id="rId15"/>
+    <p:sldId id="276" r:id="rId3"/>
+    <p:sldId id="275" r:id="rId4"/>
+    <p:sldId id="257" r:id="rId5"/>
+    <p:sldId id="262" r:id="rId6"/>
+    <p:sldId id="259" r:id="rId7"/>
+    <p:sldId id="261" r:id="rId8"/>
+    <p:sldId id="263" r:id="rId9"/>
+    <p:sldId id="265" r:id="rId10"/>
+    <p:sldId id="264" r:id="rId11"/>
+    <p:sldId id="267" r:id="rId12"/>
+    <p:sldId id="266" r:id="rId13"/>
+    <p:sldId id="268" r:id="rId14"/>
+    <p:sldId id="271" r:id="rId15"/>
+    <p:sldId id="272" r:id="rId16"/>
+    <p:sldId id="269" r:id="rId17"/>
+    <p:sldId id="270" r:id="rId18"/>
+    <p:sldId id="273" r:id="rId19"/>
+    <p:sldId id="274" r:id="rId20"/>
   </p:sldIdLst>
   <p:sldSz cx="9144000" cy="5143500" type="screen16x9"/>
   <p:notesSz cx="6858000" cy="9144000"/>
@@ -602,6 +607,72 @@
         </p:txBody>
       </p:sp>
     </p:spTree>
+  </p:cSld>
+  <p:clrMapOvr>
+    <a:masterClrMapping/>
+  </p:clrMapOvr>
+</p:notes>
+</file>
+
+<file path=ppt/notesSlides/notesSlide2.xml><?xml version="1.0" encoding="utf-8"?>
+<p:notes xmlns:a="http://schemas.openxmlformats.org/drawingml/2006/main" xmlns:r="http://schemas.openxmlformats.org/officeDocument/2006/relationships" xmlns:p="http://schemas.openxmlformats.org/presentationml/2006/main">
+  <p:cSld>
+    <p:spTree>
+      <p:nvGrpSpPr>
+        <p:cNvPr id="1" name=""/>
+        <p:cNvGrpSpPr/>
+        <p:nvPr/>
+      </p:nvGrpSpPr>
+      <p:grpSpPr>
+        <a:xfrm>
+          <a:off x="0" y="0"/>
+          <a:ext cx="0" cy="0"/>
+          <a:chOff x="0" y="0"/>
+          <a:chExt cx="0" cy="0"/>
+        </a:xfrm>
+      </p:grpSpPr>
+      <p:sp>
+        <p:nvSpPr>
+          <p:cNvPr id="2" name="Marcador de imagen de diapositiva 1"/>
+          <p:cNvSpPr>
+            <a:spLocks noGrp="1" noRot="1" noChangeAspect="1"/>
+          </p:cNvSpPr>
+          <p:nvPr>
+            <p:ph type="sldImg"/>
+          </p:nvPr>
+        </p:nvSpPr>
+        <p:spPr>
+          <a:xfrm>
+            <a:off x="381000" y="685800"/>
+            <a:ext cx="6096000" cy="3429000"/>
+          </a:xfrm>
+        </p:spPr>
+      </p:sp>
+      <p:sp>
+        <p:nvSpPr>
+          <p:cNvPr id="3" name="Marcador de notas 2"/>
+          <p:cNvSpPr>
+            <a:spLocks noGrp="1"/>
+          </p:cNvSpPr>
+          <p:nvPr>
+            <p:ph type="body" idx="1"/>
+          </p:nvPr>
+        </p:nvSpPr>
+        <p:spPr/>
+        <p:txBody>
+          <a:bodyPr/>
+          <a:lstStyle/>
+          <a:p>
+            <a:endParaRPr lang="es-CO" dirty="0"/>
+          </a:p>
+        </p:txBody>
+      </p:sp>
+    </p:spTree>
+    <p:extLst>
+      <p:ext uri="{BB962C8B-B14F-4D97-AF65-F5344CB8AC3E}">
+        <p14:creationId xmlns:p14="http://schemas.microsoft.com/office/powerpoint/2010/main" val="2712663097"/>
+      </p:ext>
+    </p:extLst>
   </p:cSld>
   <p:clrMapOvr>
     <a:masterClrMapping/>
@@ -17152,6 +17223,3020 @@
       </p:grpSpPr>
       <p:pic>
         <p:nvPicPr>
+          <p:cNvPr id="6" name="Shape 143" descr="logosis1.png"/>
+          <p:cNvPicPr preferRelativeResize="0"/>
+          <p:nvPr/>
+        </p:nvPicPr>
+        <p:blipFill>
+          <a:blip r:embed="rId2">
+            <a:alphaModFix/>
+          </a:blip>
+          <a:stretch>
+            <a:fillRect/>
+          </a:stretch>
+        </p:blipFill>
+        <p:spPr>
+          <a:xfrm>
+            <a:off x="6901818" y="3657601"/>
+            <a:ext cx="2242181" cy="1485899"/>
+          </a:xfrm>
+          <a:prstGeom prst="rect">
+            <a:avLst/>
+          </a:prstGeom>
+          <a:noFill/>
+          <a:ln>
+            <a:noFill/>
+          </a:ln>
+        </p:spPr>
+      </p:pic>
+      <p:sp>
+        <p:nvSpPr>
+          <p:cNvPr id="7" name="6 CuadroTexto"/>
+          <p:cNvSpPr txBox="1"/>
+          <p:nvPr/>
+        </p:nvSpPr>
+        <p:spPr>
+          <a:xfrm>
+            <a:off x="179512" y="324543"/>
+            <a:ext cx="6336704" cy="461665"/>
+          </a:xfrm>
+          <a:prstGeom prst="rect">
+            <a:avLst/>
+          </a:prstGeom>
+        </p:spPr>
+        <p:style>
+          <a:lnRef idx="0">
+            <a:scrgbClr r="0" g="0" b="0"/>
+          </a:lnRef>
+          <a:fillRef idx="1001">
+            <a:schemeClr val="lt1"/>
+          </a:fillRef>
+          <a:effectRef idx="0">
+            <a:scrgbClr r="0" g="0" b="0"/>
+          </a:effectRef>
+          <a:fontRef idx="major"/>
+        </p:style>
+        <p:txBody>
+          <a:bodyPr wrap="square" rtlCol="0">
+            <a:spAutoFit/>
+          </a:bodyPr>
+          <a:lstStyle/>
+          <a:p>
+            <a:r>
+              <a:rPr lang="es-CO" sz="2400" b="1" dirty="0">
+                <a:latin typeface="Berlin Sans FB Demi" panose="020E0802020502020306" pitchFamily="34" charset="0"/>
+              </a:rPr>
+              <a:t>BIENVENIDOS</a:t>
+            </a:r>
+          </a:p>
+        </p:txBody>
+      </p:sp>
+      <p:sp>
+        <p:nvSpPr>
+          <p:cNvPr id="5" name="6 CuadroTexto"/>
+          <p:cNvSpPr txBox="1"/>
+          <p:nvPr/>
+        </p:nvSpPr>
+        <p:spPr>
+          <a:xfrm>
+            <a:off x="1547664" y="3579862"/>
+            <a:ext cx="3888432" cy="461665"/>
+          </a:xfrm>
+          <a:prstGeom prst="rect">
+            <a:avLst/>
+          </a:prstGeom>
+        </p:spPr>
+        <p:style>
+          <a:lnRef idx="0">
+            <a:scrgbClr r="0" g="0" b="0"/>
+          </a:lnRef>
+          <a:fillRef idx="1001">
+            <a:schemeClr val="lt1"/>
+          </a:fillRef>
+          <a:effectRef idx="0">
+            <a:scrgbClr r="0" g="0" b="0"/>
+          </a:effectRef>
+          <a:fontRef idx="major"/>
+        </p:style>
+        <p:txBody>
+          <a:bodyPr wrap="square" rtlCol="0">
+            <a:spAutoFit/>
+          </a:bodyPr>
+          <a:lstStyle/>
+          <a:p>
+            <a:r>
+              <a:rPr lang="es-CO" sz="2400" b="1" dirty="0">
+                <a:latin typeface="Berlin Sans FB Demi" panose="020E0802020502020306" pitchFamily="34" charset="0"/>
+              </a:rPr>
+              <a:t>CATALINA CASTRO ARIAS</a:t>
+            </a:r>
+          </a:p>
+        </p:txBody>
+      </p:sp>
+      <p:sp>
+        <p:nvSpPr>
+          <p:cNvPr id="8" name="6 CuadroTexto"/>
+          <p:cNvSpPr txBox="1"/>
+          <p:nvPr/>
+        </p:nvSpPr>
+        <p:spPr>
+          <a:xfrm>
+            <a:off x="1547664" y="4299942"/>
+            <a:ext cx="4320480" cy="461665"/>
+          </a:xfrm>
+          <a:prstGeom prst="rect">
+            <a:avLst/>
+          </a:prstGeom>
+        </p:spPr>
+        <p:style>
+          <a:lnRef idx="0">
+            <a:scrgbClr r="0" g="0" b="0"/>
+          </a:lnRef>
+          <a:fillRef idx="1001">
+            <a:schemeClr val="lt1"/>
+          </a:fillRef>
+          <a:effectRef idx="0">
+            <a:scrgbClr r="0" g="0" b="0"/>
+          </a:effectRef>
+          <a:fontRef idx="major"/>
+        </p:style>
+        <p:txBody>
+          <a:bodyPr wrap="square" rtlCol="0">
+            <a:spAutoFit/>
+          </a:bodyPr>
+          <a:lstStyle/>
+          <a:p>
+            <a:r>
+              <a:rPr lang="es-CO" sz="2400" b="1" dirty="0">
+                <a:latin typeface="Berlin Sans FB Demi" panose="020E0802020502020306" pitchFamily="34" charset="0"/>
+              </a:rPr>
+              <a:t>YEFERSON GAITAN GOMEZ</a:t>
+            </a:r>
+          </a:p>
+        </p:txBody>
+      </p:sp>
+      <p:sp>
+        <p:nvSpPr>
+          <p:cNvPr id="9" name="6 CuadroTexto"/>
+          <p:cNvSpPr txBox="1"/>
+          <p:nvPr/>
+        </p:nvSpPr>
+        <p:spPr>
+          <a:xfrm>
+            <a:off x="467544" y="1721369"/>
+            <a:ext cx="6336704" cy="461665"/>
+          </a:xfrm>
+          <a:prstGeom prst="rect">
+            <a:avLst/>
+          </a:prstGeom>
+        </p:spPr>
+        <p:style>
+          <a:lnRef idx="0">
+            <a:scrgbClr r="0" g="0" b="0"/>
+          </a:lnRef>
+          <a:fillRef idx="1001">
+            <a:schemeClr val="lt1"/>
+          </a:fillRef>
+          <a:effectRef idx="0">
+            <a:scrgbClr r="0" g="0" b="0"/>
+          </a:effectRef>
+          <a:fontRef idx="major"/>
+        </p:style>
+        <p:txBody>
+          <a:bodyPr wrap="square" rtlCol="0">
+            <a:spAutoFit/>
+          </a:bodyPr>
+          <a:lstStyle/>
+          <a:p>
+            <a:r>
+              <a:rPr lang="es-CO" sz="2400" b="1" dirty="0">
+                <a:latin typeface="Berlin Sans FB Demi" panose="020E0802020502020306" pitchFamily="34" charset="0"/>
+              </a:rPr>
+              <a:t>SEMANA DEL INGENIERO DE SISTEMAS</a:t>
+            </a:r>
+          </a:p>
+        </p:txBody>
+      </p:sp>
+    </p:spTree>
+    <p:extLst>
+      <p:ext uri="{BB962C8B-B14F-4D97-AF65-F5344CB8AC3E}">
+        <p14:creationId xmlns:p14="http://schemas.microsoft.com/office/powerpoint/2010/main" val="1617254423"/>
+      </p:ext>
+    </p:extLst>
+  </p:cSld>
+  <p:clrMapOvr>
+    <a:masterClrMapping/>
+  </p:clrMapOvr>
+</p:sld>
+</file>
+
+<file path=ppt/slides/slide10.xml><?xml version="1.0" encoding="utf-8"?>
+<p:sld xmlns:a="http://schemas.openxmlformats.org/drawingml/2006/main" xmlns:r="http://schemas.openxmlformats.org/officeDocument/2006/relationships" xmlns:p="http://schemas.openxmlformats.org/presentationml/2006/main">
+  <p:cSld>
+    <p:spTree>
+      <p:nvGrpSpPr>
+        <p:cNvPr id="1" name=""/>
+        <p:cNvGrpSpPr/>
+        <p:nvPr/>
+      </p:nvGrpSpPr>
+      <p:grpSpPr>
+        <a:xfrm>
+          <a:off x="0" y="0"/>
+          <a:ext cx="0" cy="0"/>
+          <a:chOff x="0" y="0"/>
+          <a:chExt cx="0" cy="0"/>
+        </a:xfrm>
+      </p:grpSpPr>
+      <p:pic>
+        <p:nvPicPr>
+          <p:cNvPr id="4" name="Shape 143" descr="logosis1.png"/>
+          <p:cNvPicPr preferRelativeResize="0"/>
+          <p:nvPr/>
+        </p:nvPicPr>
+        <p:blipFill>
+          <a:blip r:embed="rId2">
+            <a:alphaModFix/>
+          </a:blip>
+          <a:stretch>
+            <a:fillRect/>
+          </a:stretch>
+        </p:blipFill>
+        <p:spPr>
+          <a:xfrm>
+            <a:off x="7308304" y="3723878"/>
+            <a:ext cx="1869442" cy="1406118"/>
+          </a:xfrm>
+          <a:prstGeom prst="rect">
+            <a:avLst/>
+          </a:prstGeom>
+          <a:noFill/>
+          <a:ln>
+            <a:noFill/>
+          </a:ln>
+        </p:spPr>
+      </p:pic>
+      <p:sp>
+        <p:nvSpPr>
+          <p:cNvPr id="5" name="4 CuadroTexto"/>
+          <p:cNvSpPr txBox="1"/>
+          <p:nvPr/>
+        </p:nvSpPr>
+        <p:spPr>
+          <a:xfrm>
+            <a:off x="107504" y="51470"/>
+            <a:ext cx="7035823" cy="646331"/>
+          </a:xfrm>
+          <a:prstGeom prst="rect">
+            <a:avLst/>
+          </a:prstGeom>
+          <a:noFill/>
+        </p:spPr>
+        <p:txBody>
+          <a:bodyPr wrap="square" rtlCol="0">
+            <a:spAutoFit/>
+          </a:bodyPr>
+          <a:lstStyle/>
+          <a:p>
+            <a:r>
+              <a:rPr lang="es-ES" sz="3600" b="1" dirty="0">
+                <a:ln w="12700">
+                  <a:solidFill>
+                    <a:schemeClr val="tx2">
+                      <a:satMod val="155000"/>
+                    </a:schemeClr>
+                  </a:solidFill>
+                  <a:prstDash val="solid"/>
+                </a:ln>
+                <a:solidFill>
+                  <a:schemeClr val="tx1"/>
+                </a:solidFill>
+                <a:effectLst>
+                  <a:outerShdw blurRad="41275" dist="20320" dir="1800000" algn="tl" rotWithShape="0">
+                    <a:srgbClr val="000000">
+                      <a:alpha val="40000"/>
+                    </a:srgbClr>
+                  </a:outerShdw>
+                </a:effectLst>
+                <a:latin typeface="Rockwell" panose="02060603020205020403" pitchFamily="18" charset="0"/>
+              </a:rPr>
+              <a:t>Matriz de Adyacencia</a:t>
+            </a:r>
+            <a:endParaRPr lang="es-CO" sz="1200" dirty="0">
+              <a:latin typeface="Rockwell" panose="02060603020205020403" pitchFamily="18" charset="0"/>
+            </a:endParaRPr>
+          </a:p>
+        </p:txBody>
+      </p:sp>
+      <p:sp>
+        <p:nvSpPr>
+          <p:cNvPr id="6" name="6 CuadroTexto"/>
+          <p:cNvSpPr txBox="1"/>
+          <p:nvPr/>
+        </p:nvSpPr>
+        <p:spPr>
+          <a:xfrm>
+            <a:off x="107504" y="683860"/>
+            <a:ext cx="8100901" cy="1815882"/>
+          </a:xfrm>
+          <a:prstGeom prst="rect">
+            <a:avLst/>
+          </a:prstGeom>
+          <a:noFill/>
+        </p:spPr>
+        <p:txBody>
+          <a:bodyPr wrap="square" rtlCol="0">
+            <a:spAutoFit/>
+          </a:bodyPr>
+          <a:lstStyle/>
+          <a:p>
+            <a:r>
+              <a:rPr lang="es-CO" sz="2800" b="1" dirty="0">
+                <a:solidFill>
+                  <a:srgbClr val="002060"/>
+                </a:solidFill>
+                <a:latin typeface="Gabriola" panose="04040605051002020D02" pitchFamily="82" charset="0"/>
+                <a:cs typeface="DaunPenh" panose="01010101010101010101" pitchFamily="2" charset="0"/>
+              </a:rPr>
+              <a:t>Es una matriz cuadrada que se utiliza para representar relaciones binarias. Para un grafo G se asocia cada fila y cada columna a cada nodo del grafo, siendo los elementos de la matriz la relación entre los mismos, tomando los valores de</a:t>
+            </a:r>
+            <a:r>
+              <a:rPr lang="es-CO" sz="2800" b="1" dirty="0">
+                <a:solidFill>
+                  <a:srgbClr val="002060"/>
+                </a:solidFill>
+                <a:latin typeface="Rockwell" panose="02060603020205020403" pitchFamily="18" charset="0"/>
+                <a:cs typeface="DaunPenh" panose="01010101010101010101" pitchFamily="2" charset="0"/>
+              </a:rPr>
+              <a:t> 1 </a:t>
+            </a:r>
+            <a:r>
+              <a:rPr lang="es-CO" sz="2800" b="1" dirty="0">
+                <a:solidFill>
+                  <a:srgbClr val="002060"/>
+                </a:solidFill>
+                <a:latin typeface="Gabriola" panose="04040605051002020D02" pitchFamily="82" charset="0"/>
+                <a:cs typeface="DaunPenh" panose="01010101010101010101" pitchFamily="2" charset="0"/>
+              </a:rPr>
+              <a:t>si existe la arista y</a:t>
+            </a:r>
+            <a:r>
+              <a:rPr lang="es-CO" sz="2800" b="1" dirty="0">
+                <a:solidFill>
+                  <a:srgbClr val="002060"/>
+                </a:solidFill>
+                <a:latin typeface="Rockwell" panose="02060603020205020403" pitchFamily="18" charset="0"/>
+                <a:cs typeface="DaunPenh" panose="01010101010101010101" pitchFamily="2" charset="0"/>
+              </a:rPr>
+              <a:t> 0 </a:t>
+            </a:r>
+            <a:r>
+              <a:rPr lang="es-CO" sz="2800" b="1" dirty="0">
+                <a:solidFill>
+                  <a:srgbClr val="002060"/>
+                </a:solidFill>
+                <a:latin typeface="Gabriola" panose="04040605051002020D02" pitchFamily="82" charset="0"/>
+                <a:cs typeface="DaunPenh" panose="01010101010101010101" pitchFamily="2" charset="0"/>
+              </a:rPr>
+              <a:t>en caso contrario.</a:t>
+            </a:r>
+          </a:p>
+        </p:txBody>
+      </p:sp>
+      <p:pic>
+        <p:nvPicPr>
+          <p:cNvPr id="9" name="Imagen 8"/>
+          <p:cNvPicPr>
+            <a:picLocks noChangeAspect="1"/>
+          </p:cNvPicPr>
+          <p:nvPr/>
+        </p:nvPicPr>
+        <p:blipFill>
+          <a:blip r:embed="rId3"/>
+          <a:stretch>
+            <a:fillRect/>
+          </a:stretch>
+        </p:blipFill>
+        <p:spPr>
+          <a:xfrm>
+            <a:off x="539552" y="2643758"/>
+            <a:ext cx="5544616" cy="2355955"/>
+          </a:xfrm>
+          <a:prstGeom prst="rect">
+            <a:avLst/>
+          </a:prstGeom>
+        </p:spPr>
+      </p:pic>
+    </p:spTree>
+    <p:extLst>
+      <p:ext uri="{BB962C8B-B14F-4D97-AF65-F5344CB8AC3E}">
+        <p14:creationId xmlns:p14="http://schemas.microsoft.com/office/powerpoint/2010/main" val="3686365929"/>
+      </p:ext>
+    </p:extLst>
+  </p:cSld>
+  <p:clrMapOvr>
+    <a:masterClrMapping/>
+  </p:clrMapOvr>
+</p:sld>
+</file>
+
+<file path=ppt/slides/slide11.xml><?xml version="1.0" encoding="utf-8"?>
+<p:sld xmlns:a="http://schemas.openxmlformats.org/drawingml/2006/main" xmlns:r="http://schemas.openxmlformats.org/officeDocument/2006/relationships" xmlns:p="http://schemas.openxmlformats.org/presentationml/2006/main">
+  <p:cSld>
+    <p:bg>
+      <p:bgPr>
+        <a:solidFill>
+          <a:schemeClr val="bg1"/>
+        </a:solidFill>
+        <a:effectLst/>
+      </p:bgPr>
+    </p:bg>
+    <p:spTree>
+      <p:nvGrpSpPr>
+        <p:cNvPr id="1" name=""/>
+        <p:cNvGrpSpPr/>
+        <p:nvPr/>
+      </p:nvGrpSpPr>
+      <p:grpSpPr>
+        <a:xfrm>
+          <a:off x="0" y="0"/>
+          <a:ext cx="0" cy="0"/>
+          <a:chOff x="0" y="0"/>
+          <a:chExt cx="0" cy="0"/>
+        </a:xfrm>
+      </p:grpSpPr>
+      <p:pic>
+        <p:nvPicPr>
+          <p:cNvPr id="4" name="Shape 143" descr="logosis1.png"/>
+          <p:cNvPicPr preferRelativeResize="0"/>
+          <p:nvPr/>
+        </p:nvPicPr>
+        <p:blipFill>
+          <a:blip r:embed="rId2">
+            <a:alphaModFix/>
+          </a:blip>
+          <a:stretch>
+            <a:fillRect/>
+          </a:stretch>
+        </p:blipFill>
+        <p:spPr>
+          <a:xfrm>
+            <a:off x="7249711" y="3723878"/>
+            <a:ext cx="1894288" cy="1419622"/>
+          </a:xfrm>
+          <a:prstGeom prst="rect">
+            <a:avLst/>
+          </a:prstGeom>
+          <a:noFill/>
+          <a:ln>
+            <a:noFill/>
+          </a:ln>
+        </p:spPr>
+      </p:pic>
+      <p:sp>
+        <p:nvSpPr>
+          <p:cNvPr id="5" name="4 CuadroTexto"/>
+          <p:cNvSpPr txBox="1"/>
+          <p:nvPr/>
+        </p:nvSpPr>
+        <p:spPr>
+          <a:xfrm>
+            <a:off x="213888" y="123478"/>
+            <a:ext cx="7035823" cy="646331"/>
+          </a:xfrm>
+          <a:prstGeom prst="rect">
+            <a:avLst/>
+          </a:prstGeom>
+          <a:noFill/>
+        </p:spPr>
+        <p:txBody>
+          <a:bodyPr wrap="square" rtlCol="0">
+            <a:spAutoFit/>
+          </a:bodyPr>
+          <a:lstStyle/>
+          <a:p>
+            <a:r>
+              <a:rPr lang="es-ES" sz="3600" b="1" dirty="0">
+                <a:ln w="12700">
+                  <a:solidFill>
+                    <a:schemeClr val="tx2">
+                      <a:satMod val="155000"/>
+                    </a:schemeClr>
+                  </a:solidFill>
+                  <a:prstDash val="solid"/>
+                </a:ln>
+                <a:solidFill>
+                  <a:schemeClr val="tx1"/>
+                </a:solidFill>
+                <a:effectLst>
+                  <a:outerShdw blurRad="41275" dist="20320" dir="1800000" algn="tl" rotWithShape="0">
+                    <a:srgbClr val="000000">
+                      <a:alpha val="40000"/>
+                    </a:srgbClr>
+                  </a:outerShdw>
+                </a:effectLst>
+                <a:latin typeface="Rockwell" panose="02060603020205020403" pitchFamily="18" charset="0"/>
+              </a:rPr>
+              <a:t>Lista de Adyacencia</a:t>
+            </a:r>
+            <a:endParaRPr lang="es-CO" sz="1200" dirty="0">
+              <a:latin typeface="Rockwell" panose="02060603020205020403" pitchFamily="18" charset="0"/>
+            </a:endParaRPr>
+          </a:p>
+        </p:txBody>
+      </p:sp>
+      <p:sp>
+        <p:nvSpPr>
+          <p:cNvPr id="7" name="6 CuadroTexto"/>
+          <p:cNvSpPr txBox="1"/>
+          <p:nvPr/>
+        </p:nvSpPr>
+        <p:spPr>
+          <a:xfrm>
+            <a:off x="141880" y="827876"/>
+            <a:ext cx="7382448" cy="1815882"/>
+          </a:xfrm>
+          <a:prstGeom prst="rect">
+            <a:avLst/>
+          </a:prstGeom>
+          <a:noFill/>
+        </p:spPr>
+        <p:txBody>
+          <a:bodyPr wrap="square" rtlCol="0">
+            <a:spAutoFit/>
+          </a:bodyPr>
+          <a:lstStyle/>
+          <a:p>
+            <a:r>
+              <a:rPr lang="es-CO" sz="2800" b="1" dirty="0">
+                <a:solidFill>
+                  <a:srgbClr val="002060"/>
+                </a:solidFill>
+                <a:latin typeface="Gabriola" panose="04040605051002020D02" pitchFamily="82" charset="0"/>
+                <a:cs typeface="DaunPenh" panose="01010101010101010101" pitchFamily="2" charset="0"/>
+              </a:rPr>
+              <a:t>Una </a:t>
+            </a:r>
+            <a:r>
+              <a:rPr lang="es-CO" sz="2800" b="1" dirty="0">
+                <a:solidFill>
+                  <a:schemeClr val="accent1">
+                    <a:lumMod val="50000"/>
+                  </a:schemeClr>
+                </a:solidFill>
+                <a:latin typeface="Gabriola" panose="04040605051002020D02" pitchFamily="82" charset="0"/>
+                <a:cs typeface="DaunPenh" panose="01010101010101010101" pitchFamily="2" charset="0"/>
+              </a:rPr>
+              <a:t>lista de adyacencia</a:t>
+            </a:r>
+            <a:r>
+              <a:rPr lang="es-CO" sz="2800" b="1" dirty="0">
+                <a:solidFill>
+                  <a:srgbClr val="002060"/>
+                </a:solidFill>
+                <a:latin typeface="Gabriola" panose="04040605051002020D02" pitchFamily="82" charset="0"/>
+                <a:cs typeface="DaunPenh" panose="01010101010101010101" pitchFamily="2" charset="0"/>
+              </a:rPr>
+              <a:t> es una representación de todas las aristas de un grafo mediante una lista.</a:t>
+            </a:r>
+            <a:r>
+              <a:rPr lang="es-CO" dirty="0"/>
+              <a:t> </a:t>
+            </a:r>
+            <a:r>
+              <a:rPr lang="es-CO" sz="2800" b="1" dirty="0">
+                <a:solidFill>
+                  <a:srgbClr val="002060"/>
+                </a:solidFill>
+                <a:latin typeface="Gabriola" panose="04040605051002020D02" pitchFamily="82" charset="0"/>
+                <a:cs typeface="DaunPenh" panose="01010101010101010101" pitchFamily="2" charset="0"/>
+              </a:rPr>
+              <a:t>Se asocia a cada nodo del grafo una lista que contenga todos aquellos nodos que sean adyacentes a él.</a:t>
+            </a:r>
+          </a:p>
+          <a:p>
+            <a:endParaRPr lang="es-CO" sz="2800" b="1" dirty="0">
+              <a:solidFill>
+                <a:srgbClr val="002060"/>
+              </a:solidFill>
+              <a:latin typeface="Gabriola" panose="04040605051002020D02" pitchFamily="82" charset="0"/>
+              <a:cs typeface="DaunPenh" panose="01010101010101010101" pitchFamily="2" charset="0"/>
+            </a:endParaRPr>
+          </a:p>
+        </p:txBody>
+      </p:sp>
+      <p:pic>
+        <p:nvPicPr>
+          <p:cNvPr id="8" name="Imagen 7"/>
+          <p:cNvPicPr>
+            <a:picLocks noChangeAspect="1"/>
+          </p:cNvPicPr>
+          <p:nvPr/>
+        </p:nvPicPr>
+        <p:blipFill>
+          <a:blip r:embed="rId3"/>
+          <a:stretch>
+            <a:fillRect/>
+          </a:stretch>
+        </p:blipFill>
+        <p:spPr>
+          <a:xfrm>
+            <a:off x="305338" y="2569717"/>
+            <a:ext cx="6498910" cy="2162273"/>
+          </a:xfrm>
+          <a:prstGeom prst="rect">
+            <a:avLst/>
+          </a:prstGeom>
+        </p:spPr>
+      </p:pic>
+    </p:spTree>
+    <p:extLst>
+      <p:ext uri="{BB962C8B-B14F-4D97-AF65-F5344CB8AC3E}">
+        <p14:creationId xmlns:p14="http://schemas.microsoft.com/office/powerpoint/2010/main" val="1526532328"/>
+      </p:ext>
+    </p:extLst>
+  </p:cSld>
+  <p:clrMapOvr>
+    <a:masterClrMapping/>
+  </p:clrMapOvr>
+</p:sld>
+</file>
+
+<file path=ppt/slides/slide12.xml><?xml version="1.0" encoding="utf-8"?>
+<p:sld xmlns:a="http://schemas.openxmlformats.org/drawingml/2006/main" xmlns:r="http://schemas.openxmlformats.org/officeDocument/2006/relationships" xmlns:p="http://schemas.openxmlformats.org/presentationml/2006/main" showMasterSp="0">
+  <p:cSld>
+    <p:bg>
+      <p:bgPr>
+        <a:solidFill>
+          <a:schemeClr val="tx2"/>
+        </a:solidFill>
+        <a:effectLst/>
+      </p:bgPr>
+    </p:bg>
+    <p:spTree>
+      <p:nvGrpSpPr>
+        <p:cNvPr id="1" name=""/>
+        <p:cNvGrpSpPr/>
+        <p:nvPr/>
+      </p:nvGrpSpPr>
+      <p:grpSpPr>
+        <a:xfrm>
+          <a:off x="0" y="0"/>
+          <a:ext cx="0" cy="0"/>
+          <a:chOff x="0" y="0"/>
+          <a:chExt cx="0" cy="0"/>
+        </a:xfrm>
+      </p:grpSpPr>
+      <p:pic>
+        <p:nvPicPr>
+          <p:cNvPr id="4" name="Shape 143" descr="logosis1.png"/>
+          <p:cNvPicPr preferRelativeResize="0"/>
+          <p:nvPr/>
+        </p:nvPicPr>
+        <p:blipFill>
+          <a:blip r:embed="rId2">
+            <a:alphaModFix/>
+          </a:blip>
+          <a:stretch>
+            <a:fillRect/>
+          </a:stretch>
+        </p:blipFill>
+        <p:spPr>
+          <a:xfrm>
+            <a:off x="7884368" y="4011910"/>
+            <a:ext cx="1259631" cy="1131590"/>
+          </a:xfrm>
+          <a:prstGeom prst="rect">
+            <a:avLst/>
+          </a:prstGeom>
+          <a:noFill/>
+          <a:ln>
+            <a:noFill/>
+          </a:ln>
+        </p:spPr>
+      </p:pic>
+      <p:sp>
+        <p:nvSpPr>
+          <p:cNvPr id="5" name="4 CuadroTexto"/>
+          <p:cNvSpPr txBox="1"/>
+          <p:nvPr/>
+        </p:nvSpPr>
+        <p:spPr>
+          <a:xfrm>
+            <a:off x="35496" y="125219"/>
+            <a:ext cx="7344816" cy="646331"/>
+          </a:xfrm>
+          <a:prstGeom prst="rect">
+            <a:avLst/>
+          </a:prstGeom>
+          <a:noFill/>
+        </p:spPr>
+        <p:txBody>
+          <a:bodyPr wrap="square" rtlCol="0">
+            <a:spAutoFit/>
+          </a:bodyPr>
+          <a:lstStyle/>
+          <a:p>
+            <a:r>
+              <a:rPr lang="es-CO" sz="3600" b="1" dirty="0">
+                <a:ln w="12700">
+                  <a:solidFill>
+                    <a:schemeClr val="tx2">
+                      <a:satMod val="155000"/>
+                    </a:schemeClr>
+                  </a:solidFill>
+                  <a:prstDash val="solid"/>
+                </a:ln>
+                <a:solidFill>
+                  <a:schemeClr val="tx1"/>
+                </a:solidFill>
+                <a:effectLst>
+                  <a:outerShdw blurRad="41275" dist="20320" dir="1800000" algn="tl" rotWithShape="0">
+                    <a:srgbClr val="000000">
+                      <a:alpha val="40000"/>
+                    </a:srgbClr>
+                  </a:outerShdw>
+                </a:effectLst>
+                <a:latin typeface="Rockwell" panose="02060603020205020403" pitchFamily="18" charset="0"/>
+              </a:rPr>
+              <a:t>Búsqueda Primero en Anchura</a:t>
+            </a:r>
+          </a:p>
+        </p:txBody>
+      </p:sp>
+      <p:sp>
+        <p:nvSpPr>
+          <p:cNvPr id="7" name="6 CuadroTexto"/>
+          <p:cNvSpPr txBox="1"/>
+          <p:nvPr/>
+        </p:nvSpPr>
+        <p:spPr>
+          <a:xfrm>
+            <a:off x="35497" y="843558"/>
+            <a:ext cx="8640959" cy="4154984"/>
+          </a:xfrm>
+          <a:prstGeom prst="rect">
+            <a:avLst/>
+          </a:prstGeom>
+          <a:noFill/>
+        </p:spPr>
+        <p:txBody>
+          <a:bodyPr wrap="square" rtlCol="0">
+            <a:spAutoFit/>
+          </a:bodyPr>
+          <a:lstStyle/>
+          <a:p>
+            <a:r>
+              <a:rPr lang="es-CO" sz="2400" dirty="0" err="1">
+                <a:solidFill>
+                  <a:schemeClr val="accent1">
+                    <a:lumMod val="50000"/>
+                  </a:schemeClr>
+                </a:solidFill>
+                <a:latin typeface="Gabriola" panose="04040605051002020D02" pitchFamily="82" charset="0"/>
+                <a:cs typeface="DaunPenh" panose="01010101010101010101" pitchFamily="2" charset="0"/>
+              </a:rPr>
+              <a:t>Breadth</a:t>
+            </a:r>
+            <a:r>
+              <a:rPr lang="es-CO" sz="2400" dirty="0">
+                <a:solidFill>
+                  <a:schemeClr val="accent1">
+                    <a:lumMod val="50000"/>
+                  </a:schemeClr>
+                </a:solidFill>
+                <a:latin typeface="Gabriola" panose="04040605051002020D02" pitchFamily="82" charset="0"/>
+                <a:cs typeface="DaunPenh" panose="01010101010101010101" pitchFamily="2" charset="0"/>
+              </a:rPr>
+              <a:t> </a:t>
+            </a:r>
+            <a:r>
+              <a:rPr lang="es-CO" sz="2400" dirty="0" err="1">
+                <a:solidFill>
+                  <a:schemeClr val="accent1">
+                    <a:lumMod val="50000"/>
+                  </a:schemeClr>
+                </a:solidFill>
+                <a:latin typeface="Gabriola" panose="04040605051002020D02" pitchFamily="82" charset="0"/>
+                <a:cs typeface="DaunPenh" panose="01010101010101010101" pitchFamily="2" charset="0"/>
+              </a:rPr>
+              <a:t>First</a:t>
+            </a:r>
+            <a:r>
+              <a:rPr lang="es-CO" sz="2400" dirty="0">
+                <a:solidFill>
+                  <a:schemeClr val="accent1">
+                    <a:lumMod val="50000"/>
+                  </a:schemeClr>
+                </a:solidFill>
+                <a:latin typeface="Gabriola" panose="04040605051002020D02" pitchFamily="82" charset="0"/>
+                <a:cs typeface="DaunPenh" panose="01010101010101010101" pitchFamily="2" charset="0"/>
+              </a:rPr>
+              <a:t> </a:t>
+            </a:r>
+            <a:r>
+              <a:rPr lang="es-CO" sz="2400" dirty="0" err="1">
+                <a:solidFill>
+                  <a:schemeClr val="accent1">
+                    <a:lumMod val="50000"/>
+                  </a:schemeClr>
+                </a:solidFill>
+                <a:latin typeface="Gabriola" panose="04040605051002020D02" pitchFamily="82" charset="0"/>
+                <a:cs typeface="DaunPenh" panose="01010101010101010101" pitchFamily="2" charset="0"/>
+              </a:rPr>
+              <a:t>Search</a:t>
+            </a:r>
+            <a:r>
+              <a:rPr lang="es-CO" sz="2400" dirty="0">
+                <a:solidFill>
+                  <a:schemeClr val="accent1">
+                    <a:lumMod val="50000"/>
+                  </a:schemeClr>
+                </a:solidFill>
+                <a:latin typeface="Gabriola" panose="04040605051002020D02" pitchFamily="82" charset="0"/>
+                <a:cs typeface="DaunPenh" panose="01010101010101010101" pitchFamily="2" charset="0"/>
+              </a:rPr>
+              <a:t> </a:t>
+            </a:r>
+            <a:r>
+              <a:rPr lang="es-CO" sz="2400" dirty="0">
+                <a:solidFill>
+                  <a:srgbClr val="002060"/>
+                </a:solidFill>
+                <a:latin typeface="Gabriola" panose="04040605051002020D02" pitchFamily="82" charset="0"/>
+                <a:cs typeface="DaunPenh" panose="01010101010101010101" pitchFamily="2" charset="0"/>
+              </a:rPr>
+              <a:t>abreviado como </a:t>
+            </a:r>
+            <a:r>
+              <a:rPr lang="es-CO" sz="2400" dirty="0">
+                <a:solidFill>
+                  <a:schemeClr val="accent1">
+                    <a:lumMod val="50000"/>
+                  </a:schemeClr>
+                </a:solidFill>
+                <a:latin typeface="Gabriola" panose="04040605051002020D02" pitchFamily="82" charset="0"/>
+                <a:cs typeface="DaunPenh" panose="01010101010101010101" pitchFamily="2" charset="0"/>
+              </a:rPr>
+              <a:t>BFS</a:t>
+            </a:r>
+            <a:r>
+              <a:rPr lang="es-CO" sz="2400" dirty="0">
+                <a:solidFill>
+                  <a:srgbClr val="002060"/>
+                </a:solidFill>
+                <a:latin typeface="Gabriola" panose="04040605051002020D02" pitchFamily="82" charset="0"/>
+                <a:cs typeface="DaunPenh" panose="01010101010101010101" pitchFamily="2" charset="0"/>
+              </a:rPr>
+              <a:t>, es otro algoritmo de recorrido de grafos. Partiendo de un vértice fuente (inicial) conocido, el </a:t>
+            </a:r>
+            <a:r>
+              <a:rPr lang="es-CO" sz="2400" dirty="0">
+                <a:solidFill>
+                  <a:schemeClr val="accent1">
+                    <a:lumMod val="50000"/>
+                  </a:schemeClr>
+                </a:solidFill>
+                <a:latin typeface="Gabriola" panose="04040605051002020D02" pitchFamily="82" charset="0"/>
+                <a:cs typeface="DaunPenh" panose="01010101010101010101" pitchFamily="2" charset="0"/>
+              </a:rPr>
+              <a:t>BFS</a:t>
+            </a:r>
+            <a:r>
+              <a:rPr lang="es-CO" sz="2400" dirty="0">
+                <a:solidFill>
+                  <a:srgbClr val="002060"/>
+                </a:solidFill>
+                <a:latin typeface="Gabriola" panose="04040605051002020D02" pitchFamily="82" charset="0"/>
+                <a:cs typeface="DaunPenh" panose="01010101010101010101" pitchFamily="2" charset="0"/>
+              </a:rPr>
+              <a:t> recorrerá el grafo “primero en anchura”. Esto es porque el </a:t>
+            </a:r>
+            <a:r>
+              <a:rPr lang="es-CO" sz="2400" dirty="0">
+                <a:solidFill>
+                  <a:schemeClr val="accent1">
+                    <a:lumMod val="50000"/>
+                  </a:schemeClr>
+                </a:solidFill>
+                <a:latin typeface="Gabriola" panose="04040605051002020D02" pitchFamily="82" charset="0"/>
+                <a:cs typeface="DaunPenh" panose="01010101010101010101" pitchFamily="2" charset="0"/>
+              </a:rPr>
+              <a:t>BFS</a:t>
+            </a:r>
+            <a:r>
+              <a:rPr lang="es-CO" sz="2400" dirty="0">
+                <a:solidFill>
+                  <a:srgbClr val="002060"/>
+                </a:solidFill>
+                <a:latin typeface="Gabriola" panose="04040605051002020D02" pitchFamily="82" charset="0"/>
+                <a:cs typeface="DaunPenh" panose="01010101010101010101" pitchFamily="2" charset="0"/>
+              </a:rPr>
+              <a:t> visitará los nodos que son directamente vecinos del nodo inicial (primera capa), después los vecinos de los directamente vecinos (segunda capa) y así sucesivamente, capa por capa. </a:t>
+            </a:r>
+            <a:r>
+              <a:rPr lang="es-CO" sz="2400" dirty="0">
+                <a:solidFill>
+                  <a:schemeClr val="accent2">
+                    <a:lumMod val="50000"/>
+                  </a:schemeClr>
+                </a:solidFill>
+                <a:latin typeface="Gabriola" panose="04040605051002020D02" pitchFamily="82" charset="0"/>
+                <a:cs typeface="DaunPenh" panose="01010101010101010101" pitchFamily="2" charset="0"/>
+              </a:rPr>
+              <a:t>El </a:t>
+            </a:r>
+            <a:r>
+              <a:rPr lang="es-CO" sz="2400" dirty="0">
+                <a:solidFill>
+                  <a:schemeClr val="accent1">
+                    <a:lumMod val="50000"/>
+                  </a:schemeClr>
+                </a:solidFill>
+                <a:latin typeface="Gabriola" panose="04040605051002020D02" pitchFamily="82" charset="0"/>
+                <a:cs typeface="DaunPenh" panose="01010101010101010101" pitchFamily="2" charset="0"/>
+              </a:rPr>
+              <a:t>BFS </a:t>
+            </a:r>
+            <a:r>
+              <a:rPr lang="es-CO" sz="2400" dirty="0">
+                <a:solidFill>
+                  <a:srgbClr val="002060"/>
+                </a:solidFill>
+                <a:latin typeface="Gabriola" panose="04040605051002020D02" pitchFamily="82" charset="0"/>
+                <a:cs typeface="DaunPenh" panose="01010101010101010101" pitchFamily="2" charset="0"/>
+              </a:rPr>
+              <a:t>empieza con la inserción del nodo inicial a la cola, luego procesa la cola de la siguiente manera: Saca el nodo U superior de la cola, y desencola todos los vecinos no visitados de U, y los marca como visitados. Con la ayuda de la cola, el </a:t>
+            </a:r>
+            <a:r>
+              <a:rPr lang="es-CO" sz="2400" dirty="0">
+                <a:solidFill>
+                  <a:schemeClr val="accent1">
+                    <a:lumMod val="50000"/>
+                  </a:schemeClr>
+                </a:solidFill>
+                <a:latin typeface="Gabriola" panose="04040605051002020D02" pitchFamily="82" charset="0"/>
+                <a:cs typeface="DaunPenh" panose="01010101010101010101" pitchFamily="2" charset="0"/>
+              </a:rPr>
+              <a:t>BFS</a:t>
+            </a:r>
+            <a:r>
+              <a:rPr lang="es-CO" sz="2400" dirty="0">
+                <a:solidFill>
+                  <a:srgbClr val="002060"/>
+                </a:solidFill>
+                <a:latin typeface="Gabriola" panose="04040605051002020D02" pitchFamily="82" charset="0"/>
+                <a:cs typeface="DaunPenh" panose="01010101010101010101" pitchFamily="2" charset="0"/>
+              </a:rPr>
+              <a:t> visitará el nodo inicial y todos los nodos del componente conectado que contiene el nodo inicial capa por capa.</a:t>
+            </a:r>
+          </a:p>
+          <a:p>
+            <a:r>
+              <a:rPr lang="es-CO" sz="2400" dirty="0">
+                <a:solidFill>
+                  <a:srgbClr val="002060"/>
+                </a:solidFill>
+                <a:latin typeface="Gabriola" panose="04040605051002020D02" pitchFamily="82" charset="0"/>
+                <a:cs typeface="DaunPenh" panose="01010101010101010101" pitchFamily="2" charset="0"/>
+              </a:rPr>
+              <a:t>El algoritmo </a:t>
+            </a:r>
+            <a:r>
+              <a:rPr lang="es-CO" sz="2400" dirty="0">
+                <a:solidFill>
+                  <a:schemeClr val="accent1">
+                    <a:lumMod val="50000"/>
+                  </a:schemeClr>
+                </a:solidFill>
+                <a:latin typeface="Gabriola" panose="04040605051002020D02" pitchFamily="82" charset="0"/>
+                <a:cs typeface="DaunPenh" panose="01010101010101010101" pitchFamily="2" charset="0"/>
+              </a:rPr>
+              <a:t>BFS </a:t>
+            </a:r>
+            <a:r>
+              <a:rPr lang="es-CO" sz="2400" dirty="0">
+                <a:solidFill>
+                  <a:srgbClr val="002060"/>
+                </a:solidFill>
+                <a:latin typeface="Gabriola" panose="04040605051002020D02" pitchFamily="82" charset="0"/>
+                <a:cs typeface="DaunPenh" panose="01010101010101010101" pitchFamily="2" charset="0"/>
+              </a:rPr>
+              <a:t>se ejecuta en O(V + E) usando una </a:t>
+            </a:r>
+            <a:r>
+              <a:rPr lang="es-CO" sz="2400" dirty="0">
+                <a:solidFill>
+                  <a:schemeClr val="accent1">
+                    <a:lumMod val="50000"/>
+                  </a:schemeClr>
+                </a:solidFill>
+                <a:latin typeface="Gabriola" panose="04040605051002020D02" pitchFamily="82" charset="0"/>
+                <a:cs typeface="DaunPenh" panose="01010101010101010101" pitchFamily="2" charset="0"/>
+              </a:rPr>
+              <a:t>lista de adyacencia </a:t>
+            </a:r>
+            <a:r>
+              <a:rPr lang="es-CO" sz="2400" dirty="0">
+                <a:solidFill>
+                  <a:srgbClr val="002060"/>
+                </a:solidFill>
+                <a:latin typeface="Gabriola" panose="04040605051002020D02" pitchFamily="82" charset="0"/>
+                <a:cs typeface="DaunPenh" panose="01010101010101010101" pitchFamily="2" charset="0"/>
+              </a:rPr>
+              <a:t>y en O(V^2) usando una </a:t>
+            </a:r>
+            <a:r>
+              <a:rPr lang="es-CO" sz="2400" dirty="0">
+                <a:solidFill>
+                  <a:schemeClr val="accent1">
+                    <a:lumMod val="50000"/>
+                  </a:schemeClr>
+                </a:solidFill>
+                <a:latin typeface="Gabriola" panose="04040605051002020D02" pitchFamily="82" charset="0"/>
+                <a:cs typeface="DaunPenh" panose="01010101010101010101" pitchFamily="2" charset="0"/>
+              </a:rPr>
+              <a:t>matriz de adyacencia</a:t>
+            </a:r>
+            <a:r>
+              <a:rPr lang="es-CO" sz="2400" dirty="0">
+                <a:solidFill>
+                  <a:srgbClr val="002060"/>
+                </a:solidFill>
+                <a:latin typeface="Gabriola" panose="04040605051002020D02" pitchFamily="82" charset="0"/>
+                <a:cs typeface="DaunPenh" panose="01010101010101010101" pitchFamily="2" charset="0"/>
+              </a:rPr>
+              <a:t>.</a:t>
+            </a:r>
+            <a:endParaRPr lang="es-CO" sz="2800" dirty="0">
+              <a:solidFill>
+                <a:srgbClr val="002060"/>
+              </a:solidFill>
+              <a:latin typeface="Gabriola" panose="04040605051002020D02" pitchFamily="82" charset="0"/>
+              <a:cs typeface="DaunPenh" panose="01010101010101010101" pitchFamily="2" charset="0"/>
+            </a:endParaRPr>
+          </a:p>
+        </p:txBody>
+      </p:sp>
+    </p:spTree>
+    <p:extLst>
+      <p:ext uri="{BB962C8B-B14F-4D97-AF65-F5344CB8AC3E}">
+        <p14:creationId xmlns:p14="http://schemas.microsoft.com/office/powerpoint/2010/main" val="2410502723"/>
+      </p:ext>
+    </p:extLst>
+  </p:cSld>
+  <p:clrMapOvr>
+    <a:masterClrMapping/>
+  </p:clrMapOvr>
+</p:sld>
+</file>
+
+<file path=ppt/slides/slide13.xml><?xml version="1.0" encoding="utf-8"?>
+<p:sld xmlns:a="http://schemas.openxmlformats.org/drawingml/2006/main" xmlns:r="http://schemas.openxmlformats.org/officeDocument/2006/relationships" xmlns:p="http://schemas.openxmlformats.org/presentationml/2006/main">
+  <p:cSld>
+    <p:spTree>
+      <p:nvGrpSpPr>
+        <p:cNvPr id="1" name=""/>
+        <p:cNvGrpSpPr/>
+        <p:nvPr/>
+      </p:nvGrpSpPr>
+      <p:grpSpPr>
+        <a:xfrm>
+          <a:off x="0" y="0"/>
+          <a:ext cx="0" cy="0"/>
+          <a:chOff x="0" y="0"/>
+          <a:chExt cx="0" cy="0"/>
+        </a:xfrm>
+      </p:grpSpPr>
+      <p:pic>
+        <p:nvPicPr>
+          <p:cNvPr id="4" name="Shape 143" descr="logosis1.png"/>
+          <p:cNvPicPr preferRelativeResize="0"/>
+          <p:nvPr/>
+        </p:nvPicPr>
+        <p:blipFill>
+          <a:blip r:embed="rId2">
+            <a:alphaModFix/>
+          </a:blip>
+          <a:stretch>
+            <a:fillRect/>
+          </a:stretch>
+        </p:blipFill>
+        <p:spPr>
+          <a:xfrm>
+            <a:off x="7812360" y="4083918"/>
+            <a:ext cx="1331639" cy="1059582"/>
+          </a:xfrm>
+          <a:prstGeom prst="rect">
+            <a:avLst/>
+          </a:prstGeom>
+          <a:noFill/>
+          <a:ln>
+            <a:noFill/>
+          </a:ln>
+        </p:spPr>
+      </p:pic>
+      <p:pic>
+        <p:nvPicPr>
+          <p:cNvPr id="3" name="Imagen 2"/>
+          <p:cNvPicPr>
+            <a:picLocks noChangeAspect="1"/>
+          </p:cNvPicPr>
+          <p:nvPr/>
+        </p:nvPicPr>
+        <p:blipFill>
+          <a:blip r:embed="rId3"/>
+          <a:stretch>
+            <a:fillRect/>
+          </a:stretch>
+        </p:blipFill>
+        <p:spPr>
+          <a:xfrm>
+            <a:off x="81434" y="699542"/>
+            <a:ext cx="7300731" cy="3793830"/>
+          </a:xfrm>
+          <a:prstGeom prst="rect">
+            <a:avLst/>
+          </a:prstGeom>
+        </p:spPr>
+      </p:pic>
+      <p:sp>
+        <p:nvSpPr>
+          <p:cNvPr id="7" name="CuadroTexto 6"/>
+          <p:cNvSpPr txBox="1"/>
+          <p:nvPr/>
+        </p:nvSpPr>
+        <p:spPr>
+          <a:xfrm>
+            <a:off x="395535" y="4587974"/>
+            <a:ext cx="6304931" cy="461665"/>
+          </a:xfrm>
+          <a:prstGeom prst="rect">
+            <a:avLst/>
+          </a:prstGeom>
+          <a:noFill/>
+        </p:spPr>
+        <p:txBody>
+          <a:bodyPr wrap="none" rtlCol="0">
+            <a:spAutoFit/>
+          </a:bodyPr>
+          <a:lstStyle/>
+          <a:p>
+            <a:r>
+              <a:rPr lang="es-CO" sz="2400" dirty="0">
+                <a:solidFill>
+                  <a:schemeClr val="tx1"/>
+                </a:solidFill>
+                <a:latin typeface="Gabriola" panose="04040605051002020D02" pitchFamily="82" charset="0"/>
+                <a:cs typeface="DaunPenh" panose="01010101010101010101" pitchFamily="2" charset="0"/>
+              </a:rPr>
+              <a:t>Libro “</a:t>
+            </a:r>
+            <a:r>
+              <a:rPr lang="es-CO" sz="2400" dirty="0" err="1">
+                <a:solidFill>
+                  <a:schemeClr val="tx1"/>
+                </a:solidFill>
+                <a:latin typeface="Gabriola" panose="04040605051002020D02" pitchFamily="82" charset="0"/>
+                <a:cs typeface="DaunPenh" panose="01010101010101010101" pitchFamily="2" charset="0"/>
+              </a:rPr>
+              <a:t>Competitive</a:t>
+            </a:r>
+            <a:r>
+              <a:rPr lang="es-CO" sz="2400" dirty="0">
+                <a:solidFill>
+                  <a:schemeClr val="tx1"/>
+                </a:solidFill>
+                <a:latin typeface="Gabriola" panose="04040605051002020D02" pitchFamily="82" charset="0"/>
+                <a:cs typeface="DaunPenh" panose="01010101010101010101" pitchFamily="2" charset="0"/>
+              </a:rPr>
+              <a:t> </a:t>
+            </a:r>
+            <a:r>
+              <a:rPr lang="es-CO" sz="2400" dirty="0" err="1">
+                <a:solidFill>
+                  <a:schemeClr val="tx1"/>
+                </a:solidFill>
+                <a:latin typeface="Gabriola" panose="04040605051002020D02" pitchFamily="82" charset="0"/>
+                <a:cs typeface="DaunPenh" panose="01010101010101010101" pitchFamily="2" charset="0"/>
+              </a:rPr>
+              <a:t>Programming</a:t>
+            </a:r>
+            <a:r>
+              <a:rPr lang="es-CO" sz="2400" dirty="0">
+                <a:solidFill>
+                  <a:schemeClr val="tx1"/>
+                </a:solidFill>
+                <a:latin typeface="Gabriola" panose="04040605051002020D02" pitchFamily="82" charset="0"/>
+                <a:cs typeface="DaunPenh" panose="01010101010101010101" pitchFamily="2" charset="0"/>
+              </a:rPr>
+              <a:t> 3” – Steven </a:t>
+            </a:r>
+            <a:r>
+              <a:rPr lang="es-CO" sz="2400" dirty="0" err="1">
+                <a:solidFill>
+                  <a:schemeClr val="tx1"/>
+                </a:solidFill>
+                <a:latin typeface="Gabriola" panose="04040605051002020D02" pitchFamily="82" charset="0"/>
+                <a:cs typeface="DaunPenh" panose="01010101010101010101" pitchFamily="2" charset="0"/>
+              </a:rPr>
+              <a:t>Halim</a:t>
+            </a:r>
+            <a:r>
+              <a:rPr lang="es-CO" sz="2400" dirty="0">
+                <a:solidFill>
+                  <a:schemeClr val="tx1"/>
+                </a:solidFill>
+                <a:latin typeface="Gabriola" panose="04040605051002020D02" pitchFamily="82" charset="0"/>
+                <a:cs typeface="DaunPenh" panose="01010101010101010101" pitchFamily="2" charset="0"/>
+              </a:rPr>
+              <a:t>, </a:t>
+            </a:r>
+            <a:r>
+              <a:rPr lang="es-CO" sz="2400" dirty="0" err="1">
+                <a:solidFill>
+                  <a:schemeClr val="tx1"/>
+                </a:solidFill>
+                <a:latin typeface="Gabriola" panose="04040605051002020D02" pitchFamily="82" charset="0"/>
+                <a:cs typeface="DaunPenh" panose="01010101010101010101" pitchFamily="2" charset="0"/>
+              </a:rPr>
+              <a:t>Felix</a:t>
+            </a:r>
+            <a:r>
+              <a:rPr lang="es-CO" sz="2400" dirty="0">
+                <a:solidFill>
+                  <a:schemeClr val="tx1"/>
+                </a:solidFill>
+                <a:latin typeface="Gabriola" panose="04040605051002020D02" pitchFamily="82" charset="0"/>
+                <a:cs typeface="DaunPenh" panose="01010101010101010101" pitchFamily="2" charset="0"/>
+              </a:rPr>
+              <a:t> </a:t>
+            </a:r>
+            <a:r>
+              <a:rPr lang="es-CO" sz="2400" dirty="0" err="1">
+                <a:solidFill>
+                  <a:schemeClr val="tx1"/>
+                </a:solidFill>
+                <a:latin typeface="Gabriola" panose="04040605051002020D02" pitchFamily="82" charset="0"/>
+                <a:cs typeface="DaunPenh" panose="01010101010101010101" pitchFamily="2" charset="0"/>
+              </a:rPr>
+              <a:t>Halim</a:t>
+            </a:r>
+            <a:endParaRPr lang="es-CO" sz="2400" dirty="0">
+              <a:solidFill>
+                <a:schemeClr val="tx1"/>
+              </a:solidFill>
+              <a:latin typeface="Gabriola" panose="04040605051002020D02" pitchFamily="82" charset="0"/>
+              <a:cs typeface="DaunPenh" panose="01010101010101010101" pitchFamily="2" charset="0"/>
+            </a:endParaRPr>
+          </a:p>
+        </p:txBody>
+      </p:sp>
+      <p:sp>
+        <p:nvSpPr>
+          <p:cNvPr id="8" name="4 CuadroTexto"/>
+          <p:cNvSpPr txBox="1"/>
+          <p:nvPr/>
+        </p:nvSpPr>
+        <p:spPr>
+          <a:xfrm>
+            <a:off x="899592" y="51470"/>
+            <a:ext cx="7035823" cy="646331"/>
+          </a:xfrm>
+          <a:prstGeom prst="rect">
+            <a:avLst/>
+          </a:prstGeom>
+          <a:noFill/>
+        </p:spPr>
+        <p:txBody>
+          <a:bodyPr wrap="square" rtlCol="0">
+            <a:spAutoFit/>
+          </a:bodyPr>
+          <a:lstStyle/>
+          <a:p>
+            <a:r>
+              <a:rPr lang="es-ES" sz="3600" b="1" dirty="0">
+                <a:ln w="12700">
+                  <a:solidFill>
+                    <a:schemeClr val="tx2">
+                      <a:satMod val="155000"/>
+                    </a:schemeClr>
+                  </a:solidFill>
+                  <a:prstDash val="solid"/>
+                </a:ln>
+                <a:solidFill>
+                  <a:schemeClr val="tx1"/>
+                </a:solidFill>
+                <a:effectLst>
+                  <a:outerShdw blurRad="41275" dist="20320" dir="1800000" algn="tl" rotWithShape="0">
+                    <a:srgbClr val="000000">
+                      <a:alpha val="40000"/>
+                    </a:srgbClr>
+                  </a:outerShdw>
+                </a:effectLst>
+                <a:latin typeface="Rockwell" panose="02060603020205020403" pitchFamily="18" charset="0"/>
+              </a:rPr>
+              <a:t>Implementación en C++</a:t>
+            </a:r>
+            <a:endParaRPr lang="es-CO" sz="1200" dirty="0">
+              <a:latin typeface="Rockwell" panose="02060603020205020403" pitchFamily="18" charset="0"/>
+            </a:endParaRPr>
+          </a:p>
+        </p:txBody>
+      </p:sp>
+    </p:spTree>
+    <p:extLst>
+      <p:ext uri="{BB962C8B-B14F-4D97-AF65-F5344CB8AC3E}">
+        <p14:creationId xmlns:p14="http://schemas.microsoft.com/office/powerpoint/2010/main" val="2781779075"/>
+      </p:ext>
+    </p:extLst>
+  </p:cSld>
+  <p:clrMapOvr>
+    <a:masterClrMapping/>
+  </p:clrMapOvr>
+</p:sld>
+</file>
+
+<file path=ppt/slides/slide14.xml><?xml version="1.0" encoding="utf-8"?>
+<p:sld xmlns:a="http://schemas.openxmlformats.org/drawingml/2006/main" xmlns:r="http://schemas.openxmlformats.org/officeDocument/2006/relationships" xmlns:p="http://schemas.openxmlformats.org/presentationml/2006/main">
+  <p:cSld>
+    <p:spTree>
+      <p:nvGrpSpPr>
+        <p:cNvPr id="1" name=""/>
+        <p:cNvGrpSpPr/>
+        <p:nvPr/>
+      </p:nvGrpSpPr>
+      <p:grpSpPr>
+        <a:xfrm>
+          <a:off x="0" y="0"/>
+          <a:ext cx="0" cy="0"/>
+          <a:chOff x="0" y="0"/>
+          <a:chExt cx="0" cy="0"/>
+        </a:xfrm>
+      </p:grpSpPr>
+      <p:pic>
+        <p:nvPicPr>
+          <p:cNvPr id="6" name="Imagen 5"/>
+          <p:cNvPicPr>
+            <a:picLocks noChangeAspect="1"/>
+          </p:cNvPicPr>
+          <p:nvPr/>
+        </p:nvPicPr>
+        <p:blipFill>
+          <a:blip r:embed="rId2"/>
+          <a:stretch>
+            <a:fillRect/>
+          </a:stretch>
+        </p:blipFill>
+        <p:spPr>
+          <a:xfrm>
+            <a:off x="203408" y="1347614"/>
+            <a:ext cx="6888872" cy="2664296"/>
+          </a:xfrm>
+          <a:prstGeom prst="rect">
+            <a:avLst/>
+          </a:prstGeom>
+        </p:spPr>
+      </p:pic>
+      <p:sp>
+        <p:nvSpPr>
+          <p:cNvPr id="7" name="Título 6"/>
+          <p:cNvSpPr>
+            <a:spLocks noGrp="1"/>
+          </p:cNvSpPr>
+          <p:nvPr>
+            <p:ph type="title"/>
+          </p:nvPr>
+        </p:nvSpPr>
+        <p:spPr>
+          <a:xfrm>
+            <a:off x="539552" y="339502"/>
+            <a:ext cx="6447600" cy="572102"/>
+          </a:xfrm>
+        </p:spPr>
+        <p:txBody>
+          <a:bodyPr/>
+          <a:lstStyle/>
+          <a:p>
+            <a:pPr algn="ctr"/>
+            <a:r>
+              <a:rPr lang="es-CO" sz="3600" b="1" dirty="0">
+                <a:ln w="12700">
+                  <a:solidFill>
+                    <a:schemeClr val="tx2">
+                      <a:satMod val="155000"/>
+                    </a:schemeClr>
+                  </a:solidFill>
+                  <a:prstDash val="solid"/>
+                </a:ln>
+                <a:solidFill>
+                  <a:schemeClr val="tx1"/>
+                </a:solidFill>
+                <a:effectLst>
+                  <a:outerShdw blurRad="41275" dist="20320" dir="1800000" algn="tl" rotWithShape="0">
+                    <a:srgbClr val="000000">
+                      <a:alpha val="40000"/>
+                    </a:srgbClr>
+                  </a:outerShdw>
+                </a:effectLst>
+                <a:latin typeface="Rockwell" panose="02060603020205020403" pitchFamily="18" charset="0"/>
+                <a:ea typeface="Arial"/>
+                <a:cs typeface="Arial"/>
+                <a:sym typeface="Arial"/>
+              </a:rPr>
+              <a:t>EJEMPLO BFS</a:t>
+            </a:r>
+          </a:p>
+        </p:txBody>
+      </p:sp>
+    </p:spTree>
+    <p:extLst>
+      <p:ext uri="{BB962C8B-B14F-4D97-AF65-F5344CB8AC3E}">
+        <p14:creationId xmlns:p14="http://schemas.microsoft.com/office/powerpoint/2010/main" val="729683089"/>
+      </p:ext>
+    </p:extLst>
+  </p:cSld>
+  <p:clrMapOvr>
+    <a:masterClrMapping/>
+  </p:clrMapOvr>
+</p:sld>
+</file>
+
+<file path=ppt/slides/slide15.xml><?xml version="1.0" encoding="utf-8"?>
+<p:sld xmlns:a="http://schemas.openxmlformats.org/drawingml/2006/main" xmlns:r="http://schemas.openxmlformats.org/officeDocument/2006/relationships" xmlns:p="http://schemas.openxmlformats.org/presentationml/2006/main">
+  <p:cSld>
+    <p:spTree>
+      <p:nvGrpSpPr>
+        <p:cNvPr id="1" name=""/>
+        <p:cNvGrpSpPr/>
+        <p:nvPr/>
+      </p:nvGrpSpPr>
+      <p:grpSpPr>
+        <a:xfrm>
+          <a:off x="0" y="0"/>
+          <a:ext cx="0" cy="0"/>
+          <a:chOff x="0" y="0"/>
+          <a:chExt cx="0" cy="0"/>
+        </a:xfrm>
+      </p:grpSpPr>
+      <p:pic>
+        <p:nvPicPr>
+          <p:cNvPr id="4" name="Shape 143" descr="logosis1.png"/>
+          <p:cNvPicPr preferRelativeResize="0"/>
+          <p:nvPr/>
+        </p:nvPicPr>
+        <p:blipFill>
+          <a:blip r:embed="rId2">
+            <a:alphaModFix/>
+          </a:blip>
+          <a:stretch>
+            <a:fillRect/>
+          </a:stretch>
+        </p:blipFill>
+        <p:spPr>
+          <a:xfrm>
+            <a:off x="6901818" y="3657601"/>
+            <a:ext cx="2242181" cy="1485899"/>
+          </a:xfrm>
+          <a:prstGeom prst="rect">
+            <a:avLst/>
+          </a:prstGeom>
+          <a:noFill/>
+          <a:ln>
+            <a:noFill/>
+          </a:ln>
+        </p:spPr>
+      </p:pic>
+      <p:sp>
+        <p:nvSpPr>
+          <p:cNvPr id="5" name="4 CuadroTexto"/>
+          <p:cNvSpPr txBox="1"/>
+          <p:nvPr/>
+        </p:nvSpPr>
+        <p:spPr>
+          <a:xfrm>
+            <a:off x="632521" y="197227"/>
+            <a:ext cx="7035823" cy="646331"/>
+          </a:xfrm>
+          <a:prstGeom prst="rect">
+            <a:avLst/>
+          </a:prstGeom>
+          <a:noFill/>
+        </p:spPr>
+        <p:txBody>
+          <a:bodyPr wrap="square" rtlCol="0">
+            <a:spAutoFit/>
+          </a:bodyPr>
+          <a:lstStyle/>
+          <a:p>
+            <a:pPr algn="ctr"/>
+            <a:r>
+              <a:rPr lang="es-ES" sz="3600" b="1" dirty="0">
+                <a:ln w="12700">
+                  <a:solidFill>
+                    <a:schemeClr val="tx2">
+                      <a:satMod val="155000"/>
+                    </a:schemeClr>
+                  </a:solidFill>
+                  <a:prstDash val="solid"/>
+                </a:ln>
+                <a:solidFill>
+                  <a:schemeClr val="tx1"/>
+                </a:solidFill>
+                <a:effectLst>
+                  <a:outerShdw blurRad="41275" dist="20320" dir="1800000" algn="tl" rotWithShape="0">
+                    <a:srgbClr val="000000">
+                      <a:alpha val="40000"/>
+                    </a:srgbClr>
+                  </a:outerShdw>
+                </a:effectLst>
+                <a:latin typeface="Rockwell" panose="02060603020205020403" pitchFamily="18" charset="0"/>
+              </a:rPr>
+              <a:t>Aplicaciones</a:t>
+            </a:r>
+            <a:endParaRPr lang="es-CO" sz="1200" dirty="0">
+              <a:latin typeface="Rockwell" panose="02060603020205020403" pitchFamily="18" charset="0"/>
+            </a:endParaRPr>
+          </a:p>
+        </p:txBody>
+      </p:sp>
+      <p:sp>
+        <p:nvSpPr>
+          <p:cNvPr id="7" name="6 CuadroTexto"/>
+          <p:cNvSpPr txBox="1"/>
+          <p:nvPr/>
+        </p:nvSpPr>
+        <p:spPr>
+          <a:xfrm>
+            <a:off x="-36512" y="1203598"/>
+            <a:ext cx="7740861" cy="4154984"/>
+          </a:xfrm>
+          <a:prstGeom prst="rect">
+            <a:avLst/>
+          </a:prstGeom>
+          <a:noFill/>
+        </p:spPr>
+        <p:txBody>
+          <a:bodyPr wrap="square" rtlCol="0">
+            <a:spAutoFit/>
+          </a:bodyPr>
+          <a:lstStyle/>
+          <a:p>
+            <a:pPr marL="457200" indent="-457200" algn="ctr">
+              <a:buFontTx/>
+              <a:buChar char="-"/>
+            </a:pPr>
+            <a:r>
+              <a:rPr lang="es-CO" sz="3000" b="1" dirty="0">
+                <a:solidFill>
+                  <a:schemeClr val="accent1">
+                    <a:lumMod val="50000"/>
+                  </a:schemeClr>
+                </a:solidFill>
+                <a:latin typeface="Gabriola" panose="04040605051002020D02" pitchFamily="82" charset="0"/>
+                <a:cs typeface="DaunPenh" panose="01010101010101010101" pitchFamily="2" charset="0"/>
+              </a:rPr>
+              <a:t>Laberinto</a:t>
+            </a:r>
+            <a:r>
+              <a:rPr lang="es-CO" sz="3000" b="1" dirty="0">
+                <a:solidFill>
+                  <a:srgbClr val="002060"/>
+                </a:solidFill>
+                <a:latin typeface="Gabriola" panose="04040605051002020D02" pitchFamily="82" charset="0"/>
+                <a:cs typeface="DaunPenh" panose="01010101010101010101" pitchFamily="2" charset="0"/>
+              </a:rPr>
+              <a:t> (</a:t>
+            </a:r>
+            <a:r>
+              <a:rPr lang="en-US" sz="3000" b="1" dirty="0">
+                <a:solidFill>
+                  <a:srgbClr val="002060"/>
+                </a:solidFill>
+                <a:latin typeface="Gabriola" panose="04040605051002020D02" pitchFamily="82" charset="0"/>
+                <a:cs typeface="DaunPenh" panose="01010101010101010101" pitchFamily="2" charset="0"/>
+              </a:rPr>
+              <a:t>Single Source Shortest Path Unweighted Graph)</a:t>
+            </a:r>
+          </a:p>
+          <a:p>
+            <a:pPr algn="ctr"/>
+            <a:endParaRPr lang="en-US" sz="3000" b="1" dirty="0">
+              <a:solidFill>
+                <a:srgbClr val="002060"/>
+              </a:solidFill>
+              <a:latin typeface="Gabriola" panose="04040605051002020D02" pitchFamily="82" charset="0"/>
+              <a:cs typeface="DaunPenh" panose="01010101010101010101" pitchFamily="2" charset="0"/>
+            </a:endParaRPr>
+          </a:p>
+          <a:p>
+            <a:pPr marL="457200" lvl="2" indent="-457200" algn="ctr">
+              <a:buFontTx/>
+              <a:buChar char="-"/>
+            </a:pPr>
+            <a:r>
+              <a:rPr lang="en-US" sz="3000" b="1" dirty="0">
+                <a:solidFill>
+                  <a:schemeClr val="accent1">
+                    <a:lumMod val="50000"/>
+                  </a:schemeClr>
+                </a:solidFill>
+                <a:latin typeface="Gabriola" panose="04040605051002020D02" pitchFamily="82" charset="0"/>
+                <a:cs typeface="DaunPenh" panose="01010101010101010101" pitchFamily="2" charset="0"/>
+              </a:rPr>
+              <a:t>Binary Land </a:t>
+            </a:r>
+            <a:r>
+              <a:rPr lang="en-US" sz="3000" b="1" dirty="0">
+                <a:solidFill>
+                  <a:srgbClr val="002060"/>
+                </a:solidFill>
+                <a:latin typeface="Gabriola" panose="04040605051002020D02" pitchFamily="82" charset="0"/>
+                <a:cs typeface="DaunPenh" panose="01010101010101010101" pitchFamily="2" charset="0"/>
+              </a:rPr>
+              <a:t>(Single Source Shortest Path Unweighted Graph)</a:t>
+            </a:r>
+          </a:p>
+          <a:p>
+            <a:pPr marL="457200" indent="-457200" algn="ctr">
+              <a:buFontTx/>
+              <a:buChar char="-"/>
+            </a:pPr>
+            <a:endParaRPr lang="en-US" sz="3000" b="1" dirty="0">
+              <a:solidFill>
+                <a:srgbClr val="002060"/>
+              </a:solidFill>
+              <a:latin typeface="Gabriola" panose="04040605051002020D02" pitchFamily="82" charset="0"/>
+              <a:cs typeface="DaunPenh" panose="01010101010101010101" pitchFamily="2" charset="0"/>
+            </a:endParaRPr>
+          </a:p>
+          <a:p>
+            <a:pPr marL="457200" indent="-457200" algn="ctr">
+              <a:buFontTx/>
+              <a:buChar char="-"/>
+            </a:pPr>
+            <a:r>
+              <a:rPr lang="en-US" sz="3000" b="1" dirty="0" err="1">
+                <a:solidFill>
+                  <a:schemeClr val="accent1">
+                    <a:lumMod val="50000"/>
+                  </a:schemeClr>
+                </a:solidFill>
+                <a:latin typeface="Gabriola" panose="04040605051002020D02" pitchFamily="82" charset="0"/>
+                <a:cs typeface="DaunPenh" panose="01010101010101010101" pitchFamily="2" charset="0"/>
+              </a:rPr>
+              <a:t>Mínimo</a:t>
+            </a:r>
+            <a:r>
+              <a:rPr lang="en-US" sz="3000" b="1" dirty="0">
+                <a:solidFill>
+                  <a:schemeClr val="accent1">
+                    <a:lumMod val="50000"/>
+                  </a:schemeClr>
+                </a:solidFill>
+                <a:latin typeface="Gabriola" panose="04040605051002020D02" pitchFamily="82" charset="0"/>
+                <a:cs typeface="DaunPenh" panose="01010101010101010101" pitchFamily="2" charset="0"/>
+              </a:rPr>
+              <a:t> </a:t>
+            </a:r>
+            <a:r>
+              <a:rPr lang="en-US" sz="3000" b="1" dirty="0" err="1">
+                <a:solidFill>
+                  <a:schemeClr val="accent1">
+                    <a:lumMod val="50000"/>
+                  </a:schemeClr>
+                </a:solidFill>
+                <a:latin typeface="Gabriola" panose="04040605051002020D02" pitchFamily="82" charset="0"/>
+                <a:cs typeface="DaunPenh" panose="01010101010101010101" pitchFamily="2" charset="0"/>
+              </a:rPr>
+              <a:t>número</a:t>
+            </a:r>
+            <a:r>
+              <a:rPr lang="en-US" sz="3000" b="1" dirty="0">
+                <a:solidFill>
+                  <a:schemeClr val="accent1">
+                    <a:lumMod val="50000"/>
+                  </a:schemeClr>
+                </a:solidFill>
+                <a:latin typeface="Gabriola" panose="04040605051002020D02" pitchFamily="82" charset="0"/>
+                <a:cs typeface="DaunPenh" panose="01010101010101010101" pitchFamily="2" charset="0"/>
+              </a:rPr>
+              <a:t> de </a:t>
+            </a:r>
+            <a:r>
+              <a:rPr lang="en-US" sz="3000" b="1" dirty="0" err="1">
+                <a:solidFill>
+                  <a:schemeClr val="accent1">
+                    <a:lumMod val="50000"/>
+                  </a:schemeClr>
+                </a:solidFill>
+                <a:latin typeface="Gabriola" panose="04040605051002020D02" pitchFamily="82" charset="0"/>
+                <a:cs typeface="DaunPenh" panose="01010101010101010101" pitchFamily="2" charset="0"/>
+              </a:rPr>
+              <a:t>operaciones</a:t>
+            </a:r>
+            <a:r>
+              <a:rPr lang="en-US" sz="3000" b="1" dirty="0">
+                <a:solidFill>
+                  <a:schemeClr val="accent1">
+                    <a:lumMod val="50000"/>
+                  </a:schemeClr>
+                </a:solidFill>
+                <a:latin typeface="Gabriola" panose="04040605051002020D02" pitchFamily="82" charset="0"/>
+                <a:cs typeface="DaunPenh" panose="01010101010101010101" pitchFamily="2" charset="0"/>
+              </a:rPr>
+              <a:t> </a:t>
+            </a:r>
+            <a:r>
+              <a:rPr lang="en-US" sz="3000" b="1" dirty="0">
+                <a:solidFill>
+                  <a:srgbClr val="002060"/>
+                </a:solidFill>
+                <a:latin typeface="Gabriola" panose="04040605051002020D02" pitchFamily="82" charset="0"/>
+                <a:cs typeface="DaunPenh" panose="01010101010101010101" pitchFamily="2" charset="0"/>
+              </a:rPr>
+              <a:t>(Single Source Shortest Path Unweighted Graph)</a:t>
+            </a:r>
+          </a:p>
+          <a:p>
+            <a:pPr marL="457200" indent="-457200">
+              <a:buFontTx/>
+              <a:buChar char="-"/>
+            </a:pPr>
+            <a:endParaRPr lang="en-US" sz="2800" b="1" dirty="0">
+              <a:solidFill>
+                <a:srgbClr val="002060"/>
+              </a:solidFill>
+              <a:latin typeface="Gabriola" panose="04040605051002020D02" pitchFamily="82" charset="0"/>
+              <a:cs typeface="DaunPenh" panose="01010101010101010101" pitchFamily="2" charset="0"/>
+            </a:endParaRPr>
+          </a:p>
+          <a:p>
+            <a:pPr marL="457200" indent="-457200">
+              <a:buFontTx/>
+              <a:buChar char="-"/>
+            </a:pPr>
+            <a:endParaRPr lang="en-US" sz="2800" b="1" dirty="0">
+              <a:solidFill>
+                <a:srgbClr val="002060"/>
+              </a:solidFill>
+              <a:latin typeface="Gabriola" panose="04040605051002020D02" pitchFamily="82" charset="0"/>
+              <a:cs typeface="DaunPenh" panose="01010101010101010101" pitchFamily="2" charset="0"/>
+            </a:endParaRPr>
+          </a:p>
+          <a:p>
+            <a:endParaRPr lang="es-CO" sz="2800" b="1" dirty="0">
+              <a:solidFill>
+                <a:srgbClr val="002060"/>
+              </a:solidFill>
+              <a:latin typeface="Gabriola" panose="04040605051002020D02" pitchFamily="82" charset="0"/>
+              <a:cs typeface="DaunPenh" panose="01010101010101010101" pitchFamily="2" charset="0"/>
+            </a:endParaRPr>
+          </a:p>
+        </p:txBody>
+      </p:sp>
+    </p:spTree>
+    <p:extLst>
+      <p:ext uri="{BB962C8B-B14F-4D97-AF65-F5344CB8AC3E}">
+        <p14:creationId xmlns:p14="http://schemas.microsoft.com/office/powerpoint/2010/main" val="577018562"/>
+      </p:ext>
+    </p:extLst>
+  </p:cSld>
+  <p:clrMapOvr>
+    <a:masterClrMapping/>
+  </p:clrMapOvr>
+</p:sld>
+</file>
+
+<file path=ppt/slides/slide16.xml><?xml version="1.0" encoding="utf-8"?>
+<p:sld xmlns:a="http://schemas.openxmlformats.org/drawingml/2006/main" xmlns:r="http://schemas.openxmlformats.org/officeDocument/2006/relationships" xmlns:p="http://schemas.openxmlformats.org/presentationml/2006/main" showMasterSp="0">
+  <p:cSld>
+    <p:bg>
+      <p:bgPr>
+        <a:solidFill>
+          <a:schemeClr val="tx2"/>
+        </a:solidFill>
+        <a:effectLst/>
+      </p:bgPr>
+    </p:bg>
+    <p:spTree>
+      <p:nvGrpSpPr>
+        <p:cNvPr id="1" name=""/>
+        <p:cNvGrpSpPr/>
+        <p:nvPr/>
+      </p:nvGrpSpPr>
+      <p:grpSpPr>
+        <a:xfrm>
+          <a:off x="0" y="0"/>
+          <a:ext cx="0" cy="0"/>
+          <a:chOff x="0" y="0"/>
+          <a:chExt cx="0" cy="0"/>
+        </a:xfrm>
+      </p:grpSpPr>
+      <p:pic>
+        <p:nvPicPr>
+          <p:cNvPr id="4" name="Shape 143" descr="logosis1.png"/>
+          <p:cNvPicPr preferRelativeResize="0"/>
+          <p:nvPr/>
+        </p:nvPicPr>
+        <p:blipFill>
+          <a:blip r:embed="rId2">
+            <a:alphaModFix/>
+          </a:blip>
+          <a:stretch>
+            <a:fillRect/>
+          </a:stretch>
+        </p:blipFill>
+        <p:spPr>
+          <a:xfrm>
+            <a:off x="7884368" y="4011910"/>
+            <a:ext cx="1259631" cy="1131590"/>
+          </a:xfrm>
+          <a:prstGeom prst="rect">
+            <a:avLst/>
+          </a:prstGeom>
+          <a:noFill/>
+          <a:ln>
+            <a:noFill/>
+          </a:ln>
+        </p:spPr>
+      </p:pic>
+      <p:sp>
+        <p:nvSpPr>
+          <p:cNvPr id="5" name="4 CuadroTexto"/>
+          <p:cNvSpPr txBox="1"/>
+          <p:nvPr/>
+        </p:nvSpPr>
+        <p:spPr>
+          <a:xfrm>
+            <a:off x="35496" y="125219"/>
+            <a:ext cx="8208912" cy="646331"/>
+          </a:xfrm>
+          <a:prstGeom prst="rect">
+            <a:avLst/>
+          </a:prstGeom>
+          <a:noFill/>
+        </p:spPr>
+        <p:txBody>
+          <a:bodyPr wrap="square" rtlCol="0">
+            <a:spAutoFit/>
+          </a:bodyPr>
+          <a:lstStyle/>
+          <a:p>
+            <a:r>
+              <a:rPr lang="es-CO" sz="3600" b="1" dirty="0">
+                <a:ln w="12700">
+                  <a:solidFill>
+                    <a:schemeClr val="tx2">
+                      <a:satMod val="155000"/>
+                    </a:schemeClr>
+                  </a:solidFill>
+                  <a:prstDash val="solid"/>
+                </a:ln>
+                <a:solidFill>
+                  <a:schemeClr val="tx1"/>
+                </a:solidFill>
+                <a:effectLst>
+                  <a:outerShdw blurRad="41275" dist="20320" dir="1800000" algn="tl" rotWithShape="0">
+                    <a:srgbClr val="000000">
+                      <a:alpha val="40000"/>
+                    </a:srgbClr>
+                  </a:outerShdw>
+                </a:effectLst>
+                <a:latin typeface="Rockwell" panose="02060603020205020403" pitchFamily="18" charset="0"/>
+              </a:rPr>
+              <a:t>Búsqueda Primero en Profundidad</a:t>
+            </a:r>
+          </a:p>
+        </p:txBody>
+      </p:sp>
+      <p:sp>
+        <p:nvSpPr>
+          <p:cNvPr id="7" name="6 CuadroTexto"/>
+          <p:cNvSpPr txBox="1"/>
+          <p:nvPr/>
+        </p:nvSpPr>
+        <p:spPr>
+          <a:xfrm>
+            <a:off x="35497" y="771550"/>
+            <a:ext cx="8424935" cy="3693319"/>
+          </a:xfrm>
+          <a:prstGeom prst="rect">
+            <a:avLst/>
+          </a:prstGeom>
+          <a:noFill/>
+        </p:spPr>
+        <p:txBody>
+          <a:bodyPr wrap="square" rtlCol="0">
+            <a:spAutoFit/>
+          </a:bodyPr>
+          <a:lstStyle/>
+          <a:p>
+            <a:r>
+              <a:rPr lang="es-CO" sz="2600" dirty="0" err="1">
+                <a:solidFill>
+                  <a:schemeClr val="accent1">
+                    <a:lumMod val="50000"/>
+                  </a:schemeClr>
+                </a:solidFill>
+                <a:latin typeface="Gabriola" panose="04040605051002020D02" pitchFamily="82" charset="0"/>
+                <a:cs typeface="DaunPenh" panose="01010101010101010101" pitchFamily="2" charset="0"/>
+              </a:rPr>
+              <a:t>Depth</a:t>
+            </a:r>
+            <a:r>
+              <a:rPr lang="es-CO" sz="2600" dirty="0">
+                <a:solidFill>
+                  <a:schemeClr val="accent1">
+                    <a:lumMod val="50000"/>
+                  </a:schemeClr>
+                </a:solidFill>
+                <a:latin typeface="Gabriola" panose="04040605051002020D02" pitchFamily="82" charset="0"/>
+                <a:cs typeface="DaunPenh" panose="01010101010101010101" pitchFamily="2" charset="0"/>
+              </a:rPr>
+              <a:t> </a:t>
+            </a:r>
+            <a:r>
+              <a:rPr lang="es-CO" sz="2600" dirty="0" err="1">
+                <a:solidFill>
+                  <a:schemeClr val="accent1">
+                    <a:lumMod val="50000"/>
+                  </a:schemeClr>
+                </a:solidFill>
+                <a:latin typeface="Gabriola" panose="04040605051002020D02" pitchFamily="82" charset="0"/>
+                <a:cs typeface="DaunPenh" panose="01010101010101010101" pitchFamily="2" charset="0"/>
+              </a:rPr>
+              <a:t>First</a:t>
+            </a:r>
+            <a:r>
+              <a:rPr lang="es-CO" sz="2600" dirty="0">
+                <a:solidFill>
+                  <a:schemeClr val="accent1">
+                    <a:lumMod val="50000"/>
+                  </a:schemeClr>
+                </a:solidFill>
+                <a:latin typeface="Gabriola" panose="04040605051002020D02" pitchFamily="82" charset="0"/>
+                <a:cs typeface="DaunPenh" panose="01010101010101010101" pitchFamily="2" charset="0"/>
+              </a:rPr>
+              <a:t> </a:t>
+            </a:r>
+            <a:r>
+              <a:rPr lang="es-CO" sz="2600" dirty="0" err="1">
+                <a:solidFill>
+                  <a:schemeClr val="accent1">
+                    <a:lumMod val="50000"/>
+                  </a:schemeClr>
+                </a:solidFill>
+                <a:latin typeface="Gabriola" panose="04040605051002020D02" pitchFamily="82" charset="0"/>
+                <a:cs typeface="DaunPenh" panose="01010101010101010101" pitchFamily="2" charset="0"/>
+              </a:rPr>
+              <a:t>Search</a:t>
+            </a:r>
+            <a:r>
+              <a:rPr lang="es-CO" sz="2600" dirty="0">
+                <a:solidFill>
+                  <a:schemeClr val="accent1">
+                    <a:lumMod val="50000"/>
+                  </a:schemeClr>
+                </a:solidFill>
+                <a:latin typeface="Gabriola" panose="04040605051002020D02" pitchFamily="82" charset="0"/>
+                <a:cs typeface="DaunPenh" panose="01010101010101010101" pitchFamily="2" charset="0"/>
+              </a:rPr>
+              <a:t> </a:t>
+            </a:r>
+            <a:r>
+              <a:rPr lang="es-CO" sz="2600" dirty="0">
+                <a:solidFill>
+                  <a:srgbClr val="002060"/>
+                </a:solidFill>
+                <a:latin typeface="Gabriola" panose="04040605051002020D02" pitchFamily="82" charset="0"/>
+                <a:cs typeface="DaunPenh" panose="01010101010101010101" pitchFamily="2" charset="0"/>
+              </a:rPr>
+              <a:t>abreviado como </a:t>
+            </a:r>
+            <a:r>
+              <a:rPr lang="es-CO" sz="2600" dirty="0">
+                <a:solidFill>
+                  <a:schemeClr val="accent1">
+                    <a:lumMod val="50000"/>
+                  </a:schemeClr>
+                </a:solidFill>
+                <a:latin typeface="Gabriola" panose="04040605051002020D02" pitchFamily="82" charset="0"/>
+                <a:cs typeface="DaunPenh" panose="01010101010101010101" pitchFamily="2" charset="0"/>
+              </a:rPr>
+              <a:t>DFS</a:t>
+            </a:r>
+            <a:r>
+              <a:rPr lang="es-CO" sz="2600" dirty="0">
+                <a:solidFill>
+                  <a:srgbClr val="002060"/>
+                </a:solidFill>
+                <a:latin typeface="Gabriola" panose="04040605051002020D02" pitchFamily="82" charset="0"/>
+                <a:cs typeface="DaunPenh" panose="01010101010101010101" pitchFamily="2" charset="0"/>
+              </a:rPr>
+              <a:t> es un simple algoritmo de recorrido de grafos. Empezando de un nodo inicial, DFS recorrerá el grafo “Primero en Profundidad”. Cada vez que el DFS se encuentra con un punto de ramificación (un nodo con más de un vecino), el DFS escogerá uno de los vecinos NO visitados y lo visitará; DFS repite este proceso y va más profundo hasta que alcanza un nodo donde no puede ir más profundo. Cuando eso sucede el DFS retrocederá (</a:t>
+            </a:r>
+            <a:r>
+              <a:rPr lang="es-CO" sz="2600" dirty="0" err="1">
+                <a:solidFill>
+                  <a:srgbClr val="002060"/>
+                </a:solidFill>
+                <a:latin typeface="Gabriola" panose="04040605051002020D02" pitchFamily="82" charset="0"/>
+                <a:cs typeface="DaunPenh" panose="01010101010101010101" pitchFamily="2" charset="0"/>
+              </a:rPr>
+              <a:t>backtracking</a:t>
+            </a:r>
+            <a:r>
+              <a:rPr lang="es-CO" sz="2600" dirty="0">
+                <a:solidFill>
+                  <a:srgbClr val="002060"/>
+                </a:solidFill>
+                <a:latin typeface="Gabriola" panose="04040605051002020D02" pitchFamily="82" charset="0"/>
+                <a:cs typeface="DaunPenh" panose="01010101010101010101" pitchFamily="2" charset="0"/>
+              </a:rPr>
+              <a:t>) y explorará otros vecinos NO visitados, si es que los hay. Este comportamiento de recorrido de grafos se puede implementar fácilmente con el  siguiente código recursivo. </a:t>
+            </a:r>
+          </a:p>
+        </p:txBody>
+      </p:sp>
+    </p:spTree>
+    <p:extLst>
+      <p:ext uri="{BB962C8B-B14F-4D97-AF65-F5344CB8AC3E}">
+        <p14:creationId xmlns:p14="http://schemas.microsoft.com/office/powerpoint/2010/main" val="1446796842"/>
+      </p:ext>
+    </p:extLst>
+  </p:cSld>
+  <p:clrMapOvr>
+    <a:masterClrMapping/>
+  </p:clrMapOvr>
+</p:sld>
+</file>
+
+<file path=ppt/slides/slide17.xml><?xml version="1.0" encoding="utf-8"?>
+<p:sld xmlns:a="http://schemas.openxmlformats.org/drawingml/2006/main" xmlns:r="http://schemas.openxmlformats.org/officeDocument/2006/relationships" xmlns:p="http://schemas.openxmlformats.org/presentationml/2006/main">
+  <p:cSld>
+    <p:spTree>
+      <p:nvGrpSpPr>
+        <p:cNvPr id="1" name=""/>
+        <p:cNvGrpSpPr/>
+        <p:nvPr/>
+      </p:nvGrpSpPr>
+      <p:grpSpPr>
+        <a:xfrm>
+          <a:off x="0" y="0"/>
+          <a:ext cx="0" cy="0"/>
+          <a:chOff x="0" y="0"/>
+          <a:chExt cx="0" cy="0"/>
+        </a:xfrm>
+      </p:grpSpPr>
+      <p:pic>
+        <p:nvPicPr>
+          <p:cNvPr id="4" name="Shape 143" descr="logosis1.png"/>
+          <p:cNvPicPr preferRelativeResize="0"/>
+          <p:nvPr/>
+        </p:nvPicPr>
+        <p:blipFill>
+          <a:blip r:embed="rId3">
+            <a:alphaModFix/>
+          </a:blip>
+          <a:stretch>
+            <a:fillRect/>
+          </a:stretch>
+        </p:blipFill>
+        <p:spPr>
+          <a:xfrm>
+            <a:off x="8278516" y="4371950"/>
+            <a:ext cx="865483" cy="771550"/>
+          </a:xfrm>
+          <a:prstGeom prst="rect">
+            <a:avLst/>
+          </a:prstGeom>
+          <a:noFill/>
+          <a:ln>
+            <a:noFill/>
+          </a:ln>
+        </p:spPr>
+      </p:pic>
+      <p:sp>
+        <p:nvSpPr>
+          <p:cNvPr id="5" name="4 CuadroTexto"/>
+          <p:cNvSpPr txBox="1"/>
+          <p:nvPr/>
+        </p:nvSpPr>
+        <p:spPr>
+          <a:xfrm>
+            <a:off x="1115616" y="51470"/>
+            <a:ext cx="7035823" cy="646331"/>
+          </a:xfrm>
+          <a:prstGeom prst="rect">
+            <a:avLst/>
+          </a:prstGeom>
+          <a:noFill/>
+        </p:spPr>
+        <p:txBody>
+          <a:bodyPr wrap="square" rtlCol="0">
+            <a:spAutoFit/>
+          </a:bodyPr>
+          <a:lstStyle/>
+          <a:p>
+            <a:r>
+              <a:rPr lang="es-ES" sz="3600" b="1" dirty="0">
+                <a:ln w="12700">
+                  <a:solidFill>
+                    <a:schemeClr val="tx2">
+                      <a:satMod val="155000"/>
+                    </a:schemeClr>
+                  </a:solidFill>
+                  <a:prstDash val="solid"/>
+                </a:ln>
+                <a:solidFill>
+                  <a:schemeClr val="tx1"/>
+                </a:solidFill>
+                <a:effectLst>
+                  <a:outerShdw blurRad="41275" dist="20320" dir="1800000" algn="tl" rotWithShape="0">
+                    <a:srgbClr val="000000">
+                      <a:alpha val="40000"/>
+                    </a:srgbClr>
+                  </a:outerShdw>
+                </a:effectLst>
+                <a:latin typeface="Rockwell" panose="02060603020205020403" pitchFamily="18" charset="0"/>
+              </a:rPr>
+              <a:t>Implementación en C++</a:t>
+            </a:r>
+            <a:endParaRPr lang="es-CO" sz="1200" dirty="0">
+              <a:latin typeface="Rockwell" panose="02060603020205020403" pitchFamily="18" charset="0"/>
+            </a:endParaRPr>
+          </a:p>
+        </p:txBody>
+      </p:sp>
+      <p:pic>
+        <p:nvPicPr>
+          <p:cNvPr id="2" name="Imagen 1"/>
+          <p:cNvPicPr>
+            <a:picLocks noChangeAspect="1"/>
+          </p:cNvPicPr>
+          <p:nvPr/>
+        </p:nvPicPr>
+        <p:blipFill>
+          <a:blip r:embed="rId4"/>
+          <a:stretch>
+            <a:fillRect/>
+          </a:stretch>
+        </p:blipFill>
+        <p:spPr>
+          <a:xfrm>
+            <a:off x="231307" y="771550"/>
+            <a:ext cx="8047210" cy="3528392"/>
+          </a:xfrm>
+          <a:prstGeom prst="rect">
+            <a:avLst/>
+          </a:prstGeom>
+        </p:spPr>
+      </p:pic>
+      <p:sp>
+        <p:nvSpPr>
+          <p:cNvPr id="3" name="CuadroTexto 2"/>
+          <p:cNvSpPr txBox="1"/>
+          <p:nvPr/>
+        </p:nvSpPr>
+        <p:spPr>
+          <a:xfrm>
+            <a:off x="395535" y="4587974"/>
+            <a:ext cx="6304931" cy="461665"/>
+          </a:xfrm>
+          <a:prstGeom prst="rect">
+            <a:avLst/>
+          </a:prstGeom>
+          <a:noFill/>
+        </p:spPr>
+        <p:txBody>
+          <a:bodyPr wrap="none" rtlCol="0">
+            <a:spAutoFit/>
+          </a:bodyPr>
+          <a:lstStyle/>
+          <a:p>
+            <a:r>
+              <a:rPr lang="es-CO" sz="2400" dirty="0">
+                <a:solidFill>
+                  <a:schemeClr val="tx1"/>
+                </a:solidFill>
+                <a:latin typeface="Gabriola" panose="04040605051002020D02" pitchFamily="82" charset="0"/>
+                <a:cs typeface="DaunPenh" panose="01010101010101010101" pitchFamily="2" charset="0"/>
+              </a:rPr>
+              <a:t>Libro “</a:t>
+            </a:r>
+            <a:r>
+              <a:rPr lang="es-CO" sz="2400" dirty="0" err="1">
+                <a:solidFill>
+                  <a:schemeClr val="tx1"/>
+                </a:solidFill>
+                <a:latin typeface="Gabriola" panose="04040605051002020D02" pitchFamily="82" charset="0"/>
+                <a:cs typeface="DaunPenh" panose="01010101010101010101" pitchFamily="2" charset="0"/>
+              </a:rPr>
+              <a:t>Competitive</a:t>
+            </a:r>
+            <a:r>
+              <a:rPr lang="es-CO" sz="2400" dirty="0">
+                <a:solidFill>
+                  <a:schemeClr val="tx1"/>
+                </a:solidFill>
+                <a:latin typeface="Gabriola" panose="04040605051002020D02" pitchFamily="82" charset="0"/>
+                <a:cs typeface="DaunPenh" panose="01010101010101010101" pitchFamily="2" charset="0"/>
+              </a:rPr>
+              <a:t> </a:t>
+            </a:r>
+            <a:r>
+              <a:rPr lang="es-CO" sz="2400" dirty="0" err="1">
+                <a:solidFill>
+                  <a:schemeClr val="tx1"/>
+                </a:solidFill>
+                <a:latin typeface="Gabriola" panose="04040605051002020D02" pitchFamily="82" charset="0"/>
+                <a:cs typeface="DaunPenh" panose="01010101010101010101" pitchFamily="2" charset="0"/>
+              </a:rPr>
+              <a:t>Programming</a:t>
+            </a:r>
+            <a:r>
+              <a:rPr lang="es-CO" sz="2400" dirty="0">
+                <a:solidFill>
+                  <a:schemeClr val="tx1"/>
+                </a:solidFill>
+                <a:latin typeface="Gabriola" panose="04040605051002020D02" pitchFamily="82" charset="0"/>
+                <a:cs typeface="DaunPenh" panose="01010101010101010101" pitchFamily="2" charset="0"/>
+              </a:rPr>
+              <a:t> 3” – Steven </a:t>
+            </a:r>
+            <a:r>
+              <a:rPr lang="es-CO" sz="2400" dirty="0" err="1">
+                <a:solidFill>
+                  <a:schemeClr val="tx1"/>
+                </a:solidFill>
+                <a:latin typeface="Gabriola" panose="04040605051002020D02" pitchFamily="82" charset="0"/>
+                <a:cs typeface="DaunPenh" panose="01010101010101010101" pitchFamily="2" charset="0"/>
+              </a:rPr>
+              <a:t>Halim</a:t>
+            </a:r>
+            <a:r>
+              <a:rPr lang="es-CO" sz="2400" dirty="0">
+                <a:solidFill>
+                  <a:schemeClr val="tx1"/>
+                </a:solidFill>
+                <a:latin typeface="Gabriola" panose="04040605051002020D02" pitchFamily="82" charset="0"/>
+                <a:cs typeface="DaunPenh" panose="01010101010101010101" pitchFamily="2" charset="0"/>
+              </a:rPr>
+              <a:t>, </a:t>
+            </a:r>
+            <a:r>
+              <a:rPr lang="es-CO" sz="2400" dirty="0" err="1">
+                <a:solidFill>
+                  <a:schemeClr val="tx1"/>
+                </a:solidFill>
+                <a:latin typeface="Gabriola" panose="04040605051002020D02" pitchFamily="82" charset="0"/>
+                <a:cs typeface="DaunPenh" panose="01010101010101010101" pitchFamily="2" charset="0"/>
+              </a:rPr>
+              <a:t>Felix</a:t>
+            </a:r>
+            <a:r>
+              <a:rPr lang="es-CO" sz="2400" dirty="0">
+                <a:solidFill>
+                  <a:schemeClr val="tx1"/>
+                </a:solidFill>
+                <a:latin typeface="Gabriola" panose="04040605051002020D02" pitchFamily="82" charset="0"/>
+                <a:cs typeface="DaunPenh" panose="01010101010101010101" pitchFamily="2" charset="0"/>
+              </a:rPr>
+              <a:t> </a:t>
+            </a:r>
+            <a:r>
+              <a:rPr lang="es-CO" sz="2400" dirty="0" err="1">
+                <a:solidFill>
+                  <a:schemeClr val="tx1"/>
+                </a:solidFill>
+                <a:latin typeface="Gabriola" panose="04040605051002020D02" pitchFamily="82" charset="0"/>
+                <a:cs typeface="DaunPenh" panose="01010101010101010101" pitchFamily="2" charset="0"/>
+              </a:rPr>
+              <a:t>Halim</a:t>
+            </a:r>
+            <a:endParaRPr lang="es-CO" sz="2400" dirty="0">
+              <a:solidFill>
+                <a:schemeClr val="tx1"/>
+              </a:solidFill>
+              <a:latin typeface="Gabriola" panose="04040605051002020D02" pitchFamily="82" charset="0"/>
+              <a:cs typeface="DaunPenh" panose="01010101010101010101" pitchFamily="2" charset="0"/>
+            </a:endParaRPr>
+          </a:p>
+        </p:txBody>
+      </p:sp>
+    </p:spTree>
+    <p:extLst>
+      <p:ext uri="{BB962C8B-B14F-4D97-AF65-F5344CB8AC3E}">
+        <p14:creationId xmlns:p14="http://schemas.microsoft.com/office/powerpoint/2010/main" val="2683248546"/>
+      </p:ext>
+    </p:extLst>
+  </p:cSld>
+  <p:clrMapOvr>
+    <a:masterClrMapping/>
+  </p:clrMapOvr>
+</p:sld>
+</file>
+
+<file path=ppt/slides/slide18.xml><?xml version="1.0" encoding="utf-8"?>
+<p:sld xmlns:a="http://schemas.openxmlformats.org/drawingml/2006/main" xmlns:r="http://schemas.openxmlformats.org/officeDocument/2006/relationships" xmlns:p="http://schemas.openxmlformats.org/presentationml/2006/main">
+  <p:cSld>
+    <p:spTree>
+      <p:nvGrpSpPr>
+        <p:cNvPr id="1" name=""/>
+        <p:cNvGrpSpPr/>
+        <p:nvPr/>
+      </p:nvGrpSpPr>
+      <p:grpSpPr>
+        <a:xfrm>
+          <a:off x="0" y="0"/>
+          <a:ext cx="0" cy="0"/>
+          <a:chOff x="0" y="0"/>
+          <a:chExt cx="0" cy="0"/>
+        </a:xfrm>
+      </p:grpSpPr>
+      <p:pic>
+        <p:nvPicPr>
+          <p:cNvPr id="4" name="Shape 143" descr="logosis1.png"/>
+          <p:cNvPicPr preferRelativeResize="0"/>
+          <p:nvPr/>
+        </p:nvPicPr>
+        <p:blipFill>
+          <a:blip r:embed="rId2">
+            <a:alphaModFix/>
+          </a:blip>
+          <a:stretch>
+            <a:fillRect/>
+          </a:stretch>
+        </p:blipFill>
+        <p:spPr>
+          <a:xfrm>
+            <a:off x="6901818" y="3657601"/>
+            <a:ext cx="2242181" cy="1485899"/>
+          </a:xfrm>
+          <a:prstGeom prst="rect">
+            <a:avLst/>
+          </a:prstGeom>
+          <a:noFill/>
+          <a:ln>
+            <a:noFill/>
+          </a:ln>
+        </p:spPr>
+      </p:pic>
+      <p:sp>
+        <p:nvSpPr>
+          <p:cNvPr id="5" name="4 CuadroTexto"/>
+          <p:cNvSpPr txBox="1"/>
+          <p:nvPr/>
+        </p:nvSpPr>
+        <p:spPr>
+          <a:xfrm>
+            <a:off x="128465" y="267494"/>
+            <a:ext cx="7035823" cy="646331"/>
+          </a:xfrm>
+          <a:prstGeom prst="rect">
+            <a:avLst/>
+          </a:prstGeom>
+          <a:noFill/>
+        </p:spPr>
+        <p:txBody>
+          <a:bodyPr wrap="square" rtlCol="0">
+            <a:spAutoFit/>
+          </a:bodyPr>
+          <a:lstStyle/>
+          <a:p>
+            <a:pPr algn="ctr"/>
+            <a:r>
+              <a:rPr lang="es-ES" sz="3600" b="1" dirty="0">
+                <a:ln w="12700">
+                  <a:solidFill>
+                    <a:schemeClr val="tx2">
+                      <a:satMod val="155000"/>
+                    </a:schemeClr>
+                  </a:solidFill>
+                  <a:prstDash val="solid"/>
+                </a:ln>
+                <a:solidFill>
+                  <a:schemeClr val="tx1"/>
+                </a:solidFill>
+                <a:effectLst>
+                  <a:outerShdw blurRad="41275" dist="20320" dir="1800000" algn="tl" rotWithShape="0">
+                    <a:srgbClr val="000000">
+                      <a:alpha val="40000"/>
+                    </a:srgbClr>
+                  </a:outerShdw>
+                </a:effectLst>
+                <a:latin typeface="Rockwell" panose="02060603020205020403" pitchFamily="18" charset="0"/>
+              </a:rPr>
+              <a:t>Aplicaciones</a:t>
+            </a:r>
+            <a:endParaRPr lang="es-CO" sz="1200" dirty="0">
+              <a:latin typeface="Rockwell" panose="02060603020205020403" pitchFamily="18" charset="0"/>
+            </a:endParaRPr>
+          </a:p>
+        </p:txBody>
+      </p:sp>
+      <p:sp>
+        <p:nvSpPr>
+          <p:cNvPr id="7" name="6 CuadroTexto"/>
+          <p:cNvSpPr txBox="1"/>
+          <p:nvPr/>
+        </p:nvSpPr>
+        <p:spPr>
+          <a:xfrm>
+            <a:off x="1547664" y="1635646"/>
+            <a:ext cx="4968552" cy="2913782"/>
+          </a:xfrm>
+          <a:custGeom>
+            <a:avLst/>
+            <a:gdLst>
+              <a:gd name="connsiteX0" fmla="*/ 0 w 4968552"/>
+              <a:gd name="connsiteY0" fmla="*/ 0 h 3785652"/>
+              <a:gd name="connsiteX1" fmla="*/ 4968552 w 4968552"/>
+              <a:gd name="connsiteY1" fmla="*/ 0 h 3785652"/>
+              <a:gd name="connsiteX2" fmla="*/ 4968552 w 4968552"/>
+              <a:gd name="connsiteY2" fmla="*/ 3785652 h 3785652"/>
+              <a:gd name="connsiteX3" fmla="*/ 0 w 4968552"/>
+              <a:gd name="connsiteY3" fmla="*/ 3785652 h 3785652"/>
+              <a:gd name="connsiteX4" fmla="*/ 0 w 4968552"/>
+              <a:gd name="connsiteY4" fmla="*/ 0 h 3785652"/>
+              <a:gd name="connsiteX0" fmla="*/ 0 w 4968552"/>
+              <a:gd name="connsiteY0" fmla="*/ 0 h 3785652"/>
+              <a:gd name="connsiteX1" fmla="*/ 4968552 w 4968552"/>
+              <a:gd name="connsiteY1" fmla="*/ 0 h 3785652"/>
+              <a:gd name="connsiteX2" fmla="*/ 4968552 w 4968552"/>
+              <a:gd name="connsiteY2" fmla="*/ 3785652 h 3785652"/>
+              <a:gd name="connsiteX3" fmla="*/ 138223 w 4968552"/>
+              <a:gd name="connsiteY3" fmla="*/ 2913782 h 3785652"/>
+              <a:gd name="connsiteX4" fmla="*/ 0 w 4968552"/>
+              <a:gd name="connsiteY4" fmla="*/ 0 h 3785652"/>
+              <a:gd name="connsiteX0" fmla="*/ 0 w 4968552"/>
+              <a:gd name="connsiteY0" fmla="*/ 0 h 2913782"/>
+              <a:gd name="connsiteX1" fmla="*/ 4968552 w 4968552"/>
+              <a:gd name="connsiteY1" fmla="*/ 0 h 2913782"/>
+              <a:gd name="connsiteX2" fmla="*/ 4968552 w 4968552"/>
+              <a:gd name="connsiteY2" fmla="*/ 2892517 h 2913782"/>
+              <a:gd name="connsiteX3" fmla="*/ 138223 w 4968552"/>
+              <a:gd name="connsiteY3" fmla="*/ 2913782 h 2913782"/>
+              <a:gd name="connsiteX4" fmla="*/ 0 w 4968552"/>
+              <a:gd name="connsiteY4" fmla="*/ 0 h 2913782"/>
+            </a:gdLst>
+            <a:ahLst/>
+            <a:cxnLst>
+              <a:cxn ang="0">
+                <a:pos x="connsiteX0" y="connsiteY0"/>
+              </a:cxn>
+              <a:cxn ang="0">
+                <a:pos x="connsiteX1" y="connsiteY1"/>
+              </a:cxn>
+              <a:cxn ang="0">
+                <a:pos x="connsiteX2" y="connsiteY2"/>
+              </a:cxn>
+              <a:cxn ang="0">
+                <a:pos x="connsiteX3" y="connsiteY3"/>
+              </a:cxn>
+              <a:cxn ang="0">
+                <a:pos x="connsiteX4" y="connsiteY4"/>
+              </a:cxn>
+            </a:cxnLst>
+            <a:rect l="l" t="t" r="r" b="b"/>
+            <a:pathLst>
+              <a:path w="4968552" h="2913782">
+                <a:moveTo>
+                  <a:pt x="0" y="0"/>
+                </a:moveTo>
+                <a:lnTo>
+                  <a:pt x="4968552" y="0"/>
+                </a:lnTo>
+                <a:lnTo>
+                  <a:pt x="4968552" y="2892517"/>
+                </a:lnTo>
+                <a:lnTo>
+                  <a:pt x="138223" y="2913782"/>
+                </a:lnTo>
+                <a:lnTo>
+                  <a:pt x="0" y="0"/>
+                </a:lnTo>
+                <a:close/>
+              </a:path>
+            </a:pathLst>
+          </a:custGeom>
+          <a:noFill/>
+        </p:spPr>
+        <p:txBody>
+          <a:bodyPr wrap="square" rtlCol="0">
+            <a:spAutoFit/>
+          </a:bodyPr>
+          <a:lstStyle/>
+          <a:p>
+            <a:pPr marL="285750" indent="-285750">
+              <a:buFontTx/>
+              <a:buChar char="-"/>
+            </a:pPr>
+            <a:r>
+              <a:rPr lang="es-CO" sz="4000" b="1" dirty="0">
+                <a:solidFill>
+                  <a:schemeClr val="accent1">
+                    <a:lumMod val="50000"/>
+                  </a:schemeClr>
+                </a:solidFill>
+                <a:latin typeface="Gabriola" panose="04040605051002020D02" pitchFamily="82" charset="0"/>
+                <a:cs typeface="DaunPenh" panose="01010101010101010101" pitchFamily="2" charset="0"/>
+              </a:rPr>
+              <a:t>Bote de Pintura </a:t>
+            </a:r>
+            <a:r>
+              <a:rPr lang="es-CO" sz="4000" b="1" dirty="0">
+                <a:solidFill>
+                  <a:schemeClr val="accent2">
+                    <a:lumMod val="50000"/>
+                  </a:schemeClr>
+                </a:solidFill>
+                <a:latin typeface="Gabriola" panose="04040605051002020D02" pitchFamily="82" charset="0"/>
+                <a:cs typeface="DaunPenh" panose="01010101010101010101" pitchFamily="2" charset="0"/>
+              </a:rPr>
+              <a:t>(</a:t>
+            </a:r>
+            <a:r>
+              <a:rPr lang="es-CO" sz="4000" b="1" dirty="0" err="1">
+                <a:solidFill>
+                  <a:schemeClr val="accent2">
+                    <a:lumMod val="50000"/>
+                  </a:schemeClr>
+                </a:solidFill>
+                <a:latin typeface="Gabriola" panose="04040605051002020D02" pitchFamily="82" charset="0"/>
+                <a:cs typeface="DaunPenh" panose="01010101010101010101" pitchFamily="2" charset="0"/>
+              </a:rPr>
+              <a:t>Flood</a:t>
+            </a:r>
+            <a:r>
+              <a:rPr lang="es-CO" sz="4000" b="1" dirty="0">
+                <a:solidFill>
+                  <a:schemeClr val="accent2">
+                    <a:lumMod val="50000"/>
+                  </a:schemeClr>
+                </a:solidFill>
+                <a:latin typeface="Gabriola" panose="04040605051002020D02" pitchFamily="82" charset="0"/>
+                <a:cs typeface="DaunPenh" panose="01010101010101010101" pitchFamily="2" charset="0"/>
+              </a:rPr>
+              <a:t> </a:t>
+            </a:r>
+            <a:r>
+              <a:rPr lang="es-CO" sz="4000" b="1" dirty="0" err="1">
+                <a:solidFill>
+                  <a:schemeClr val="accent2">
+                    <a:lumMod val="50000"/>
+                  </a:schemeClr>
+                </a:solidFill>
+                <a:latin typeface="Gabriola" panose="04040605051002020D02" pitchFamily="82" charset="0"/>
+                <a:cs typeface="DaunPenh" panose="01010101010101010101" pitchFamily="2" charset="0"/>
+              </a:rPr>
+              <a:t>Fill</a:t>
+            </a:r>
+            <a:r>
+              <a:rPr lang="es-CO" sz="4000" b="1" dirty="0">
+                <a:solidFill>
+                  <a:schemeClr val="accent2">
+                    <a:lumMod val="50000"/>
+                  </a:schemeClr>
+                </a:solidFill>
+                <a:latin typeface="Gabriola" panose="04040605051002020D02" pitchFamily="82" charset="0"/>
+                <a:cs typeface="DaunPenh" panose="01010101010101010101" pitchFamily="2" charset="0"/>
+              </a:rPr>
+              <a:t>)</a:t>
+            </a:r>
+          </a:p>
+          <a:p>
+            <a:endParaRPr lang="es-CO" sz="2000" dirty="0"/>
+          </a:p>
+          <a:p>
+            <a:pPr marL="285750" indent="-285750">
+              <a:buFontTx/>
+              <a:buChar char="-"/>
+            </a:pPr>
+            <a:r>
+              <a:rPr lang="es-CO" sz="4000" b="1" dirty="0">
+                <a:solidFill>
+                  <a:schemeClr val="accent1">
+                    <a:lumMod val="50000"/>
+                  </a:schemeClr>
+                </a:solidFill>
+                <a:latin typeface="Gabriola" panose="04040605051002020D02" pitchFamily="82" charset="0"/>
+                <a:cs typeface="DaunPenh" panose="01010101010101010101" pitchFamily="2" charset="0"/>
+              </a:rPr>
+              <a:t>Pensum </a:t>
+            </a:r>
+            <a:r>
+              <a:rPr lang="es-CO" sz="4000" b="1" dirty="0">
+                <a:solidFill>
+                  <a:schemeClr val="accent2">
+                    <a:lumMod val="50000"/>
+                  </a:schemeClr>
+                </a:solidFill>
+                <a:latin typeface="Gabriola" panose="04040605051002020D02" pitchFamily="82" charset="0"/>
+                <a:cs typeface="DaunPenh" panose="01010101010101010101" pitchFamily="2" charset="0"/>
+              </a:rPr>
+              <a:t>(</a:t>
+            </a:r>
+            <a:r>
+              <a:rPr lang="es-CO" sz="4000" b="1" dirty="0" err="1">
+                <a:solidFill>
+                  <a:schemeClr val="accent2">
+                    <a:lumMod val="50000"/>
+                  </a:schemeClr>
+                </a:solidFill>
+                <a:latin typeface="Gabriola" panose="04040605051002020D02" pitchFamily="82" charset="0"/>
+                <a:cs typeface="DaunPenh" panose="01010101010101010101" pitchFamily="2" charset="0"/>
+              </a:rPr>
+              <a:t>Topological</a:t>
+            </a:r>
+            <a:r>
+              <a:rPr lang="es-CO" sz="4000" b="1" dirty="0">
+                <a:solidFill>
+                  <a:schemeClr val="accent2">
+                    <a:lumMod val="50000"/>
+                  </a:schemeClr>
+                </a:solidFill>
+                <a:latin typeface="Gabriola" panose="04040605051002020D02" pitchFamily="82" charset="0"/>
+                <a:cs typeface="DaunPenh" panose="01010101010101010101" pitchFamily="2" charset="0"/>
+              </a:rPr>
+              <a:t> </a:t>
+            </a:r>
+            <a:r>
+              <a:rPr lang="es-CO" sz="4000" b="1" dirty="0" err="1">
+                <a:solidFill>
+                  <a:schemeClr val="accent2">
+                    <a:lumMod val="50000"/>
+                  </a:schemeClr>
+                </a:solidFill>
+                <a:latin typeface="Gabriola" panose="04040605051002020D02" pitchFamily="82" charset="0"/>
+                <a:cs typeface="DaunPenh" panose="01010101010101010101" pitchFamily="2" charset="0"/>
+              </a:rPr>
+              <a:t>Sort</a:t>
+            </a:r>
+            <a:r>
+              <a:rPr lang="es-CO" sz="4000" b="1" dirty="0">
+                <a:solidFill>
+                  <a:schemeClr val="accent2">
+                    <a:lumMod val="50000"/>
+                  </a:schemeClr>
+                </a:solidFill>
+                <a:latin typeface="Gabriola" panose="04040605051002020D02" pitchFamily="82" charset="0"/>
+                <a:cs typeface="DaunPenh" panose="01010101010101010101" pitchFamily="2" charset="0"/>
+              </a:rPr>
+              <a:t>)</a:t>
+            </a:r>
+          </a:p>
+          <a:p>
+            <a:pPr marL="285750" indent="-285750">
+              <a:buFontTx/>
+              <a:buChar char="-"/>
+            </a:pPr>
+            <a:endParaRPr lang="es-CO" sz="2000" dirty="0"/>
+          </a:p>
+          <a:p>
+            <a:endParaRPr lang="en-US" sz="4000" b="1" dirty="0">
+              <a:solidFill>
+                <a:srgbClr val="002060"/>
+              </a:solidFill>
+              <a:latin typeface="Gabriola" panose="04040605051002020D02" pitchFamily="82" charset="0"/>
+              <a:cs typeface="DaunPenh" panose="01010101010101010101" pitchFamily="2" charset="0"/>
+            </a:endParaRPr>
+          </a:p>
+          <a:p>
+            <a:pPr marL="457200" indent="-457200">
+              <a:buFontTx/>
+              <a:buChar char="-"/>
+            </a:pPr>
+            <a:endParaRPr lang="en-US" sz="4000" b="1" dirty="0">
+              <a:solidFill>
+                <a:srgbClr val="002060"/>
+              </a:solidFill>
+              <a:latin typeface="Gabriola" panose="04040605051002020D02" pitchFamily="82" charset="0"/>
+              <a:cs typeface="DaunPenh" panose="01010101010101010101" pitchFamily="2" charset="0"/>
+            </a:endParaRPr>
+          </a:p>
+          <a:p>
+            <a:endParaRPr lang="es-CO" sz="4000" b="1" dirty="0">
+              <a:solidFill>
+                <a:srgbClr val="002060"/>
+              </a:solidFill>
+              <a:latin typeface="Gabriola" panose="04040605051002020D02" pitchFamily="82" charset="0"/>
+              <a:cs typeface="DaunPenh" panose="01010101010101010101" pitchFamily="2" charset="0"/>
+            </a:endParaRPr>
+          </a:p>
+        </p:txBody>
+      </p:sp>
+    </p:spTree>
+    <p:extLst>
+      <p:ext uri="{BB962C8B-B14F-4D97-AF65-F5344CB8AC3E}">
+        <p14:creationId xmlns:p14="http://schemas.microsoft.com/office/powerpoint/2010/main" val="2599036137"/>
+      </p:ext>
+    </p:extLst>
+  </p:cSld>
+  <p:clrMapOvr>
+    <a:masterClrMapping/>
+  </p:clrMapOvr>
+</p:sld>
+</file>
+
+<file path=ppt/slides/slide19.xml><?xml version="1.0" encoding="utf-8"?>
+<p:sld xmlns:a="http://schemas.openxmlformats.org/drawingml/2006/main" xmlns:r="http://schemas.openxmlformats.org/officeDocument/2006/relationships" xmlns:p="http://schemas.openxmlformats.org/presentationml/2006/main">
+  <p:cSld>
+    <p:spTree>
+      <p:nvGrpSpPr>
+        <p:cNvPr id="1" name=""/>
+        <p:cNvGrpSpPr/>
+        <p:nvPr/>
+      </p:nvGrpSpPr>
+      <p:grpSpPr>
+        <a:xfrm>
+          <a:off x="0" y="0"/>
+          <a:ext cx="0" cy="0"/>
+          <a:chOff x="0" y="0"/>
+          <a:chExt cx="0" cy="0"/>
+        </a:xfrm>
+      </p:grpSpPr>
+      <p:pic>
+        <p:nvPicPr>
+          <p:cNvPr id="4" name="Shape 143" descr="logosis1.png"/>
+          <p:cNvPicPr preferRelativeResize="0"/>
+          <p:nvPr/>
+        </p:nvPicPr>
+        <p:blipFill>
+          <a:blip r:embed="rId2">
+            <a:alphaModFix/>
+          </a:blip>
+          <a:stretch>
+            <a:fillRect/>
+          </a:stretch>
+        </p:blipFill>
+        <p:spPr>
+          <a:xfrm>
+            <a:off x="6901818" y="3657601"/>
+            <a:ext cx="2242181" cy="1485899"/>
+          </a:xfrm>
+          <a:prstGeom prst="rect">
+            <a:avLst/>
+          </a:prstGeom>
+          <a:noFill/>
+          <a:ln>
+            <a:noFill/>
+          </a:ln>
+        </p:spPr>
+      </p:pic>
+      <p:sp>
+        <p:nvSpPr>
+          <p:cNvPr id="5" name="4 CuadroTexto"/>
+          <p:cNvSpPr txBox="1"/>
+          <p:nvPr/>
+        </p:nvSpPr>
+        <p:spPr>
+          <a:xfrm>
+            <a:off x="-540568" y="51470"/>
+            <a:ext cx="8568952" cy="584775"/>
+          </a:xfrm>
+          <a:prstGeom prst="rect">
+            <a:avLst/>
+          </a:prstGeom>
+          <a:noFill/>
+        </p:spPr>
+        <p:txBody>
+          <a:bodyPr wrap="square" rtlCol="0">
+            <a:spAutoFit/>
+          </a:bodyPr>
+          <a:lstStyle/>
+          <a:p>
+            <a:pPr algn="ctr"/>
+            <a:r>
+              <a:rPr lang="es-CO" sz="3200" b="1" dirty="0">
+                <a:ln w="12700">
+                  <a:solidFill>
+                    <a:schemeClr val="tx2">
+                      <a:satMod val="155000"/>
+                    </a:schemeClr>
+                  </a:solidFill>
+                  <a:prstDash val="solid"/>
+                </a:ln>
+                <a:solidFill>
+                  <a:schemeClr val="tx1"/>
+                </a:solidFill>
+                <a:effectLst>
+                  <a:outerShdw blurRad="41275" dist="20320" dir="1800000" algn="tl" rotWithShape="0">
+                    <a:srgbClr val="000000">
+                      <a:alpha val="40000"/>
+                    </a:srgbClr>
+                  </a:outerShdw>
+                </a:effectLst>
+                <a:latin typeface="Rockwell" panose="02060603020205020403" pitchFamily="18" charset="0"/>
+              </a:rPr>
+              <a:t>Componentes Fuertemente Conexas</a:t>
+            </a:r>
+          </a:p>
+        </p:txBody>
+      </p:sp>
+      <p:sp>
+        <p:nvSpPr>
+          <p:cNvPr id="6" name="6 CuadroTexto"/>
+          <p:cNvSpPr txBox="1"/>
+          <p:nvPr/>
+        </p:nvSpPr>
+        <p:spPr>
+          <a:xfrm>
+            <a:off x="107504" y="694893"/>
+            <a:ext cx="8856984" cy="1692771"/>
+          </a:xfrm>
+          <a:prstGeom prst="rect">
+            <a:avLst/>
+          </a:prstGeom>
+          <a:noFill/>
+        </p:spPr>
+        <p:txBody>
+          <a:bodyPr wrap="square" rtlCol="0">
+            <a:spAutoFit/>
+          </a:bodyPr>
+          <a:lstStyle/>
+          <a:p>
+            <a:pPr fontAlgn="base"/>
+            <a:r>
+              <a:rPr lang="es-CO" sz="2600" dirty="0">
+                <a:solidFill>
+                  <a:srgbClr val="002060"/>
+                </a:solidFill>
+                <a:latin typeface="Gabriola" panose="04040605051002020D02" pitchFamily="82" charset="0"/>
+                <a:cs typeface="DaunPenh" panose="01010101010101010101" pitchFamily="2" charset="0"/>
+              </a:rPr>
+              <a:t>Un grafo dirigido es llamado fuertemente conexo si para cada par de nodos U y V existe un camino de U hacia V y un camino de V hacia U.</a:t>
+            </a:r>
+          </a:p>
+          <a:p>
+            <a:pPr fontAlgn="base"/>
+            <a:r>
+              <a:rPr lang="es-CO" sz="2600" dirty="0">
+                <a:solidFill>
+                  <a:srgbClr val="002060"/>
+                </a:solidFill>
+                <a:latin typeface="Gabriola" panose="04040605051002020D02" pitchFamily="82" charset="0"/>
+                <a:cs typeface="DaunPenh" panose="01010101010101010101" pitchFamily="2" charset="0"/>
+              </a:rPr>
+              <a:t>Los componentes fuertemente conexos (CFC) de un grafo dirigido son sus </a:t>
+            </a:r>
+            <a:r>
+              <a:rPr lang="es-CO" sz="2600" dirty="0" err="1">
+                <a:solidFill>
+                  <a:srgbClr val="002060"/>
+                </a:solidFill>
+                <a:latin typeface="Gabriola" panose="04040605051002020D02" pitchFamily="82" charset="0"/>
+                <a:cs typeface="DaunPenh" panose="01010101010101010101" pitchFamily="2" charset="0"/>
+              </a:rPr>
+              <a:t>subgrafos</a:t>
+            </a:r>
+            <a:r>
+              <a:rPr lang="es-CO" sz="2600" dirty="0">
+                <a:solidFill>
+                  <a:srgbClr val="002060"/>
+                </a:solidFill>
+                <a:latin typeface="Gabriola" panose="04040605051002020D02" pitchFamily="82" charset="0"/>
+                <a:cs typeface="DaunPenh" panose="01010101010101010101" pitchFamily="2" charset="0"/>
+              </a:rPr>
+              <a:t> máximos fuertemente conexos. Estos </a:t>
+            </a:r>
+            <a:r>
+              <a:rPr lang="es-CO" sz="2600" dirty="0" err="1">
+                <a:solidFill>
+                  <a:srgbClr val="002060"/>
+                </a:solidFill>
+                <a:latin typeface="Gabriola" panose="04040605051002020D02" pitchFamily="82" charset="0"/>
+                <a:cs typeface="DaunPenh" panose="01010101010101010101" pitchFamily="2" charset="0"/>
+              </a:rPr>
+              <a:t>subgrafos</a:t>
+            </a:r>
+            <a:r>
+              <a:rPr lang="es-CO" sz="2600" dirty="0">
+                <a:solidFill>
+                  <a:srgbClr val="002060"/>
+                </a:solidFill>
+                <a:latin typeface="Gabriola" panose="04040605051002020D02" pitchFamily="82" charset="0"/>
+                <a:cs typeface="DaunPenh" panose="01010101010101010101" pitchFamily="2" charset="0"/>
+              </a:rPr>
+              <a:t> forman una partición del grafo.</a:t>
+            </a:r>
+          </a:p>
+        </p:txBody>
+      </p:sp>
+      <p:pic>
+        <p:nvPicPr>
+          <p:cNvPr id="2" name="Imagen 1"/>
+          <p:cNvPicPr>
+            <a:picLocks noChangeAspect="1"/>
+          </p:cNvPicPr>
+          <p:nvPr/>
+        </p:nvPicPr>
+        <p:blipFill>
+          <a:blip r:embed="rId3"/>
+          <a:stretch>
+            <a:fillRect/>
+          </a:stretch>
+        </p:blipFill>
+        <p:spPr>
+          <a:xfrm>
+            <a:off x="1584168" y="2715766"/>
+            <a:ext cx="4500000" cy="2070000"/>
+          </a:xfrm>
+          <a:prstGeom prst="rect">
+            <a:avLst/>
+          </a:prstGeom>
+        </p:spPr>
+      </p:pic>
+    </p:spTree>
+    <p:extLst>
+      <p:ext uri="{BB962C8B-B14F-4D97-AF65-F5344CB8AC3E}">
+        <p14:creationId xmlns:p14="http://schemas.microsoft.com/office/powerpoint/2010/main" val="4093333674"/>
+      </p:ext>
+    </p:extLst>
+  </p:cSld>
+  <p:clrMapOvr>
+    <a:masterClrMapping/>
+  </p:clrMapOvr>
+</p:sld>
+</file>
+
+<file path=ppt/slides/slide2.xml><?xml version="1.0" encoding="utf-8"?>
+<p:sld xmlns:a="http://schemas.openxmlformats.org/drawingml/2006/main" xmlns:r="http://schemas.openxmlformats.org/officeDocument/2006/relationships" xmlns:p="http://schemas.openxmlformats.org/presentationml/2006/main">
+  <p:cSld>
+    <p:spTree>
+      <p:nvGrpSpPr>
+        <p:cNvPr id="1" name=""/>
+        <p:cNvGrpSpPr/>
+        <p:nvPr/>
+      </p:nvGrpSpPr>
+      <p:grpSpPr>
+        <a:xfrm>
+          <a:off x="0" y="0"/>
+          <a:ext cx="0" cy="0"/>
+          <a:chOff x="0" y="0"/>
+          <a:chExt cx="0" cy="0"/>
+        </a:xfrm>
+      </p:grpSpPr>
+      <p:pic>
+        <p:nvPicPr>
+          <p:cNvPr id="6" name="Shape 143" descr="logosis1.png"/>
+          <p:cNvPicPr preferRelativeResize="0"/>
+          <p:nvPr/>
+        </p:nvPicPr>
+        <p:blipFill>
+          <a:blip r:embed="rId2">
+            <a:alphaModFix/>
+          </a:blip>
+          <a:stretch>
+            <a:fillRect/>
+          </a:stretch>
+        </p:blipFill>
+        <p:spPr>
+          <a:xfrm>
+            <a:off x="6901818" y="3657601"/>
+            <a:ext cx="2242181" cy="1485899"/>
+          </a:xfrm>
+          <a:prstGeom prst="rect">
+            <a:avLst/>
+          </a:prstGeom>
+          <a:noFill/>
+          <a:ln>
+            <a:noFill/>
+          </a:ln>
+        </p:spPr>
+      </p:pic>
+    </p:spTree>
+    <p:extLst>
+      <p:ext uri="{BB962C8B-B14F-4D97-AF65-F5344CB8AC3E}">
+        <p14:creationId xmlns:p14="http://schemas.microsoft.com/office/powerpoint/2010/main" val="2115600314"/>
+      </p:ext>
+    </p:extLst>
+  </p:cSld>
+  <p:clrMapOvr>
+    <a:masterClrMapping/>
+  </p:clrMapOvr>
+</p:sld>
+</file>
+
+<file path=ppt/slides/slide3.xml><?xml version="1.0" encoding="utf-8"?>
+<p:sld xmlns:a="http://schemas.openxmlformats.org/drawingml/2006/main" xmlns:r="http://schemas.openxmlformats.org/officeDocument/2006/relationships" xmlns:p="http://schemas.openxmlformats.org/presentationml/2006/main">
+  <p:cSld>
+    <p:spTree>
+      <p:nvGrpSpPr>
+        <p:cNvPr id="1" name=""/>
+        <p:cNvGrpSpPr/>
+        <p:nvPr/>
+      </p:nvGrpSpPr>
+      <p:grpSpPr>
+        <a:xfrm>
+          <a:off x="0" y="0"/>
+          <a:ext cx="0" cy="0"/>
+          <a:chOff x="0" y="0"/>
+          <a:chExt cx="0" cy="0"/>
+        </a:xfrm>
+      </p:grpSpPr>
+      <p:pic>
+        <p:nvPicPr>
           <p:cNvPr id="4" name="3 Imagen"/>
           <p:cNvPicPr>
             <a:picLocks noChangeAspect="1"/>
@@ -17253,7 +20338,7 @@
     </p:spTree>
     <p:extLst>
       <p:ext uri="{BB962C8B-B14F-4D97-AF65-F5344CB8AC3E}">
-        <p14:creationId xmlns:p14="http://schemas.microsoft.com/office/powerpoint/2010/main" val="1617254423"/>
+        <p14:creationId xmlns:p14="http://schemas.microsoft.com/office/powerpoint/2010/main" val="2011333475"/>
       </p:ext>
     </p:extLst>
   </p:cSld>
@@ -17263,992 +20348,7 @@
 </p:sld>
 </file>
 
-<file path=ppt/slides/slide10.xml><?xml version="1.0" encoding="utf-8"?>
-<p:sld xmlns:a="http://schemas.openxmlformats.org/drawingml/2006/main" xmlns:r="http://schemas.openxmlformats.org/officeDocument/2006/relationships" xmlns:p="http://schemas.openxmlformats.org/presentationml/2006/main" showMasterSp="0">
-  <p:cSld>
-    <p:bg>
-      <p:bgPr>
-        <a:solidFill>
-          <a:schemeClr val="tx2"/>
-        </a:solidFill>
-        <a:effectLst/>
-      </p:bgPr>
-    </p:bg>
-    <p:spTree>
-      <p:nvGrpSpPr>
-        <p:cNvPr id="1" name=""/>
-        <p:cNvGrpSpPr/>
-        <p:nvPr/>
-      </p:nvGrpSpPr>
-      <p:grpSpPr>
-        <a:xfrm>
-          <a:off x="0" y="0"/>
-          <a:ext cx="0" cy="0"/>
-          <a:chOff x="0" y="0"/>
-          <a:chExt cx="0" cy="0"/>
-        </a:xfrm>
-      </p:grpSpPr>
-      <p:pic>
-        <p:nvPicPr>
-          <p:cNvPr id="4" name="Shape 143" descr="logosis1.png"/>
-          <p:cNvPicPr preferRelativeResize="0"/>
-          <p:nvPr/>
-        </p:nvPicPr>
-        <p:blipFill>
-          <a:blip r:embed="rId2">
-            <a:alphaModFix/>
-          </a:blip>
-          <a:stretch>
-            <a:fillRect/>
-          </a:stretch>
-        </p:blipFill>
-        <p:spPr>
-          <a:xfrm>
-            <a:off x="7884368" y="4011910"/>
-            <a:ext cx="1259631" cy="1131590"/>
-          </a:xfrm>
-          <a:prstGeom prst="rect">
-            <a:avLst/>
-          </a:prstGeom>
-          <a:noFill/>
-          <a:ln>
-            <a:noFill/>
-          </a:ln>
-        </p:spPr>
-      </p:pic>
-      <p:sp>
-        <p:nvSpPr>
-          <p:cNvPr id="5" name="4 CuadroTexto"/>
-          <p:cNvSpPr txBox="1"/>
-          <p:nvPr/>
-        </p:nvSpPr>
-        <p:spPr>
-          <a:xfrm>
-            <a:off x="35496" y="125219"/>
-            <a:ext cx="7344816" cy="646331"/>
-          </a:xfrm>
-          <a:prstGeom prst="rect">
-            <a:avLst/>
-          </a:prstGeom>
-          <a:noFill/>
-        </p:spPr>
-        <p:txBody>
-          <a:bodyPr wrap="square" rtlCol="0">
-            <a:spAutoFit/>
-          </a:bodyPr>
-          <a:lstStyle/>
-          <a:p>
-            <a:r>
-              <a:rPr lang="es-CO" sz="3600" b="1" dirty="0">
-                <a:ln w="12700">
-                  <a:solidFill>
-                    <a:schemeClr val="tx2">
-                      <a:satMod val="155000"/>
-                    </a:schemeClr>
-                  </a:solidFill>
-                  <a:prstDash val="solid"/>
-                </a:ln>
-                <a:solidFill>
-                  <a:schemeClr val="tx1"/>
-                </a:solidFill>
-                <a:effectLst>
-                  <a:outerShdw blurRad="41275" dist="20320" dir="1800000" algn="tl" rotWithShape="0">
-                    <a:srgbClr val="000000">
-                      <a:alpha val="40000"/>
-                    </a:srgbClr>
-                  </a:outerShdw>
-                </a:effectLst>
-                <a:latin typeface="Rockwell" panose="02060603020205020403" pitchFamily="18" charset="0"/>
-              </a:rPr>
-              <a:t>Búsqueda Primero en Anchura</a:t>
-            </a:r>
-          </a:p>
-        </p:txBody>
-      </p:sp>
-      <p:sp>
-        <p:nvSpPr>
-          <p:cNvPr id="7" name="6 CuadroTexto"/>
-          <p:cNvSpPr txBox="1"/>
-          <p:nvPr/>
-        </p:nvSpPr>
-        <p:spPr>
-          <a:xfrm>
-            <a:off x="35497" y="843558"/>
-            <a:ext cx="8640959" cy="4154984"/>
-          </a:xfrm>
-          <a:prstGeom prst="rect">
-            <a:avLst/>
-          </a:prstGeom>
-          <a:noFill/>
-        </p:spPr>
-        <p:txBody>
-          <a:bodyPr wrap="square" rtlCol="0">
-            <a:spAutoFit/>
-          </a:bodyPr>
-          <a:lstStyle/>
-          <a:p>
-            <a:r>
-              <a:rPr lang="es-CO" sz="2400" dirty="0" err="1">
-                <a:solidFill>
-                  <a:schemeClr val="accent1">
-                    <a:lumMod val="50000"/>
-                  </a:schemeClr>
-                </a:solidFill>
-                <a:latin typeface="Gabriola" panose="04040605051002020D02" pitchFamily="82" charset="0"/>
-                <a:cs typeface="DaunPenh" panose="01010101010101010101" pitchFamily="2" charset="0"/>
-              </a:rPr>
-              <a:t>Breadth</a:t>
-            </a:r>
-            <a:r>
-              <a:rPr lang="es-CO" sz="2400" dirty="0">
-                <a:solidFill>
-                  <a:schemeClr val="accent1">
-                    <a:lumMod val="50000"/>
-                  </a:schemeClr>
-                </a:solidFill>
-                <a:latin typeface="Gabriola" panose="04040605051002020D02" pitchFamily="82" charset="0"/>
-                <a:cs typeface="DaunPenh" panose="01010101010101010101" pitchFamily="2" charset="0"/>
-              </a:rPr>
-              <a:t> </a:t>
-            </a:r>
-            <a:r>
-              <a:rPr lang="es-CO" sz="2400" dirty="0" err="1">
-                <a:solidFill>
-                  <a:schemeClr val="accent1">
-                    <a:lumMod val="50000"/>
-                  </a:schemeClr>
-                </a:solidFill>
-                <a:latin typeface="Gabriola" panose="04040605051002020D02" pitchFamily="82" charset="0"/>
-                <a:cs typeface="DaunPenh" panose="01010101010101010101" pitchFamily="2" charset="0"/>
-              </a:rPr>
-              <a:t>First</a:t>
-            </a:r>
-            <a:r>
-              <a:rPr lang="es-CO" sz="2400" dirty="0">
-                <a:solidFill>
-                  <a:schemeClr val="accent1">
-                    <a:lumMod val="50000"/>
-                  </a:schemeClr>
-                </a:solidFill>
-                <a:latin typeface="Gabriola" panose="04040605051002020D02" pitchFamily="82" charset="0"/>
-                <a:cs typeface="DaunPenh" panose="01010101010101010101" pitchFamily="2" charset="0"/>
-              </a:rPr>
-              <a:t> </a:t>
-            </a:r>
-            <a:r>
-              <a:rPr lang="es-CO" sz="2400" dirty="0" err="1">
-                <a:solidFill>
-                  <a:schemeClr val="accent1">
-                    <a:lumMod val="50000"/>
-                  </a:schemeClr>
-                </a:solidFill>
-                <a:latin typeface="Gabriola" panose="04040605051002020D02" pitchFamily="82" charset="0"/>
-                <a:cs typeface="DaunPenh" panose="01010101010101010101" pitchFamily="2" charset="0"/>
-              </a:rPr>
-              <a:t>Search</a:t>
-            </a:r>
-            <a:r>
-              <a:rPr lang="es-CO" sz="2400" dirty="0">
-                <a:solidFill>
-                  <a:schemeClr val="accent1">
-                    <a:lumMod val="50000"/>
-                  </a:schemeClr>
-                </a:solidFill>
-                <a:latin typeface="Gabriola" panose="04040605051002020D02" pitchFamily="82" charset="0"/>
-                <a:cs typeface="DaunPenh" panose="01010101010101010101" pitchFamily="2" charset="0"/>
-              </a:rPr>
-              <a:t> </a:t>
-            </a:r>
-            <a:r>
-              <a:rPr lang="es-CO" sz="2400" dirty="0">
-                <a:solidFill>
-                  <a:srgbClr val="002060"/>
-                </a:solidFill>
-                <a:latin typeface="Gabriola" panose="04040605051002020D02" pitchFamily="82" charset="0"/>
-                <a:cs typeface="DaunPenh" panose="01010101010101010101" pitchFamily="2" charset="0"/>
-              </a:rPr>
-              <a:t>abreviado como </a:t>
-            </a:r>
-            <a:r>
-              <a:rPr lang="es-CO" sz="2400" dirty="0">
-                <a:solidFill>
-                  <a:schemeClr val="accent1">
-                    <a:lumMod val="50000"/>
-                  </a:schemeClr>
-                </a:solidFill>
-                <a:latin typeface="Gabriola" panose="04040605051002020D02" pitchFamily="82" charset="0"/>
-                <a:cs typeface="DaunPenh" panose="01010101010101010101" pitchFamily="2" charset="0"/>
-              </a:rPr>
-              <a:t>BFS</a:t>
-            </a:r>
-            <a:r>
-              <a:rPr lang="es-CO" sz="2400" dirty="0">
-                <a:solidFill>
-                  <a:srgbClr val="002060"/>
-                </a:solidFill>
-                <a:latin typeface="Gabriola" panose="04040605051002020D02" pitchFamily="82" charset="0"/>
-                <a:cs typeface="DaunPenh" panose="01010101010101010101" pitchFamily="2" charset="0"/>
-              </a:rPr>
-              <a:t>, es otro algoritmo de recorrido de grafos. Partiendo de un vértice fuente (inicial) conocido, el </a:t>
-            </a:r>
-            <a:r>
-              <a:rPr lang="es-CO" sz="2400" dirty="0">
-                <a:solidFill>
-                  <a:schemeClr val="accent1">
-                    <a:lumMod val="50000"/>
-                  </a:schemeClr>
-                </a:solidFill>
-                <a:latin typeface="Gabriola" panose="04040605051002020D02" pitchFamily="82" charset="0"/>
-                <a:cs typeface="DaunPenh" panose="01010101010101010101" pitchFamily="2" charset="0"/>
-              </a:rPr>
-              <a:t>BFS</a:t>
-            </a:r>
-            <a:r>
-              <a:rPr lang="es-CO" sz="2400" dirty="0">
-                <a:solidFill>
-                  <a:srgbClr val="002060"/>
-                </a:solidFill>
-                <a:latin typeface="Gabriola" panose="04040605051002020D02" pitchFamily="82" charset="0"/>
-                <a:cs typeface="DaunPenh" panose="01010101010101010101" pitchFamily="2" charset="0"/>
-              </a:rPr>
-              <a:t> recorrerá el grafo “primero en anchura”. Esto es porque el </a:t>
-            </a:r>
-            <a:r>
-              <a:rPr lang="es-CO" sz="2400" dirty="0">
-                <a:solidFill>
-                  <a:schemeClr val="accent1">
-                    <a:lumMod val="50000"/>
-                  </a:schemeClr>
-                </a:solidFill>
-                <a:latin typeface="Gabriola" panose="04040605051002020D02" pitchFamily="82" charset="0"/>
-                <a:cs typeface="DaunPenh" panose="01010101010101010101" pitchFamily="2" charset="0"/>
-              </a:rPr>
-              <a:t>BFS</a:t>
-            </a:r>
-            <a:r>
-              <a:rPr lang="es-CO" sz="2400" dirty="0">
-                <a:solidFill>
-                  <a:srgbClr val="002060"/>
-                </a:solidFill>
-                <a:latin typeface="Gabriola" panose="04040605051002020D02" pitchFamily="82" charset="0"/>
-                <a:cs typeface="DaunPenh" panose="01010101010101010101" pitchFamily="2" charset="0"/>
-              </a:rPr>
-              <a:t> visitará los nodos que son directamente vecinos del nodo inicial (primera capa), después los vecinos de los directamente vecinos (segunda capa) y así sucesivamente, capa por capa. </a:t>
-            </a:r>
-            <a:r>
-              <a:rPr lang="es-CO" sz="2400" dirty="0">
-                <a:solidFill>
-                  <a:schemeClr val="accent2">
-                    <a:lumMod val="50000"/>
-                  </a:schemeClr>
-                </a:solidFill>
-                <a:latin typeface="Gabriola" panose="04040605051002020D02" pitchFamily="82" charset="0"/>
-                <a:cs typeface="DaunPenh" panose="01010101010101010101" pitchFamily="2" charset="0"/>
-              </a:rPr>
-              <a:t>El </a:t>
-            </a:r>
-            <a:r>
-              <a:rPr lang="es-CO" sz="2400" dirty="0">
-                <a:solidFill>
-                  <a:schemeClr val="accent1">
-                    <a:lumMod val="50000"/>
-                  </a:schemeClr>
-                </a:solidFill>
-                <a:latin typeface="Gabriola" panose="04040605051002020D02" pitchFamily="82" charset="0"/>
-                <a:cs typeface="DaunPenh" panose="01010101010101010101" pitchFamily="2" charset="0"/>
-              </a:rPr>
-              <a:t>BFS </a:t>
-            </a:r>
-            <a:r>
-              <a:rPr lang="es-CO" sz="2400" dirty="0">
-                <a:solidFill>
-                  <a:srgbClr val="002060"/>
-                </a:solidFill>
-                <a:latin typeface="Gabriola" panose="04040605051002020D02" pitchFamily="82" charset="0"/>
-                <a:cs typeface="DaunPenh" panose="01010101010101010101" pitchFamily="2" charset="0"/>
-              </a:rPr>
-              <a:t>empieza con la inserción del nodo inicial a la cola, luego procesa la cola de la siguiente manera: Saca el nodo U superior de la cola, y desencola todos los vecinos no visitados de U, y los marca como visitados. Con la ayuda de la cola, el </a:t>
-            </a:r>
-            <a:r>
-              <a:rPr lang="es-CO" sz="2400" dirty="0">
-                <a:solidFill>
-                  <a:schemeClr val="accent1">
-                    <a:lumMod val="50000"/>
-                  </a:schemeClr>
-                </a:solidFill>
-                <a:latin typeface="Gabriola" panose="04040605051002020D02" pitchFamily="82" charset="0"/>
-                <a:cs typeface="DaunPenh" panose="01010101010101010101" pitchFamily="2" charset="0"/>
-              </a:rPr>
-              <a:t>BFS</a:t>
-            </a:r>
-            <a:r>
-              <a:rPr lang="es-CO" sz="2400" dirty="0">
-                <a:solidFill>
-                  <a:srgbClr val="002060"/>
-                </a:solidFill>
-                <a:latin typeface="Gabriola" panose="04040605051002020D02" pitchFamily="82" charset="0"/>
-                <a:cs typeface="DaunPenh" panose="01010101010101010101" pitchFamily="2" charset="0"/>
-              </a:rPr>
-              <a:t> visitará el nodo inicial y todos los nodos del componente conectado que contiene el nodo inicial capa por capa.</a:t>
-            </a:r>
-          </a:p>
-          <a:p>
-            <a:r>
-              <a:rPr lang="es-CO" sz="2400" dirty="0">
-                <a:solidFill>
-                  <a:srgbClr val="002060"/>
-                </a:solidFill>
-                <a:latin typeface="Gabriola" panose="04040605051002020D02" pitchFamily="82" charset="0"/>
-                <a:cs typeface="DaunPenh" panose="01010101010101010101" pitchFamily="2" charset="0"/>
-              </a:rPr>
-              <a:t>El algoritmo </a:t>
-            </a:r>
-            <a:r>
-              <a:rPr lang="es-CO" sz="2400" dirty="0">
-                <a:solidFill>
-                  <a:schemeClr val="accent1">
-                    <a:lumMod val="50000"/>
-                  </a:schemeClr>
-                </a:solidFill>
-                <a:latin typeface="Gabriola" panose="04040605051002020D02" pitchFamily="82" charset="0"/>
-                <a:cs typeface="DaunPenh" panose="01010101010101010101" pitchFamily="2" charset="0"/>
-              </a:rPr>
-              <a:t>BFS </a:t>
-            </a:r>
-            <a:r>
-              <a:rPr lang="es-CO" sz="2400" dirty="0">
-                <a:solidFill>
-                  <a:srgbClr val="002060"/>
-                </a:solidFill>
-                <a:latin typeface="Gabriola" panose="04040605051002020D02" pitchFamily="82" charset="0"/>
-                <a:cs typeface="DaunPenh" panose="01010101010101010101" pitchFamily="2" charset="0"/>
-              </a:rPr>
-              <a:t>se ejecuta en O(V + E) usando una </a:t>
-            </a:r>
-            <a:r>
-              <a:rPr lang="es-CO" sz="2400" dirty="0">
-                <a:solidFill>
-                  <a:schemeClr val="accent1">
-                    <a:lumMod val="50000"/>
-                  </a:schemeClr>
-                </a:solidFill>
-                <a:latin typeface="Gabriola" panose="04040605051002020D02" pitchFamily="82" charset="0"/>
-                <a:cs typeface="DaunPenh" panose="01010101010101010101" pitchFamily="2" charset="0"/>
-              </a:rPr>
-              <a:t>lista de adyacencia </a:t>
-            </a:r>
-            <a:r>
-              <a:rPr lang="es-CO" sz="2400" dirty="0">
-                <a:solidFill>
-                  <a:srgbClr val="002060"/>
-                </a:solidFill>
-                <a:latin typeface="Gabriola" panose="04040605051002020D02" pitchFamily="82" charset="0"/>
-                <a:cs typeface="DaunPenh" panose="01010101010101010101" pitchFamily="2" charset="0"/>
-              </a:rPr>
-              <a:t>y en O(V^2) usando una </a:t>
-            </a:r>
-            <a:r>
-              <a:rPr lang="es-CO" sz="2400" dirty="0">
-                <a:solidFill>
-                  <a:schemeClr val="accent1">
-                    <a:lumMod val="50000"/>
-                  </a:schemeClr>
-                </a:solidFill>
-                <a:latin typeface="Gabriola" panose="04040605051002020D02" pitchFamily="82" charset="0"/>
-                <a:cs typeface="DaunPenh" panose="01010101010101010101" pitchFamily="2" charset="0"/>
-              </a:rPr>
-              <a:t>matriz de adyacencia</a:t>
-            </a:r>
-            <a:r>
-              <a:rPr lang="es-CO" sz="2400" dirty="0">
-                <a:solidFill>
-                  <a:srgbClr val="002060"/>
-                </a:solidFill>
-                <a:latin typeface="Gabriola" panose="04040605051002020D02" pitchFamily="82" charset="0"/>
-                <a:cs typeface="DaunPenh" panose="01010101010101010101" pitchFamily="2" charset="0"/>
-              </a:rPr>
-              <a:t>.</a:t>
-            </a:r>
-            <a:endParaRPr lang="es-CO" sz="2800" dirty="0">
-              <a:solidFill>
-                <a:srgbClr val="002060"/>
-              </a:solidFill>
-              <a:latin typeface="Gabriola" panose="04040605051002020D02" pitchFamily="82" charset="0"/>
-              <a:cs typeface="DaunPenh" panose="01010101010101010101" pitchFamily="2" charset="0"/>
-            </a:endParaRPr>
-          </a:p>
-        </p:txBody>
-      </p:sp>
-    </p:spTree>
-    <p:extLst>
-      <p:ext uri="{BB962C8B-B14F-4D97-AF65-F5344CB8AC3E}">
-        <p14:creationId xmlns:p14="http://schemas.microsoft.com/office/powerpoint/2010/main" val="2410502723"/>
-      </p:ext>
-    </p:extLst>
-  </p:cSld>
-  <p:clrMapOvr>
-    <a:masterClrMapping/>
-  </p:clrMapOvr>
-</p:sld>
-</file>
-
-<file path=ppt/slides/slide11.xml><?xml version="1.0" encoding="utf-8"?>
-<p:sld xmlns:a="http://schemas.openxmlformats.org/drawingml/2006/main" xmlns:r="http://schemas.openxmlformats.org/officeDocument/2006/relationships" xmlns:p="http://schemas.openxmlformats.org/presentationml/2006/main">
-  <p:cSld>
-    <p:spTree>
-      <p:nvGrpSpPr>
-        <p:cNvPr id="1" name=""/>
-        <p:cNvGrpSpPr/>
-        <p:nvPr/>
-      </p:nvGrpSpPr>
-      <p:grpSpPr>
-        <a:xfrm>
-          <a:off x="0" y="0"/>
-          <a:ext cx="0" cy="0"/>
-          <a:chOff x="0" y="0"/>
-          <a:chExt cx="0" cy="0"/>
-        </a:xfrm>
-      </p:grpSpPr>
-      <p:pic>
-        <p:nvPicPr>
-          <p:cNvPr id="4" name="Shape 143" descr="logosis1.png"/>
-          <p:cNvPicPr preferRelativeResize="0"/>
-          <p:nvPr/>
-        </p:nvPicPr>
-        <p:blipFill>
-          <a:blip r:embed="rId2">
-            <a:alphaModFix/>
-          </a:blip>
-          <a:stretch>
-            <a:fillRect/>
-          </a:stretch>
-        </p:blipFill>
-        <p:spPr>
-          <a:xfrm>
-            <a:off x="7812360" y="4083918"/>
-            <a:ext cx="1331639" cy="1059582"/>
-          </a:xfrm>
-          <a:prstGeom prst="rect">
-            <a:avLst/>
-          </a:prstGeom>
-          <a:noFill/>
-          <a:ln>
-            <a:noFill/>
-          </a:ln>
-        </p:spPr>
-      </p:pic>
-      <p:pic>
-        <p:nvPicPr>
-          <p:cNvPr id="3" name="Imagen 2"/>
-          <p:cNvPicPr>
-            <a:picLocks noChangeAspect="1"/>
-          </p:cNvPicPr>
-          <p:nvPr/>
-        </p:nvPicPr>
-        <p:blipFill>
-          <a:blip r:embed="rId3"/>
-          <a:stretch>
-            <a:fillRect/>
-          </a:stretch>
-        </p:blipFill>
-        <p:spPr>
-          <a:xfrm>
-            <a:off x="81434" y="987574"/>
-            <a:ext cx="7300731" cy="3793830"/>
-          </a:xfrm>
-          <a:prstGeom prst="rect">
-            <a:avLst/>
-          </a:prstGeom>
-        </p:spPr>
-      </p:pic>
-      <p:sp>
-        <p:nvSpPr>
-          <p:cNvPr id="6" name="Título 5"/>
-          <p:cNvSpPr>
-            <a:spLocks noGrp="1"/>
-          </p:cNvSpPr>
-          <p:nvPr>
-            <p:ph type="title"/>
-          </p:nvPr>
-        </p:nvSpPr>
-        <p:spPr>
-          <a:xfrm>
-            <a:off x="508000" y="457200"/>
-            <a:ext cx="6447600" cy="530374"/>
-          </a:xfrm>
-        </p:spPr>
-        <p:txBody>
-          <a:bodyPr/>
-          <a:lstStyle/>
-          <a:p>
-            <a:pPr algn="ctr"/>
-            <a:r>
-              <a:rPr lang="es-CO" dirty="0"/>
-              <a:t>IMPLEMENTACION EN C++</a:t>
-            </a:r>
-          </a:p>
-        </p:txBody>
-      </p:sp>
-    </p:spTree>
-    <p:extLst>
-      <p:ext uri="{BB962C8B-B14F-4D97-AF65-F5344CB8AC3E}">
-        <p14:creationId xmlns:p14="http://schemas.microsoft.com/office/powerpoint/2010/main" val="2781779075"/>
-      </p:ext>
-    </p:extLst>
-  </p:cSld>
-  <p:clrMapOvr>
-    <a:masterClrMapping/>
-  </p:clrMapOvr>
-</p:sld>
-</file>
-
-<file path=ppt/slides/slide12.xml><?xml version="1.0" encoding="utf-8"?>
-<p:sld xmlns:a="http://schemas.openxmlformats.org/drawingml/2006/main" xmlns:r="http://schemas.openxmlformats.org/officeDocument/2006/relationships" xmlns:p="http://schemas.openxmlformats.org/presentationml/2006/main">
-  <p:cSld>
-    <p:spTree>
-      <p:nvGrpSpPr>
-        <p:cNvPr id="1" name=""/>
-        <p:cNvGrpSpPr/>
-        <p:nvPr/>
-      </p:nvGrpSpPr>
-      <p:grpSpPr>
-        <a:xfrm>
-          <a:off x="0" y="0"/>
-          <a:ext cx="0" cy="0"/>
-          <a:chOff x="0" y="0"/>
-          <a:chExt cx="0" cy="0"/>
-        </a:xfrm>
-      </p:grpSpPr>
-      <p:pic>
-        <p:nvPicPr>
-          <p:cNvPr id="6" name="Imagen 5"/>
-          <p:cNvPicPr>
-            <a:picLocks noChangeAspect="1"/>
-          </p:cNvPicPr>
-          <p:nvPr/>
-        </p:nvPicPr>
-        <p:blipFill>
-          <a:blip r:embed="rId2"/>
-          <a:stretch>
-            <a:fillRect/>
-          </a:stretch>
-        </p:blipFill>
-        <p:spPr>
-          <a:xfrm>
-            <a:off x="203408" y="1347614"/>
-            <a:ext cx="6888872" cy="2664296"/>
-          </a:xfrm>
-          <a:prstGeom prst="rect">
-            <a:avLst/>
-          </a:prstGeom>
-        </p:spPr>
-      </p:pic>
-      <p:sp>
-        <p:nvSpPr>
-          <p:cNvPr id="7" name="Título 6"/>
-          <p:cNvSpPr>
-            <a:spLocks noGrp="1"/>
-          </p:cNvSpPr>
-          <p:nvPr>
-            <p:ph type="title"/>
-          </p:nvPr>
-        </p:nvSpPr>
-        <p:spPr>
-          <a:xfrm>
-            <a:off x="508000" y="457200"/>
-            <a:ext cx="6447600" cy="572102"/>
-          </a:xfrm>
-        </p:spPr>
-        <p:txBody>
-          <a:bodyPr/>
-          <a:lstStyle/>
-          <a:p>
-            <a:pPr algn="ctr"/>
-            <a:r>
-              <a:rPr lang="es-CO" dirty="0"/>
-              <a:t>EJEMPLO BFS</a:t>
-            </a:r>
-          </a:p>
-        </p:txBody>
-      </p:sp>
-    </p:spTree>
-    <p:extLst>
-      <p:ext uri="{BB962C8B-B14F-4D97-AF65-F5344CB8AC3E}">
-        <p14:creationId xmlns:p14="http://schemas.microsoft.com/office/powerpoint/2010/main" val="729683089"/>
-      </p:ext>
-    </p:extLst>
-  </p:cSld>
-  <p:clrMapOvr>
-    <a:masterClrMapping/>
-  </p:clrMapOvr>
-</p:sld>
-</file>
-
-<file path=ppt/slides/slide13.xml><?xml version="1.0" encoding="utf-8"?>
-<p:sld xmlns:a="http://schemas.openxmlformats.org/drawingml/2006/main" xmlns:r="http://schemas.openxmlformats.org/officeDocument/2006/relationships" xmlns:p="http://schemas.openxmlformats.org/presentationml/2006/main" showMasterSp="0">
-  <p:cSld>
-    <p:bg>
-      <p:bgPr>
-        <a:solidFill>
-          <a:schemeClr val="tx2"/>
-        </a:solidFill>
-        <a:effectLst/>
-      </p:bgPr>
-    </p:bg>
-    <p:spTree>
-      <p:nvGrpSpPr>
-        <p:cNvPr id="1" name=""/>
-        <p:cNvGrpSpPr/>
-        <p:nvPr/>
-      </p:nvGrpSpPr>
-      <p:grpSpPr>
-        <a:xfrm>
-          <a:off x="0" y="0"/>
-          <a:ext cx="0" cy="0"/>
-          <a:chOff x="0" y="0"/>
-          <a:chExt cx="0" cy="0"/>
-        </a:xfrm>
-      </p:grpSpPr>
-      <p:pic>
-        <p:nvPicPr>
-          <p:cNvPr id="4" name="Shape 143" descr="logosis1.png"/>
-          <p:cNvPicPr preferRelativeResize="0"/>
-          <p:nvPr/>
-        </p:nvPicPr>
-        <p:blipFill>
-          <a:blip r:embed="rId2">
-            <a:alphaModFix/>
-          </a:blip>
-          <a:stretch>
-            <a:fillRect/>
-          </a:stretch>
-        </p:blipFill>
-        <p:spPr>
-          <a:xfrm>
-            <a:off x="7884368" y="4011910"/>
-            <a:ext cx="1259631" cy="1131590"/>
-          </a:xfrm>
-          <a:prstGeom prst="rect">
-            <a:avLst/>
-          </a:prstGeom>
-          <a:noFill/>
-          <a:ln>
-            <a:noFill/>
-          </a:ln>
-        </p:spPr>
-      </p:pic>
-      <p:sp>
-        <p:nvSpPr>
-          <p:cNvPr id="5" name="4 CuadroTexto"/>
-          <p:cNvSpPr txBox="1"/>
-          <p:nvPr/>
-        </p:nvSpPr>
-        <p:spPr>
-          <a:xfrm>
-            <a:off x="35496" y="125219"/>
-            <a:ext cx="8208912" cy="646331"/>
-          </a:xfrm>
-          <a:prstGeom prst="rect">
-            <a:avLst/>
-          </a:prstGeom>
-          <a:noFill/>
-        </p:spPr>
-        <p:txBody>
-          <a:bodyPr wrap="square" rtlCol="0">
-            <a:spAutoFit/>
-          </a:bodyPr>
-          <a:lstStyle/>
-          <a:p>
-            <a:r>
-              <a:rPr lang="es-CO" sz="3600" b="1" dirty="0">
-                <a:ln w="12700">
-                  <a:solidFill>
-                    <a:schemeClr val="tx2">
-                      <a:satMod val="155000"/>
-                    </a:schemeClr>
-                  </a:solidFill>
-                  <a:prstDash val="solid"/>
-                </a:ln>
-                <a:solidFill>
-                  <a:schemeClr val="tx1"/>
-                </a:solidFill>
-                <a:effectLst>
-                  <a:outerShdw blurRad="41275" dist="20320" dir="1800000" algn="tl" rotWithShape="0">
-                    <a:srgbClr val="000000">
-                      <a:alpha val="40000"/>
-                    </a:srgbClr>
-                  </a:outerShdw>
-                </a:effectLst>
-                <a:latin typeface="Rockwell" panose="02060603020205020403" pitchFamily="18" charset="0"/>
-              </a:rPr>
-              <a:t>Búsqueda Primero en Profundidad</a:t>
-            </a:r>
-          </a:p>
-        </p:txBody>
-      </p:sp>
-      <p:sp>
-        <p:nvSpPr>
-          <p:cNvPr id="7" name="6 CuadroTexto"/>
-          <p:cNvSpPr txBox="1"/>
-          <p:nvPr/>
-        </p:nvSpPr>
-        <p:spPr>
-          <a:xfrm>
-            <a:off x="35497" y="843558"/>
-            <a:ext cx="8640959" cy="461665"/>
-          </a:xfrm>
-          <a:prstGeom prst="rect">
-            <a:avLst/>
-          </a:prstGeom>
-          <a:noFill/>
-        </p:spPr>
-        <p:txBody>
-          <a:bodyPr wrap="square" rtlCol="0">
-            <a:spAutoFit/>
-          </a:bodyPr>
-          <a:lstStyle/>
-          <a:p>
-            <a:r>
-              <a:rPr lang="es-CO" sz="2400" dirty="0" err="1">
-                <a:solidFill>
-                  <a:schemeClr val="accent1">
-                    <a:lumMod val="50000"/>
-                  </a:schemeClr>
-                </a:solidFill>
-                <a:latin typeface="Gabriola" panose="04040605051002020D02" pitchFamily="82" charset="0"/>
-                <a:cs typeface="DaunPenh" panose="01010101010101010101" pitchFamily="2" charset="0"/>
-              </a:rPr>
-              <a:t>Breadth</a:t>
-            </a:r>
-            <a:r>
-              <a:rPr lang="es-CO" sz="2400" dirty="0">
-                <a:solidFill>
-                  <a:schemeClr val="accent1">
-                    <a:lumMod val="50000"/>
-                  </a:schemeClr>
-                </a:solidFill>
-                <a:latin typeface="Gabriola" panose="04040605051002020D02" pitchFamily="82" charset="0"/>
-                <a:cs typeface="DaunPenh" panose="01010101010101010101" pitchFamily="2" charset="0"/>
-              </a:rPr>
-              <a:t> </a:t>
-            </a:r>
-            <a:r>
-              <a:rPr lang="es-CO" sz="2400" dirty="0" err="1">
-                <a:solidFill>
-                  <a:schemeClr val="accent1">
-                    <a:lumMod val="50000"/>
-                  </a:schemeClr>
-                </a:solidFill>
-                <a:latin typeface="Gabriola" panose="04040605051002020D02" pitchFamily="82" charset="0"/>
-                <a:cs typeface="DaunPenh" panose="01010101010101010101" pitchFamily="2" charset="0"/>
-              </a:rPr>
-              <a:t>First</a:t>
-            </a:r>
-            <a:r>
-              <a:rPr lang="es-CO" sz="2400" dirty="0">
-                <a:solidFill>
-                  <a:schemeClr val="accent1">
-                    <a:lumMod val="50000"/>
-                  </a:schemeClr>
-                </a:solidFill>
-                <a:latin typeface="Gabriola" panose="04040605051002020D02" pitchFamily="82" charset="0"/>
-                <a:cs typeface="DaunPenh" panose="01010101010101010101" pitchFamily="2" charset="0"/>
-              </a:rPr>
-              <a:t> </a:t>
-            </a:r>
-            <a:r>
-              <a:rPr lang="es-CO" sz="2400" dirty="0" err="1">
-                <a:solidFill>
-                  <a:schemeClr val="accent1">
-                    <a:lumMod val="50000"/>
-                  </a:schemeClr>
-                </a:solidFill>
-                <a:latin typeface="Gabriola" panose="04040605051002020D02" pitchFamily="82" charset="0"/>
-                <a:cs typeface="DaunPenh" panose="01010101010101010101" pitchFamily="2" charset="0"/>
-              </a:rPr>
-              <a:t>Search</a:t>
-            </a:r>
-            <a:r>
-              <a:rPr lang="es-CO" sz="2400">
-                <a:solidFill>
-                  <a:schemeClr val="accent1">
-                    <a:lumMod val="50000"/>
-                  </a:schemeClr>
-                </a:solidFill>
-                <a:latin typeface="Gabriola" panose="04040605051002020D02" pitchFamily="82" charset="0"/>
-                <a:cs typeface="DaunPenh" panose="01010101010101010101" pitchFamily="2" charset="0"/>
-              </a:rPr>
-              <a:t>….</a:t>
-            </a:r>
-            <a:endParaRPr lang="es-CO" sz="2800" dirty="0">
-              <a:solidFill>
-                <a:srgbClr val="002060"/>
-              </a:solidFill>
-              <a:latin typeface="Gabriola" panose="04040605051002020D02" pitchFamily="82" charset="0"/>
-              <a:cs typeface="DaunPenh" panose="01010101010101010101" pitchFamily="2" charset="0"/>
-            </a:endParaRPr>
-          </a:p>
-        </p:txBody>
-      </p:sp>
-    </p:spTree>
-    <p:extLst>
-      <p:ext uri="{BB962C8B-B14F-4D97-AF65-F5344CB8AC3E}">
-        <p14:creationId xmlns:p14="http://schemas.microsoft.com/office/powerpoint/2010/main" val="1446796842"/>
-      </p:ext>
-    </p:extLst>
-  </p:cSld>
-  <p:clrMapOvr>
-    <a:masterClrMapping/>
-  </p:clrMapOvr>
-</p:sld>
-</file>
-
-<file path=ppt/slides/slide14.xml><?xml version="1.0" encoding="utf-8"?>
-<p:sld xmlns:a="http://schemas.openxmlformats.org/drawingml/2006/main" xmlns:r="http://schemas.openxmlformats.org/officeDocument/2006/relationships" xmlns:p="http://schemas.openxmlformats.org/presentationml/2006/main">
-  <p:cSld>
-    <p:spTree>
-      <p:nvGrpSpPr>
-        <p:cNvPr id="1" name=""/>
-        <p:cNvGrpSpPr/>
-        <p:nvPr/>
-      </p:nvGrpSpPr>
-      <p:grpSpPr>
-        <a:xfrm>
-          <a:off x="0" y="0"/>
-          <a:ext cx="0" cy="0"/>
-          <a:chOff x="0" y="0"/>
-          <a:chExt cx="0" cy="0"/>
-        </a:xfrm>
-      </p:grpSpPr>
-      <p:pic>
-        <p:nvPicPr>
-          <p:cNvPr id="4" name="Shape 143" descr="logosis1.png"/>
-          <p:cNvPicPr preferRelativeResize="0"/>
-          <p:nvPr/>
-        </p:nvPicPr>
-        <p:blipFill>
-          <a:blip r:embed="rId2">
-            <a:alphaModFix/>
-          </a:blip>
-          <a:stretch>
-            <a:fillRect/>
-          </a:stretch>
-        </p:blipFill>
-        <p:spPr>
-          <a:xfrm>
-            <a:off x="6901818" y="3657601"/>
-            <a:ext cx="2242181" cy="1485899"/>
-          </a:xfrm>
-          <a:prstGeom prst="rect">
-            <a:avLst/>
-          </a:prstGeom>
-          <a:noFill/>
-          <a:ln>
-            <a:noFill/>
-          </a:ln>
-        </p:spPr>
-      </p:pic>
-      <p:sp>
-        <p:nvSpPr>
-          <p:cNvPr id="5" name="4 CuadroTexto"/>
-          <p:cNvSpPr txBox="1"/>
-          <p:nvPr/>
-        </p:nvSpPr>
-        <p:spPr>
-          <a:xfrm>
-            <a:off x="107504" y="123478"/>
-            <a:ext cx="7035823" cy="646331"/>
-          </a:xfrm>
-          <a:prstGeom prst="rect">
-            <a:avLst/>
-          </a:prstGeom>
-          <a:noFill/>
-        </p:spPr>
-        <p:txBody>
-          <a:bodyPr wrap="square" rtlCol="0">
-            <a:spAutoFit/>
-          </a:bodyPr>
-          <a:lstStyle/>
-          <a:p>
-            <a:r>
-              <a:rPr lang="es-ES" sz="3600" b="1" dirty="0" err="1">
-                <a:ln w="12700">
-                  <a:solidFill>
-                    <a:schemeClr val="tx2">
-                      <a:satMod val="155000"/>
-                    </a:schemeClr>
-                  </a:solidFill>
-                  <a:prstDash val="solid"/>
-                </a:ln>
-                <a:solidFill>
-                  <a:schemeClr val="tx1"/>
-                </a:solidFill>
-                <a:effectLst>
-                  <a:outerShdw blurRad="41275" dist="20320" dir="1800000" algn="tl" rotWithShape="0">
-                    <a:srgbClr val="000000">
-                      <a:alpha val="40000"/>
-                    </a:srgbClr>
-                  </a:outerShdw>
-                </a:effectLst>
-                <a:latin typeface="Rockwell" panose="02060603020205020403" pitchFamily="18" charset="0"/>
-              </a:rPr>
-              <a:t>lslslslslsls</a:t>
-            </a:r>
-            <a:endParaRPr lang="es-CO" sz="1200" dirty="0">
-              <a:latin typeface="Rockwell" panose="02060603020205020403" pitchFamily="18" charset="0"/>
-            </a:endParaRPr>
-          </a:p>
-        </p:txBody>
-      </p:sp>
-      <p:sp>
-        <p:nvSpPr>
-          <p:cNvPr id="7" name="6 CuadroTexto"/>
-          <p:cNvSpPr txBox="1"/>
-          <p:nvPr/>
-        </p:nvSpPr>
-        <p:spPr>
-          <a:xfrm>
-            <a:off x="215515" y="843558"/>
-            <a:ext cx="8100901" cy="523220"/>
-          </a:xfrm>
-          <a:prstGeom prst="rect">
-            <a:avLst/>
-          </a:prstGeom>
-          <a:noFill/>
-        </p:spPr>
-        <p:txBody>
-          <a:bodyPr wrap="square" rtlCol="0">
-            <a:spAutoFit/>
-          </a:bodyPr>
-          <a:lstStyle/>
-          <a:p>
-            <a:r>
-              <a:rPr lang="es-CO" sz="2800" b="1" dirty="0">
-                <a:solidFill>
-                  <a:srgbClr val="002060"/>
-                </a:solidFill>
-                <a:latin typeface="Gabriola" panose="04040605051002020D02" pitchFamily="82" charset="0"/>
-                <a:cs typeface="DaunPenh" panose="01010101010101010101" pitchFamily="2" charset="0"/>
-              </a:rPr>
-              <a:t>S </a:t>
-            </a:r>
-          </a:p>
-        </p:txBody>
-      </p:sp>
-    </p:spTree>
-    <p:extLst>
-      <p:ext uri="{BB962C8B-B14F-4D97-AF65-F5344CB8AC3E}">
-        <p14:creationId xmlns:p14="http://schemas.microsoft.com/office/powerpoint/2010/main" val="2683248546"/>
-      </p:ext>
-    </p:extLst>
-  </p:cSld>
-  <p:clrMapOvr>
-    <a:masterClrMapping/>
-  </p:clrMapOvr>
-</p:sld>
-</file>
-
-<file path=ppt/slides/slide2.xml><?xml version="1.0" encoding="utf-8"?>
+<file path=ppt/slides/slide4.xml><?xml version="1.0" encoding="utf-8"?>
 <p:sld xmlns:a="http://schemas.openxmlformats.org/drawingml/2006/main" xmlns:r="http://schemas.openxmlformats.org/officeDocument/2006/relationships" xmlns:p="http://schemas.openxmlformats.org/presentationml/2006/main">
   <p:cSld>
     <p:spTree>
@@ -18527,7 +20627,7 @@
 </p:sld>
 </file>
 
-<file path=ppt/slides/slide3.xml><?xml version="1.0" encoding="utf-8"?>
+<file path=ppt/slides/slide5.xml><?xml version="1.0" encoding="utf-8"?>
 <p:sld xmlns:a="http://schemas.openxmlformats.org/drawingml/2006/main" xmlns:r="http://schemas.openxmlformats.org/officeDocument/2006/relationships" xmlns:p="http://schemas.openxmlformats.org/presentationml/2006/main">
   <p:cSld>
     <p:spTree>
@@ -18746,7 +20846,7 @@
 </p:sld>
 </file>
 
-<file path=ppt/slides/slide4.xml><?xml version="1.0" encoding="utf-8"?>
+<file path=ppt/slides/slide6.xml><?xml version="1.0" encoding="utf-8"?>
 <p:sld xmlns:a="http://schemas.openxmlformats.org/drawingml/2006/main" xmlns:r="http://schemas.openxmlformats.org/officeDocument/2006/relationships" xmlns:p="http://schemas.openxmlformats.org/presentationml/2006/main">
   <p:cSld>
     <p:spTree>
@@ -18995,7 +21095,7 @@
 </p:sld>
 </file>
 
-<file path=ppt/slides/slide5.xml><?xml version="1.0" encoding="utf-8"?>
+<file path=ppt/slides/slide7.xml><?xml version="1.0" encoding="utf-8"?>
 <p:sld xmlns:a="http://schemas.openxmlformats.org/drawingml/2006/main" xmlns:r="http://schemas.openxmlformats.org/officeDocument/2006/relationships" xmlns:p="http://schemas.openxmlformats.org/presentationml/2006/main">
   <p:cSld>
     <p:spTree>
@@ -19317,7 +21417,7 @@
 </p:sld>
 </file>
 
-<file path=ppt/slides/slide6.xml><?xml version="1.0" encoding="utf-8"?>
+<file path=ppt/slides/slide8.xml><?xml version="1.0" encoding="utf-8"?>
 <p:sld xmlns:a="http://schemas.openxmlformats.org/drawingml/2006/main" xmlns:r="http://schemas.openxmlformats.org/officeDocument/2006/relationships" xmlns:p="http://schemas.openxmlformats.org/presentationml/2006/main">
   <p:cSld>
     <p:spTree>
@@ -19570,7 +21670,7 @@
 </p:sld>
 </file>
 
-<file path=ppt/slides/slide7.xml><?xml version="1.0" encoding="utf-8"?>
+<file path=ppt/slides/slide9.xml><?xml version="1.0" encoding="utf-8"?>
 <p:sld xmlns:a="http://schemas.openxmlformats.org/drawingml/2006/main" xmlns:r="http://schemas.openxmlformats.org/officeDocument/2006/relationships" xmlns:p="http://schemas.openxmlformats.org/presentationml/2006/main">
   <p:cSld>
     <p:spTree>
@@ -19800,437 +21900,6 @@
     <p:extLst>
       <p:ext uri="{BB962C8B-B14F-4D97-AF65-F5344CB8AC3E}">
         <p14:creationId xmlns:p14="http://schemas.microsoft.com/office/powerpoint/2010/main" val="368407900"/>
-      </p:ext>
-    </p:extLst>
-  </p:cSld>
-  <p:clrMapOvr>
-    <a:masterClrMapping/>
-  </p:clrMapOvr>
-</p:sld>
-</file>
-
-<file path=ppt/slides/slide8.xml><?xml version="1.0" encoding="utf-8"?>
-<p:sld xmlns:a="http://schemas.openxmlformats.org/drawingml/2006/main" xmlns:r="http://schemas.openxmlformats.org/officeDocument/2006/relationships" xmlns:p="http://schemas.openxmlformats.org/presentationml/2006/main">
-  <p:cSld>
-    <p:spTree>
-      <p:nvGrpSpPr>
-        <p:cNvPr id="1" name=""/>
-        <p:cNvGrpSpPr/>
-        <p:nvPr/>
-      </p:nvGrpSpPr>
-      <p:grpSpPr>
-        <a:xfrm>
-          <a:off x="0" y="0"/>
-          <a:ext cx="0" cy="0"/>
-          <a:chOff x="0" y="0"/>
-          <a:chExt cx="0" cy="0"/>
-        </a:xfrm>
-      </p:grpSpPr>
-      <p:pic>
-        <p:nvPicPr>
-          <p:cNvPr id="4" name="Shape 143" descr="logosis1.png"/>
-          <p:cNvPicPr preferRelativeResize="0"/>
-          <p:nvPr/>
-        </p:nvPicPr>
-        <p:blipFill>
-          <a:blip r:embed="rId2">
-            <a:alphaModFix/>
-          </a:blip>
-          <a:stretch>
-            <a:fillRect/>
-          </a:stretch>
-        </p:blipFill>
-        <p:spPr>
-          <a:xfrm>
-            <a:off x="7308304" y="3723878"/>
-            <a:ext cx="1869442" cy="1406118"/>
-          </a:xfrm>
-          <a:prstGeom prst="rect">
-            <a:avLst/>
-          </a:prstGeom>
-          <a:noFill/>
-          <a:ln>
-            <a:noFill/>
-          </a:ln>
-        </p:spPr>
-      </p:pic>
-      <p:sp>
-        <p:nvSpPr>
-          <p:cNvPr id="5" name="4 CuadroTexto"/>
-          <p:cNvSpPr txBox="1"/>
-          <p:nvPr/>
-        </p:nvSpPr>
-        <p:spPr>
-          <a:xfrm>
-            <a:off x="107504" y="51470"/>
-            <a:ext cx="7035823" cy="646331"/>
-          </a:xfrm>
-          <a:prstGeom prst="rect">
-            <a:avLst/>
-          </a:prstGeom>
-          <a:noFill/>
-        </p:spPr>
-        <p:txBody>
-          <a:bodyPr wrap="square" rtlCol="0">
-            <a:spAutoFit/>
-          </a:bodyPr>
-          <a:lstStyle/>
-          <a:p>
-            <a:r>
-              <a:rPr lang="es-ES" sz="3600" b="1" dirty="0">
-                <a:ln w="12700">
-                  <a:solidFill>
-                    <a:schemeClr val="tx2">
-                      <a:satMod val="155000"/>
-                    </a:schemeClr>
-                  </a:solidFill>
-                  <a:prstDash val="solid"/>
-                </a:ln>
-                <a:solidFill>
-                  <a:schemeClr val="tx1"/>
-                </a:solidFill>
-                <a:effectLst>
-                  <a:outerShdw blurRad="41275" dist="20320" dir="1800000" algn="tl" rotWithShape="0">
-                    <a:srgbClr val="000000">
-                      <a:alpha val="40000"/>
-                    </a:srgbClr>
-                  </a:outerShdw>
-                </a:effectLst>
-                <a:latin typeface="Rockwell" panose="02060603020205020403" pitchFamily="18" charset="0"/>
-              </a:rPr>
-              <a:t>Matriz de Adyacencia</a:t>
-            </a:r>
-            <a:endParaRPr lang="es-CO" sz="1200" dirty="0">
-              <a:latin typeface="Rockwell" panose="02060603020205020403" pitchFamily="18" charset="0"/>
-            </a:endParaRPr>
-          </a:p>
-        </p:txBody>
-      </p:sp>
-      <p:sp>
-        <p:nvSpPr>
-          <p:cNvPr id="6" name="6 CuadroTexto"/>
-          <p:cNvSpPr txBox="1"/>
-          <p:nvPr/>
-        </p:nvSpPr>
-        <p:spPr>
-          <a:xfrm>
-            <a:off x="107504" y="683860"/>
-            <a:ext cx="8100901" cy="1815882"/>
-          </a:xfrm>
-          <a:prstGeom prst="rect">
-            <a:avLst/>
-          </a:prstGeom>
-          <a:noFill/>
-        </p:spPr>
-        <p:txBody>
-          <a:bodyPr wrap="square" rtlCol="0">
-            <a:spAutoFit/>
-          </a:bodyPr>
-          <a:lstStyle/>
-          <a:p>
-            <a:r>
-              <a:rPr lang="es-CO" sz="2800" b="1" dirty="0">
-                <a:solidFill>
-                  <a:srgbClr val="002060"/>
-                </a:solidFill>
-                <a:latin typeface="Gabriola" panose="04040605051002020D02" pitchFamily="82" charset="0"/>
-                <a:cs typeface="DaunPenh" panose="01010101010101010101" pitchFamily="2" charset="0"/>
-              </a:rPr>
-              <a:t>Es una matriz cuadrada que se utiliza para representar relaciones binarias. Para un grafo G se asocia cada fila y cada columna a cada nodo del grafo, siendo los elementos de la matriz la relación entre los mismos, tomando los valores de</a:t>
-            </a:r>
-            <a:r>
-              <a:rPr lang="es-CO" sz="2800" b="1" dirty="0">
-                <a:solidFill>
-                  <a:srgbClr val="002060"/>
-                </a:solidFill>
-                <a:latin typeface="Rockwell" panose="02060603020205020403" pitchFamily="18" charset="0"/>
-                <a:cs typeface="DaunPenh" panose="01010101010101010101" pitchFamily="2" charset="0"/>
-              </a:rPr>
-              <a:t> 1 </a:t>
-            </a:r>
-            <a:r>
-              <a:rPr lang="es-CO" sz="2800" b="1" dirty="0">
-                <a:solidFill>
-                  <a:srgbClr val="002060"/>
-                </a:solidFill>
-                <a:latin typeface="Gabriola" panose="04040605051002020D02" pitchFamily="82" charset="0"/>
-                <a:cs typeface="DaunPenh" panose="01010101010101010101" pitchFamily="2" charset="0"/>
-              </a:rPr>
-              <a:t>si existe la arista y</a:t>
-            </a:r>
-            <a:r>
-              <a:rPr lang="es-CO" sz="2800" b="1" dirty="0">
-                <a:solidFill>
-                  <a:srgbClr val="002060"/>
-                </a:solidFill>
-                <a:latin typeface="Rockwell" panose="02060603020205020403" pitchFamily="18" charset="0"/>
-                <a:cs typeface="DaunPenh" panose="01010101010101010101" pitchFamily="2" charset="0"/>
-              </a:rPr>
-              <a:t> 0 </a:t>
-            </a:r>
-            <a:r>
-              <a:rPr lang="es-CO" sz="2800" b="1" dirty="0">
-                <a:solidFill>
-                  <a:srgbClr val="002060"/>
-                </a:solidFill>
-                <a:latin typeface="Gabriola" panose="04040605051002020D02" pitchFamily="82" charset="0"/>
-                <a:cs typeface="DaunPenh" panose="01010101010101010101" pitchFamily="2" charset="0"/>
-              </a:rPr>
-              <a:t>en caso contrario.</a:t>
-            </a:r>
-          </a:p>
-        </p:txBody>
-      </p:sp>
-      <p:pic>
-        <p:nvPicPr>
-          <p:cNvPr id="9" name="Imagen 8"/>
-          <p:cNvPicPr>
-            <a:picLocks noChangeAspect="1"/>
-          </p:cNvPicPr>
-          <p:nvPr/>
-        </p:nvPicPr>
-        <p:blipFill>
-          <a:blip r:embed="rId3"/>
-          <a:stretch>
-            <a:fillRect/>
-          </a:stretch>
-        </p:blipFill>
-        <p:spPr>
-          <a:xfrm>
-            <a:off x="539552" y="2643758"/>
-            <a:ext cx="5544616" cy="2355955"/>
-          </a:xfrm>
-          <a:prstGeom prst="rect">
-            <a:avLst/>
-          </a:prstGeom>
-        </p:spPr>
-      </p:pic>
-    </p:spTree>
-    <p:extLst>
-      <p:ext uri="{BB962C8B-B14F-4D97-AF65-F5344CB8AC3E}">
-        <p14:creationId xmlns:p14="http://schemas.microsoft.com/office/powerpoint/2010/main" val="3686365929"/>
-      </p:ext>
-    </p:extLst>
-  </p:cSld>
-  <p:clrMapOvr>
-    <a:masterClrMapping/>
-  </p:clrMapOvr>
-</p:sld>
-</file>
-
-<file path=ppt/slides/slide9.xml><?xml version="1.0" encoding="utf-8"?>
-<p:sld xmlns:a="http://schemas.openxmlformats.org/drawingml/2006/main" xmlns:r="http://schemas.openxmlformats.org/officeDocument/2006/relationships" xmlns:p="http://schemas.openxmlformats.org/presentationml/2006/main">
-  <p:cSld>
-    <p:bg>
-      <p:bgPr>
-        <a:solidFill>
-          <a:schemeClr val="bg1"/>
-        </a:solidFill>
-        <a:effectLst/>
-      </p:bgPr>
-    </p:bg>
-    <p:spTree>
-      <p:nvGrpSpPr>
-        <p:cNvPr id="1" name=""/>
-        <p:cNvGrpSpPr/>
-        <p:nvPr/>
-      </p:nvGrpSpPr>
-      <p:grpSpPr>
-        <a:xfrm>
-          <a:off x="0" y="0"/>
-          <a:ext cx="0" cy="0"/>
-          <a:chOff x="0" y="0"/>
-          <a:chExt cx="0" cy="0"/>
-        </a:xfrm>
-      </p:grpSpPr>
-      <p:pic>
-        <p:nvPicPr>
-          <p:cNvPr id="4" name="Shape 143" descr="logosis1.png"/>
-          <p:cNvPicPr preferRelativeResize="0"/>
-          <p:nvPr/>
-        </p:nvPicPr>
-        <p:blipFill>
-          <a:blip r:embed="rId2">
-            <a:alphaModFix/>
-          </a:blip>
-          <a:stretch>
-            <a:fillRect/>
-          </a:stretch>
-        </p:blipFill>
-        <p:spPr>
-          <a:xfrm>
-            <a:off x="7249711" y="3723878"/>
-            <a:ext cx="1894288" cy="1419622"/>
-          </a:xfrm>
-          <a:prstGeom prst="rect">
-            <a:avLst/>
-          </a:prstGeom>
-          <a:noFill/>
-          <a:ln>
-            <a:noFill/>
-          </a:ln>
-        </p:spPr>
-      </p:pic>
-      <p:sp>
-        <p:nvSpPr>
-          <p:cNvPr id="5" name="4 CuadroTexto"/>
-          <p:cNvSpPr txBox="1"/>
-          <p:nvPr/>
-        </p:nvSpPr>
-        <p:spPr>
-          <a:xfrm>
-            <a:off x="213888" y="123478"/>
-            <a:ext cx="7035823" cy="646331"/>
-          </a:xfrm>
-          <a:prstGeom prst="rect">
-            <a:avLst/>
-          </a:prstGeom>
-          <a:noFill/>
-        </p:spPr>
-        <p:txBody>
-          <a:bodyPr wrap="square" rtlCol="0">
-            <a:spAutoFit/>
-          </a:bodyPr>
-          <a:lstStyle/>
-          <a:p>
-            <a:r>
-              <a:rPr lang="es-ES" sz="3600" b="1" dirty="0">
-                <a:ln w="12700">
-                  <a:solidFill>
-                    <a:schemeClr val="tx2">
-                      <a:satMod val="155000"/>
-                    </a:schemeClr>
-                  </a:solidFill>
-                  <a:prstDash val="solid"/>
-                </a:ln>
-                <a:solidFill>
-                  <a:schemeClr val="tx1"/>
-                </a:solidFill>
-                <a:effectLst>
-                  <a:outerShdw blurRad="41275" dist="20320" dir="1800000" algn="tl" rotWithShape="0">
-                    <a:srgbClr val="000000">
-                      <a:alpha val="40000"/>
-                    </a:srgbClr>
-                  </a:outerShdw>
-                </a:effectLst>
-                <a:latin typeface="Rockwell" panose="02060603020205020403" pitchFamily="18" charset="0"/>
-              </a:rPr>
-              <a:t>Lista de Adyacencia</a:t>
-            </a:r>
-            <a:endParaRPr lang="es-CO" sz="1200" dirty="0">
-              <a:latin typeface="Rockwell" panose="02060603020205020403" pitchFamily="18" charset="0"/>
-            </a:endParaRPr>
-          </a:p>
-        </p:txBody>
-      </p:sp>
-      <p:sp>
-        <p:nvSpPr>
-          <p:cNvPr id="7" name="6 CuadroTexto"/>
-          <p:cNvSpPr txBox="1"/>
-          <p:nvPr/>
-        </p:nvSpPr>
-        <p:spPr>
-          <a:xfrm>
-            <a:off x="141880" y="827876"/>
-            <a:ext cx="7382448" cy="1815882"/>
-          </a:xfrm>
-          <a:prstGeom prst="rect">
-            <a:avLst/>
-          </a:prstGeom>
-          <a:noFill/>
-        </p:spPr>
-        <p:txBody>
-          <a:bodyPr wrap="square" rtlCol="0">
-            <a:spAutoFit/>
-          </a:bodyPr>
-          <a:lstStyle/>
-          <a:p>
-            <a:r>
-              <a:rPr lang="es-CO" sz="2800" b="1" dirty="0">
-                <a:solidFill>
-                  <a:srgbClr val="002060"/>
-                </a:solidFill>
-                <a:latin typeface="Gabriola" panose="04040605051002020D02" pitchFamily="82" charset="0"/>
-                <a:cs typeface="DaunPenh" panose="01010101010101010101" pitchFamily="2" charset="0"/>
-              </a:rPr>
-              <a:t>Una </a:t>
-            </a:r>
-            <a:r>
-              <a:rPr lang="es-CO" sz="2800" b="1" dirty="0">
-                <a:solidFill>
-                  <a:schemeClr val="accent1">
-                    <a:lumMod val="50000"/>
-                  </a:schemeClr>
-                </a:solidFill>
-                <a:latin typeface="Gabriola" panose="04040605051002020D02" pitchFamily="82" charset="0"/>
-                <a:cs typeface="DaunPenh" panose="01010101010101010101" pitchFamily="2" charset="0"/>
-              </a:rPr>
-              <a:t>lista de adyacencia</a:t>
-            </a:r>
-            <a:r>
-              <a:rPr lang="es-CO" sz="2800" b="1" dirty="0">
-                <a:solidFill>
-                  <a:srgbClr val="002060"/>
-                </a:solidFill>
-                <a:latin typeface="Gabriola" panose="04040605051002020D02" pitchFamily="82" charset="0"/>
-                <a:cs typeface="DaunPenh" panose="01010101010101010101" pitchFamily="2" charset="0"/>
-              </a:rPr>
-              <a:t> es una representación de todas las aristas de un grafo mediante una lista.</a:t>
-            </a:r>
-            <a:r>
-              <a:rPr lang="es-CO" dirty="0"/>
-              <a:t> </a:t>
-            </a:r>
-            <a:r>
-              <a:rPr lang="es-CO" sz="2800" b="1" dirty="0">
-                <a:solidFill>
-                  <a:srgbClr val="002060"/>
-                </a:solidFill>
-                <a:latin typeface="Gabriola" panose="04040605051002020D02" pitchFamily="82" charset="0"/>
-                <a:cs typeface="DaunPenh" panose="01010101010101010101" pitchFamily="2" charset="0"/>
-              </a:rPr>
-              <a:t>Se asocia a cada nodo del grafo una lista que contenga todos aquellos nodos que sean adyacentes a él.</a:t>
-            </a:r>
-          </a:p>
-          <a:p>
-            <a:endParaRPr lang="es-CO" sz="2800" b="1" dirty="0">
-              <a:solidFill>
-                <a:srgbClr val="002060"/>
-              </a:solidFill>
-              <a:latin typeface="Gabriola" panose="04040605051002020D02" pitchFamily="82" charset="0"/>
-              <a:cs typeface="DaunPenh" panose="01010101010101010101" pitchFamily="2" charset="0"/>
-            </a:endParaRPr>
-          </a:p>
-        </p:txBody>
-      </p:sp>
-      <p:pic>
-        <p:nvPicPr>
-          <p:cNvPr id="8" name="Imagen 7"/>
-          <p:cNvPicPr>
-            <a:picLocks noChangeAspect="1"/>
-          </p:cNvPicPr>
-          <p:nvPr/>
-        </p:nvPicPr>
-        <p:blipFill>
-          <a:blip r:embed="rId3"/>
-          <a:stretch>
-            <a:fillRect/>
-          </a:stretch>
-        </p:blipFill>
-        <p:spPr>
-          <a:xfrm>
-            <a:off x="305338" y="2569717"/>
-            <a:ext cx="6498910" cy="2162273"/>
-          </a:xfrm>
-          <a:prstGeom prst="rect">
-            <a:avLst/>
-          </a:prstGeom>
-        </p:spPr>
-      </p:pic>
-    </p:spTree>
-    <p:extLst>
-      <p:ext uri="{BB962C8B-B14F-4D97-AF65-F5344CB8AC3E}">
-        <p14:creationId xmlns:p14="http://schemas.microsoft.com/office/powerpoint/2010/main" val="1526532328"/>
       </p:ext>
     </p:extLst>
   </p:cSld>

--- a/PRESENTACIÓN TALLER GRAFOS.pptx
+++ b/PRESENTACIÓN TALLER GRAFOS.pptx
@@ -5,28 +5,31 @@
     <p:sldMasterId id="2147483664" r:id="rId1"/>
   </p:sldMasterIdLst>
   <p:notesMasterIdLst>
-    <p:notesMasterId r:id="rId21"/>
+    <p:notesMasterId r:id="rId24"/>
   </p:notesMasterIdLst>
   <p:sldIdLst>
     <p:sldId id="258" r:id="rId2"/>
     <p:sldId id="276" r:id="rId3"/>
-    <p:sldId id="275" r:id="rId4"/>
-    <p:sldId id="257" r:id="rId5"/>
-    <p:sldId id="262" r:id="rId6"/>
-    <p:sldId id="259" r:id="rId7"/>
-    <p:sldId id="261" r:id="rId8"/>
-    <p:sldId id="263" r:id="rId9"/>
-    <p:sldId id="265" r:id="rId10"/>
-    <p:sldId id="264" r:id="rId11"/>
-    <p:sldId id="267" r:id="rId12"/>
-    <p:sldId id="266" r:id="rId13"/>
-    <p:sldId id="268" r:id="rId14"/>
-    <p:sldId id="271" r:id="rId15"/>
-    <p:sldId id="272" r:id="rId16"/>
-    <p:sldId id="269" r:id="rId17"/>
-    <p:sldId id="270" r:id="rId18"/>
-    <p:sldId id="273" r:id="rId19"/>
-    <p:sldId id="274" r:id="rId20"/>
+    <p:sldId id="277" r:id="rId4"/>
+    <p:sldId id="278" r:id="rId5"/>
+    <p:sldId id="279" r:id="rId6"/>
+    <p:sldId id="275" r:id="rId7"/>
+    <p:sldId id="257" r:id="rId8"/>
+    <p:sldId id="262" r:id="rId9"/>
+    <p:sldId id="259" r:id="rId10"/>
+    <p:sldId id="261" r:id="rId11"/>
+    <p:sldId id="263" r:id="rId12"/>
+    <p:sldId id="265" r:id="rId13"/>
+    <p:sldId id="264" r:id="rId14"/>
+    <p:sldId id="267" r:id="rId15"/>
+    <p:sldId id="266" r:id="rId16"/>
+    <p:sldId id="268" r:id="rId17"/>
+    <p:sldId id="271" r:id="rId18"/>
+    <p:sldId id="272" r:id="rId19"/>
+    <p:sldId id="269" r:id="rId20"/>
+    <p:sldId id="270" r:id="rId21"/>
+    <p:sldId id="273" r:id="rId22"/>
+    <p:sldId id="274" r:id="rId23"/>
   </p:sldIdLst>
   <p:sldSz cx="9144000" cy="5143500" type="screen16x9"/>
   <p:notesSz cx="6858000" cy="9144000"/>
@@ -17463,6 +17466,820 @@
         </p:blipFill>
         <p:spPr>
           <a:xfrm>
+            <a:off x="6901818" y="3657601"/>
+            <a:ext cx="2242181" cy="1485899"/>
+          </a:xfrm>
+          <a:prstGeom prst="rect">
+            <a:avLst/>
+          </a:prstGeom>
+          <a:noFill/>
+          <a:ln>
+            <a:noFill/>
+          </a:ln>
+        </p:spPr>
+      </p:pic>
+      <p:sp>
+        <p:nvSpPr>
+          <p:cNvPr id="7" name="6 CuadroTexto"/>
+          <p:cNvSpPr txBox="1"/>
+          <p:nvPr/>
+        </p:nvSpPr>
+        <p:spPr>
+          <a:xfrm>
+            <a:off x="107504" y="172344"/>
+            <a:ext cx="8712968" cy="707886"/>
+          </a:xfrm>
+          <a:prstGeom prst="rect">
+            <a:avLst/>
+          </a:prstGeom>
+          <a:noFill/>
+        </p:spPr>
+        <p:txBody>
+          <a:bodyPr wrap="square" rtlCol="0">
+            <a:spAutoFit/>
+          </a:bodyPr>
+          <a:lstStyle/>
+          <a:p>
+            <a:r>
+              <a:rPr lang="es-ES" sz="4000" b="1" dirty="0">
+                <a:ln w="12700">
+                  <a:solidFill>
+                    <a:schemeClr val="tx2">
+                      <a:satMod val="155000"/>
+                    </a:schemeClr>
+                  </a:solidFill>
+                  <a:prstDash val="solid"/>
+                </a:ln>
+                <a:solidFill>
+                  <a:schemeClr val="tx1"/>
+                </a:solidFill>
+                <a:effectLst>
+                  <a:outerShdw blurRad="41275" dist="20320" dir="1800000" algn="tl" rotWithShape="0">
+                    <a:srgbClr val="000000">
+                      <a:alpha val="40000"/>
+                    </a:srgbClr>
+                  </a:outerShdw>
+                </a:effectLst>
+                <a:latin typeface="Rockwell" panose="02060603020205020403" pitchFamily="18" charset="0"/>
+              </a:rPr>
+              <a:t>Grafos Dirigidos</a:t>
+            </a:r>
+            <a:endParaRPr lang="es-CO" sz="4000" b="1" dirty="0">
+              <a:ln w="12700">
+                <a:solidFill>
+                  <a:schemeClr val="tx2">
+                    <a:satMod val="155000"/>
+                  </a:schemeClr>
+                </a:solidFill>
+                <a:prstDash val="solid"/>
+              </a:ln>
+              <a:solidFill>
+                <a:schemeClr val="tx1"/>
+              </a:solidFill>
+              <a:effectLst>
+                <a:outerShdw blurRad="41275" dist="20320" dir="1800000" algn="tl" rotWithShape="0">
+                  <a:srgbClr val="000000">
+                    <a:alpha val="40000"/>
+                  </a:srgbClr>
+                </a:outerShdw>
+              </a:effectLst>
+              <a:latin typeface="Rockwell" panose="02060603020205020403" pitchFamily="18" charset="0"/>
+            </a:endParaRPr>
+          </a:p>
+        </p:txBody>
+      </p:sp>
+      <p:sp>
+        <p:nvSpPr>
+          <p:cNvPr id="8" name="7 CuadroTexto"/>
+          <p:cNvSpPr txBox="1"/>
+          <p:nvPr/>
+        </p:nvSpPr>
+        <p:spPr>
+          <a:xfrm>
+            <a:off x="251520" y="887189"/>
+            <a:ext cx="6840760" cy="1384995"/>
+          </a:xfrm>
+          <a:prstGeom prst="rect">
+            <a:avLst/>
+          </a:prstGeom>
+          <a:noFill/>
+        </p:spPr>
+        <p:txBody>
+          <a:bodyPr wrap="square" rtlCol="0">
+            <a:spAutoFit/>
+          </a:bodyPr>
+          <a:lstStyle/>
+          <a:p>
+            <a:r>
+              <a:rPr lang="es-CO" sz="2800" b="1" dirty="0">
+                <a:solidFill>
+                  <a:srgbClr val="002060"/>
+                </a:solidFill>
+                <a:latin typeface="Gabriola" panose="04040605051002020D02" pitchFamily="82" charset="0"/>
+                <a:cs typeface="DaunPenh" panose="01010101010101010101" pitchFamily="2" charset="0"/>
+              </a:rPr>
+              <a:t>Los </a:t>
+            </a:r>
+            <a:r>
+              <a:rPr lang="es-CO" sz="2800" b="1" dirty="0">
+                <a:solidFill>
+                  <a:srgbClr val="0070C0"/>
+                </a:solidFill>
+                <a:latin typeface="Gabriola" panose="04040605051002020D02" pitchFamily="82" charset="0"/>
+                <a:cs typeface="DaunPenh" panose="01010101010101010101" pitchFamily="2" charset="0"/>
+              </a:rPr>
+              <a:t>grafos dirigidos </a:t>
+            </a:r>
+            <a:r>
+              <a:rPr lang="es-CO" sz="2800" b="1" dirty="0">
+                <a:solidFill>
+                  <a:srgbClr val="002060"/>
+                </a:solidFill>
+                <a:latin typeface="Gabriola" panose="04040605051002020D02" pitchFamily="82" charset="0"/>
+                <a:cs typeface="DaunPenh" panose="01010101010101010101" pitchFamily="2" charset="0"/>
+              </a:rPr>
+              <a:t>son los grafos en los que las </a:t>
+            </a:r>
+            <a:r>
+              <a:rPr lang="es-CO" sz="2800" b="1" dirty="0">
+                <a:solidFill>
+                  <a:srgbClr val="0070C0"/>
+                </a:solidFill>
+                <a:latin typeface="Gabriola" panose="04040605051002020D02" pitchFamily="82" charset="0"/>
+                <a:cs typeface="DaunPenh" panose="01010101010101010101" pitchFamily="2" charset="0"/>
+              </a:rPr>
+              <a:t>aristas</a:t>
+            </a:r>
+            <a:r>
+              <a:rPr lang="es-CO" sz="2800" b="1" dirty="0">
+                <a:solidFill>
+                  <a:srgbClr val="002060"/>
+                </a:solidFill>
+                <a:latin typeface="Gabriola" panose="04040605051002020D02" pitchFamily="82" charset="0"/>
+                <a:cs typeface="DaunPenh" panose="01010101010101010101" pitchFamily="2" charset="0"/>
+              </a:rPr>
+              <a:t> tienen una dirección definida; por ejemplo, se puede dar el caso de poder ir </a:t>
+            </a:r>
+            <a:r>
+              <a:rPr lang="es-CO" sz="2800" b="1" dirty="0">
+                <a:solidFill>
+                  <a:srgbClr val="0070C0"/>
+                </a:solidFill>
+                <a:latin typeface="Gabriola" panose="04040605051002020D02" pitchFamily="82" charset="0"/>
+                <a:cs typeface="DaunPenh" panose="01010101010101010101" pitchFamily="2" charset="0"/>
+              </a:rPr>
+              <a:t>del nodo A al nodo B</a:t>
+            </a:r>
+            <a:r>
+              <a:rPr lang="es-CO" sz="2800" b="1" dirty="0">
+                <a:solidFill>
+                  <a:srgbClr val="002060"/>
+                </a:solidFill>
+                <a:latin typeface="Gabriola" panose="04040605051002020D02" pitchFamily="82" charset="0"/>
+                <a:cs typeface="DaunPenh" panose="01010101010101010101" pitchFamily="2" charset="0"/>
+              </a:rPr>
+              <a:t>, pero </a:t>
+            </a:r>
+            <a:r>
+              <a:rPr lang="es-CO" sz="2800" b="1" dirty="0">
+                <a:solidFill>
+                  <a:srgbClr val="0070C0"/>
+                </a:solidFill>
+                <a:latin typeface="Gabriola" panose="04040605051002020D02" pitchFamily="82" charset="0"/>
+                <a:cs typeface="DaunPenh" panose="01010101010101010101" pitchFamily="2" charset="0"/>
+              </a:rPr>
+              <a:t>no</a:t>
+            </a:r>
+            <a:r>
+              <a:rPr lang="es-CO" sz="2800" b="1" dirty="0">
+                <a:solidFill>
+                  <a:srgbClr val="002060"/>
+                </a:solidFill>
+                <a:latin typeface="Gabriola" panose="04040605051002020D02" pitchFamily="82" charset="0"/>
+                <a:cs typeface="DaunPenh" panose="01010101010101010101" pitchFamily="2" charset="0"/>
+              </a:rPr>
+              <a:t> al revés.</a:t>
+            </a:r>
+          </a:p>
+        </p:txBody>
+      </p:sp>
+      <p:pic>
+        <p:nvPicPr>
+          <p:cNvPr id="10" name="9 Imagen"/>
+          <p:cNvPicPr>
+            <a:picLocks noChangeAspect="1"/>
+          </p:cNvPicPr>
+          <p:nvPr/>
+        </p:nvPicPr>
+        <p:blipFill>
+          <a:blip r:embed="rId3">
+            <a:extLst>
+              <a:ext uri="{28A0092B-C50C-407E-A947-70E740481C1C}">
+                <a14:useLocalDpi xmlns:a14="http://schemas.microsoft.com/office/drawing/2010/main" val="0"/>
+              </a:ext>
+            </a:extLst>
+          </a:blip>
+          <a:stretch>
+            <a:fillRect/>
+          </a:stretch>
+        </p:blipFill>
+        <p:spPr>
+          <a:xfrm>
+            <a:off x="539552" y="2314528"/>
+            <a:ext cx="2088232" cy="2686146"/>
+          </a:xfrm>
+          <a:prstGeom prst="rect">
+            <a:avLst/>
+          </a:prstGeom>
+        </p:spPr>
+      </p:pic>
+      <p:sp>
+        <p:nvSpPr>
+          <p:cNvPr id="11" name="10 CuadroTexto"/>
+          <p:cNvSpPr txBox="1"/>
+          <p:nvPr/>
+        </p:nvSpPr>
+        <p:spPr>
+          <a:xfrm>
+            <a:off x="2977343" y="2859782"/>
+            <a:ext cx="4114937" cy="923330"/>
+          </a:xfrm>
+          <a:prstGeom prst="rect">
+            <a:avLst/>
+          </a:prstGeom>
+          <a:noFill/>
+        </p:spPr>
+        <p:txBody>
+          <a:bodyPr wrap="square" rtlCol="0">
+            <a:spAutoFit/>
+          </a:bodyPr>
+          <a:lstStyle/>
+          <a:p>
+            <a:pPr algn="ctr"/>
+            <a:r>
+              <a:rPr lang="es-CO" sz="1800" b="1" dirty="0">
+                <a:solidFill>
+                  <a:schemeClr val="tx1"/>
+                </a:solidFill>
+                <a:latin typeface="Bell MT" panose="02020503060305020303" pitchFamily="18" charset="0"/>
+                <a:cs typeface="Aparajita" panose="020B0604020202020204" pitchFamily="34" charset="0"/>
+              </a:rPr>
+              <a:t>El conjunto de aristas</a:t>
+            </a:r>
+          </a:p>
+          <a:p>
+            <a:pPr algn="ctr"/>
+            <a:r>
+              <a:rPr lang="es-CO" sz="1800" dirty="0">
+                <a:solidFill>
+                  <a:schemeClr val="tx1"/>
+                </a:solidFill>
+                <a:latin typeface="Bell MT" panose="02020503060305020303" pitchFamily="18" charset="0"/>
+                <a:cs typeface="Aparajita" panose="020B0604020202020204" pitchFamily="34" charset="0"/>
+              </a:rPr>
+              <a:t>E = { (A,B), (B,A), (B,C), (C,B), (D,C), 	(C,D), (D,A), (E,A) }</a:t>
+            </a:r>
+          </a:p>
+        </p:txBody>
+      </p:sp>
+    </p:spTree>
+    <p:extLst>
+      <p:ext uri="{BB962C8B-B14F-4D97-AF65-F5344CB8AC3E}">
+        <p14:creationId xmlns:p14="http://schemas.microsoft.com/office/powerpoint/2010/main" val="1147966529"/>
+      </p:ext>
+    </p:extLst>
+  </p:cSld>
+  <p:clrMapOvr>
+    <a:masterClrMapping/>
+  </p:clrMapOvr>
+</p:sld>
+</file>
+
+<file path=ppt/slides/slide11.xml><?xml version="1.0" encoding="utf-8"?>
+<p:sld xmlns:a="http://schemas.openxmlformats.org/drawingml/2006/main" xmlns:r="http://schemas.openxmlformats.org/officeDocument/2006/relationships" xmlns:p="http://schemas.openxmlformats.org/presentationml/2006/main">
+  <p:cSld>
+    <p:spTree>
+      <p:nvGrpSpPr>
+        <p:cNvPr id="1" name=""/>
+        <p:cNvGrpSpPr/>
+        <p:nvPr/>
+      </p:nvGrpSpPr>
+      <p:grpSpPr>
+        <a:xfrm>
+          <a:off x="0" y="0"/>
+          <a:ext cx="0" cy="0"/>
+          <a:chOff x="0" y="0"/>
+          <a:chExt cx="0" cy="0"/>
+        </a:xfrm>
+      </p:grpSpPr>
+      <p:pic>
+        <p:nvPicPr>
+          <p:cNvPr id="4" name="Shape 143" descr="logosis1.png"/>
+          <p:cNvPicPr preferRelativeResize="0"/>
+          <p:nvPr/>
+        </p:nvPicPr>
+        <p:blipFill>
+          <a:blip r:embed="rId2">
+            <a:alphaModFix/>
+          </a:blip>
+          <a:stretch>
+            <a:fillRect/>
+          </a:stretch>
+        </p:blipFill>
+        <p:spPr>
+          <a:xfrm>
+            <a:off x="7215334" y="3795886"/>
+            <a:ext cx="1928665" cy="1347614"/>
+          </a:xfrm>
+          <a:prstGeom prst="rect">
+            <a:avLst/>
+          </a:prstGeom>
+          <a:noFill/>
+          <a:ln>
+            <a:noFill/>
+          </a:ln>
+        </p:spPr>
+      </p:pic>
+      <p:sp>
+        <p:nvSpPr>
+          <p:cNvPr id="6" name="5 CuadroTexto"/>
+          <p:cNvSpPr txBox="1"/>
+          <p:nvPr/>
+        </p:nvSpPr>
+        <p:spPr>
+          <a:xfrm>
+            <a:off x="179512" y="197227"/>
+            <a:ext cx="8712968" cy="615553"/>
+          </a:xfrm>
+          <a:prstGeom prst="rect">
+            <a:avLst/>
+          </a:prstGeom>
+          <a:noFill/>
+        </p:spPr>
+        <p:txBody>
+          <a:bodyPr wrap="square" rtlCol="0">
+            <a:spAutoFit/>
+          </a:bodyPr>
+          <a:lstStyle/>
+          <a:p>
+            <a:r>
+              <a:rPr lang="es-ES" sz="3400" b="1" dirty="0">
+                <a:ln w="12700">
+                  <a:solidFill>
+                    <a:schemeClr val="tx2">
+                      <a:satMod val="155000"/>
+                    </a:schemeClr>
+                  </a:solidFill>
+                  <a:prstDash val="solid"/>
+                </a:ln>
+                <a:solidFill>
+                  <a:schemeClr val="tx1"/>
+                </a:solidFill>
+                <a:effectLst>
+                  <a:outerShdw blurRad="41275" dist="20320" dir="1800000" algn="tl" rotWithShape="0">
+                    <a:srgbClr val="000000">
+                      <a:alpha val="40000"/>
+                    </a:srgbClr>
+                  </a:outerShdw>
+                </a:effectLst>
+                <a:latin typeface="Rockwell" panose="02060603020205020403" pitchFamily="18" charset="0"/>
+              </a:rPr>
+              <a:t>Grafos NO Dirigidos</a:t>
+            </a:r>
+          </a:p>
+        </p:txBody>
+      </p:sp>
+      <p:sp>
+        <p:nvSpPr>
+          <p:cNvPr id="7" name="6 CuadroTexto"/>
+          <p:cNvSpPr txBox="1"/>
+          <p:nvPr/>
+        </p:nvSpPr>
+        <p:spPr>
+          <a:xfrm>
+            <a:off x="251519" y="843558"/>
+            <a:ext cx="6963815" cy="1384995"/>
+          </a:xfrm>
+          <a:prstGeom prst="rect">
+            <a:avLst/>
+          </a:prstGeom>
+          <a:noFill/>
+        </p:spPr>
+        <p:txBody>
+          <a:bodyPr wrap="square" rtlCol="0">
+            <a:spAutoFit/>
+          </a:bodyPr>
+          <a:lstStyle/>
+          <a:p>
+            <a:r>
+              <a:rPr lang="es-CO" sz="2800" b="1" dirty="0">
+                <a:solidFill>
+                  <a:srgbClr val="002060"/>
+                </a:solidFill>
+                <a:latin typeface="Gabriola" panose="04040605051002020D02" pitchFamily="82" charset="0"/>
+                <a:cs typeface="DaunPenh" panose="01010101010101010101" pitchFamily="2" charset="0"/>
+              </a:rPr>
+              <a:t>Un </a:t>
+            </a:r>
+            <a:r>
+              <a:rPr lang="es-CO" sz="2800" b="1" dirty="0">
+                <a:solidFill>
+                  <a:srgbClr val="0070C0"/>
+                </a:solidFill>
+                <a:latin typeface="Gabriola" panose="04040605051002020D02" pitchFamily="82" charset="0"/>
+                <a:cs typeface="DaunPenh" panose="01010101010101010101" pitchFamily="2" charset="0"/>
+              </a:rPr>
+              <a:t>grafo no dirigido </a:t>
+            </a:r>
+            <a:r>
+              <a:rPr lang="es-CO" sz="2800" b="1" dirty="0">
+                <a:solidFill>
+                  <a:srgbClr val="002060"/>
+                </a:solidFill>
+                <a:latin typeface="Gabriola" panose="04040605051002020D02" pitchFamily="82" charset="0"/>
+                <a:cs typeface="DaunPenh" panose="01010101010101010101" pitchFamily="2" charset="0"/>
+              </a:rPr>
+              <a:t>es aquel en el que las aristas no tienen orientación. </a:t>
+            </a:r>
+          </a:p>
+          <a:p>
+            <a:r>
+              <a:rPr lang="es-CO" sz="2800" b="1" dirty="0">
+                <a:solidFill>
+                  <a:srgbClr val="002060"/>
+                </a:solidFill>
+                <a:latin typeface="Gabriola" panose="04040605051002020D02" pitchFamily="82" charset="0"/>
+                <a:cs typeface="DaunPenh" panose="01010101010101010101" pitchFamily="2" charset="0"/>
+              </a:rPr>
+              <a:t>La arista (u, v) es igual a la arista (v, u).</a:t>
+            </a:r>
+          </a:p>
+        </p:txBody>
+      </p:sp>
+      <p:pic>
+        <p:nvPicPr>
+          <p:cNvPr id="2" name="1 Imagen"/>
+          <p:cNvPicPr>
+            <a:picLocks noChangeAspect="1"/>
+          </p:cNvPicPr>
+          <p:nvPr/>
+        </p:nvPicPr>
+        <p:blipFill>
+          <a:blip r:embed="rId3">
+            <a:extLst>
+              <a:ext uri="{28A0092B-C50C-407E-A947-70E740481C1C}">
+                <a14:useLocalDpi xmlns:a14="http://schemas.microsoft.com/office/drawing/2010/main" val="0"/>
+              </a:ext>
+            </a:extLst>
+          </a:blip>
+          <a:stretch>
+            <a:fillRect/>
+          </a:stretch>
+        </p:blipFill>
+        <p:spPr>
+          <a:xfrm>
+            <a:off x="899592" y="2715766"/>
+            <a:ext cx="2197730" cy="2376264"/>
+          </a:xfrm>
+          <a:prstGeom prst="rect">
+            <a:avLst/>
+          </a:prstGeom>
+        </p:spPr>
+      </p:pic>
+      <p:sp>
+        <p:nvSpPr>
+          <p:cNvPr id="8" name="7 CuadroTexto"/>
+          <p:cNvSpPr txBox="1"/>
+          <p:nvPr/>
+        </p:nvSpPr>
+        <p:spPr>
+          <a:xfrm>
+            <a:off x="3236426" y="2872556"/>
+            <a:ext cx="4114937" cy="923330"/>
+          </a:xfrm>
+          <a:prstGeom prst="rect">
+            <a:avLst/>
+          </a:prstGeom>
+          <a:noFill/>
+        </p:spPr>
+        <p:txBody>
+          <a:bodyPr wrap="square" rtlCol="0">
+            <a:spAutoFit/>
+          </a:bodyPr>
+          <a:lstStyle/>
+          <a:p>
+            <a:pPr algn="ctr"/>
+            <a:r>
+              <a:rPr lang="es-CO" sz="1800" b="1" dirty="0">
+                <a:solidFill>
+                  <a:schemeClr val="tx1"/>
+                </a:solidFill>
+                <a:latin typeface="Bell MT" panose="02020503060305020303" pitchFamily="18" charset="0"/>
+                <a:cs typeface="Aparajita" panose="020B0604020202020204" pitchFamily="34" charset="0"/>
+              </a:rPr>
+              <a:t>El conjunto de aristas</a:t>
+            </a:r>
+          </a:p>
+          <a:p>
+            <a:pPr algn="ctr"/>
+            <a:r>
+              <a:rPr lang="es-CO" sz="1800" dirty="0">
+                <a:solidFill>
+                  <a:schemeClr val="tx1"/>
+                </a:solidFill>
+                <a:latin typeface="Bell MT" panose="02020503060305020303" pitchFamily="18" charset="0"/>
+                <a:cs typeface="Aparajita" panose="020B0604020202020204" pitchFamily="34" charset="0"/>
+              </a:rPr>
+              <a:t>E = { (A,B), (B,A), (A,C), (C,A), (A,D),  (D,A), (B,C), (C,B), (B,D), (D,B) }</a:t>
+            </a:r>
+          </a:p>
+        </p:txBody>
+      </p:sp>
+    </p:spTree>
+    <p:extLst>
+      <p:ext uri="{BB962C8B-B14F-4D97-AF65-F5344CB8AC3E}">
+        <p14:creationId xmlns:p14="http://schemas.microsoft.com/office/powerpoint/2010/main" val="3455096741"/>
+      </p:ext>
+    </p:extLst>
+  </p:cSld>
+  <p:clrMapOvr>
+    <a:masterClrMapping/>
+  </p:clrMapOvr>
+</p:sld>
+</file>
+
+<file path=ppt/slides/slide12.xml><?xml version="1.0" encoding="utf-8"?>
+<p:sld xmlns:a="http://schemas.openxmlformats.org/drawingml/2006/main" xmlns:r="http://schemas.openxmlformats.org/officeDocument/2006/relationships" xmlns:p="http://schemas.openxmlformats.org/presentationml/2006/main">
+  <p:cSld>
+    <p:spTree>
+      <p:nvGrpSpPr>
+        <p:cNvPr id="1" name=""/>
+        <p:cNvGrpSpPr/>
+        <p:nvPr/>
+      </p:nvGrpSpPr>
+      <p:grpSpPr>
+        <a:xfrm>
+          <a:off x="0" y="0"/>
+          <a:ext cx="0" cy="0"/>
+          <a:chOff x="0" y="0"/>
+          <a:chExt cx="0" cy="0"/>
+        </a:xfrm>
+      </p:grpSpPr>
+      <p:pic>
+        <p:nvPicPr>
+          <p:cNvPr id="4" name="Shape 143" descr="logosis1.png"/>
+          <p:cNvPicPr preferRelativeResize="0"/>
+          <p:nvPr/>
+        </p:nvPicPr>
+        <p:blipFill>
+          <a:blip r:embed="rId2">
+            <a:alphaModFix/>
+          </a:blip>
+          <a:stretch>
+            <a:fillRect/>
+          </a:stretch>
+        </p:blipFill>
+        <p:spPr>
+          <a:xfrm>
+            <a:off x="6901818" y="3657601"/>
+            <a:ext cx="2242181" cy="1485899"/>
+          </a:xfrm>
+          <a:prstGeom prst="rect">
+            <a:avLst/>
+          </a:prstGeom>
+          <a:noFill/>
+          <a:ln>
+            <a:noFill/>
+          </a:ln>
+        </p:spPr>
+      </p:pic>
+      <p:sp>
+        <p:nvSpPr>
+          <p:cNvPr id="5" name="4 CuadroTexto"/>
+          <p:cNvSpPr txBox="1"/>
+          <p:nvPr/>
+        </p:nvSpPr>
+        <p:spPr>
+          <a:xfrm>
+            <a:off x="179512" y="390018"/>
+            <a:ext cx="7035823" cy="646331"/>
+          </a:xfrm>
+          <a:prstGeom prst="rect">
+            <a:avLst/>
+          </a:prstGeom>
+          <a:noFill/>
+        </p:spPr>
+        <p:txBody>
+          <a:bodyPr wrap="square" rtlCol="0">
+            <a:spAutoFit/>
+          </a:bodyPr>
+          <a:lstStyle/>
+          <a:p>
+            <a:r>
+              <a:rPr lang="es-ES" sz="3600" b="1" dirty="0">
+                <a:ln w="12700">
+                  <a:solidFill>
+                    <a:schemeClr val="tx2">
+                      <a:satMod val="155000"/>
+                    </a:schemeClr>
+                  </a:solidFill>
+                  <a:prstDash val="solid"/>
+                </a:ln>
+                <a:solidFill>
+                  <a:schemeClr val="tx1"/>
+                </a:solidFill>
+                <a:effectLst>
+                  <a:outerShdw blurRad="41275" dist="20320" dir="1800000" algn="tl" rotWithShape="0">
+                    <a:srgbClr val="000000">
+                      <a:alpha val="40000"/>
+                    </a:srgbClr>
+                  </a:outerShdw>
+                </a:effectLst>
+                <a:latin typeface="Rockwell" panose="02060603020205020403" pitchFamily="18" charset="0"/>
+              </a:rPr>
+              <a:t>Formas De Representación</a:t>
+            </a:r>
+            <a:endParaRPr lang="es-CO" sz="1200" dirty="0">
+              <a:latin typeface="Rockwell" panose="02060603020205020403" pitchFamily="18" charset="0"/>
+            </a:endParaRPr>
+          </a:p>
+        </p:txBody>
+      </p:sp>
+      <p:sp>
+        <p:nvSpPr>
+          <p:cNvPr id="6" name="6 CuadroTexto"/>
+          <p:cNvSpPr txBox="1"/>
+          <p:nvPr/>
+        </p:nvSpPr>
+        <p:spPr>
+          <a:xfrm>
+            <a:off x="167851" y="1347614"/>
+            <a:ext cx="7140453" cy="1754326"/>
+          </a:xfrm>
+          <a:prstGeom prst="rect">
+            <a:avLst/>
+          </a:prstGeom>
+          <a:noFill/>
+        </p:spPr>
+        <p:txBody>
+          <a:bodyPr wrap="square" rtlCol="0">
+            <a:spAutoFit/>
+          </a:bodyPr>
+          <a:lstStyle/>
+          <a:p>
+            <a:r>
+              <a:rPr lang="es-CO" sz="3600" b="1" dirty="0">
+                <a:solidFill>
+                  <a:srgbClr val="002060"/>
+                </a:solidFill>
+                <a:latin typeface="Gabriola" panose="04040605051002020D02" pitchFamily="82" charset="0"/>
+                <a:cs typeface="DaunPenh" panose="01010101010101010101" pitchFamily="2" charset="0"/>
+              </a:rPr>
+              <a:t>Existen diferentes formas de representar un grafo: </a:t>
+            </a:r>
+          </a:p>
+          <a:p>
+            <a:pPr marL="742950" indent="-742950">
+              <a:buAutoNum type="alphaLcParenR"/>
+            </a:pPr>
+            <a:r>
+              <a:rPr lang="es-CO" sz="3600" b="1" dirty="0">
+                <a:solidFill>
+                  <a:schemeClr val="accent1">
+                    <a:lumMod val="50000"/>
+                  </a:schemeClr>
+                </a:solidFill>
+                <a:latin typeface="Gabriola" panose="04040605051002020D02" pitchFamily="82" charset="0"/>
+                <a:cs typeface="DaunPenh" panose="01010101010101010101" pitchFamily="2" charset="0"/>
+              </a:rPr>
+              <a:t>matriz de adyacencia </a:t>
+            </a:r>
+            <a:r>
+              <a:rPr lang="es-CO" sz="3600" b="1" dirty="0">
+                <a:solidFill>
+                  <a:srgbClr val="002060"/>
+                </a:solidFill>
+                <a:latin typeface="Gabriola" panose="04040605051002020D02" pitchFamily="82" charset="0"/>
+                <a:cs typeface="DaunPenh" panose="01010101010101010101" pitchFamily="2" charset="0"/>
+              </a:rPr>
+              <a:t>(Arreglo </a:t>
+            </a:r>
+            <a:r>
+              <a:rPr lang="es-CO" sz="2400" b="1" dirty="0">
+                <a:solidFill>
+                  <a:srgbClr val="002060"/>
+                </a:solidFill>
+                <a:latin typeface="+mn-lt"/>
+                <a:cs typeface="DaunPenh" panose="01010101010101010101" pitchFamily="2" charset="0"/>
+              </a:rPr>
+              <a:t>2D</a:t>
+            </a:r>
+            <a:r>
+              <a:rPr lang="es-CO" sz="3600" b="1" dirty="0">
+                <a:solidFill>
+                  <a:srgbClr val="002060"/>
+                </a:solidFill>
+                <a:latin typeface="Gabriola" panose="04040605051002020D02" pitchFamily="82" charset="0"/>
+                <a:cs typeface="DaunPenh" panose="01010101010101010101" pitchFamily="2" charset="0"/>
+              </a:rPr>
+              <a:t>) </a:t>
+            </a:r>
+          </a:p>
+          <a:p>
+            <a:pPr marL="742950" indent="-742950">
+              <a:buAutoNum type="alphaLcParenR"/>
+            </a:pPr>
+            <a:r>
+              <a:rPr lang="es-CO" sz="3600" b="1" dirty="0">
+                <a:solidFill>
+                  <a:schemeClr val="accent1">
+                    <a:lumMod val="50000"/>
+                  </a:schemeClr>
+                </a:solidFill>
+                <a:latin typeface="Gabriola" panose="04040605051002020D02" pitchFamily="82" charset="0"/>
+                <a:cs typeface="DaunPenh" panose="01010101010101010101" pitchFamily="2" charset="0"/>
+              </a:rPr>
+              <a:t>listas de adyacencia</a:t>
+            </a:r>
+            <a:r>
+              <a:rPr lang="es-CO" sz="3600" b="1" dirty="0">
+                <a:solidFill>
+                  <a:srgbClr val="002060"/>
+                </a:solidFill>
+                <a:latin typeface="Gabriola" panose="04040605051002020D02" pitchFamily="82" charset="0"/>
+                <a:cs typeface="DaunPenh" panose="01010101010101010101" pitchFamily="2" charset="0"/>
+              </a:rPr>
+              <a:t> (</a:t>
+            </a:r>
+            <a:r>
+              <a:rPr lang="es-CO" sz="2800" b="1" dirty="0">
+                <a:solidFill>
+                  <a:srgbClr val="002060"/>
+                </a:solidFill>
+                <a:latin typeface="Gabriola" panose="04040605051002020D02" pitchFamily="82" charset="0"/>
+                <a:cs typeface="DaunPenh" panose="01010101010101010101" pitchFamily="2" charset="0"/>
+              </a:rPr>
+              <a:t>vector de vector de pares</a:t>
+            </a:r>
+            <a:r>
+              <a:rPr lang="es-CO" sz="3600" b="1" dirty="0">
+                <a:solidFill>
+                  <a:srgbClr val="002060"/>
+                </a:solidFill>
+                <a:latin typeface="Gabriola" panose="04040605051002020D02" pitchFamily="82" charset="0"/>
+                <a:cs typeface="DaunPenh" panose="01010101010101010101" pitchFamily="2" charset="0"/>
+              </a:rPr>
+              <a:t>).</a:t>
+            </a:r>
+          </a:p>
+        </p:txBody>
+      </p:sp>
+    </p:spTree>
+    <p:extLst>
+      <p:ext uri="{BB962C8B-B14F-4D97-AF65-F5344CB8AC3E}">
+        <p14:creationId xmlns:p14="http://schemas.microsoft.com/office/powerpoint/2010/main" val="368407900"/>
+      </p:ext>
+    </p:extLst>
+  </p:cSld>
+  <p:clrMapOvr>
+    <a:masterClrMapping/>
+  </p:clrMapOvr>
+</p:sld>
+</file>
+
+<file path=ppt/slides/slide13.xml><?xml version="1.0" encoding="utf-8"?>
+<p:sld xmlns:a="http://schemas.openxmlformats.org/drawingml/2006/main" xmlns:r="http://schemas.openxmlformats.org/officeDocument/2006/relationships" xmlns:p="http://schemas.openxmlformats.org/presentationml/2006/main">
+  <p:cSld>
+    <p:spTree>
+      <p:nvGrpSpPr>
+        <p:cNvPr id="1" name=""/>
+        <p:cNvGrpSpPr/>
+        <p:nvPr/>
+      </p:nvGrpSpPr>
+      <p:grpSpPr>
+        <a:xfrm>
+          <a:off x="0" y="0"/>
+          <a:ext cx="0" cy="0"/>
+          <a:chOff x="0" y="0"/>
+          <a:chExt cx="0" cy="0"/>
+        </a:xfrm>
+      </p:grpSpPr>
+      <p:pic>
+        <p:nvPicPr>
+          <p:cNvPr id="4" name="Shape 143" descr="logosis1.png"/>
+          <p:cNvPicPr preferRelativeResize="0"/>
+          <p:nvPr/>
+        </p:nvPicPr>
+        <p:blipFill>
+          <a:blip r:embed="rId2">
+            <a:alphaModFix/>
+          </a:blip>
+          <a:stretch>
+            <a:fillRect/>
+          </a:stretch>
+        </p:blipFill>
+        <p:spPr>
+          <a:xfrm>
             <a:off x="7308304" y="3723878"/>
             <a:ext cx="1869442" cy="1406118"/>
           </a:xfrm>
@@ -17639,7 +18456,7 @@
 </p:sld>
 </file>
 
-<file path=ppt/slides/slide11.xml><?xml version="1.0" encoding="utf-8"?>
+<file path=ppt/slides/slide14.xml><?xml version="1.0" encoding="utf-8"?>
 <p:sld xmlns:a="http://schemas.openxmlformats.org/drawingml/2006/main" xmlns:r="http://schemas.openxmlformats.org/officeDocument/2006/relationships" xmlns:p="http://schemas.openxmlformats.org/presentationml/2006/main">
   <p:cSld>
     <p:bg>
@@ -17861,7 +18678,7 @@
 </p:sld>
 </file>
 
-<file path=ppt/slides/slide12.xml><?xml version="1.0" encoding="utf-8"?>
+<file path=ppt/slides/slide15.xml><?xml version="1.0" encoding="utf-8"?>
 <p:sld xmlns:a="http://schemas.openxmlformats.org/drawingml/2006/main" xmlns:r="http://schemas.openxmlformats.org/officeDocument/2006/relationships" xmlns:p="http://schemas.openxmlformats.org/presentationml/2006/main" showMasterSp="0">
   <p:cSld>
     <p:bg>
@@ -18290,7 +19107,7 @@
 </p:sld>
 </file>
 
-<file path=ppt/slides/slide13.xml><?xml version="1.0" encoding="utf-8"?>
+<file path=ppt/slides/slide16.xml><?xml version="1.0" encoding="utf-8"?>
 <p:sld xmlns:a="http://schemas.openxmlformats.org/drawingml/2006/main" xmlns:r="http://schemas.openxmlformats.org/officeDocument/2006/relationships" xmlns:p="http://schemas.openxmlformats.org/presentationml/2006/main">
   <p:cSld>
     <p:spTree>
@@ -18556,7 +19373,7 @@
 </p:sld>
 </file>
 
-<file path=ppt/slides/slide14.xml><?xml version="1.0" encoding="utf-8"?>
+<file path=ppt/slides/slide17.xml><?xml version="1.0" encoding="utf-8"?>
 <p:sld xmlns:a="http://schemas.openxmlformats.org/drawingml/2006/main" xmlns:r="http://schemas.openxmlformats.org/officeDocument/2006/relationships" xmlns:p="http://schemas.openxmlformats.org/presentationml/2006/main">
   <p:cSld>
     <p:spTree>
@@ -18661,7 +19478,7 @@
 </p:sld>
 </file>
 
-<file path=ppt/slides/slide15.xml><?xml version="1.0" encoding="utf-8"?>
+<file path=ppt/slides/slide18.xml><?xml version="1.0" encoding="utf-8"?>
 <p:sld xmlns:a="http://schemas.openxmlformats.org/drawingml/2006/main" xmlns:r="http://schemas.openxmlformats.org/officeDocument/2006/relationships" xmlns:p="http://schemas.openxmlformats.org/presentationml/2006/main">
   <p:cSld>
     <p:spTree>
@@ -19007,7 +19824,7 @@
 </p:sld>
 </file>
 
-<file path=ppt/slides/slide16.xml><?xml version="1.0" encoding="utf-8"?>
+<file path=ppt/slides/slide19.xml><?xml version="1.0" encoding="utf-8"?>
 <p:sld xmlns:a="http://schemas.openxmlformats.org/drawingml/2006/main" xmlns:r="http://schemas.openxmlformats.org/officeDocument/2006/relationships" xmlns:p="http://schemas.openxmlformats.org/presentationml/2006/main" showMasterSp="0">
   <p:cSld>
     <p:bg>
@@ -19271,7 +20088,260 @@
 </p:sld>
 </file>
 
-<file path=ppt/slides/slide17.xml><?xml version="1.0" encoding="utf-8"?>
+<file path=ppt/slides/slide2.xml><?xml version="1.0" encoding="utf-8"?>
+<p:sld xmlns:a="http://schemas.openxmlformats.org/drawingml/2006/main" xmlns:r="http://schemas.openxmlformats.org/officeDocument/2006/relationships" xmlns:p="http://schemas.openxmlformats.org/presentationml/2006/main">
+  <p:cSld>
+    <p:spTree>
+      <p:nvGrpSpPr>
+        <p:cNvPr id="1" name=""/>
+        <p:cNvGrpSpPr/>
+        <p:nvPr/>
+      </p:nvGrpSpPr>
+      <p:grpSpPr>
+        <a:xfrm>
+          <a:off x="0" y="0"/>
+          <a:ext cx="0" cy="0"/>
+          <a:chOff x="0" y="0"/>
+          <a:chExt cx="0" cy="0"/>
+        </a:xfrm>
+      </p:grpSpPr>
+      <p:pic>
+        <p:nvPicPr>
+          <p:cNvPr id="6" name="Shape 143" descr="logosis1.png"/>
+          <p:cNvPicPr preferRelativeResize="0"/>
+          <p:nvPr/>
+        </p:nvPicPr>
+        <p:blipFill>
+          <a:blip r:embed="rId2">
+            <a:alphaModFix/>
+          </a:blip>
+          <a:stretch>
+            <a:fillRect/>
+          </a:stretch>
+        </p:blipFill>
+        <p:spPr>
+          <a:xfrm>
+            <a:off x="6901818" y="3657601"/>
+            <a:ext cx="2242181" cy="1485899"/>
+          </a:xfrm>
+          <a:prstGeom prst="rect">
+            <a:avLst/>
+          </a:prstGeom>
+          <a:noFill/>
+          <a:ln>
+            <a:noFill/>
+          </a:ln>
+        </p:spPr>
+      </p:pic>
+      <p:sp>
+        <p:nvSpPr>
+          <p:cNvPr id="3" name="2 CuadroTexto"/>
+          <p:cNvSpPr txBox="1"/>
+          <p:nvPr/>
+        </p:nvSpPr>
+        <p:spPr>
+          <a:xfrm>
+            <a:off x="251520" y="267494"/>
+            <a:ext cx="7632848" cy="1200329"/>
+          </a:xfrm>
+          <a:prstGeom prst="rect">
+            <a:avLst/>
+          </a:prstGeom>
+          <a:noFill/>
+        </p:spPr>
+        <p:txBody>
+          <a:bodyPr wrap="square" rtlCol="0">
+            <a:spAutoFit/>
+          </a:bodyPr>
+          <a:lstStyle/>
+          <a:p>
+            <a:r>
+              <a:rPr lang="es-ES" sz="3600" b="1" dirty="0">
+                <a:ln w="12700">
+                  <a:solidFill>
+                    <a:schemeClr val="tx2">
+                      <a:satMod val="155000"/>
+                    </a:schemeClr>
+                  </a:solidFill>
+                  <a:prstDash val="solid"/>
+                </a:ln>
+                <a:solidFill>
+                  <a:schemeClr val="tx1"/>
+                </a:solidFill>
+                <a:effectLst>
+                  <a:outerShdw blurRad="41275" dist="20320" dir="1800000" algn="tl" rotWithShape="0">
+                    <a:srgbClr val="000000">
+                      <a:alpha val="40000"/>
+                    </a:srgbClr>
+                  </a:outerShdw>
+                </a:effectLst>
+                <a:latin typeface="Rockwell" panose="02060603020205020403" pitchFamily="18" charset="0"/>
+              </a:rPr>
+              <a:t>Problema de los puentes </a:t>
+            </a:r>
+          </a:p>
+          <a:p>
+            <a:r>
+              <a:rPr lang="es-ES" sz="3600" b="1" dirty="0">
+                <a:ln w="12700">
+                  <a:solidFill>
+                    <a:schemeClr val="tx2">
+                      <a:satMod val="155000"/>
+                    </a:schemeClr>
+                  </a:solidFill>
+                  <a:prstDash val="solid"/>
+                </a:ln>
+                <a:solidFill>
+                  <a:schemeClr val="tx1"/>
+                </a:solidFill>
+                <a:effectLst>
+                  <a:outerShdw blurRad="41275" dist="20320" dir="1800000" algn="tl" rotWithShape="0">
+                    <a:srgbClr val="000000">
+                      <a:alpha val="40000"/>
+                    </a:srgbClr>
+                  </a:outerShdw>
+                </a:effectLst>
+                <a:latin typeface="Rockwell" panose="02060603020205020403" pitchFamily="18" charset="0"/>
+              </a:rPr>
+              <a:t>			de </a:t>
+            </a:r>
+            <a:r>
+              <a:rPr lang="es-ES" sz="3600" b="1" dirty="0" err="1">
+                <a:ln w="12700">
+                  <a:solidFill>
+                    <a:schemeClr val="tx2">
+                      <a:satMod val="155000"/>
+                    </a:schemeClr>
+                  </a:solidFill>
+                  <a:prstDash val="solid"/>
+                </a:ln>
+                <a:solidFill>
+                  <a:schemeClr val="tx1"/>
+                </a:solidFill>
+                <a:effectLst>
+                  <a:outerShdw blurRad="41275" dist="20320" dir="1800000" algn="tl" rotWithShape="0">
+                    <a:srgbClr val="000000">
+                      <a:alpha val="40000"/>
+                    </a:srgbClr>
+                  </a:outerShdw>
+                </a:effectLst>
+                <a:latin typeface="Rockwell" panose="02060603020205020403" pitchFamily="18" charset="0"/>
+              </a:rPr>
+              <a:t>Königsberg</a:t>
+            </a:r>
+            <a:endParaRPr lang="es-ES" sz="3600" b="1" dirty="0">
+              <a:ln w="12700">
+                <a:solidFill>
+                  <a:schemeClr val="tx2">
+                    <a:satMod val="155000"/>
+                  </a:schemeClr>
+                </a:solidFill>
+                <a:prstDash val="solid"/>
+              </a:ln>
+              <a:solidFill>
+                <a:schemeClr val="tx1"/>
+              </a:solidFill>
+              <a:effectLst>
+                <a:outerShdw blurRad="41275" dist="20320" dir="1800000" algn="tl" rotWithShape="0">
+                  <a:srgbClr val="000000">
+                    <a:alpha val="40000"/>
+                  </a:srgbClr>
+                </a:outerShdw>
+              </a:effectLst>
+              <a:latin typeface="Rockwell" panose="02060603020205020403" pitchFamily="18" charset="0"/>
+            </a:endParaRPr>
+          </a:p>
+        </p:txBody>
+      </p:sp>
+      <p:sp>
+        <p:nvSpPr>
+          <p:cNvPr id="4" name="5 CuadroTexto"/>
+          <p:cNvSpPr txBox="1"/>
+          <p:nvPr/>
+        </p:nvSpPr>
+        <p:spPr>
+          <a:xfrm>
+            <a:off x="267870" y="1722894"/>
+            <a:ext cx="7328466" cy="2677656"/>
+          </a:xfrm>
+          <a:prstGeom prst="rect">
+            <a:avLst/>
+          </a:prstGeom>
+          <a:noFill/>
+        </p:spPr>
+        <p:txBody>
+          <a:bodyPr wrap="square" rtlCol="0">
+            <a:spAutoFit/>
+          </a:bodyPr>
+          <a:lstStyle/>
+          <a:p>
+            <a:r>
+              <a:rPr lang="es-CO" sz="2800" b="1" dirty="0">
+                <a:solidFill>
+                  <a:srgbClr val="002060"/>
+                </a:solidFill>
+                <a:latin typeface="Gabriola" panose="04040605051002020D02" pitchFamily="82" charset="0"/>
+                <a:cs typeface="DaunPenh" panose="01010101010101010101" pitchFamily="2" charset="0"/>
+              </a:rPr>
+              <a:t>La ciudad de Kaliningrado, antiguamente llamada </a:t>
+            </a:r>
+            <a:r>
+              <a:rPr lang="es-CO" sz="2800" b="1" dirty="0" err="1">
+                <a:solidFill>
+                  <a:srgbClr val="002060"/>
+                </a:solidFill>
+                <a:latin typeface="Gabriola" panose="04040605051002020D02" pitchFamily="82" charset="0"/>
+                <a:cs typeface="DaunPenh" panose="01010101010101010101" pitchFamily="2" charset="0"/>
+              </a:rPr>
+              <a:t>Königsberg</a:t>
+            </a:r>
+            <a:r>
+              <a:rPr lang="es-CO" sz="2800" b="1" dirty="0">
+                <a:solidFill>
+                  <a:srgbClr val="002060"/>
+                </a:solidFill>
+                <a:latin typeface="Gabriola" panose="04040605051002020D02" pitchFamily="82" charset="0"/>
+                <a:cs typeface="DaunPenh" panose="01010101010101010101" pitchFamily="2" charset="0"/>
+              </a:rPr>
+              <a:t>, es un bonito lugar situado en la desembocadura del río </a:t>
+            </a:r>
+            <a:r>
+              <a:rPr lang="es-CO" sz="2800" b="1" dirty="0" err="1">
+                <a:solidFill>
+                  <a:srgbClr val="002060"/>
+                </a:solidFill>
+                <a:latin typeface="Gabriola" panose="04040605051002020D02" pitchFamily="82" charset="0"/>
+                <a:cs typeface="DaunPenh" panose="01010101010101010101" pitchFamily="2" charset="0"/>
+              </a:rPr>
+              <a:t>Pregolya</a:t>
+            </a:r>
+            <a:r>
+              <a:rPr lang="es-CO" sz="2800" b="1" dirty="0">
+                <a:solidFill>
+                  <a:srgbClr val="002060"/>
+                </a:solidFill>
+                <a:latin typeface="Gabriola" panose="04040605051002020D02" pitchFamily="82" charset="0"/>
+                <a:cs typeface="DaunPenh" panose="01010101010101010101" pitchFamily="2" charset="0"/>
+              </a:rPr>
+              <a:t>, en la antigua Prusia Oriental. Este río atravesaba la ciudad, dividiendo la zona en varias partes. Para no perder la comunicación, ésta estaba llena de un sistema de puentes conectores.</a:t>
+            </a:r>
+          </a:p>
+        </p:txBody>
+      </p:sp>
+    </p:spTree>
+    <p:extLst>
+      <p:ext uri="{BB962C8B-B14F-4D97-AF65-F5344CB8AC3E}">
+        <p14:creationId xmlns:p14="http://schemas.microsoft.com/office/powerpoint/2010/main" val="2115600314"/>
+      </p:ext>
+    </p:extLst>
+  </p:cSld>
+  <p:clrMapOvr>
+    <a:masterClrMapping/>
+  </p:clrMapOvr>
+</p:sld>
+</file>
+
+<file path=ppt/slides/slide20.xml><?xml version="1.0" encoding="utf-8"?>
 <p:sld xmlns:a="http://schemas.openxmlformats.org/drawingml/2006/main" xmlns:r="http://schemas.openxmlformats.org/officeDocument/2006/relationships" xmlns:p="http://schemas.openxmlformats.org/presentationml/2006/main">
   <p:cSld>
     <p:spTree>
@@ -19537,7 +20607,7 @@
 </p:sld>
 </file>
 
-<file path=ppt/slides/slide18.xml><?xml version="1.0" encoding="utf-8"?>
+<file path=ppt/slides/slide21.xml><?xml version="1.0" encoding="utf-8"?>
 <p:sld xmlns:a="http://schemas.openxmlformats.org/drawingml/2006/main" xmlns:r="http://schemas.openxmlformats.org/officeDocument/2006/relationships" xmlns:p="http://schemas.openxmlformats.org/presentationml/2006/main">
   <p:cSld>
     <p:spTree>
@@ -19939,7 +21009,7 @@
 </p:sld>
 </file>
 
-<file path=ppt/slides/slide19.xml><?xml version="1.0" encoding="utf-8"?>
+<file path=ppt/slides/slide22.xml><?xml version="1.0" encoding="utf-8"?>
 <p:sld xmlns:a="http://schemas.openxmlformats.org/drawingml/2006/main" xmlns:r="http://schemas.openxmlformats.org/officeDocument/2006/relationships" xmlns:p="http://schemas.openxmlformats.org/presentationml/2006/main">
   <p:cSld>
     <p:spTree>
@@ -20160,7 +21230,7 @@
 </p:sld>
 </file>
 
-<file path=ppt/slides/slide2.xml><?xml version="1.0" encoding="utf-8"?>
+<file path=ppt/slides/slide3.xml><?xml version="1.0" encoding="utf-8"?>
 <p:sld xmlns:a="http://schemas.openxmlformats.org/drawingml/2006/main" xmlns:r="http://schemas.openxmlformats.org/officeDocument/2006/relationships" xmlns:p="http://schemas.openxmlformats.org/presentationml/2006/main">
   <p:cSld>
     <p:spTree>
@@ -20205,10 +21275,34 @@
           </a:ln>
         </p:spPr>
       </p:pic>
+      <p:pic>
+        <p:nvPicPr>
+          <p:cNvPr id="2" name="Imagen 1"/>
+          <p:cNvPicPr>
+            <a:picLocks noChangeAspect="1"/>
+          </p:cNvPicPr>
+          <p:nvPr/>
+        </p:nvPicPr>
+        <p:blipFill>
+          <a:blip r:embed="rId3"/>
+          <a:stretch>
+            <a:fillRect/>
+          </a:stretch>
+        </p:blipFill>
+        <p:spPr>
+          <a:xfrm>
+            <a:off x="611560" y="339502"/>
+            <a:ext cx="5760640" cy="4539842"/>
+          </a:xfrm>
+          <a:prstGeom prst="rect">
+            <a:avLst/>
+          </a:prstGeom>
+        </p:spPr>
+      </p:pic>
     </p:spTree>
     <p:extLst>
       <p:ext uri="{BB962C8B-B14F-4D97-AF65-F5344CB8AC3E}">
-        <p14:creationId xmlns:p14="http://schemas.microsoft.com/office/powerpoint/2010/main" val="2115600314"/>
+        <p14:creationId xmlns:p14="http://schemas.microsoft.com/office/powerpoint/2010/main" val="1720555246"/>
       </p:ext>
     </p:extLst>
   </p:cSld>
@@ -20218,7 +21312,300 @@
 </p:sld>
 </file>
 
-<file path=ppt/slides/slide3.xml><?xml version="1.0" encoding="utf-8"?>
+<file path=ppt/slides/slide4.xml><?xml version="1.0" encoding="utf-8"?>
+<p:sld xmlns:a="http://schemas.openxmlformats.org/drawingml/2006/main" xmlns:r="http://schemas.openxmlformats.org/officeDocument/2006/relationships" xmlns:p="http://schemas.openxmlformats.org/presentationml/2006/main" showMasterSp="0">
+  <p:cSld>
+    <p:bg>
+      <p:bgPr>
+        <a:solidFill>
+          <a:schemeClr val="tx1">
+            <a:alpha val="60000"/>
+          </a:schemeClr>
+        </a:solidFill>
+        <a:effectLst/>
+      </p:bgPr>
+    </p:bg>
+    <p:spTree>
+      <p:nvGrpSpPr>
+        <p:cNvPr id="1" name=""/>
+        <p:cNvGrpSpPr/>
+        <p:nvPr/>
+      </p:nvGrpSpPr>
+      <p:grpSpPr>
+        <a:xfrm>
+          <a:off x="0" y="0"/>
+          <a:ext cx="0" cy="0"/>
+          <a:chOff x="0" y="0"/>
+          <a:chExt cx="0" cy="0"/>
+        </a:xfrm>
+      </p:grpSpPr>
+      <p:pic>
+        <p:nvPicPr>
+          <p:cNvPr id="6" name="Shape 143" descr="logosis1.png"/>
+          <p:cNvPicPr preferRelativeResize="0"/>
+          <p:nvPr/>
+        </p:nvPicPr>
+        <p:blipFill>
+          <a:blip r:embed="rId2">
+            <a:alphaModFix/>
+          </a:blip>
+          <a:stretch>
+            <a:fillRect/>
+          </a:stretch>
+        </p:blipFill>
+        <p:spPr>
+          <a:xfrm>
+            <a:off x="7793971" y="4155926"/>
+            <a:ext cx="1350028" cy="987574"/>
+          </a:xfrm>
+          <a:prstGeom prst="rect">
+            <a:avLst/>
+          </a:prstGeom>
+          <a:noFill/>
+          <a:ln>
+            <a:noFill/>
+          </a:ln>
+        </p:spPr>
+      </p:pic>
+      <p:pic>
+        <p:nvPicPr>
+          <p:cNvPr id="3" name="Imagen 2"/>
+          <p:cNvPicPr>
+            <a:picLocks noChangeAspect="1"/>
+          </p:cNvPicPr>
+          <p:nvPr/>
+        </p:nvPicPr>
+        <p:blipFill>
+          <a:blip r:embed="rId3"/>
+          <a:stretch>
+            <a:fillRect/>
+          </a:stretch>
+        </p:blipFill>
+        <p:spPr>
+          <a:xfrm>
+            <a:off x="395536" y="1491630"/>
+            <a:ext cx="8170797" cy="2520280"/>
+          </a:xfrm>
+          <a:prstGeom prst="rect">
+            <a:avLst/>
+          </a:prstGeom>
+        </p:spPr>
+      </p:pic>
+      <p:sp>
+        <p:nvSpPr>
+          <p:cNvPr id="5" name="2 CuadroTexto"/>
+          <p:cNvSpPr txBox="1"/>
+          <p:nvPr/>
+        </p:nvSpPr>
+        <p:spPr>
+          <a:xfrm>
+            <a:off x="683568" y="339502"/>
+            <a:ext cx="8206143" cy="646331"/>
+          </a:xfrm>
+          <a:prstGeom prst="rect">
+            <a:avLst/>
+          </a:prstGeom>
+          <a:noFill/>
+          <a:ln>
+            <a:noFill/>
+          </a:ln>
+        </p:spPr>
+        <p:txBody>
+          <a:bodyPr wrap="square" rtlCol="0">
+            <a:spAutoFit/>
+          </a:bodyPr>
+          <a:lstStyle/>
+          <a:p>
+            <a:r>
+              <a:rPr lang="es-ES" sz="3600" b="1" dirty="0">
+                <a:ln w="12700">
+                  <a:solidFill>
+                    <a:schemeClr val="tx2">
+                      <a:satMod val="155000"/>
+                    </a:schemeClr>
+                  </a:solidFill>
+                  <a:prstDash val="solid"/>
+                </a:ln>
+                <a:solidFill>
+                  <a:schemeClr val="accent2">
+                    <a:lumMod val="50000"/>
+                  </a:schemeClr>
+                </a:solidFill>
+                <a:effectLst>
+                  <a:outerShdw blurRad="41275" dist="20320" dir="1800000" algn="tl" rotWithShape="0">
+                    <a:srgbClr val="000000">
+                      <a:alpha val="40000"/>
+                    </a:srgbClr>
+                  </a:outerShdw>
+                </a:effectLst>
+                <a:latin typeface="Rockwell" panose="02060603020205020403" pitchFamily="18" charset="0"/>
+              </a:rPr>
+              <a:t>Planteamiento de </a:t>
+            </a:r>
+            <a:r>
+              <a:rPr lang="es-ES" sz="3600" b="1" dirty="0" err="1">
+                <a:ln w="12700">
+                  <a:solidFill>
+                    <a:schemeClr val="tx2">
+                      <a:satMod val="155000"/>
+                    </a:schemeClr>
+                  </a:solidFill>
+                  <a:prstDash val="solid"/>
+                </a:ln>
+                <a:solidFill>
+                  <a:schemeClr val="accent2">
+                    <a:lumMod val="50000"/>
+                  </a:schemeClr>
+                </a:solidFill>
+                <a:effectLst>
+                  <a:outerShdw blurRad="41275" dist="20320" dir="1800000" algn="tl" rotWithShape="0">
+                    <a:srgbClr val="000000">
+                      <a:alpha val="40000"/>
+                    </a:srgbClr>
+                  </a:outerShdw>
+                </a:effectLst>
+                <a:latin typeface="Rockwell" panose="02060603020205020403" pitchFamily="18" charset="0"/>
+              </a:rPr>
+              <a:t>Leonhard</a:t>
+            </a:r>
+            <a:r>
+              <a:rPr lang="es-ES" sz="3600" b="1" dirty="0">
+                <a:ln w="12700">
+                  <a:solidFill>
+                    <a:schemeClr val="tx2">
+                      <a:satMod val="155000"/>
+                    </a:schemeClr>
+                  </a:solidFill>
+                  <a:prstDash val="solid"/>
+                </a:ln>
+                <a:solidFill>
+                  <a:schemeClr val="accent2">
+                    <a:lumMod val="50000"/>
+                  </a:schemeClr>
+                </a:solidFill>
+                <a:effectLst>
+                  <a:outerShdw blurRad="41275" dist="20320" dir="1800000" algn="tl" rotWithShape="0">
+                    <a:srgbClr val="000000">
+                      <a:alpha val="40000"/>
+                    </a:srgbClr>
+                  </a:outerShdw>
+                </a:effectLst>
+                <a:latin typeface="Rockwell" panose="02060603020205020403" pitchFamily="18" charset="0"/>
+              </a:rPr>
+              <a:t> Euler</a:t>
+            </a:r>
+          </a:p>
+        </p:txBody>
+      </p:sp>
+    </p:spTree>
+    <p:extLst>
+      <p:ext uri="{BB962C8B-B14F-4D97-AF65-F5344CB8AC3E}">
+        <p14:creationId xmlns:p14="http://schemas.microsoft.com/office/powerpoint/2010/main" val="4101898087"/>
+      </p:ext>
+    </p:extLst>
+  </p:cSld>
+  <p:clrMapOvr>
+    <a:masterClrMapping/>
+  </p:clrMapOvr>
+</p:sld>
+</file>
+
+<file path=ppt/slides/slide5.xml><?xml version="1.0" encoding="utf-8"?>
+<p:sld xmlns:a="http://schemas.openxmlformats.org/drawingml/2006/main" xmlns:r="http://schemas.openxmlformats.org/officeDocument/2006/relationships" xmlns:p="http://schemas.openxmlformats.org/presentationml/2006/main">
+  <p:cSld>
+    <p:spTree>
+      <p:nvGrpSpPr>
+        <p:cNvPr id="1" name=""/>
+        <p:cNvGrpSpPr/>
+        <p:nvPr/>
+      </p:nvGrpSpPr>
+      <p:grpSpPr>
+        <a:xfrm>
+          <a:off x="0" y="0"/>
+          <a:ext cx="0" cy="0"/>
+          <a:chOff x="0" y="0"/>
+          <a:chExt cx="0" cy="0"/>
+        </a:xfrm>
+      </p:grpSpPr>
+      <p:pic>
+        <p:nvPicPr>
+          <p:cNvPr id="1026" name="Picture 2" descr="Resultado de imagen para if i have seen further it is by standing on the shoulders of giants"/>
+          <p:cNvPicPr>
+            <a:picLocks noChangeAspect="1" noChangeArrowheads="1"/>
+          </p:cNvPicPr>
+          <p:nvPr/>
+        </p:nvPicPr>
+        <p:blipFill>
+          <a:blip r:embed="rId2">
+            <a:extLst>
+              <a:ext uri="{28A0092B-C50C-407E-A947-70E740481C1C}">
+                <a14:useLocalDpi xmlns:a14="http://schemas.microsoft.com/office/drawing/2010/main" val="0"/>
+              </a:ext>
+            </a:extLst>
+          </a:blip>
+          <a:srcRect/>
+          <a:stretch>
+            <a:fillRect/>
+          </a:stretch>
+        </p:blipFill>
+        <p:spPr bwMode="auto">
+          <a:xfrm>
+            <a:off x="2275359" y="-9356578"/>
+            <a:ext cx="6400000" cy="3600000"/>
+          </a:xfrm>
+          <a:prstGeom prst="rect">
+            <a:avLst/>
+          </a:prstGeom>
+          <a:noFill/>
+          <a:extLst>
+            <a:ext uri="{909E8E84-426E-40DD-AFC4-6F175D3DCCD1}">
+              <a14:hiddenFill xmlns:a14="http://schemas.microsoft.com/office/drawing/2010/main">
+                <a:solidFill>
+                  <a:srgbClr val="FFFFFF"/>
+                </a:solidFill>
+              </a14:hiddenFill>
+            </a:ext>
+          </a:extLst>
+        </p:spPr>
+      </p:pic>
+      <p:pic>
+        <p:nvPicPr>
+          <p:cNvPr id="4" name="Imagen 3"/>
+          <p:cNvPicPr>
+            <a:picLocks noChangeAspect="1"/>
+          </p:cNvPicPr>
+          <p:nvPr/>
+        </p:nvPicPr>
+        <p:blipFill>
+          <a:blip r:embed="rId2"/>
+          <a:stretch>
+            <a:fillRect/>
+          </a:stretch>
+        </p:blipFill>
+        <p:spPr>
+          <a:xfrm>
+            <a:off x="0" y="0"/>
+            <a:ext cx="9144000" cy="5143500"/>
+          </a:xfrm>
+          <a:prstGeom prst="rect">
+            <a:avLst/>
+          </a:prstGeom>
+        </p:spPr>
+      </p:pic>
+    </p:spTree>
+    <p:extLst>
+      <p:ext uri="{BB962C8B-B14F-4D97-AF65-F5344CB8AC3E}">
+        <p14:creationId xmlns:p14="http://schemas.microsoft.com/office/powerpoint/2010/main" val="3442488662"/>
+      </p:ext>
+    </p:extLst>
+  </p:cSld>
+  <p:clrMapOvr>
+    <a:masterClrMapping/>
+  </p:clrMapOvr>
+</p:sld>
+</file>
+
+<file path=ppt/slides/slide6.xml><?xml version="1.0" encoding="utf-8"?>
 <p:sld xmlns:a="http://schemas.openxmlformats.org/drawingml/2006/main" xmlns:r="http://schemas.openxmlformats.org/officeDocument/2006/relationships" xmlns:p="http://schemas.openxmlformats.org/presentationml/2006/main">
   <p:cSld>
     <p:spTree>
@@ -20348,7 +21735,7 @@
 </p:sld>
 </file>
 
-<file path=ppt/slides/slide4.xml><?xml version="1.0" encoding="utf-8"?>
+<file path=ppt/slides/slide7.xml><?xml version="1.0" encoding="utf-8"?>
 <p:sld xmlns:a="http://schemas.openxmlformats.org/drawingml/2006/main" xmlns:r="http://schemas.openxmlformats.org/officeDocument/2006/relationships" xmlns:p="http://schemas.openxmlformats.org/presentationml/2006/main">
   <p:cSld>
     <p:spTree>
@@ -20627,7 +22014,7 @@
 </p:sld>
 </file>
 
-<file path=ppt/slides/slide5.xml><?xml version="1.0" encoding="utf-8"?>
+<file path=ppt/slides/slide8.xml><?xml version="1.0" encoding="utf-8"?>
 <p:sld xmlns:a="http://schemas.openxmlformats.org/drawingml/2006/main" xmlns:r="http://schemas.openxmlformats.org/officeDocument/2006/relationships" xmlns:p="http://schemas.openxmlformats.org/presentationml/2006/main">
   <p:cSld>
     <p:spTree>
@@ -20846,7 +22233,7 @@
 </p:sld>
 </file>
 
-<file path=ppt/slides/slide6.xml><?xml version="1.0" encoding="utf-8"?>
+<file path=ppt/slides/slide9.xml><?xml version="1.0" encoding="utf-8"?>
 <p:sld xmlns:a="http://schemas.openxmlformats.org/drawingml/2006/main" xmlns:r="http://schemas.openxmlformats.org/officeDocument/2006/relationships" xmlns:p="http://schemas.openxmlformats.org/presentationml/2006/main">
   <p:cSld>
     <p:spTree>
@@ -21086,820 +22473,6 @@
     <p:extLst>
       <p:ext uri="{BB962C8B-B14F-4D97-AF65-F5344CB8AC3E}">
         <p14:creationId xmlns:p14="http://schemas.microsoft.com/office/powerpoint/2010/main" val="1409945284"/>
-      </p:ext>
-    </p:extLst>
-  </p:cSld>
-  <p:clrMapOvr>
-    <a:masterClrMapping/>
-  </p:clrMapOvr>
-</p:sld>
-</file>
-
-<file path=ppt/slides/slide7.xml><?xml version="1.0" encoding="utf-8"?>
-<p:sld xmlns:a="http://schemas.openxmlformats.org/drawingml/2006/main" xmlns:r="http://schemas.openxmlformats.org/officeDocument/2006/relationships" xmlns:p="http://schemas.openxmlformats.org/presentationml/2006/main">
-  <p:cSld>
-    <p:spTree>
-      <p:nvGrpSpPr>
-        <p:cNvPr id="1" name=""/>
-        <p:cNvGrpSpPr/>
-        <p:nvPr/>
-      </p:nvGrpSpPr>
-      <p:grpSpPr>
-        <a:xfrm>
-          <a:off x="0" y="0"/>
-          <a:ext cx="0" cy="0"/>
-          <a:chOff x="0" y="0"/>
-          <a:chExt cx="0" cy="0"/>
-        </a:xfrm>
-      </p:grpSpPr>
-      <p:pic>
-        <p:nvPicPr>
-          <p:cNvPr id="4" name="Shape 143" descr="logosis1.png"/>
-          <p:cNvPicPr preferRelativeResize="0"/>
-          <p:nvPr/>
-        </p:nvPicPr>
-        <p:blipFill>
-          <a:blip r:embed="rId2">
-            <a:alphaModFix/>
-          </a:blip>
-          <a:stretch>
-            <a:fillRect/>
-          </a:stretch>
-        </p:blipFill>
-        <p:spPr>
-          <a:xfrm>
-            <a:off x="6901818" y="3657601"/>
-            <a:ext cx="2242181" cy="1485899"/>
-          </a:xfrm>
-          <a:prstGeom prst="rect">
-            <a:avLst/>
-          </a:prstGeom>
-          <a:noFill/>
-          <a:ln>
-            <a:noFill/>
-          </a:ln>
-        </p:spPr>
-      </p:pic>
-      <p:sp>
-        <p:nvSpPr>
-          <p:cNvPr id="7" name="6 CuadroTexto"/>
-          <p:cNvSpPr txBox="1"/>
-          <p:nvPr/>
-        </p:nvSpPr>
-        <p:spPr>
-          <a:xfrm>
-            <a:off x="107504" y="172344"/>
-            <a:ext cx="8712968" cy="707886"/>
-          </a:xfrm>
-          <a:prstGeom prst="rect">
-            <a:avLst/>
-          </a:prstGeom>
-          <a:noFill/>
-        </p:spPr>
-        <p:txBody>
-          <a:bodyPr wrap="square" rtlCol="0">
-            <a:spAutoFit/>
-          </a:bodyPr>
-          <a:lstStyle/>
-          <a:p>
-            <a:r>
-              <a:rPr lang="es-ES" sz="4000" b="1" dirty="0">
-                <a:ln w="12700">
-                  <a:solidFill>
-                    <a:schemeClr val="tx2">
-                      <a:satMod val="155000"/>
-                    </a:schemeClr>
-                  </a:solidFill>
-                  <a:prstDash val="solid"/>
-                </a:ln>
-                <a:solidFill>
-                  <a:schemeClr val="tx1"/>
-                </a:solidFill>
-                <a:effectLst>
-                  <a:outerShdw blurRad="41275" dist="20320" dir="1800000" algn="tl" rotWithShape="0">
-                    <a:srgbClr val="000000">
-                      <a:alpha val="40000"/>
-                    </a:srgbClr>
-                  </a:outerShdw>
-                </a:effectLst>
-                <a:latin typeface="Rockwell" panose="02060603020205020403" pitchFamily="18" charset="0"/>
-              </a:rPr>
-              <a:t>Grafos Dirigidos</a:t>
-            </a:r>
-            <a:endParaRPr lang="es-CO" sz="4000" b="1" dirty="0">
-              <a:ln w="12700">
-                <a:solidFill>
-                  <a:schemeClr val="tx2">
-                    <a:satMod val="155000"/>
-                  </a:schemeClr>
-                </a:solidFill>
-                <a:prstDash val="solid"/>
-              </a:ln>
-              <a:solidFill>
-                <a:schemeClr val="tx1"/>
-              </a:solidFill>
-              <a:effectLst>
-                <a:outerShdw blurRad="41275" dist="20320" dir="1800000" algn="tl" rotWithShape="0">
-                  <a:srgbClr val="000000">
-                    <a:alpha val="40000"/>
-                  </a:srgbClr>
-                </a:outerShdw>
-              </a:effectLst>
-              <a:latin typeface="Rockwell" panose="02060603020205020403" pitchFamily="18" charset="0"/>
-            </a:endParaRPr>
-          </a:p>
-        </p:txBody>
-      </p:sp>
-      <p:sp>
-        <p:nvSpPr>
-          <p:cNvPr id="8" name="7 CuadroTexto"/>
-          <p:cNvSpPr txBox="1"/>
-          <p:nvPr/>
-        </p:nvSpPr>
-        <p:spPr>
-          <a:xfrm>
-            <a:off x="251520" y="887189"/>
-            <a:ext cx="6840760" cy="1384995"/>
-          </a:xfrm>
-          <a:prstGeom prst="rect">
-            <a:avLst/>
-          </a:prstGeom>
-          <a:noFill/>
-        </p:spPr>
-        <p:txBody>
-          <a:bodyPr wrap="square" rtlCol="0">
-            <a:spAutoFit/>
-          </a:bodyPr>
-          <a:lstStyle/>
-          <a:p>
-            <a:r>
-              <a:rPr lang="es-CO" sz="2800" b="1" dirty="0">
-                <a:solidFill>
-                  <a:srgbClr val="002060"/>
-                </a:solidFill>
-                <a:latin typeface="Gabriola" panose="04040605051002020D02" pitchFamily="82" charset="0"/>
-                <a:cs typeface="DaunPenh" panose="01010101010101010101" pitchFamily="2" charset="0"/>
-              </a:rPr>
-              <a:t>Los </a:t>
-            </a:r>
-            <a:r>
-              <a:rPr lang="es-CO" sz="2800" b="1" dirty="0">
-                <a:solidFill>
-                  <a:srgbClr val="0070C0"/>
-                </a:solidFill>
-                <a:latin typeface="Gabriola" panose="04040605051002020D02" pitchFamily="82" charset="0"/>
-                <a:cs typeface="DaunPenh" panose="01010101010101010101" pitchFamily="2" charset="0"/>
-              </a:rPr>
-              <a:t>grafos dirigidos </a:t>
-            </a:r>
-            <a:r>
-              <a:rPr lang="es-CO" sz="2800" b="1" dirty="0">
-                <a:solidFill>
-                  <a:srgbClr val="002060"/>
-                </a:solidFill>
-                <a:latin typeface="Gabriola" panose="04040605051002020D02" pitchFamily="82" charset="0"/>
-                <a:cs typeface="DaunPenh" panose="01010101010101010101" pitchFamily="2" charset="0"/>
-              </a:rPr>
-              <a:t>son los grafos en los que las </a:t>
-            </a:r>
-            <a:r>
-              <a:rPr lang="es-CO" sz="2800" b="1" dirty="0">
-                <a:solidFill>
-                  <a:srgbClr val="0070C0"/>
-                </a:solidFill>
-                <a:latin typeface="Gabriola" panose="04040605051002020D02" pitchFamily="82" charset="0"/>
-                <a:cs typeface="DaunPenh" panose="01010101010101010101" pitchFamily="2" charset="0"/>
-              </a:rPr>
-              <a:t>aristas</a:t>
-            </a:r>
-            <a:r>
-              <a:rPr lang="es-CO" sz="2800" b="1" dirty="0">
-                <a:solidFill>
-                  <a:srgbClr val="002060"/>
-                </a:solidFill>
-                <a:latin typeface="Gabriola" panose="04040605051002020D02" pitchFamily="82" charset="0"/>
-                <a:cs typeface="DaunPenh" panose="01010101010101010101" pitchFamily="2" charset="0"/>
-              </a:rPr>
-              <a:t> tienen una dirección definida; por ejemplo, se puede dar el caso de poder ir </a:t>
-            </a:r>
-            <a:r>
-              <a:rPr lang="es-CO" sz="2800" b="1" dirty="0">
-                <a:solidFill>
-                  <a:srgbClr val="0070C0"/>
-                </a:solidFill>
-                <a:latin typeface="Gabriola" panose="04040605051002020D02" pitchFamily="82" charset="0"/>
-                <a:cs typeface="DaunPenh" panose="01010101010101010101" pitchFamily="2" charset="0"/>
-              </a:rPr>
-              <a:t>del nodo A al nodo B</a:t>
-            </a:r>
-            <a:r>
-              <a:rPr lang="es-CO" sz="2800" b="1" dirty="0">
-                <a:solidFill>
-                  <a:srgbClr val="002060"/>
-                </a:solidFill>
-                <a:latin typeface="Gabriola" panose="04040605051002020D02" pitchFamily="82" charset="0"/>
-                <a:cs typeface="DaunPenh" panose="01010101010101010101" pitchFamily="2" charset="0"/>
-              </a:rPr>
-              <a:t>, pero </a:t>
-            </a:r>
-            <a:r>
-              <a:rPr lang="es-CO" sz="2800" b="1" dirty="0">
-                <a:solidFill>
-                  <a:srgbClr val="0070C0"/>
-                </a:solidFill>
-                <a:latin typeface="Gabriola" panose="04040605051002020D02" pitchFamily="82" charset="0"/>
-                <a:cs typeface="DaunPenh" panose="01010101010101010101" pitchFamily="2" charset="0"/>
-              </a:rPr>
-              <a:t>no</a:t>
-            </a:r>
-            <a:r>
-              <a:rPr lang="es-CO" sz="2800" b="1" dirty="0">
-                <a:solidFill>
-                  <a:srgbClr val="002060"/>
-                </a:solidFill>
-                <a:latin typeface="Gabriola" panose="04040605051002020D02" pitchFamily="82" charset="0"/>
-                <a:cs typeface="DaunPenh" panose="01010101010101010101" pitchFamily="2" charset="0"/>
-              </a:rPr>
-              <a:t> al revés.</a:t>
-            </a:r>
-          </a:p>
-        </p:txBody>
-      </p:sp>
-      <p:pic>
-        <p:nvPicPr>
-          <p:cNvPr id="10" name="9 Imagen"/>
-          <p:cNvPicPr>
-            <a:picLocks noChangeAspect="1"/>
-          </p:cNvPicPr>
-          <p:nvPr/>
-        </p:nvPicPr>
-        <p:blipFill>
-          <a:blip r:embed="rId3">
-            <a:extLst>
-              <a:ext uri="{28A0092B-C50C-407E-A947-70E740481C1C}">
-                <a14:useLocalDpi xmlns:a14="http://schemas.microsoft.com/office/drawing/2010/main" val="0"/>
-              </a:ext>
-            </a:extLst>
-          </a:blip>
-          <a:stretch>
-            <a:fillRect/>
-          </a:stretch>
-        </p:blipFill>
-        <p:spPr>
-          <a:xfrm>
-            <a:off x="539552" y="2314528"/>
-            <a:ext cx="2088232" cy="2686146"/>
-          </a:xfrm>
-          <a:prstGeom prst="rect">
-            <a:avLst/>
-          </a:prstGeom>
-        </p:spPr>
-      </p:pic>
-      <p:sp>
-        <p:nvSpPr>
-          <p:cNvPr id="11" name="10 CuadroTexto"/>
-          <p:cNvSpPr txBox="1"/>
-          <p:nvPr/>
-        </p:nvSpPr>
-        <p:spPr>
-          <a:xfrm>
-            <a:off x="2977343" y="2859782"/>
-            <a:ext cx="4114937" cy="923330"/>
-          </a:xfrm>
-          <a:prstGeom prst="rect">
-            <a:avLst/>
-          </a:prstGeom>
-          <a:noFill/>
-        </p:spPr>
-        <p:txBody>
-          <a:bodyPr wrap="square" rtlCol="0">
-            <a:spAutoFit/>
-          </a:bodyPr>
-          <a:lstStyle/>
-          <a:p>
-            <a:pPr algn="ctr"/>
-            <a:r>
-              <a:rPr lang="es-CO" sz="1800" b="1" dirty="0">
-                <a:solidFill>
-                  <a:schemeClr val="tx1"/>
-                </a:solidFill>
-                <a:latin typeface="Bell MT" panose="02020503060305020303" pitchFamily="18" charset="0"/>
-                <a:cs typeface="Aparajita" panose="020B0604020202020204" pitchFamily="34" charset="0"/>
-              </a:rPr>
-              <a:t>El conjunto de aristas</a:t>
-            </a:r>
-          </a:p>
-          <a:p>
-            <a:pPr algn="ctr"/>
-            <a:r>
-              <a:rPr lang="es-CO" sz="1800" dirty="0">
-                <a:solidFill>
-                  <a:schemeClr val="tx1"/>
-                </a:solidFill>
-                <a:latin typeface="Bell MT" panose="02020503060305020303" pitchFamily="18" charset="0"/>
-                <a:cs typeface="Aparajita" panose="020B0604020202020204" pitchFamily="34" charset="0"/>
-              </a:rPr>
-              <a:t>E = { (A,B), (B,A), (B,C), (C,B), (D,C), 	(C,D), (D,A), (E,A) }</a:t>
-            </a:r>
-          </a:p>
-        </p:txBody>
-      </p:sp>
-    </p:spTree>
-    <p:extLst>
-      <p:ext uri="{BB962C8B-B14F-4D97-AF65-F5344CB8AC3E}">
-        <p14:creationId xmlns:p14="http://schemas.microsoft.com/office/powerpoint/2010/main" val="1147966529"/>
-      </p:ext>
-    </p:extLst>
-  </p:cSld>
-  <p:clrMapOvr>
-    <a:masterClrMapping/>
-  </p:clrMapOvr>
-</p:sld>
-</file>
-
-<file path=ppt/slides/slide8.xml><?xml version="1.0" encoding="utf-8"?>
-<p:sld xmlns:a="http://schemas.openxmlformats.org/drawingml/2006/main" xmlns:r="http://schemas.openxmlformats.org/officeDocument/2006/relationships" xmlns:p="http://schemas.openxmlformats.org/presentationml/2006/main">
-  <p:cSld>
-    <p:spTree>
-      <p:nvGrpSpPr>
-        <p:cNvPr id="1" name=""/>
-        <p:cNvGrpSpPr/>
-        <p:nvPr/>
-      </p:nvGrpSpPr>
-      <p:grpSpPr>
-        <a:xfrm>
-          <a:off x="0" y="0"/>
-          <a:ext cx="0" cy="0"/>
-          <a:chOff x="0" y="0"/>
-          <a:chExt cx="0" cy="0"/>
-        </a:xfrm>
-      </p:grpSpPr>
-      <p:pic>
-        <p:nvPicPr>
-          <p:cNvPr id="4" name="Shape 143" descr="logosis1.png"/>
-          <p:cNvPicPr preferRelativeResize="0"/>
-          <p:nvPr/>
-        </p:nvPicPr>
-        <p:blipFill>
-          <a:blip r:embed="rId2">
-            <a:alphaModFix/>
-          </a:blip>
-          <a:stretch>
-            <a:fillRect/>
-          </a:stretch>
-        </p:blipFill>
-        <p:spPr>
-          <a:xfrm>
-            <a:off x="7215334" y="3795886"/>
-            <a:ext cx="1928665" cy="1347614"/>
-          </a:xfrm>
-          <a:prstGeom prst="rect">
-            <a:avLst/>
-          </a:prstGeom>
-          <a:noFill/>
-          <a:ln>
-            <a:noFill/>
-          </a:ln>
-        </p:spPr>
-      </p:pic>
-      <p:sp>
-        <p:nvSpPr>
-          <p:cNvPr id="6" name="5 CuadroTexto"/>
-          <p:cNvSpPr txBox="1"/>
-          <p:nvPr/>
-        </p:nvSpPr>
-        <p:spPr>
-          <a:xfrm>
-            <a:off x="179512" y="197227"/>
-            <a:ext cx="8712968" cy="615553"/>
-          </a:xfrm>
-          <a:prstGeom prst="rect">
-            <a:avLst/>
-          </a:prstGeom>
-          <a:noFill/>
-        </p:spPr>
-        <p:txBody>
-          <a:bodyPr wrap="square" rtlCol="0">
-            <a:spAutoFit/>
-          </a:bodyPr>
-          <a:lstStyle/>
-          <a:p>
-            <a:r>
-              <a:rPr lang="es-ES" sz="3400" b="1" dirty="0">
-                <a:ln w="12700">
-                  <a:solidFill>
-                    <a:schemeClr val="tx2">
-                      <a:satMod val="155000"/>
-                    </a:schemeClr>
-                  </a:solidFill>
-                  <a:prstDash val="solid"/>
-                </a:ln>
-                <a:solidFill>
-                  <a:schemeClr val="tx1"/>
-                </a:solidFill>
-                <a:effectLst>
-                  <a:outerShdw blurRad="41275" dist="20320" dir="1800000" algn="tl" rotWithShape="0">
-                    <a:srgbClr val="000000">
-                      <a:alpha val="40000"/>
-                    </a:srgbClr>
-                  </a:outerShdw>
-                </a:effectLst>
-                <a:latin typeface="Rockwell" panose="02060603020205020403" pitchFamily="18" charset="0"/>
-              </a:rPr>
-              <a:t>Grafos NO Dirigidos</a:t>
-            </a:r>
-          </a:p>
-        </p:txBody>
-      </p:sp>
-      <p:sp>
-        <p:nvSpPr>
-          <p:cNvPr id="7" name="6 CuadroTexto"/>
-          <p:cNvSpPr txBox="1"/>
-          <p:nvPr/>
-        </p:nvSpPr>
-        <p:spPr>
-          <a:xfrm>
-            <a:off x="251519" y="843558"/>
-            <a:ext cx="6963815" cy="1384995"/>
-          </a:xfrm>
-          <a:prstGeom prst="rect">
-            <a:avLst/>
-          </a:prstGeom>
-          <a:noFill/>
-        </p:spPr>
-        <p:txBody>
-          <a:bodyPr wrap="square" rtlCol="0">
-            <a:spAutoFit/>
-          </a:bodyPr>
-          <a:lstStyle/>
-          <a:p>
-            <a:r>
-              <a:rPr lang="es-CO" sz="2800" b="1" dirty="0">
-                <a:solidFill>
-                  <a:srgbClr val="002060"/>
-                </a:solidFill>
-                <a:latin typeface="Gabriola" panose="04040605051002020D02" pitchFamily="82" charset="0"/>
-                <a:cs typeface="DaunPenh" panose="01010101010101010101" pitchFamily="2" charset="0"/>
-              </a:rPr>
-              <a:t>Un </a:t>
-            </a:r>
-            <a:r>
-              <a:rPr lang="es-CO" sz="2800" b="1" dirty="0">
-                <a:solidFill>
-                  <a:srgbClr val="0070C0"/>
-                </a:solidFill>
-                <a:latin typeface="Gabriola" panose="04040605051002020D02" pitchFamily="82" charset="0"/>
-                <a:cs typeface="DaunPenh" panose="01010101010101010101" pitchFamily="2" charset="0"/>
-              </a:rPr>
-              <a:t>grafo no dirigido </a:t>
-            </a:r>
-            <a:r>
-              <a:rPr lang="es-CO" sz="2800" b="1" dirty="0">
-                <a:solidFill>
-                  <a:srgbClr val="002060"/>
-                </a:solidFill>
-                <a:latin typeface="Gabriola" panose="04040605051002020D02" pitchFamily="82" charset="0"/>
-                <a:cs typeface="DaunPenh" panose="01010101010101010101" pitchFamily="2" charset="0"/>
-              </a:rPr>
-              <a:t>es aquel en el que las aristas no tienen orientación. </a:t>
-            </a:r>
-          </a:p>
-          <a:p>
-            <a:r>
-              <a:rPr lang="es-CO" sz="2800" b="1" dirty="0">
-                <a:solidFill>
-                  <a:srgbClr val="002060"/>
-                </a:solidFill>
-                <a:latin typeface="Gabriola" panose="04040605051002020D02" pitchFamily="82" charset="0"/>
-                <a:cs typeface="DaunPenh" panose="01010101010101010101" pitchFamily="2" charset="0"/>
-              </a:rPr>
-              <a:t>La arista (u, v) es igual a la arista (v, u).</a:t>
-            </a:r>
-          </a:p>
-        </p:txBody>
-      </p:sp>
-      <p:pic>
-        <p:nvPicPr>
-          <p:cNvPr id="2" name="1 Imagen"/>
-          <p:cNvPicPr>
-            <a:picLocks noChangeAspect="1"/>
-          </p:cNvPicPr>
-          <p:nvPr/>
-        </p:nvPicPr>
-        <p:blipFill>
-          <a:blip r:embed="rId3">
-            <a:extLst>
-              <a:ext uri="{28A0092B-C50C-407E-A947-70E740481C1C}">
-                <a14:useLocalDpi xmlns:a14="http://schemas.microsoft.com/office/drawing/2010/main" val="0"/>
-              </a:ext>
-            </a:extLst>
-          </a:blip>
-          <a:stretch>
-            <a:fillRect/>
-          </a:stretch>
-        </p:blipFill>
-        <p:spPr>
-          <a:xfrm>
-            <a:off x="899592" y="2715766"/>
-            <a:ext cx="2197730" cy="2376264"/>
-          </a:xfrm>
-          <a:prstGeom prst="rect">
-            <a:avLst/>
-          </a:prstGeom>
-        </p:spPr>
-      </p:pic>
-      <p:sp>
-        <p:nvSpPr>
-          <p:cNvPr id="8" name="7 CuadroTexto"/>
-          <p:cNvSpPr txBox="1"/>
-          <p:nvPr/>
-        </p:nvSpPr>
-        <p:spPr>
-          <a:xfrm>
-            <a:off x="3236426" y="2872556"/>
-            <a:ext cx="4114937" cy="923330"/>
-          </a:xfrm>
-          <a:prstGeom prst="rect">
-            <a:avLst/>
-          </a:prstGeom>
-          <a:noFill/>
-        </p:spPr>
-        <p:txBody>
-          <a:bodyPr wrap="square" rtlCol="0">
-            <a:spAutoFit/>
-          </a:bodyPr>
-          <a:lstStyle/>
-          <a:p>
-            <a:pPr algn="ctr"/>
-            <a:r>
-              <a:rPr lang="es-CO" sz="1800" b="1" dirty="0">
-                <a:solidFill>
-                  <a:schemeClr val="tx1"/>
-                </a:solidFill>
-                <a:latin typeface="Bell MT" panose="02020503060305020303" pitchFamily="18" charset="0"/>
-                <a:cs typeface="Aparajita" panose="020B0604020202020204" pitchFamily="34" charset="0"/>
-              </a:rPr>
-              <a:t>El conjunto de aristas</a:t>
-            </a:r>
-          </a:p>
-          <a:p>
-            <a:pPr algn="ctr"/>
-            <a:r>
-              <a:rPr lang="es-CO" sz="1800" dirty="0">
-                <a:solidFill>
-                  <a:schemeClr val="tx1"/>
-                </a:solidFill>
-                <a:latin typeface="Bell MT" panose="02020503060305020303" pitchFamily="18" charset="0"/>
-                <a:cs typeface="Aparajita" panose="020B0604020202020204" pitchFamily="34" charset="0"/>
-              </a:rPr>
-              <a:t>E = { (A,B), (B,A), (A,C), (C,A), (A,D),  (D,A), (B,C), (C,B), (B,D), (D,B) }</a:t>
-            </a:r>
-          </a:p>
-        </p:txBody>
-      </p:sp>
-    </p:spTree>
-    <p:extLst>
-      <p:ext uri="{BB962C8B-B14F-4D97-AF65-F5344CB8AC3E}">
-        <p14:creationId xmlns:p14="http://schemas.microsoft.com/office/powerpoint/2010/main" val="3455096741"/>
-      </p:ext>
-    </p:extLst>
-  </p:cSld>
-  <p:clrMapOvr>
-    <a:masterClrMapping/>
-  </p:clrMapOvr>
-</p:sld>
-</file>
-
-<file path=ppt/slides/slide9.xml><?xml version="1.0" encoding="utf-8"?>
-<p:sld xmlns:a="http://schemas.openxmlformats.org/drawingml/2006/main" xmlns:r="http://schemas.openxmlformats.org/officeDocument/2006/relationships" xmlns:p="http://schemas.openxmlformats.org/presentationml/2006/main">
-  <p:cSld>
-    <p:spTree>
-      <p:nvGrpSpPr>
-        <p:cNvPr id="1" name=""/>
-        <p:cNvGrpSpPr/>
-        <p:nvPr/>
-      </p:nvGrpSpPr>
-      <p:grpSpPr>
-        <a:xfrm>
-          <a:off x="0" y="0"/>
-          <a:ext cx="0" cy="0"/>
-          <a:chOff x="0" y="0"/>
-          <a:chExt cx="0" cy="0"/>
-        </a:xfrm>
-      </p:grpSpPr>
-      <p:pic>
-        <p:nvPicPr>
-          <p:cNvPr id="4" name="Shape 143" descr="logosis1.png"/>
-          <p:cNvPicPr preferRelativeResize="0"/>
-          <p:nvPr/>
-        </p:nvPicPr>
-        <p:blipFill>
-          <a:blip r:embed="rId2">
-            <a:alphaModFix/>
-          </a:blip>
-          <a:stretch>
-            <a:fillRect/>
-          </a:stretch>
-        </p:blipFill>
-        <p:spPr>
-          <a:xfrm>
-            <a:off x="6901818" y="3657601"/>
-            <a:ext cx="2242181" cy="1485899"/>
-          </a:xfrm>
-          <a:prstGeom prst="rect">
-            <a:avLst/>
-          </a:prstGeom>
-          <a:noFill/>
-          <a:ln>
-            <a:noFill/>
-          </a:ln>
-        </p:spPr>
-      </p:pic>
-      <p:sp>
-        <p:nvSpPr>
-          <p:cNvPr id="5" name="4 CuadroTexto"/>
-          <p:cNvSpPr txBox="1"/>
-          <p:nvPr/>
-        </p:nvSpPr>
-        <p:spPr>
-          <a:xfrm>
-            <a:off x="179512" y="390018"/>
-            <a:ext cx="7035823" cy="646331"/>
-          </a:xfrm>
-          <a:prstGeom prst="rect">
-            <a:avLst/>
-          </a:prstGeom>
-          <a:noFill/>
-        </p:spPr>
-        <p:txBody>
-          <a:bodyPr wrap="square" rtlCol="0">
-            <a:spAutoFit/>
-          </a:bodyPr>
-          <a:lstStyle/>
-          <a:p>
-            <a:r>
-              <a:rPr lang="es-ES" sz="3600" b="1" dirty="0">
-                <a:ln w="12700">
-                  <a:solidFill>
-                    <a:schemeClr val="tx2">
-                      <a:satMod val="155000"/>
-                    </a:schemeClr>
-                  </a:solidFill>
-                  <a:prstDash val="solid"/>
-                </a:ln>
-                <a:solidFill>
-                  <a:schemeClr val="tx1"/>
-                </a:solidFill>
-                <a:effectLst>
-                  <a:outerShdw blurRad="41275" dist="20320" dir="1800000" algn="tl" rotWithShape="0">
-                    <a:srgbClr val="000000">
-                      <a:alpha val="40000"/>
-                    </a:srgbClr>
-                  </a:outerShdw>
-                </a:effectLst>
-                <a:latin typeface="Rockwell" panose="02060603020205020403" pitchFamily="18" charset="0"/>
-              </a:rPr>
-              <a:t>Formas De Representación</a:t>
-            </a:r>
-            <a:endParaRPr lang="es-CO" sz="1200" dirty="0">
-              <a:latin typeface="Rockwell" panose="02060603020205020403" pitchFamily="18" charset="0"/>
-            </a:endParaRPr>
-          </a:p>
-        </p:txBody>
-      </p:sp>
-      <p:sp>
-        <p:nvSpPr>
-          <p:cNvPr id="6" name="6 CuadroTexto"/>
-          <p:cNvSpPr txBox="1"/>
-          <p:nvPr/>
-        </p:nvSpPr>
-        <p:spPr>
-          <a:xfrm>
-            <a:off x="167851" y="1347614"/>
-            <a:ext cx="7140453" cy="1754326"/>
-          </a:xfrm>
-          <a:prstGeom prst="rect">
-            <a:avLst/>
-          </a:prstGeom>
-          <a:noFill/>
-        </p:spPr>
-        <p:txBody>
-          <a:bodyPr wrap="square" rtlCol="0">
-            <a:spAutoFit/>
-          </a:bodyPr>
-          <a:lstStyle/>
-          <a:p>
-            <a:r>
-              <a:rPr lang="es-CO" sz="3600" b="1" dirty="0">
-                <a:solidFill>
-                  <a:srgbClr val="002060"/>
-                </a:solidFill>
-                <a:latin typeface="Gabriola" panose="04040605051002020D02" pitchFamily="82" charset="0"/>
-                <a:cs typeface="DaunPenh" panose="01010101010101010101" pitchFamily="2" charset="0"/>
-              </a:rPr>
-              <a:t>Existen diferentes formas de representar un grafo: </a:t>
-            </a:r>
-          </a:p>
-          <a:p>
-            <a:pPr marL="742950" indent="-742950">
-              <a:buAutoNum type="alphaLcParenR"/>
-            </a:pPr>
-            <a:r>
-              <a:rPr lang="es-CO" sz="3600" b="1" dirty="0">
-                <a:solidFill>
-                  <a:schemeClr val="accent1">
-                    <a:lumMod val="50000"/>
-                  </a:schemeClr>
-                </a:solidFill>
-                <a:latin typeface="Gabriola" panose="04040605051002020D02" pitchFamily="82" charset="0"/>
-                <a:cs typeface="DaunPenh" panose="01010101010101010101" pitchFamily="2" charset="0"/>
-              </a:rPr>
-              <a:t>matriz de adyacencia </a:t>
-            </a:r>
-            <a:r>
-              <a:rPr lang="es-CO" sz="3600" b="1" dirty="0">
-                <a:solidFill>
-                  <a:srgbClr val="002060"/>
-                </a:solidFill>
-                <a:latin typeface="Gabriola" panose="04040605051002020D02" pitchFamily="82" charset="0"/>
-                <a:cs typeface="DaunPenh" panose="01010101010101010101" pitchFamily="2" charset="0"/>
-              </a:rPr>
-              <a:t>(Arreglo </a:t>
-            </a:r>
-            <a:r>
-              <a:rPr lang="es-CO" sz="2400" b="1" dirty="0">
-                <a:solidFill>
-                  <a:srgbClr val="002060"/>
-                </a:solidFill>
-                <a:latin typeface="+mn-lt"/>
-                <a:cs typeface="DaunPenh" panose="01010101010101010101" pitchFamily="2" charset="0"/>
-              </a:rPr>
-              <a:t>2D</a:t>
-            </a:r>
-            <a:r>
-              <a:rPr lang="es-CO" sz="3600" b="1" dirty="0">
-                <a:solidFill>
-                  <a:srgbClr val="002060"/>
-                </a:solidFill>
-                <a:latin typeface="Gabriola" panose="04040605051002020D02" pitchFamily="82" charset="0"/>
-                <a:cs typeface="DaunPenh" panose="01010101010101010101" pitchFamily="2" charset="0"/>
-              </a:rPr>
-              <a:t>) </a:t>
-            </a:r>
-          </a:p>
-          <a:p>
-            <a:pPr marL="742950" indent="-742950">
-              <a:buAutoNum type="alphaLcParenR"/>
-            </a:pPr>
-            <a:r>
-              <a:rPr lang="es-CO" sz="3600" b="1" dirty="0">
-                <a:solidFill>
-                  <a:schemeClr val="accent1">
-                    <a:lumMod val="50000"/>
-                  </a:schemeClr>
-                </a:solidFill>
-                <a:latin typeface="Gabriola" panose="04040605051002020D02" pitchFamily="82" charset="0"/>
-                <a:cs typeface="DaunPenh" panose="01010101010101010101" pitchFamily="2" charset="0"/>
-              </a:rPr>
-              <a:t>listas de adyacencia</a:t>
-            </a:r>
-            <a:r>
-              <a:rPr lang="es-CO" sz="3600" b="1" dirty="0">
-                <a:solidFill>
-                  <a:srgbClr val="002060"/>
-                </a:solidFill>
-                <a:latin typeface="Gabriola" panose="04040605051002020D02" pitchFamily="82" charset="0"/>
-                <a:cs typeface="DaunPenh" panose="01010101010101010101" pitchFamily="2" charset="0"/>
-              </a:rPr>
-              <a:t> (</a:t>
-            </a:r>
-            <a:r>
-              <a:rPr lang="es-CO" sz="2800" b="1" dirty="0">
-                <a:solidFill>
-                  <a:srgbClr val="002060"/>
-                </a:solidFill>
-                <a:latin typeface="Gabriola" panose="04040605051002020D02" pitchFamily="82" charset="0"/>
-                <a:cs typeface="DaunPenh" panose="01010101010101010101" pitchFamily="2" charset="0"/>
-              </a:rPr>
-              <a:t>vector de vector de pares</a:t>
-            </a:r>
-            <a:r>
-              <a:rPr lang="es-CO" sz="3600" b="1" dirty="0">
-                <a:solidFill>
-                  <a:srgbClr val="002060"/>
-                </a:solidFill>
-                <a:latin typeface="Gabriola" panose="04040605051002020D02" pitchFamily="82" charset="0"/>
-                <a:cs typeface="DaunPenh" panose="01010101010101010101" pitchFamily="2" charset="0"/>
-              </a:rPr>
-              <a:t>).</a:t>
-            </a:r>
-          </a:p>
-        </p:txBody>
-      </p:sp>
-    </p:spTree>
-    <p:extLst>
-      <p:ext uri="{BB962C8B-B14F-4D97-AF65-F5344CB8AC3E}">
-        <p14:creationId xmlns:p14="http://schemas.microsoft.com/office/powerpoint/2010/main" val="368407900"/>
       </p:ext>
     </p:extLst>
   </p:cSld>

--- a/PRESENTACIÓN TALLER GRAFOS.pptx
+++ b/PRESENTACIÓN TALLER GRAFOS.pptx
@@ -9,10 +9,10 @@
   </p:notesMasterIdLst>
   <p:sldIdLst>
     <p:sldId id="258" r:id="rId2"/>
-    <p:sldId id="276" r:id="rId3"/>
-    <p:sldId id="277" r:id="rId4"/>
-    <p:sldId id="278" r:id="rId5"/>
-    <p:sldId id="279" r:id="rId6"/>
+    <p:sldId id="279" r:id="rId3"/>
+    <p:sldId id="276" r:id="rId4"/>
+    <p:sldId id="277" r:id="rId5"/>
+    <p:sldId id="278" r:id="rId6"/>
     <p:sldId id="275" r:id="rId7"/>
     <p:sldId id="257" r:id="rId8"/>
     <p:sldId id="262" r:id="rId9"/>
@@ -20107,231 +20107,73 @@
       </p:grpSpPr>
       <p:pic>
         <p:nvPicPr>
-          <p:cNvPr id="6" name="Shape 143" descr="logosis1.png"/>
-          <p:cNvPicPr preferRelativeResize="0"/>
+          <p:cNvPr id="1026" name="Picture 2" descr="Resultado de imagen para if i have seen further it is by standing on the shoulders of giants"/>
+          <p:cNvPicPr>
+            <a:picLocks noChangeAspect="1" noChangeArrowheads="1"/>
+          </p:cNvPicPr>
           <p:nvPr/>
         </p:nvPicPr>
         <p:blipFill>
           <a:blip r:embed="rId2">
-            <a:alphaModFix/>
+            <a:extLst>
+              <a:ext uri="{28A0092B-C50C-407E-A947-70E740481C1C}">
+                <a14:useLocalDpi xmlns:a14="http://schemas.microsoft.com/office/drawing/2010/main" val="0"/>
+              </a:ext>
+            </a:extLst>
           </a:blip>
+          <a:srcRect/>
+          <a:stretch>
+            <a:fillRect/>
+          </a:stretch>
+        </p:blipFill>
+        <p:spPr bwMode="auto">
+          <a:xfrm>
+            <a:off x="2275359" y="-9356578"/>
+            <a:ext cx="6400000" cy="3600000"/>
+          </a:xfrm>
+          <a:prstGeom prst="rect">
+            <a:avLst/>
+          </a:prstGeom>
+          <a:noFill/>
+          <a:extLst>
+            <a:ext uri="{909E8E84-426E-40DD-AFC4-6F175D3DCCD1}">
+              <a14:hiddenFill xmlns:a14="http://schemas.microsoft.com/office/drawing/2010/main">
+                <a:solidFill>
+                  <a:srgbClr val="FFFFFF"/>
+                </a:solidFill>
+              </a14:hiddenFill>
+            </a:ext>
+          </a:extLst>
+        </p:spPr>
+      </p:pic>
+      <p:pic>
+        <p:nvPicPr>
+          <p:cNvPr id="4" name="Imagen 3"/>
+          <p:cNvPicPr>
+            <a:picLocks noChangeAspect="1"/>
+          </p:cNvPicPr>
+          <p:nvPr/>
+        </p:nvPicPr>
+        <p:blipFill>
+          <a:blip r:embed="rId2"/>
           <a:stretch>
             <a:fillRect/>
           </a:stretch>
         </p:blipFill>
         <p:spPr>
           <a:xfrm>
-            <a:off x="6901818" y="3657601"/>
-            <a:ext cx="2242181" cy="1485899"/>
+            <a:off x="0" y="0"/>
+            <a:ext cx="9144000" cy="5143500"/>
           </a:xfrm>
           <a:prstGeom prst="rect">
             <a:avLst/>
           </a:prstGeom>
-          <a:noFill/>
-          <a:ln>
-            <a:noFill/>
-          </a:ln>
         </p:spPr>
       </p:pic>
-      <p:sp>
-        <p:nvSpPr>
-          <p:cNvPr id="3" name="2 CuadroTexto"/>
-          <p:cNvSpPr txBox="1"/>
-          <p:nvPr/>
-        </p:nvSpPr>
-        <p:spPr>
-          <a:xfrm>
-            <a:off x="251520" y="267494"/>
-            <a:ext cx="7632848" cy="1200329"/>
-          </a:xfrm>
-          <a:prstGeom prst="rect">
-            <a:avLst/>
-          </a:prstGeom>
-          <a:noFill/>
-        </p:spPr>
-        <p:txBody>
-          <a:bodyPr wrap="square" rtlCol="0">
-            <a:spAutoFit/>
-          </a:bodyPr>
-          <a:lstStyle/>
-          <a:p>
-            <a:r>
-              <a:rPr lang="es-ES" sz="3600" b="1" dirty="0">
-                <a:ln w="12700">
-                  <a:solidFill>
-                    <a:schemeClr val="tx2">
-                      <a:satMod val="155000"/>
-                    </a:schemeClr>
-                  </a:solidFill>
-                  <a:prstDash val="solid"/>
-                </a:ln>
-                <a:solidFill>
-                  <a:schemeClr val="tx1"/>
-                </a:solidFill>
-                <a:effectLst>
-                  <a:outerShdw blurRad="41275" dist="20320" dir="1800000" algn="tl" rotWithShape="0">
-                    <a:srgbClr val="000000">
-                      <a:alpha val="40000"/>
-                    </a:srgbClr>
-                  </a:outerShdw>
-                </a:effectLst>
-                <a:latin typeface="Rockwell" panose="02060603020205020403" pitchFamily="18" charset="0"/>
-              </a:rPr>
-              <a:t>Problema de los puentes </a:t>
-            </a:r>
-          </a:p>
-          <a:p>
-            <a:r>
-              <a:rPr lang="es-ES" sz="3600" b="1" dirty="0">
-                <a:ln w="12700">
-                  <a:solidFill>
-                    <a:schemeClr val="tx2">
-                      <a:satMod val="155000"/>
-                    </a:schemeClr>
-                  </a:solidFill>
-                  <a:prstDash val="solid"/>
-                </a:ln>
-                <a:solidFill>
-                  <a:schemeClr val="tx1"/>
-                </a:solidFill>
-                <a:effectLst>
-                  <a:outerShdw blurRad="41275" dist="20320" dir="1800000" algn="tl" rotWithShape="0">
-                    <a:srgbClr val="000000">
-                      <a:alpha val="40000"/>
-                    </a:srgbClr>
-                  </a:outerShdw>
-                </a:effectLst>
-                <a:latin typeface="Rockwell" panose="02060603020205020403" pitchFamily="18" charset="0"/>
-              </a:rPr>
-              <a:t>			de </a:t>
-            </a:r>
-            <a:r>
-              <a:rPr lang="es-ES" sz="3600" b="1" dirty="0" err="1">
-                <a:ln w="12700">
-                  <a:solidFill>
-                    <a:schemeClr val="tx2">
-                      <a:satMod val="155000"/>
-                    </a:schemeClr>
-                  </a:solidFill>
-                  <a:prstDash val="solid"/>
-                </a:ln>
-                <a:solidFill>
-                  <a:schemeClr val="tx1"/>
-                </a:solidFill>
-                <a:effectLst>
-                  <a:outerShdw blurRad="41275" dist="20320" dir="1800000" algn="tl" rotWithShape="0">
-                    <a:srgbClr val="000000">
-                      <a:alpha val="40000"/>
-                    </a:srgbClr>
-                  </a:outerShdw>
-                </a:effectLst>
-                <a:latin typeface="Rockwell" panose="02060603020205020403" pitchFamily="18" charset="0"/>
-              </a:rPr>
-              <a:t>Königsberg</a:t>
-            </a:r>
-            <a:endParaRPr lang="es-ES" sz="3600" b="1" dirty="0">
-              <a:ln w="12700">
-                <a:solidFill>
-                  <a:schemeClr val="tx2">
-                    <a:satMod val="155000"/>
-                  </a:schemeClr>
-                </a:solidFill>
-                <a:prstDash val="solid"/>
-              </a:ln>
-              <a:solidFill>
-                <a:schemeClr val="tx1"/>
-              </a:solidFill>
-              <a:effectLst>
-                <a:outerShdw blurRad="41275" dist="20320" dir="1800000" algn="tl" rotWithShape="0">
-                  <a:srgbClr val="000000">
-                    <a:alpha val="40000"/>
-                  </a:srgbClr>
-                </a:outerShdw>
-              </a:effectLst>
-              <a:latin typeface="Rockwell" panose="02060603020205020403" pitchFamily="18" charset="0"/>
-            </a:endParaRPr>
-          </a:p>
-        </p:txBody>
-      </p:sp>
-      <p:sp>
-        <p:nvSpPr>
-          <p:cNvPr id="4" name="5 CuadroTexto"/>
-          <p:cNvSpPr txBox="1"/>
-          <p:nvPr/>
-        </p:nvSpPr>
-        <p:spPr>
-          <a:xfrm>
-            <a:off x="267870" y="1722894"/>
-            <a:ext cx="7328466" cy="2677656"/>
-          </a:xfrm>
-          <a:prstGeom prst="rect">
-            <a:avLst/>
-          </a:prstGeom>
-          <a:noFill/>
-        </p:spPr>
-        <p:txBody>
-          <a:bodyPr wrap="square" rtlCol="0">
-            <a:spAutoFit/>
-          </a:bodyPr>
-          <a:lstStyle/>
-          <a:p>
-            <a:r>
-              <a:rPr lang="es-CO" sz="2800" b="1" dirty="0">
-                <a:solidFill>
-                  <a:srgbClr val="002060"/>
-                </a:solidFill>
-                <a:latin typeface="Gabriola" panose="04040605051002020D02" pitchFamily="82" charset="0"/>
-                <a:cs typeface="DaunPenh" panose="01010101010101010101" pitchFamily="2" charset="0"/>
-              </a:rPr>
-              <a:t>La ciudad de Kaliningrado, antiguamente llamada </a:t>
-            </a:r>
-            <a:r>
-              <a:rPr lang="es-CO" sz="2800" b="1" dirty="0" err="1">
-                <a:solidFill>
-                  <a:srgbClr val="002060"/>
-                </a:solidFill>
-                <a:latin typeface="Gabriola" panose="04040605051002020D02" pitchFamily="82" charset="0"/>
-                <a:cs typeface="DaunPenh" panose="01010101010101010101" pitchFamily="2" charset="0"/>
-              </a:rPr>
-              <a:t>Königsberg</a:t>
-            </a:r>
-            <a:r>
-              <a:rPr lang="es-CO" sz="2800" b="1" dirty="0">
-                <a:solidFill>
-                  <a:srgbClr val="002060"/>
-                </a:solidFill>
-                <a:latin typeface="Gabriola" panose="04040605051002020D02" pitchFamily="82" charset="0"/>
-                <a:cs typeface="DaunPenh" panose="01010101010101010101" pitchFamily="2" charset="0"/>
-              </a:rPr>
-              <a:t>, es un bonito lugar situado en la desembocadura del río </a:t>
-            </a:r>
-            <a:r>
-              <a:rPr lang="es-CO" sz="2800" b="1" dirty="0" err="1">
-                <a:solidFill>
-                  <a:srgbClr val="002060"/>
-                </a:solidFill>
-                <a:latin typeface="Gabriola" panose="04040605051002020D02" pitchFamily="82" charset="0"/>
-                <a:cs typeface="DaunPenh" panose="01010101010101010101" pitchFamily="2" charset="0"/>
-              </a:rPr>
-              <a:t>Pregolya</a:t>
-            </a:r>
-            <a:r>
-              <a:rPr lang="es-CO" sz="2800" b="1" dirty="0">
-                <a:solidFill>
-                  <a:srgbClr val="002060"/>
-                </a:solidFill>
-                <a:latin typeface="Gabriola" panose="04040605051002020D02" pitchFamily="82" charset="0"/>
-                <a:cs typeface="DaunPenh" panose="01010101010101010101" pitchFamily="2" charset="0"/>
-              </a:rPr>
-              <a:t>, en la antigua Prusia Oriental. Este río atravesaba la ciudad, dividiendo la zona en varias partes. Para no perder la comunicación, ésta estaba llena de un sistema de puentes conectores.</a:t>
-            </a:r>
-          </a:p>
-        </p:txBody>
-      </p:sp>
     </p:spTree>
     <p:extLst>
       <p:ext uri="{BB962C8B-B14F-4D97-AF65-F5344CB8AC3E}">
-        <p14:creationId xmlns:p14="http://schemas.microsoft.com/office/powerpoint/2010/main" val="2115600314"/>
+        <p14:creationId xmlns:p14="http://schemas.microsoft.com/office/powerpoint/2010/main" val="3442488662"/>
       </p:ext>
     </p:extLst>
   </p:cSld>
@@ -21275,6 +21117,259 @@
           </a:ln>
         </p:spPr>
       </p:pic>
+      <p:sp>
+        <p:nvSpPr>
+          <p:cNvPr id="3" name="2 CuadroTexto"/>
+          <p:cNvSpPr txBox="1"/>
+          <p:nvPr/>
+        </p:nvSpPr>
+        <p:spPr>
+          <a:xfrm>
+            <a:off x="251520" y="267494"/>
+            <a:ext cx="7632848" cy="1200329"/>
+          </a:xfrm>
+          <a:prstGeom prst="rect">
+            <a:avLst/>
+          </a:prstGeom>
+          <a:noFill/>
+        </p:spPr>
+        <p:txBody>
+          <a:bodyPr wrap="square" rtlCol="0">
+            <a:spAutoFit/>
+          </a:bodyPr>
+          <a:lstStyle/>
+          <a:p>
+            <a:r>
+              <a:rPr lang="es-ES" sz="3600" b="1" dirty="0">
+                <a:ln w="12700">
+                  <a:solidFill>
+                    <a:schemeClr val="tx2">
+                      <a:satMod val="155000"/>
+                    </a:schemeClr>
+                  </a:solidFill>
+                  <a:prstDash val="solid"/>
+                </a:ln>
+                <a:solidFill>
+                  <a:schemeClr val="tx1"/>
+                </a:solidFill>
+                <a:effectLst>
+                  <a:outerShdw blurRad="41275" dist="20320" dir="1800000" algn="tl" rotWithShape="0">
+                    <a:srgbClr val="000000">
+                      <a:alpha val="40000"/>
+                    </a:srgbClr>
+                  </a:outerShdw>
+                </a:effectLst>
+                <a:latin typeface="Rockwell" panose="02060603020205020403" pitchFamily="18" charset="0"/>
+              </a:rPr>
+              <a:t>Problema de los puentes </a:t>
+            </a:r>
+          </a:p>
+          <a:p>
+            <a:r>
+              <a:rPr lang="es-ES" sz="3600" b="1" dirty="0">
+                <a:ln w="12700">
+                  <a:solidFill>
+                    <a:schemeClr val="tx2">
+                      <a:satMod val="155000"/>
+                    </a:schemeClr>
+                  </a:solidFill>
+                  <a:prstDash val="solid"/>
+                </a:ln>
+                <a:solidFill>
+                  <a:schemeClr val="tx1"/>
+                </a:solidFill>
+                <a:effectLst>
+                  <a:outerShdw blurRad="41275" dist="20320" dir="1800000" algn="tl" rotWithShape="0">
+                    <a:srgbClr val="000000">
+                      <a:alpha val="40000"/>
+                    </a:srgbClr>
+                  </a:outerShdw>
+                </a:effectLst>
+                <a:latin typeface="Rockwell" panose="02060603020205020403" pitchFamily="18" charset="0"/>
+              </a:rPr>
+              <a:t>			de </a:t>
+            </a:r>
+            <a:r>
+              <a:rPr lang="es-ES" sz="3600" b="1" dirty="0" err="1">
+                <a:ln w="12700">
+                  <a:solidFill>
+                    <a:schemeClr val="tx2">
+                      <a:satMod val="155000"/>
+                    </a:schemeClr>
+                  </a:solidFill>
+                  <a:prstDash val="solid"/>
+                </a:ln>
+                <a:solidFill>
+                  <a:schemeClr val="tx1"/>
+                </a:solidFill>
+                <a:effectLst>
+                  <a:outerShdw blurRad="41275" dist="20320" dir="1800000" algn="tl" rotWithShape="0">
+                    <a:srgbClr val="000000">
+                      <a:alpha val="40000"/>
+                    </a:srgbClr>
+                  </a:outerShdw>
+                </a:effectLst>
+                <a:latin typeface="Rockwell" panose="02060603020205020403" pitchFamily="18" charset="0"/>
+              </a:rPr>
+              <a:t>Königsberg</a:t>
+            </a:r>
+            <a:endParaRPr lang="es-ES" sz="3600" b="1" dirty="0">
+              <a:ln w="12700">
+                <a:solidFill>
+                  <a:schemeClr val="tx2">
+                    <a:satMod val="155000"/>
+                  </a:schemeClr>
+                </a:solidFill>
+                <a:prstDash val="solid"/>
+              </a:ln>
+              <a:solidFill>
+                <a:schemeClr val="tx1"/>
+              </a:solidFill>
+              <a:effectLst>
+                <a:outerShdw blurRad="41275" dist="20320" dir="1800000" algn="tl" rotWithShape="0">
+                  <a:srgbClr val="000000">
+                    <a:alpha val="40000"/>
+                  </a:srgbClr>
+                </a:outerShdw>
+              </a:effectLst>
+              <a:latin typeface="Rockwell" panose="02060603020205020403" pitchFamily="18" charset="0"/>
+            </a:endParaRPr>
+          </a:p>
+        </p:txBody>
+      </p:sp>
+      <p:sp>
+        <p:nvSpPr>
+          <p:cNvPr id="4" name="5 CuadroTexto"/>
+          <p:cNvSpPr txBox="1"/>
+          <p:nvPr/>
+        </p:nvSpPr>
+        <p:spPr>
+          <a:xfrm>
+            <a:off x="267870" y="1722894"/>
+            <a:ext cx="7328466" cy="2677656"/>
+          </a:xfrm>
+          <a:prstGeom prst="rect">
+            <a:avLst/>
+          </a:prstGeom>
+          <a:noFill/>
+        </p:spPr>
+        <p:txBody>
+          <a:bodyPr wrap="square" rtlCol="0">
+            <a:spAutoFit/>
+          </a:bodyPr>
+          <a:lstStyle/>
+          <a:p>
+            <a:r>
+              <a:rPr lang="es-CO" sz="2800" b="1" dirty="0">
+                <a:solidFill>
+                  <a:srgbClr val="002060"/>
+                </a:solidFill>
+                <a:latin typeface="Gabriola" panose="04040605051002020D02" pitchFamily="82" charset="0"/>
+                <a:cs typeface="DaunPenh" panose="01010101010101010101" pitchFamily="2" charset="0"/>
+              </a:rPr>
+              <a:t>La ciudad de Kaliningrado, antiguamente llamada </a:t>
+            </a:r>
+            <a:r>
+              <a:rPr lang="es-CO" sz="2800" b="1" dirty="0" err="1">
+                <a:solidFill>
+                  <a:srgbClr val="002060"/>
+                </a:solidFill>
+                <a:latin typeface="Gabriola" panose="04040605051002020D02" pitchFamily="82" charset="0"/>
+                <a:cs typeface="DaunPenh" panose="01010101010101010101" pitchFamily="2" charset="0"/>
+              </a:rPr>
+              <a:t>Königsberg</a:t>
+            </a:r>
+            <a:r>
+              <a:rPr lang="es-CO" sz="2800" b="1" dirty="0">
+                <a:solidFill>
+                  <a:srgbClr val="002060"/>
+                </a:solidFill>
+                <a:latin typeface="Gabriola" panose="04040605051002020D02" pitchFamily="82" charset="0"/>
+                <a:cs typeface="DaunPenh" panose="01010101010101010101" pitchFamily="2" charset="0"/>
+              </a:rPr>
+              <a:t>, es un bonito lugar situado en la desembocadura del río </a:t>
+            </a:r>
+            <a:r>
+              <a:rPr lang="es-CO" sz="2800" b="1" dirty="0" err="1">
+                <a:solidFill>
+                  <a:srgbClr val="002060"/>
+                </a:solidFill>
+                <a:latin typeface="Gabriola" panose="04040605051002020D02" pitchFamily="82" charset="0"/>
+                <a:cs typeface="DaunPenh" panose="01010101010101010101" pitchFamily="2" charset="0"/>
+              </a:rPr>
+              <a:t>Pregolya</a:t>
+            </a:r>
+            <a:r>
+              <a:rPr lang="es-CO" sz="2800" b="1" dirty="0">
+                <a:solidFill>
+                  <a:srgbClr val="002060"/>
+                </a:solidFill>
+                <a:latin typeface="Gabriola" panose="04040605051002020D02" pitchFamily="82" charset="0"/>
+                <a:cs typeface="DaunPenh" panose="01010101010101010101" pitchFamily="2" charset="0"/>
+              </a:rPr>
+              <a:t>, en la antigua Prusia Oriental. Este río atravesaba la ciudad, dividiendo la zona en varias partes. Para no perder la comunicación, ésta estaba llena de un sistema de puentes conectores.</a:t>
+            </a:r>
+          </a:p>
+        </p:txBody>
+      </p:sp>
+    </p:spTree>
+    <p:extLst>
+      <p:ext uri="{BB962C8B-B14F-4D97-AF65-F5344CB8AC3E}">
+        <p14:creationId xmlns:p14="http://schemas.microsoft.com/office/powerpoint/2010/main" val="2115600314"/>
+      </p:ext>
+    </p:extLst>
+  </p:cSld>
+  <p:clrMapOvr>
+    <a:masterClrMapping/>
+  </p:clrMapOvr>
+</p:sld>
+</file>
+
+<file path=ppt/slides/slide4.xml><?xml version="1.0" encoding="utf-8"?>
+<p:sld xmlns:a="http://schemas.openxmlformats.org/drawingml/2006/main" xmlns:r="http://schemas.openxmlformats.org/officeDocument/2006/relationships" xmlns:p="http://schemas.openxmlformats.org/presentationml/2006/main">
+  <p:cSld>
+    <p:spTree>
+      <p:nvGrpSpPr>
+        <p:cNvPr id="1" name=""/>
+        <p:cNvGrpSpPr/>
+        <p:nvPr/>
+      </p:nvGrpSpPr>
+      <p:grpSpPr>
+        <a:xfrm>
+          <a:off x="0" y="0"/>
+          <a:ext cx="0" cy="0"/>
+          <a:chOff x="0" y="0"/>
+          <a:chExt cx="0" cy="0"/>
+        </a:xfrm>
+      </p:grpSpPr>
+      <p:pic>
+        <p:nvPicPr>
+          <p:cNvPr id="6" name="Shape 143" descr="logosis1.png"/>
+          <p:cNvPicPr preferRelativeResize="0"/>
+          <p:nvPr/>
+        </p:nvPicPr>
+        <p:blipFill>
+          <a:blip r:embed="rId2">
+            <a:alphaModFix/>
+          </a:blip>
+          <a:stretch>
+            <a:fillRect/>
+          </a:stretch>
+        </p:blipFill>
+        <p:spPr>
+          <a:xfrm>
+            <a:off x="6901818" y="3657601"/>
+            <a:ext cx="2242181" cy="1485899"/>
+          </a:xfrm>
+          <a:prstGeom prst="rect">
+            <a:avLst/>
+          </a:prstGeom>
+          <a:noFill/>
+          <a:ln>
+            <a:noFill/>
+          </a:ln>
+        </p:spPr>
+      </p:pic>
       <p:pic>
         <p:nvPicPr>
           <p:cNvPr id="2" name="Imagen 1"/>
@@ -21312,7 +21407,7 @@
 </p:sld>
 </file>
 
-<file path=ppt/slides/slide4.xml><?xml version="1.0" encoding="utf-8"?>
+<file path=ppt/slides/slide5.xml><?xml version="1.0" encoding="utf-8"?>
 <p:sld xmlns:a="http://schemas.openxmlformats.org/drawingml/2006/main" xmlns:r="http://schemas.openxmlformats.org/officeDocument/2006/relationships" xmlns:p="http://schemas.openxmlformats.org/presentationml/2006/main" showMasterSp="0">
   <p:cSld>
     <p:bg>
@@ -21501,101 +21596,6 @@
     <p:extLst>
       <p:ext uri="{BB962C8B-B14F-4D97-AF65-F5344CB8AC3E}">
         <p14:creationId xmlns:p14="http://schemas.microsoft.com/office/powerpoint/2010/main" val="4101898087"/>
-      </p:ext>
-    </p:extLst>
-  </p:cSld>
-  <p:clrMapOvr>
-    <a:masterClrMapping/>
-  </p:clrMapOvr>
-</p:sld>
-</file>
-
-<file path=ppt/slides/slide5.xml><?xml version="1.0" encoding="utf-8"?>
-<p:sld xmlns:a="http://schemas.openxmlformats.org/drawingml/2006/main" xmlns:r="http://schemas.openxmlformats.org/officeDocument/2006/relationships" xmlns:p="http://schemas.openxmlformats.org/presentationml/2006/main">
-  <p:cSld>
-    <p:spTree>
-      <p:nvGrpSpPr>
-        <p:cNvPr id="1" name=""/>
-        <p:cNvGrpSpPr/>
-        <p:nvPr/>
-      </p:nvGrpSpPr>
-      <p:grpSpPr>
-        <a:xfrm>
-          <a:off x="0" y="0"/>
-          <a:ext cx="0" cy="0"/>
-          <a:chOff x="0" y="0"/>
-          <a:chExt cx="0" cy="0"/>
-        </a:xfrm>
-      </p:grpSpPr>
-      <p:pic>
-        <p:nvPicPr>
-          <p:cNvPr id="1026" name="Picture 2" descr="Resultado de imagen para if i have seen further it is by standing on the shoulders of giants"/>
-          <p:cNvPicPr>
-            <a:picLocks noChangeAspect="1" noChangeArrowheads="1"/>
-          </p:cNvPicPr>
-          <p:nvPr/>
-        </p:nvPicPr>
-        <p:blipFill>
-          <a:blip r:embed="rId2">
-            <a:extLst>
-              <a:ext uri="{28A0092B-C50C-407E-A947-70E740481C1C}">
-                <a14:useLocalDpi xmlns:a14="http://schemas.microsoft.com/office/drawing/2010/main" val="0"/>
-              </a:ext>
-            </a:extLst>
-          </a:blip>
-          <a:srcRect/>
-          <a:stretch>
-            <a:fillRect/>
-          </a:stretch>
-        </p:blipFill>
-        <p:spPr bwMode="auto">
-          <a:xfrm>
-            <a:off x="2275359" y="-9356578"/>
-            <a:ext cx="6400000" cy="3600000"/>
-          </a:xfrm>
-          <a:prstGeom prst="rect">
-            <a:avLst/>
-          </a:prstGeom>
-          <a:noFill/>
-          <a:extLst>
-            <a:ext uri="{909E8E84-426E-40DD-AFC4-6F175D3DCCD1}">
-              <a14:hiddenFill xmlns:a14="http://schemas.microsoft.com/office/drawing/2010/main">
-                <a:solidFill>
-                  <a:srgbClr val="FFFFFF"/>
-                </a:solidFill>
-              </a14:hiddenFill>
-            </a:ext>
-          </a:extLst>
-        </p:spPr>
-      </p:pic>
-      <p:pic>
-        <p:nvPicPr>
-          <p:cNvPr id="4" name="Imagen 3"/>
-          <p:cNvPicPr>
-            <a:picLocks noChangeAspect="1"/>
-          </p:cNvPicPr>
-          <p:nvPr/>
-        </p:nvPicPr>
-        <p:blipFill>
-          <a:blip r:embed="rId2"/>
-          <a:stretch>
-            <a:fillRect/>
-          </a:stretch>
-        </p:blipFill>
-        <p:spPr>
-          <a:xfrm>
-            <a:off x="0" y="0"/>
-            <a:ext cx="9144000" cy="5143500"/>
-          </a:xfrm>
-          <a:prstGeom prst="rect">
-            <a:avLst/>
-          </a:prstGeom>
-        </p:spPr>
-      </p:pic>
-    </p:spTree>
-    <p:extLst>
-      <p:ext uri="{BB962C8B-B14F-4D97-AF65-F5344CB8AC3E}">
-        <p14:creationId xmlns:p14="http://schemas.microsoft.com/office/powerpoint/2010/main" val="3442488662"/>
       </p:ext>
     </p:extLst>
   </p:cSld>

--- a/PRESENTACIÓN TALLER GRAFOS.pptx
+++ b/PRESENTACIÓN TALLER GRAFOS.pptx
@@ -5,31 +5,35 @@
     <p:sldMasterId id="2147483664" r:id="rId1"/>
   </p:sldMasterIdLst>
   <p:notesMasterIdLst>
-    <p:notesMasterId r:id="rId24"/>
+    <p:notesMasterId r:id="rId28"/>
   </p:notesMasterIdLst>
   <p:sldIdLst>
     <p:sldId id="258" r:id="rId2"/>
     <p:sldId id="279" r:id="rId3"/>
     <p:sldId id="276" r:id="rId4"/>
     <p:sldId id="277" r:id="rId5"/>
-    <p:sldId id="278" r:id="rId6"/>
-    <p:sldId id="275" r:id="rId7"/>
-    <p:sldId id="257" r:id="rId8"/>
-    <p:sldId id="262" r:id="rId9"/>
-    <p:sldId id="259" r:id="rId10"/>
-    <p:sldId id="261" r:id="rId11"/>
-    <p:sldId id="263" r:id="rId12"/>
-    <p:sldId id="265" r:id="rId13"/>
-    <p:sldId id="264" r:id="rId14"/>
-    <p:sldId id="267" r:id="rId15"/>
-    <p:sldId id="266" r:id="rId16"/>
-    <p:sldId id="268" r:id="rId17"/>
-    <p:sldId id="271" r:id="rId18"/>
-    <p:sldId id="272" r:id="rId19"/>
-    <p:sldId id="269" r:id="rId20"/>
-    <p:sldId id="270" r:id="rId21"/>
-    <p:sldId id="273" r:id="rId22"/>
-    <p:sldId id="274" r:id="rId23"/>
+    <p:sldId id="280" r:id="rId6"/>
+    <p:sldId id="281" r:id="rId7"/>
+    <p:sldId id="282" r:id="rId8"/>
+    <p:sldId id="278" r:id="rId9"/>
+    <p:sldId id="275" r:id="rId10"/>
+    <p:sldId id="257" r:id="rId11"/>
+    <p:sldId id="262" r:id="rId12"/>
+    <p:sldId id="259" r:id="rId13"/>
+    <p:sldId id="261" r:id="rId14"/>
+    <p:sldId id="263" r:id="rId15"/>
+    <p:sldId id="265" r:id="rId16"/>
+    <p:sldId id="264" r:id="rId17"/>
+    <p:sldId id="267" r:id="rId18"/>
+    <p:sldId id="266" r:id="rId19"/>
+    <p:sldId id="271" r:id="rId20"/>
+    <p:sldId id="268" r:id="rId21"/>
+    <p:sldId id="272" r:id="rId22"/>
+    <p:sldId id="269" r:id="rId23"/>
+    <p:sldId id="270" r:id="rId24"/>
+    <p:sldId id="273" r:id="rId25"/>
+    <p:sldId id="274" r:id="rId26"/>
+    <p:sldId id="283" r:id="rId27"/>
   </p:sldIdLst>
   <p:sldSz cx="9144000" cy="5143500" type="screen16x9"/>
   <p:notesSz cx="6858000" cy="9144000"/>
@@ -252,6 +256,354 @@
     </p:ext>
   </p:extLst>
 </p:presentation>
+</file>
+
+<file path=ppt/ink/ink1.xml><?xml version="1.0" encoding="utf-8"?>
+<inkml:ink xmlns:inkml="http://www.w3.org/2003/InkML">
+  <inkml:definitions>
+    <inkml:context xml:id="ctx0">
+      <inkml:inkSource xml:id="inkSrc0">
+        <inkml:traceFormat>
+          <inkml:channel name="X" type="integer" min="-2.14748E9" max="2.14748E9" units="cm"/>
+          <inkml:channel name="Y" type="integer" min="-2.14748E9" max="2.14748E9" units="cm"/>
+        </inkml:traceFormat>
+        <inkml:channelProperties>
+          <inkml:channelProperty channel="X" name="resolution" value="1000" units="1/cm"/>
+          <inkml:channelProperty channel="Y" name="resolution" value="1000" units="1/cm"/>
+        </inkml:channelProperties>
+      </inkml:inkSource>
+      <inkml:timestamp xml:id="ts0" timeString="2016-11-25T04:23:53.573"/>
+    </inkml:context>
+    <inkml:brush xml:id="br0">
+      <inkml:brushProperty name="width" value="0.26667" units="cm"/>
+      <inkml:brushProperty name="height" value="0.53333" units="cm"/>
+      <inkml:brushProperty name="color" value="#00FFFF"/>
+      <inkml:brushProperty name="tip" value="rectangle"/>
+      <inkml:brushProperty name="rasterOp" value="maskPen"/>
+      <inkml:brushProperty name="ignorePressure" value="1"/>
+    </inkml:brush>
+  </inkml:definitions>
+  <inkml:trace contextRef="#ctx0" brushRef="#br0">1 1417,'0'-5,"5"-2,7-5,0-5,6 1,-3-3,-3-3,2-2,-3-3,-1-1,1 3,0 2,1 0,1-2,2 4,-1-1,-4 0,2 4,-1-2,3 4,4 4,-2 0,3-5,2 2,-3-1,-3-5,0 3,-3 0,2-5,0 0,1 2,-2 0,2 3,-1 1,-3-4,1 4,4-1,-1-3,2 3,-2-1,-3-3,1 3,-1 0,1-3,0-1,1-3,0-2,1 5,4 4,-2 3,2 3,2 3,-2-1,-4-4,0 1,2 3,-1-3,2 2,-3-1,1 0,4 3,2-3,9-3,2 1,3 3,-7 9,-6 9,-9 9,-6 7,-4 5,-4 2,0 3,-2-1,1 0,-1 0,1 0,1-2,-6-3,-1-3,-4 0,-6-4,-5-5,2 1,-2-3,0-4,-4 2,0 0,-2 2,-7 6,-1-2,0-3,5 3,5-4,0-3,5 2,2-1,2 4,6 3,0-1,0 2,3 4,2 1,3 4,-3-4,-1-1,-4 2,0 1,-3 2,-1 0,5 2,2-10,14-23,14-36,21-41,27-52,27-38,14-17,-3 15,-15 32,-22 35,-17 35,-23 39,-22 31,-17 26,-12 28,-11 20,-6 13,-2 2,3-5,1 1,8-12,3-11,2-11,3-9,7-8,1-7,2-6,3 1,-3 1,-4 2,1 2,-2-4,0 0,4 1,0-3,-5-6,-4 1,-2-3,-4-3,-1-3,-2-3,0 3,-1 1,1 0,5 2,2 6,0-1,3 4,1-3,3-8,4-10,4-10,4-8,3-5,0-8,2-9,0-1,0 0,4-1,8-3,1 2,2 3,0-1,2 6,2 7,3 1,3 2,-3 0,-5 1,-2-2,-3 1,2 4,-2 2,2 4,3 6,-2-2,3 4,1 2,5-2,0-5,3 0,1-1,2 1,-7-3,-1 4,-3 3</inkml:trace>
+</inkml:ink>
+</file>
+
+<file path=ppt/ink/ink10.xml><?xml version="1.0" encoding="utf-8"?>
+<inkml:ink xmlns:inkml="http://www.w3.org/2003/InkML">
+  <inkml:definitions>
+    <inkml:context xml:id="ctx0">
+      <inkml:inkSource xml:id="inkSrc0">
+        <inkml:traceFormat>
+          <inkml:channel name="X" type="integer" min="-2.14748E9" max="2.14748E9" units="cm"/>
+          <inkml:channel name="Y" type="integer" min="-2.14748E9" max="2.14748E9" units="cm"/>
+        </inkml:traceFormat>
+        <inkml:channelProperties>
+          <inkml:channelProperty channel="X" name="resolution" value="1000" units="1/cm"/>
+          <inkml:channelProperty channel="Y" name="resolution" value="1000" units="1/cm"/>
+        </inkml:channelProperties>
+      </inkml:inkSource>
+      <inkml:timestamp xml:id="ts0" timeString="2016-11-25T04:28:14.703"/>
+    </inkml:context>
+    <inkml:brush xml:id="br0">
+      <inkml:brushProperty name="width" value="0.26667" units="cm"/>
+      <inkml:brushProperty name="height" value="0.53333" units="cm"/>
+      <inkml:brushProperty name="color" value="#7CB5E0"/>
+      <inkml:brushProperty name="tip" value="rectangle"/>
+      <inkml:brushProperty name="rasterOp" value="maskPen"/>
+      <inkml:brushProperty name="ignorePressure" value="1"/>
+    </inkml:brush>
+  </inkml:definitions>
+  <inkml:trace contextRef="#ctx0" brushRef="#br0">29 0,'0'16,"0"23,0 32,0 28,0 13,0 2,-5-3,-2-10,1-14,1-14,1-27,2-24,6-22,2-11</inkml:trace>
+</inkml:ink>
+</file>
+
+<file path=ppt/ink/ink11.xml><?xml version="1.0" encoding="utf-8"?>
+<inkml:ink xmlns:inkml="http://www.w3.org/2003/InkML">
+  <inkml:definitions>
+    <inkml:context xml:id="ctx0">
+      <inkml:inkSource xml:id="inkSrc0">
+        <inkml:traceFormat>
+          <inkml:channel name="X" type="integer" min="-2.14748E9" max="2.14748E9" units="cm"/>
+          <inkml:channel name="Y" type="integer" min="-2.14748E9" max="2.14748E9" units="cm"/>
+        </inkml:traceFormat>
+        <inkml:channelProperties>
+          <inkml:channelProperty channel="X" name="resolution" value="1000" units="1/cm"/>
+          <inkml:channelProperty channel="Y" name="resolution" value="1000" units="1/cm"/>
+        </inkml:channelProperties>
+      </inkml:inkSource>
+      <inkml:timestamp xml:id="ts0" timeString="2016-11-25T04:28:23.017"/>
+    </inkml:context>
+    <inkml:brush xml:id="br0">
+      <inkml:brushProperty name="width" value="0.26667" units="cm"/>
+      <inkml:brushProperty name="height" value="0.53333" units="cm"/>
+      <inkml:brushProperty name="color" value="#0070C0"/>
+      <inkml:brushProperty name="tip" value="rectangle"/>
+      <inkml:brushProperty name="rasterOp" value="maskPen"/>
+      <inkml:brushProperty name="ignorePressure" value="1"/>
+    </inkml:brush>
+  </inkml:definitions>
+  <inkml:trace contextRef="#ctx0" brushRef="#br0">192 2033,'4'-10,"13"-19,12-29,17-19,11-18,5-8,7-4,9-17,3-21,1-16,-6-16,-5-13,-9 10,-16 27,-9 28,-8 31,-7 26,-4 20,1 14,-2 5,-1 11,-1 11,-5 17,-3 17,-8 10,-4 13,-11 13,-7 11,-6 13,-2 11,-2 5,0 0,2-8,0-10,0-9,1-3,5-3,-3 1,-1-2,-3-2,2-1,-1-9,1-9,-1-11,2-8,-6 1,-12 12,-2 7,2 7,3 2,5 3,4-5,3-6,7-18,6-28,9-35,4-33,4-26,3-12,5 1,7 3,2 12,7 17,6 15,3 15,0 12,2 9,5 6,-1 8,0 3,-1 6,-8 15,-2 11,-7 17,-12 10,-10 10,-16 14,-15 12,-12 17,-7 8,-1 0,6-11,3-18,11-30,12-41,13-47,14-51,21-55,21-61,23-49,15-10,6 21,-5 46,-18 64,-21 68,-18 59,-14 39,-9 32,-12 23,-19 14,-16 6,-10-15,-1-18,7-30,11-34,18-30,20-24,20-22,16-5,11-4,3 9,1 15,-3 18,-6 19,-10 19,-7 23,-8 19,-8 14,-5 7,-10 3,-10 0,-16-6,-16-11,-8-5,-12-13,-4-16,3-11,4-11,7-16,12-27,13-23,13-21,8-14,6-9,13 0,9 13,7 17,9 20,3 20,5 18,0 23,-3 29,-2 28,-9 34,-9 23,-8 13,-17 5,-17-9,-20-12,-14-24,-7-20,-3-21,0-19,5-21,3-23,12-20,12-26,13-23,10-30,6-22,4-14,7-2,17 1,15 22,6 25,10 30,1 26,-5 19,0 19,-5 19,-3 13,-11 10,-10 10,-9 10,-12 10,-10 3,-19 5,-21-1,-16-9,-13-15,-2-18,8-14,3-11,18-17,14-23,15-20,10-23,8-18,4-19,7-12,14 6,6 13,5 22,1 26,1 24,5 15,-1 21,5 24,4 18,0 11,-4 10,-8 4,-12 5,-7 9,-8 1,-6 4,-17 3,-22 0,-19-11,-10-10,-4-16,4-19,4-15,7-18,9-18,11-22,8-26,6-28,9-38,6-43,3-23,23-23,23-6,19 14,9 29,14 40,5 42,4 38,1 35,-6 31,-3 29,-11 19,-14 16,-11 9,-16 8,-11 7,-12 4,-21 15,-30 13,-28 9,-28 9,-17-8,-15-9,5-19,8-22,13-25,20-24,23-24,21-23,18-26,12-27,13-22,14-28,11-5,9 8,3 16,0 26,-3 23,3 25,13 29,4 30,5 36,8 33,2 16,-7 13,-15 2,-17-8,-22-15,-32-8,-30-12,-23-14,-29-15,-12-13,-3-17,10-21,16-26,20-34,21-38,18-36,16-34,15-31,22-28,22-11,15 18,12 28,3 45,-5 44,-10 36,-4 27,-2 17,-5 20,-5 28,-6 16,-3 14,-3 10,-6 10,-9 0,-5-6,-6-6,-8-3,-9-10,-12-10,-12-10,-6-13,-5-13,2-14,1-14,-1-15,8-15,8-6,11-10,8-12,5-9,20-7,21 4,20 6,16 10,10 15,1 16,3 12,-10 10,-7 6,-15 8,-17 10,-15 9,-10 8,-9 12,-3 9,-14 5,-7-2,-6-1,-9-10,1-12</inkml:trace>
+</inkml:ink>
+</file>
+
+<file path=ppt/ink/ink12.xml><?xml version="1.0" encoding="utf-8"?>
+<inkml:ink xmlns:inkml="http://www.w3.org/2003/InkML">
+  <inkml:definitions>
+    <inkml:context xml:id="ctx0">
+      <inkml:inkSource xml:id="inkSrc0">
+        <inkml:traceFormat>
+          <inkml:channel name="X" type="integer" min="-2.14748E9" max="2.14748E9" units="cm"/>
+          <inkml:channel name="Y" type="integer" min="-2.14748E9" max="2.14748E9" units="cm"/>
+        </inkml:traceFormat>
+        <inkml:channelProperties>
+          <inkml:channelProperty channel="X" name="resolution" value="1000" units="1/cm"/>
+          <inkml:channelProperty channel="Y" name="resolution" value="1000" units="1/cm"/>
+        </inkml:channelProperties>
+      </inkml:inkSource>
+      <inkml:timestamp xml:id="ts0" timeString="2016-11-25T04:28:26.328"/>
+    </inkml:context>
+    <inkml:brush xml:id="br0">
+      <inkml:brushProperty name="width" value="0.26667" units="cm"/>
+      <inkml:brushProperty name="height" value="0.53333" units="cm"/>
+      <inkml:brushProperty name="color" value="#0070C0"/>
+      <inkml:brushProperty name="tip" value="rectangle"/>
+      <inkml:brushProperty name="rasterOp" value="maskPen"/>
+      <inkml:brushProperty name="ignorePressure" value="1"/>
+    </inkml:brush>
+  </inkml:definitions>
+  <inkml:trace contextRef="#ctx0" brushRef="#br0">73 1780,'0'-10,"5"-29,12-37,17-52,24-53,22-47,17-15,17 10,21 24,5 42,-5 43,-20 45,-24 35,-24 25,-22 21,-20 19,-13 18,-9 16,-16 14,-14 11,-14 6,-19-1,-10-5,-3-11,0-18,9-16,9-15,15-16,13-14,12-9,8-13,11-6,14-4,10-3,9-3,14 7,8 12,0 8,-6 9,-7 7,-10 9,-13 19,-14 19,-24 31,-30 24,-32 28,-18 18,-9-1,0-4,7-21,14-25,17-28,19-31,19-30,13-25,9-30,6-21,8-13,7-8,7 9,9 8,10 12,2 17,0 16,-3 15,1 9,-5 11,-4 11,-9 12,-7 12,-5 10,-11 17,-11 11,-13 15,-12 6,-11-5,-6 0,-5-18,-4-16,7-12,4-15,8-11,5-11,11-21,8-24,8-25,6-39,9-31,14-24,17-5,20 3,5 20,2 27,-4 27,-8 29,-6 23,-1 15,-4 13,-1 11,-4 9,-2 11,-8 12,-5 9,-8 6,-16 8,-11 9,-13 13,-13 5,-13 10,-12 6,-1-3,-3-12,1-19,0-17,9-18,5-16,7-12,5-11,6-16,11-25,7-30,10-28,9-22,27-19,28-17,25-11,20 3,6 16,3 26,-4 37,-8 32,-16 26,-12 28,-7 25,-9 17,-13 13,-8 12,-10 17,-9 6,-10 21,-16 11,-6 21,-15 16,-16 11,-19 3,-23-8,-17-21,-3-25,-4-28,4-29,17-24,17-18,19-13,20-17,15-21,14-15,17-15,19-17,19-25,17-19,15-8,3 2,3 9,-6 19,-7 28,-5 21,-8 19,-9 16,-7 11,-6 6,-8 9,-9 8,-7 6,-5 15,-9 10,-3 8,-11 10,-13 3,-5-5,-2-7,-5-14,0-14,4-11,1-10,-2-9,7-22,7-19,9-9,3 0,3-2,2 9</inkml:trace>
+</inkml:ink>
+</file>
+
+<file path=ppt/ink/ink2.xml><?xml version="1.0" encoding="utf-8"?>
+<inkml:ink xmlns:inkml="http://www.w3.org/2003/InkML">
+  <inkml:definitions>
+    <inkml:context xml:id="ctx0">
+      <inkml:inkSource xml:id="inkSrc0">
+        <inkml:traceFormat>
+          <inkml:channel name="X" type="integer" min="-2.14748E9" max="2.14748E9" units="cm"/>
+          <inkml:channel name="Y" type="integer" min="-2.14748E9" max="2.14748E9" units="cm"/>
+        </inkml:traceFormat>
+        <inkml:channelProperties>
+          <inkml:channelProperty channel="X" name="resolution" value="1000" units="1/cm"/>
+          <inkml:channelProperty channel="Y" name="resolution" value="1000" units="1/cm"/>
+        </inkml:channelProperties>
+      </inkml:inkSource>
+      <inkml:timestamp xml:id="ts0" timeString="2016-11-25T04:24:14.058"/>
+    </inkml:context>
+    <inkml:brush xml:id="br0">
+      <inkml:brushProperty name="width" value="0.26667" units="cm"/>
+      <inkml:brushProperty name="height" value="0.53333" units="cm"/>
+      <inkml:brushProperty name="color" value="#226292"/>
+      <inkml:brushProperty name="tip" value="rectangle"/>
+      <inkml:brushProperty name="rasterOp" value="maskPen"/>
+      <inkml:brushProperty name="ignorePressure" value="1"/>
+    </inkml:brush>
+  </inkml:definitions>
+  <inkml:trace contextRef="#ctx0" brushRef="#br0">357 1126,'5'-5,"11"-18,19-18,14-24,7-9,0-3,-6 1,-4 3,-11 11,-2 4,-5 8,1 7,7 1,7 2,1 4,-3 2,3 1,-1 9,-4 1,-7 10,-15 12,-20 12,-15 19,-19 24,-24 28,-20 30,-19 18,-5 4,4-9,14-16,18-27,19-32,19-29,20-29,11-18,11-10,10-7,-1-3,-3-4,2-2,1 7,-2 6,-4 0,5 1,0 3,7-4,3 0,2 3,1 6,0 9,-1 2,-4 0,-4 4,-4 8,-6 11,-5 10,-4 7,-8 6,-8 2,-7 7,-5-2,-4 1,-2-3,4-3,1-6,1-3,-2 1,5 3,0-5,4 1,0-3,-3 0,-3-3,-1-2,-4-5,5 2,1-1,-2-1,-1-3,-2-1,0-1,-2 3,0 2,-1 0,1-3,-1 4,0 6,5 4,2 7,5 1,5 3,5 1,4 1,3-1,-4-4,-1-3,1-9,1-13,1-11,1-9,1-7,1-3,0-2,0-1,0 0,6 1,1 0,4 1,1-1,4 7,2 1,0 0,-4-1,2 3,-4 1,3-8,4-2,2 2,-2 3,2 4,-4 1,-4-1,0 4,-1-2,2 4,-2-2,2 2,-1 0,3 2,-2-2,1 0,-1 0,3 1,1-1,4-5,-1-2,0-3,-4-3,-3-1,-6 0,2 4,-2 1,4 6,5-1,-2-1,3 3,3 4,3-1,2 2,2 4,-4-3,0 1,-6-3,0 1,-2-3,0 2,2-4,4 4,-2-3,0 2,3 2,0 5,4 3,1 2,1 6,0 3,-3 6,-8 4,-7 5,-9 0,-6-1,-2 2,-4 3,-2 7,2 1,2-8,-2-15,-4-13,-6-14,-3-1,-8 1,-5 3,-5 3,-7 10,2 5,2 5,8 7,12 5,3 0,6-1,1-2,3 0,-3-3,2 0,3 4,-2-3,0 1,-3-2,2 1,-2-3,0 2,-1-2,-5-3,3 0,-2 0,-3 2,4 5,-1-1,1 1,7 3,-2 3,2 2,1 2,0 1,0 1,-2 0,0 0,-4-5,3-2,2 0,4 2,3 1,2 2,1-1,1 3,0-1,1 1,0-1,-1 2,0-2,1 1,-6-6,-2-5</inkml:trace>
+</inkml:ink>
+</file>
+
+<file path=ppt/ink/ink3.xml><?xml version="1.0" encoding="utf-8"?>
+<inkml:ink xmlns:inkml="http://www.w3.org/2003/InkML">
+  <inkml:definitions>
+    <inkml:context xml:id="ctx0">
+      <inkml:inkSource xml:id="inkSrc0">
+        <inkml:traceFormat>
+          <inkml:channel name="X" type="integer" min="-2.14748E9" max="2.14748E9" units="cm"/>
+          <inkml:channel name="Y" type="integer" min="-2.14748E9" max="2.14748E9" units="cm"/>
+        </inkml:traceFormat>
+        <inkml:channelProperties>
+          <inkml:channelProperty channel="X" name="resolution" value="1000" units="1/cm"/>
+          <inkml:channelProperty channel="Y" name="resolution" value="1000" units="1/cm"/>
+        </inkml:channelProperties>
+      </inkml:inkSource>
+      <inkml:timestamp xml:id="ts0" timeString="2016-11-25T04:28:26.328"/>
+    </inkml:context>
+    <inkml:brush xml:id="br0">
+      <inkml:brushProperty name="width" value="0.26667" units="cm"/>
+      <inkml:brushProperty name="height" value="0.53333" units="cm"/>
+      <inkml:brushProperty name="color" value="#0070C0"/>
+      <inkml:brushProperty name="tip" value="rectangle"/>
+      <inkml:brushProperty name="rasterOp" value="maskPen"/>
+      <inkml:brushProperty name="ignorePressure" value="1"/>
+    </inkml:brush>
+  </inkml:definitions>
+  <inkml:trace contextRef="#ctx0" brushRef="#br0">73 1780,'0'-10,"5"-29,12-37,17-52,24-53,22-47,17-15,17 10,21 24,5 42,-5 43,-20 45,-24 35,-24 25,-22 21,-20 19,-13 18,-9 16,-16 14,-14 11,-14 6,-19-1,-10-5,-3-11,0-18,9-16,9-15,15-16,13-14,12-9,8-13,11-6,14-4,10-3,9-3,14 7,8 12,0 8,-6 9,-7 7,-10 9,-13 19,-14 19,-24 31,-30 24,-32 28,-18 18,-9-1,0-4,7-21,14-25,17-28,19-31,19-30,13-25,9-30,6-21,8-13,7-8,7 9,9 8,10 12,2 17,0 16,-3 15,1 9,-5 11,-4 11,-9 12,-7 12,-5 10,-11 17,-11 11,-13 15,-12 6,-11-5,-6 0,-5-18,-4-16,7-12,4-15,8-11,5-11,11-21,8-24,8-25,6-39,9-31,14-24,17-5,20 3,5 20,2 27,-4 27,-8 29,-6 23,-1 15,-4 13,-1 11,-4 9,-2 11,-8 12,-5 9,-8 6,-16 8,-11 9,-13 13,-13 5,-13 10,-12 6,-1-3,-3-12,1-19,0-17,9-18,5-16,7-12,5-11,6-16,11-25,7-30,10-28,9-22,27-19,28-17,25-11,20 3,6 16,3 26,-4 37,-8 32,-16 26,-12 28,-7 25,-9 17,-13 13,-8 12,-10 17,-9 6,-10 21,-16 11,-6 21,-15 16,-16 11,-19 3,-23-8,-17-21,-3-25,-4-28,4-29,17-24,17-18,19-13,20-17,15-21,14-15,17-15,19-17,19-25,17-19,15-8,3 2,3 9,-6 19,-7 28,-5 21,-8 19,-9 16,-7 11,-6 6,-8 9,-9 8,-7 6,-5 15,-9 10,-3 8,-11 10,-13 3,-5-5,-2-7,-5-14,0-14,4-11,1-10,-2-9,7-22,7-19,9-9,3 0,3-2,2 9</inkml:trace>
+</inkml:ink>
+</file>
+
+<file path=ppt/ink/ink4.xml><?xml version="1.0" encoding="utf-8"?>
+<inkml:ink xmlns:inkml="http://www.w3.org/2003/InkML">
+  <inkml:definitions>
+    <inkml:context xml:id="ctx0">
+      <inkml:inkSource xml:id="inkSrc0">
+        <inkml:traceFormat>
+          <inkml:channel name="X" type="integer" min="-2.14748E9" max="2.14748E9" units="cm"/>
+          <inkml:channel name="Y" type="integer" min="-2.14748E9" max="2.14748E9" units="cm"/>
+        </inkml:traceFormat>
+        <inkml:channelProperties>
+          <inkml:channelProperty channel="X" name="resolution" value="1000" units="1/cm"/>
+          <inkml:channelProperty channel="Y" name="resolution" value="1000" units="1/cm"/>
+        </inkml:channelProperties>
+      </inkml:inkSource>
+      <inkml:timestamp xml:id="ts0" timeString="2016-11-25T04:29:35.721"/>
+    </inkml:context>
+    <inkml:brush xml:id="br0">
+      <inkml:brushProperty name="width" value="0.26667" units="cm"/>
+      <inkml:brushProperty name="height" value="0.53333" units="cm"/>
+      <inkml:brushProperty name="color" value="#0070C0"/>
+      <inkml:brushProperty name="tip" value="rectangle"/>
+      <inkml:brushProperty name="rasterOp" value="maskPen"/>
+      <inkml:brushProperty name="ignorePressure" value="1"/>
+    </inkml:brush>
+  </inkml:definitions>
+  <inkml:trace contextRef="#ctx0" brushRef="#br0">1 1581,'0'-4,"0"-11,5-14,5-14,7-19,10-23,4-24,2-18,0-1,4 16,1 22,-3 28,-1 22,-3 20,-1 13,-2 16,-4 12,-4 12,-3 10,0 6,-4-1,-4-2,-3-1,-3 7,-2 3,-1-2,-9-1,-9-2,-6-2,-7-5,-5-6,1-9,0-9,3-8,1-6,6-8,7-14,7-11,6-13,7-3,9 6,8 9,3 10,4 13,-2 12,-6 14,-1 9,-3 3,-4 3,-4 3,-3 0,-2 4,-1 3,-5 9,-2 4,-4 1,-2-3,-1-8,1-7,2-6,4 2,1-3,4-1,-4-7,-4-8,-6-5,-6-7,3-8,-1-5,3-5,-1 0,3-4,5-2,3-5,3-2,3-2,0 0,2-1,-1 0,1-1,0 1,-1 0,1 0,-1 0,0 1,0 0,0-1,0 1,4 3,2 3,0-1,-1 0,3-2,0-2,-1 0,-2-2,0 1,1 3,1 3,-1-1,-2-1,4-1,0-2,-1 0,3 3,0 2,2 4,-1 0,-1-6,-4-4,-2-3,4-4,4-7,0-1,2-3,6 3,-3 2,1-1,3 3,10-3,12 1,10-2,7 3,12 1,7 5,0 0,5-1,-1-5,-3-6,-4 1,-10 8,-8 9,-9 11,-7 6,-2 7,-4 2,-2 12,-2 12,-3 13,0 9,-7 1,3 13,2 4,-3-3,-6-2,-6-2,-10-1,-10-1,-9-4,0-6,-3-6,-3-6,-1-1,3-4,-5 1,-2-2,-1 5,-5 2,-7 0,0-1,1-1,4-7,3-1,2-1,2 0,1 3,0 0,2 2,-2-1,6 2,2-5,2-1,2 0,-2 5,1 4,1-5,1 0,0-2,-3 1,-3 0,-3-3,4-1,-1-5,-1 0,-1-1,-1-1,2 3,1-2,-1 3,0-4,-2 2,-3-2,6 1,4 2,1-1,0-3,-4-4,2 1,0-2,-2-1,11-3,18-1,15-2,10 4,2 3,1-3,-1 0,-3-2,-2-2,-1 0,-1 0,-7-6,-1-2,-3-4,2-5,4-4,3 0,0 0,2 4,3-1,-1-3,-4 3,-4 0,-3 1,-3 1,-2 1,-2 0,1 0,-3 0,4 1,-3-1,-2-4,-4-3,-2-7,3-4,-1-1,1 1,1 5,6 3,-1 0,-1 1,-3-6,1 1,-1 3,-2-2,-2 2,-2-2,3 5,0 2,0-2,4 0,-1-8,-1-10,-3-15,4-11,3-4,7 1,-2 7,-3 5,-5 7,-1 8,0 6,-1 0,3 1,1 2,2-7,0-7,-3-4,-4-3,-1 3,-3 0,-2 5,-4 9,-12 13,-8 9,-8 7,-5 10,-5 5,1 10,1 8,8 2,1 4,-5-1,0 1,-4-2,0 1,3-2,2-4,3-3,2 0,1 3,7-1,1 2,-1 2,5 0,4 1,1-1,0 2,4-2,-1 6,-5 6,1 0,1 0,0-3,1 1,2 1,3-4,-2 4,-1 0,-2 6,-4 1,0-2,-3 1,4-2,-2-5,-3 3,2-2,4-4,5 0,3-4,-3 4,1 0,1-1,-3 0,0-3,-3-1,1-1,2 1,1-2,4 1,1-1,3 0,-5-4,-1-2,-4 1,0 0,1 2,2 2,-2 0,-5-3,-3-7,-1 0,0-4,-3-2,-2-5,-2-2,-1-2,3-6,2-6,3-7,6-4,-1 0,3 1,3-1,-3-3,-4 5,1 0,2-2,-1 4,0 5</inkml:trace>
+</inkml:ink>
+</file>
+
+<file path=ppt/ink/ink5.xml><?xml version="1.0" encoding="utf-8"?>
+<inkml:ink xmlns:inkml="http://www.w3.org/2003/InkML">
+  <inkml:definitions>
+    <inkml:context xml:id="ctx0">
+      <inkml:inkSource xml:id="inkSrc0">
+        <inkml:traceFormat>
+          <inkml:channel name="X" type="integer" min="-2.14748E9" max="2.14748E9" units="cm"/>
+          <inkml:channel name="Y" type="integer" min="-2.14748E9" max="2.14748E9" units="cm"/>
+        </inkml:traceFormat>
+        <inkml:channelProperties>
+          <inkml:channelProperty channel="X" name="resolution" value="1000" units="1/cm"/>
+          <inkml:channelProperty channel="Y" name="resolution" value="1000" units="1/cm"/>
+        </inkml:channelProperties>
+      </inkml:inkSource>
+      <inkml:timestamp xml:id="ts0" timeString="2016-11-25T04:23:53.573"/>
+    </inkml:context>
+    <inkml:brush xml:id="br0">
+      <inkml:brushProperty name="width" value="0.26667" units="cm"/>
+      <inkml:brushProperty name="height" value="0.53333" units="cm"/>
+      <inkml:brushProperty name="color" value="#00FFFF"/>
+      <inkml:brushProperty name="tip" value="rectangle"/>
+      <inkml:brushProperty name="rasterOp" value="maskPen"/>
+      <inkml:brushProperty name="ignorePressure" value="1"/>
+    </inkml:brush>
+  </inkml:definitions>
+  <inkml:trace contextRef="#ctx0" brushRef="#br0">1 1417,'0'-5,"5"-2,7-5,0-5,6 1,-3-3,-3-3,2-2,-3-3,-1-1,1 3,0 2,1 0,1-2,2 4,-1-1,-4 0,2 4,-1-2,3 4,4 4,-2 0,3-5,2 2,-3-1,-3-5,0 3,-3 0,2-5,0 0,1 2,-2 0,2 3,-1 1,-3-4,1 4,4-1,-1-3,2 3,-2-1,-3-3,1 3,-1 0,1-3,0-1,1-3,0-2,1 5,4 4,-2 3,2 3,2 3,-2-1,-4-4,0 1,2 3,-1-3,2 2,-3-1,1 0,4 3,2-3,9-3,2 1,3 3,-7 9,-6 9,-9 9,-6 7,-4 5,-4 2,0 3,-2-1,1 0,-1 0,1 0,1-2,-6-3,-1-3,-4 0,-6-4,-5-5,2 1,-2-3,0-4,-4 2,0 0,-2 2,-7 6,-1-2,0-3,5 3,5-4,0-3,5 2,2-1,2 4,6 3,0-1,0 2,3 4,2 1,3 4,-3-4,-1-1,-4 2,0 1,-3 2,-1 0,5 2,2-10,14-23,14-36,21-41,27-52,27-38,14-17,-3 15,-15 32,-22 35,-17 35,-23 39,-22 31,-17 26,-12 28,-11 20,-6 13,-2 2,3-5,1 1,8-12,3-11,2-11,3-9,7-8,1-7,2-6,3 1,-3 1,-4 2,1 2,-2-4,0 0,4 1,0-3,-5-6,-4 1,-2-3,-4-3,-1-3,-2-3,0 3,-1 1,1 0,5 2,2 6,0-1,3 4,1-3,3-8,4-10,4-10,4-8,3-5,0-8,2-9,0-1,0 0,4-1,8-3,1 2,2 3,0-1,2 6,2 7,3 1,3 2,-3 0,-5 1,-2-2,-3 1,2 4,-2 2,2 4,3 6,-2-2,3 4,1 2,5-2,0-5,3 0,1-1,2 1,-7-3,-1 4,-3 3</inkml:trace>
+</inkml:ink>
+</file>
+
+<file path=ppt/ink/ink6.xml><?xml version="1.0" encoding="utf-8"?>
+<inkml:ink xmlns:inkml="http://www.w3.org/2003/InkML">
+  <inkml:definitions>
+    <inkml:context xml:id="ctx0">
+      <inkml:inkSource xml:id="inkSrc0">
+        <inkml:traceFormat>
+          <inkml:channel name="X" type="integer" min="-2.14748E9" max="2.14748E9" units="cm"/>
+          <inkml:channel name="Y" type="integer" min="-2.14748E9" max="2.14748E9" units="cm"/>
+        </inkml:traceFormat>
+        <inkml:channelProperties>
+          <inkml:channelProperty channel="X" name="resolution" value="1000" units="1/cm"/>
+          <inkml:channelProperty channel="Y" name="resolution" value="1000" units="1/cm"/>
+        </inkml:channelProperties>
+      </inkml:inkSource>
+      <inkml:timestamp xml:id="ts0" timeString="2016-11-25T04:24:14.058"/>
+    </inkml:context>
+    <inkml:brush xml:id="br0">
+      <inkml:brushProperty name="width" value="0.26667" units="cm"/>
+      <inkml:brushProperty name="height" value="0.53333" units="cm"/>
+      <inkml:brushProperty name="color" value="#226292"/>
+      <inkml:brushProperty name="tip" value="rectangle"/>
+      <inkml:brushProperty name="rasterOp" value="maskPen"/>
+      <inkml:brushProperty name="ignorePressure" value="1"/>
+    </inkml:brush>
+  </inkml:definitions>
+  <inkml:trace contextRef="#ctx0" brushRef="#br0">357 1126,'5'-5,"11"-18,19-18,14-24,7-9,0-3,-6 1,-4 3,-11 11,-2 4,-5 8,1 7,7 1,7 2,1 4,-3 2,3 1,-1 9,-4 1,-7 10,-15 12,-20 12,-15 19,-19 24,-24 28,-20 30,-19 18,-5 4,4-9,14-16,18-27,19-32,19-29,20-29,11-18,11-10,10-7,-1-3,-3-4,2-2,1 7,-2 6,-4 0,5 1,0 3,7-4,3 0,2 3,1 6,0 9,-1 2,-4 0,-4 4,-4 8,-6 11,-5 10,-4 7,-8 6,-8 2,-7 7,-5-2,-4 1,-2-3,4-3,1-6,1-3,-2 1,5 3,0-5,4 1,0-3,-3 0,-3-3,-1-2,-4-5,5 2,1-1,-2-1,-1-3,-2-1,0-1,-2 3,0 2,-1 0,1-3,-1 4,0 6,5 4,2 7,5 1,5 3,5 1,4 1,3-1,-4-4,-1-3,1-9,1-13,1-11,1-9,1-7,1-3,0-2,0-1,0 0,6 1,1 0,4 1,1-1,4 7,2 1,0 0,-4-1,2 3,-4 1,3-8,4-2,2 2,-2 3,2 4,-4 1,-4-1,0 4,-1-2,2 4,-2-2,2 2,-1 0,3 2,-2-2,1 0,-1 0,3 1,1-1,4-5,-1-2,0-3,-4-3,-3-1,-6 0,2 4,-2 1,4 6,5-1,-2-1,3 3,3 4,3-1,2 2,2 4,-4-3,0 1,-6-3,0 1,-2-3,0 2,2-4,4 4,-2-3,0 2,3 2,0 5,4 3,1 2,1 6,0 3,-3 6,-8 4,-7 5,-9 0,-6-1,-2 2,-4 3,-2 7,2 1,2-8,-2-15,-4-13,-6-14,-3-1,-8 1,-5 3,-5 3,-7 10,2 5,2 5,8 7,12 5,3 0,6-1,1-2,3 0,-3-3,2 0,3 4,-2-3,0 1,-3-2,2 1,-2-3,0 2,-1-2,-5-3,3 0,-2 0,-3 2,4 5,-1-1,1 1,7 3,-2 3,2 2,1 2,0 1,0 1,-2 0,0 0,-4-5,3-2,2 0,4 2,3 1,2 2,1-1,1 3,0-1,1 1,0-1,-1 2,0-2,1 1,-6-6,-2-5</inkml:trace>
+</inkml:ink>
+</file>
+
+<file path=ppt/ink/ink7.xml><?xml version="1.0" encoding="utf-8"?>
+<inkml:ink xmlns:inkml="http://www.w3.org/2003/InkML">
+  <inkml:definitions>
+    <inkml:context xml:id="ctx0">
+      <inkml:inkSource xml:id="inkSrc0">
+        <inkml:traceFormat>
+          <inkml:channel name="X" type="integer" min="-2.14748E9" max="2.14748E9" units="cm"/>
+          <inkml:channel name="Y" type="integer" min="-2.14748E9" max="2.14748E9" units="cm"/>
+        </inkml:traceFormat>
+        <inkml:channelProperties>
+          <inkml:channelProperty channel="X" name="resolution" value="1000" units="1/cm"/>
+          <inkml:channelProperty channel="Y" name="resolution" value="1000" units="1/cm"/>
+        </inkml:channelProperties>
+      </inkml:inkSource>
+      <inkml:timestamp xml:id="ts0" timeString="2016-11-25T04:28:07.458"/>
+    </inkml:context>
+    <inkml:brush xml:id="br0">
+      <inkml:brushProperty name="width" value="0.26667" units="cm"/>
+      <inkml:brushProperty name="height" value="0.53333" units="cm"/>
+      <inkml:brushProperty name="color" value="#7CB5E0"/>
+      <inkml:brushProperty name="tip" value="rectangle"/>
+      <inkml:brushProperty name="rasterOp" value="maskPen"/>
+      <inkml:brushProperty name="ignorePressure" value="1"/>
+    </inkml:brush>
+  </inkml:definitions>
+  <inkml:trace contextRef="#ctx0" brushRef="#br0">0 1506,'6'0,"0"-4,10-13,2-8,9-9,9-10,9-12,1-6,9-9,-1-6,1 0,-4 7,-6 5,-5 11,-4 8,-9 6,-3 6,-2-6,-4-2,0 1,2 8,-3 4,-4 3,2 4,-3 3,1-2,0-2,2 3,-2 1,2 1,4 2,4 1,2-6,8-4,2-3,6-8,1-7,-1-1,-4 2,-7 3,-4 2,-6 14,-7 16,-6 18,-13 23,-22 35,-21 52,-21 45,-19 39,-16 21,-14 11,-2-4,10-17,13-25,18-19,19-24,18-33,17-31,14-38,8-39,9-29,11-27,10-30,18-32,15-37,8-28,3-19,-6-3,-4 13,-11 34,-15 36,-23 47,-13 42,-16 35,-6 21,2-1,10-9,21-24,24-30,18-25,9-12,0-1,-6 9,-11 19,-19 23,-23 24,-17 23,-21 20,-8 14,-3 2,3-1,14-21,20-25,21-23,15-23,11-7,-3-3,-4 13,-20 19,-15 22,-22 24,-11 25,-4 13,0-7,7-25,21-30,32-51,38-51,31-39,15-25,0 11,-21 28,-29 50,-45 44,-32 52,-33 34,-20 38,-8 15,7-3,12-20,16-43,29-38,22-45,26-44,20-37,12-9,-4 11,-12 25</inkml:trace>
+</inkml:ink>
+</file>
+
+<file path=ppt/ink/ink8.xml><?xml version="1.0" encoding="utf-8"?>
+<inkml:ink xmlns:inkml="http://www.w3.org/2003/InkML">
+  <inkml:definitions>
+    <inkml:context xml:id="ctx0">
+      <inkml:inkSource xml:id="inkSrc0">
+        <inkml:traceFormat>
+          <inkml:channel name="X" type="integer" min="-2.14748E9" max="2.14748E9" units="cm"/>
+          <inkml:channel name="Y" type="integer" min="-2.14748E9" max="2.14748E9" units="cm"/>
+        </inkml:traceFormat>
+        <inkml:channelProperties>
+          <inkml:channelProperty channel="X" name="resolution" value="1000" units="1/cm"/>
+          <inkml:channelProperty channel="Y" name="resolution" value="1000" units="1/cm"/>
+        </inkml:channelProperties>
+      </inkml:inkSource>
+      <inkml:timestamp xml:id="ts0" timeString="2016-11-25T04:28:12.073"/>
+    </inkml:context>
+    <inkml:brush xml:id="br0">
+      <inkml:brushProperty name="width" value="0.26667" units="cm"/>
+      <inkml:brushProperty name="height" value="0.53333" units="cm"/>
+      <inkml:brushProperty name="color" value="#7CB5E0"/>
+      <inkml:brushProperty name="tip" value="rectangle"/>
+      <inkml:brushProperty name="rasterOp" value="maskPen"/>
+      <inkml:brushProperty name="ignorePressure" value="1"/>
+    </inkml:brush>
+  </inkml:definitions>
+  <inkml:trace contextRef="#ctx0" brushRef="#br0">0 1308,'0'-5,"0"-6,0-7,0-11,0-4,0-3,5 1,7-4,6-11,5-7,9-8,4-4,6-10,0-1,4 3,8-2,12-6,8-9,7-5,-5 7,-6 11,-19 21,-24 27,-21 32,-32 31,-27 32,-18 21,-19 15,-4 10,11-1,8 0,16-7,9-12,8-14,12-16,9-18</inkml:trace>
+</inkml:ink>
+</file>
+
+<file path=ppt/ink/ink9.xml><?xml version="1.0" encoding="utf-8"?>
+<inkml:ink xmlns:inkml="http://www.w3.org/2003/InkML">
+  <inkml:definitions>
+    <inkml:context xml:id="ctx0">
+      <inkml:inkSource xml:id="inkSrc0">
+        <inkml:traceFormat>
+          <inkml:channel name="X" type="integer" min="-2.14748E9" max="2.14748E9" units="cm"/>
+          <inkml:channel name="Y" type="integer" min="-2.14748E9" max="2.14748E9" units="cm"/>
+        </inkml:traceFormat>
+        <inkml:channelProperties>
+          <inkml:channelProperty channel="X" name="resolution" value="1000" units="1/cm"/>
+          <inkml:channelProperty channel="Y" name="resolution" value="1000" units="1/cm"/>
+        </inkml:channelProperties>
+      </inkml:inkSource>
+      <inkml:timestamp xml:id="ts0" timeString="2016-11-25T04:28:13.960"/>
+    </inkml:context>
+    <inkml:brush xml:id="br0">
+      <inkml:brushProperty name="width" value="0.26667" units="cm"/>
+      <inkml:brushProperty name="height" value="0.53333" units="cm"/>
+      <inkml:brushProperty name="color" value="#7CB5E0"/>
+      <inkml:brushProperty name="tip" value="rectangle"/>
+      <inkml:brushProperty name="rasterOp" value="maskPen"/>
+      <inkml:brushProperty name="ignorePressure" value="1"/>
+    </inkml:brush>
+  </inkml:definitions>
+  <inkml:trace contextRef="#ctx0" brushRef="#br0">1 1308,'0'-10,"4"-14,8-21,1-31,8-41,6-25,3-20,2 3,-5 19,-6 28,-3 23,-4 21,1 13,-2 10,-4 9,-3 8</inkml:trace>
+</inkml:ink>
 </file>
 
 <file path=ppt/notesMasters/notesMaster1.xml><?xml version="1.0" encoding="utf-8"?>
@@ -17438,6 +17790,753 @@
   <p:cSld>
     <p:spTree>
       <p:nvGrpSpPr>
+        <p:cNvPr id="1" name="Shape 142"/>
+        <p:cNvGrpSpPr/>
+        <p:nvPr/>
+      </p:nvGrpSpPr>
+      <p:grpSpPr>
+        <a:xfrm>
+          <a:off x="0" y="0"/>
+          <a:ext cx="0" cy="0"/>
+          <a:chOff x="0" y="0"/>
+          <a:chExt cx="0" cy="0"/>
+        </a:xfrm>
+      </p:grpSpPr>
+      <p:pic>
+        <p:nvPicPr>
+          <p:cNvPr id="143" name="Shape 143" descr="logosis1.png"/>
+          <p:cNvPicPr preferRelativeResize="0"/>
+          <p:nvPr/>
+        </p:nvPicPr>
+        <p:blipFill>
+          <a:blip r:embed="rId3">
+            <a:alphaModFix/>
+          </a:blip>
+          <a:stretch>
+            <a:fillRect/>
+          </a:stretch>
+        </p:blipFill>
+        <p:spPr>
+          <a:xfrm>
+            <a:off x="6862354" y="3657600"/>
+            <a:ext cx="2242181" cy="1485899"/>
+          </a:xfrm>
+          <a:prstGeom prst="rect">
+            <a:avLst/>
+          </a:prstGeom>
+          <a:noFill/>
+          <a:ln>
+            <a:noFill/>
+          </a:ln>
+        </p:spPr>
+      </p:pic>
+      <p:sp>
+        <p:nvSpPr>
+          <p:cNvPr id="3" name="2 CuadroTexto"/>
+          <p:cNvSpPr txBox="1"/>
+          <p:nvPr/>
+        </p:nvSpPr>
+        <p:spPr>
+          <a:xfrm>
+            <a:off x="683568" y="352276"/>
+            <a:ext cx="5076371" cy="923330"/>
+          </a:xfrm>
+          <a:prstGeom prst="rect">
+            <a:avLst/>
+          </a:prstGeom>
+          <a:noFill/>
+        </p:spPr>
+        <p:txBody>
+          <a:bodyPr wrap="square" rtlCol="0">
+            <a:spAutoFit/>
+          </a:bodyPr>
+          <a:lstStyle/>
+          <a:p>
+            <a:r>
+              <a:rPr lang="es-ES" sz="4000" b="1" dirty="0">
+                <a:ln w="12700">
+                  <a:solidFill>
+                    <a:schemeClr val="tx2">
+                      <a:satMod val="155000"/>
+                    </a:schemeClr>
+                  </a:solidFill>
+                  <a:prstDash val="solid"/>
+                </a:ln>
+                <a:solidFill>
+                  <a:schemeClr val="tx1"/>
+                </a:solidFill>
+                <a:effectLst>
+                  <a:outerShdw blurRad="41275" dist="20320" dir="1800000" algn="tl" rotWithShape="0">
+                    <a:srgbClr val="000000">
+                      <a:alpha val="40000"/>
+                    </a:srgbClr>
+                  </a:outerShdw>
+                </a:effectLst>
+                <a:latin typeface="Rockwell" panose="02060603020205020403" pitchFamily="18" charset="0"/>
+              </a:rPr>
+              <a:t>Qué es un Grafo? </a:t>
+            </a:r>
+          </a:p>
+          <a:p>
+            <a:endParaRPr lang="es-CO" dirty="0"/>
+          </a:p>
+        </p:txBody>
+      </p:sp>
+      <p:sp>
+        <p:nvSpPr>
+          <p:cNvPr id="4" name="3 CuadroTexto"/>
+          <p:cNvSpPr txBox="1"/>
+          <p:nvPr/>
+        </p:nvSpPr>
+        <p:spPr>
+          <a:xfrm>
+            <a:off x="1124325" y="1167073"/>
+            <a:ext cx="5616624" cy="1815882"/>
+          </a:xfrm>
+          <a:prstGeom prst="rect">
+            <a:avLst/>
+          </a:prstGeom>
+          <a:noFill/>
+        </p:spPr>
+        <p:txBody>
+          <a:bodyPr wrap="square" rtlCol="0">
+            <a:spAutoFit/>
+          </a:bodyPr>
+          <a:lstStyle/>
+          <a:p>
+            <a:pPr algn="just"/>
+            <a:r>
+              <a:rPr lang="es-CO" sz="2800" b="1" dirty="0">
+                <a:solidFill>
+                  <a:schemeClr val="accent2">
+                    <a:lumMod val="50000"/>
+                  </a:schemeClr>
+                </a:solidFill>
+                <a:latin typeface="Gabriola" panose="04040605051002020D02" pitchFamily="82" charset="0"/>
+                <a:cs typeface="Arabic Typesetting" panose="03020402040406030203" pitchFamily="66" charset="-78"/>
+              </a:rPr>
+              <a:t>Un grafo es un conjunto de objetos llamados </a:t>
+            </a:r>
+            <a:r>
+              <a:rPr lang="es-CO" sz="2800" b="1" dirty="0">
+                <a:solidFill>
+                  <a:srgbClr val="0070C0"/>
+                </a:solidFill>
+                <a:latin typeface="Gabriola" panose="04040605051002020D02" pitchFamily="82" charset="0"/>
+                <a:cs typeface="Arabic Typesetting" panose="03020402040406030203" pitchFamily="66" charset="-78"/>
+              </a:rPr>
+              <a:t>nodos</a:t>
+            </a:r>
+            <a:r>
+              <a:rPr lang="es-CO" sz="2800" b="1" dirty="0">
+                <a:solidFill>
+                  <a:schemeClr val="accent2">
+                    <a:lumMod val="50000"/>
+                  </a:schemeClr>
+                </a:solidFill>
+                <a:latin typeface="Gabriola" panose="04040605051002020D02" pitchFamily="82" charset="0"/>
+                <a:cs typeface="Arabic Typesetting" panose="03020402040406030203" pitchFamily="66" charset="-78"/>
+              </a:rPr>
+              <a:t> unidos por enlaces llamados </a:t>
+            </a:r>
+            <a:r>
+              <a:rPr lang="es-CO" sz="2800" b="1" dirty="0">
+                <a:solidFill>
+                  <a:srgbClr val="0070C0"/>
+                </a:solidFill>
+                <a:latin typeface="Gabriola" panose="04040605051002020D02" pitchFamily="82" charset="0"/>
+                <a:cs typeface="Arabic Typesetting" panose="03020402040406030203" pitchFamily="66" charset="-78"/>
+              </a:rPr>
+              <a:t>aristas</a:t>
+            </a:r>
+            <a:r>
+              <a:rPr lang="es-CO" sz="2800" b="1" dirty="0">
+                <a:solidFill>
+                  <a:schemeClr val="accent2">
+                    <a:lumMod val="50000"/>
+                  </a:schemeClr>
+                </a:solidFill>
+                <a:latin typeface="Gabriola" panose="04040605051002020D02" pitchFamily="82" charset="0"/>
+                <a:cs typeface="Arabic Typesetting" panose="03020402040406030203" pitchFamily="66" charset="-78"/>
+              </a:rPr>
+              <a:t>, las cuales permiten representar relaciones binarias entre  ellos.</a:t>
+            </a:r>
+          </a:p>
+        </p:txBody>
+      </p:sp>
+      <p:pic>
+        <p:nvPicPr>
+          <p:cNvPr id="5" name="4 Imagen"/>
+          <p:cNvPicPr>
+            <a:picLocks noChangeAspect="1"/>
+          </p:cNvPicPr>
+          <p:nvPr/>
+        </p:nvPicPr>
+        <p:blipFill>
+          <a:blip r:embed="rId4">
+            <a:extLst>
+              <a:ext uri="{28A0092B-C50C-407E-A947-70E740481C1C}">
+                <a14:useLocalDpi xmlns:a14="http://schemas.microsoft.com/office/drawing/2010/main" val="0"/>
+              </a:ext>
+            </a:extLst>
+          </a:blip>
+          <a:stretch>
+            <a:fillRect/>
+          </a:stretch>
+        </p:blipFill>
+        <p:spPr>
+          <a:xfrm>
+            <a:off x="3491880" y="2982955"/>
+            <a:ext cx="2949410" cy="1902276"/>
+          </a:xfrm>
+          <a:prstGeom prst="rect">
+            <a:avLst/>
+          </a:prstGeom>
+        </p:spPr>
+      </p:pic>
+      <p:sp>
+        <p:nvSpPr>
+          <p:cNvPr id="2" name="1 CuadroTexto"/>
+          <p:cNvSpPr txBox="1"/>
+          <p:nvPr/>
+        </p:nvSpPr>
+        <p:spPr>
+          <a:xfrm>
+            <a:off x="467543" y="3477219"/>
+            <a:ext cx="2329967" cy="615553"/>
+          </a:xfrm>
+          <a:prstGeom prst="rect">
+            <a:avLst/>
+          </a:prstGeom>
+          <a:noFill/>
+        </p:spPr>
+        <p:txBody>
+          <a:bodyPr wrap="square" rtlCol="0">
+            <a:spAutoFit/>
+          </a:bodyPr>
+          <a:lstStyle/>
+          <a:p>
+            <a:r>
+              <a:rPr lang="es-CO" sz="2000" dirty="0">
+                <a:solidFill>
+                  <a:schemeClr val="accent2">
+                    <a:lumMod val="50000"/>
+                  </a:schemeClr>
+                </a:solidFill>
+                <a:latin typeface="Rockwell" panose="02060603020205020403" pitchFamily="18" charset="0"/>
+                <a:cs typeface="Arabic Typesetting" panose="03020402040406030203" pitchFamily="66" charset="-78"/>
+              </a:rPr>
+              <a:t>Denotado como G </a:t>
+            </a:r>
+            <a:endParaRPr lang="es-CO" sz="2000" dirty="0">
+              <a:solidFill>
+                <a:schemeClr val="accent2">
+                  <a:lumMod val="50000"/>
+                </a:schemeClr>
+              </a:solidFill>
+              <a:latin typeface="Gabriola" panose="04040605051002020D02" pitchFamily="82" charset="0"/>
+              <a:cs typeface="Arabic Typesetting" panose="03020402040406030203" pitchFamily="66" charset="-78"/>
+            </a:endParaRPr>
+          </a:p>
+          <a:p>
+            <a:endParaRPr lang="es-CO" b="1" dirty="0">
+              <a:solidFill>
+                <a:schemeClr val="accent2">
+                  <a:lumMod val="50000"/>
+                </a:schemeClr>
+              </a:solidFill>
+              <a:latin typeface="Gabriola" panose="04040605051002020D02" pitchFamily="82" charset="0"/>
+              <a:cs typeface="Arabic Typesetting" panose="03020402040406030203" pitchFamily="66" charset="-78"/>
+            </a:endParaRPr>
+          </a:p>
+        </p:txBody>
+      </p:sp>
+    </p:spTree>
+    <p:extLst>
+      <p:ext uri="{BB962C8B-B14F-4D97-AF65-F5344CB8AC3E}">
+        <p14:creationId xmlns:p14="http://schemas.microsoft.com/office/powerpoint/2010/main" val="868747889"/>
+      </p:ext>
+    </p:extLst>
+  </p:cSld>
+  <p:clrMapOvr>
+    <a:masterClrMapping/>
+  </p:clrMapOvr>
+</p:sld>
+</file>
+
+<file path=ppt/slides/slide11.xml><?xml version="1.0" encoding="utf-8"?>
+<p:sld xmlns:a="http://schemas.openxmlformats.org/drawingml/2006/main" xmlns:r="http://schemas.openxmlformats.org/officeDocument/2006/relationships" xmlns:p="http://schemas.openxmlformats.org/presentationml/2006/main">
+  <p:cSld>
+    <p:spTree>
+      <p:nvGrpSpPr>
+        <p:cNvPr id="1" name=""/>
+        <p:cNvGrpSpPr/>
+        <p:nvPr/>
+      </p:nvGrpSpPr>
+      <p:grpSpPr>
+        <a:xfrm>
+          <a:off x="0" y="0"/>
+          <a:ext cx="0" cy="0"/>
+          <a:chOff x="0" y="0"/>
+          <a:chExt cx="0" cy="0"/>
+        </a:xfrm>
+      </p:grpSpPr>
+      <p:pic>
+        <p:nvPicPr>
+          <p:cNvPr id="4" name="Shape 143" descr="logosis1.png"/>
+          <p:cNvPicPr preferRelativeResize="0"/>
+          <p:nvPr/>
+        </p:nvPicPr>
+        <p:blipFill>
+          <a:blip r:embed="rId2">
+            <a:alphaModFix/>
+          </a:blip>
+          <a:stretch>
+            <a:fillRect/>
+          </a:stretch>
+        </p:blipFill>
+        <p:spPr>
+          <a:xfrm>
+            <a:off x="7452320" y="3795886"/>
+            <a:ext cx="1691679" cy="1347614"/>
+          </a:xfrm>
+          <a:prstGeom prst="rect">
+            <a:avLst/>
+          </a:prstGeom>
+          <a:noFill/>
+          <a:ln>
+            <a:noFill/>
+          </a:ln>
+        </p:spPr>
+      </p:pic>
+      <p:sp>
+        <p:nvSpPr>
+          <p:cNvPr id="5" name="4 CuadroTexto"/>
+          <p:cNvSpPr txBox="1"/>
+          <p:nvPr/>
+        </p:nvSpPr>
+        <p:spPr>
+          <a:xfrm>
+            <a:off x="251520" y="280268"/>
+            <a:ext cx="6840760" cy="923330"/>
+          </a:xfrm>
+          <a:prstGeom prst="rect">
+            <a:avLst/>
+          </a:prstGeom>
+          <a:noFill/>
+        </p:spPr>
+        <p:txBody>
+          <a:bodyPr wrap="square" rtlCol="0">
+            <a:spAutoFit/>
+          </a:bodyPr>
+          <a:lstStyle/>
+          <a:p>
+            <a:r>
+              <a:rPr lang="es-ES" sz="4000" b="1" dirty="0">
+                <a:ln w="12700">
+                  <a:solidFill>
+                    <a:schemeClr val="tx2">
+                      <a:satMod val="155000"/>
+                    </a:schemeClr>
+                  </a:solidFill>
+                  <a:prstDash val="solid"/>
+                </a:ln>
+                <a:solidFill>
+                  <a:schemeClr val="tx1"/>
+                </a:solidFill>
+                <a:effectLst>
+                  <a:outerShdw blurRad="41275" dist="20320" dir="1800000" algn="tl" rotWithShape="0">
+                    <a:srgbClr val="000000">
+                      <a:alpha val="40000"/>
+                    </a:srgbClr>
+                  </a:outerShdw>
+                </a:effectLst>
+                <a:latin typeface="Rockwell" panose="02060603020205020403" pitchFamily="18" charset="0"/>
+              </a:rPr>
+              <a:t>Qué es un Nodo o Vértice?</a:t>
+            </a:r>
+            <a:r>
+              <a:rPr lang="es-ES" sz="4000" b="1" dirty="0">
+                <a:ln w="12700">
+                  <a:solidFill>
+                    <a:schemeClr val="tx2">
+                      <a:satMod val="155000"/>
+                    </a:schemeClr>
+                  </a:solidFill>
+                  <a:prstDash val="solid"/>
+                </a:ln>
+                <a:solidFill>
+                  <a:schemeClr val="tx1"/>
+                </a:solidFill>
+                <a:effectLst>
+                  <a:outerShdw blurRad="41275" dist="20320" dir="1800000" algn="tl" rotWithShape="0">
+                    <a:srgbClr val="000000">
+                      <a:alpha val="40000"/>
+                    </a:srgbClr>
+                  </a:outerShdw>
+                </a:effectLst>
+                <a:latin typeface="Cataneo BT" panose="03020802040502060804" pitchFamily="66" charset="0"/>
+              </a:rPr>
+              <a:t> </a:t>
+            </a:r>
+          </a:p>
+          <a:p>
+            <a:endParaRPr lang="es-CO" dirty="0"/>
+          </a:p>
+        </p:txBody>
+      </p:sp>
+      <p:sp>
+        <p:nvSpPr>
+          <p:cNvPr id="6" name="5 CuadroTexto"/>
+          <p:cNvSpPr txBox="1"/>
+          <p:nvPr/>
+        </p:nvSpPr>
+        <p:spPr>
+          <a:xfrm>
+            <a:off x="251520" y="1169319"/>
+            <a:ext cx="6840760" cy="1815882"/>
+          </a:xfrm>
+          <a:prstGeom prst="rect">
+            <a:avLst/>
+          </a:prstGeom>
+          <a:noFill/>
+        </p:spPr>
+        <p:txBody>
+          <a:bodyPr wrap="square" rtlCol="0">
+            <a:spAutoFit/>
+          </a:bodyPr>
+          <a:lstStyle/>
+          <a:p>
+            <a:r>
+              <a:rPr lang="es-CO" sz="2800" b="1" dirty="0">
+                <a:solidFill>
+                  <a:srgbClr val="002060"/>
+                </a:solidFill>
+                <a:latin typeface="Gabriola" panose="04040605051002020D02" pitchFamily="82" charset="0"/>
+                <a:cs typeface="DaunPenh" panose="01010101010101010101" pitchFamily="2" charset="0"/>
+              </a:rPr>
+              <a:t>Los </a:t>
+            </a:r>
+            <a:r>
+              <a:rPr lang="es-CO" sz="2800" b="1" dirty="0">
+                <a:solidFill>
+                  <a:srgbClr val="0070C0"/>
+                </a:solidFill>
+                <a:latin typeface="Gabriola" panose="04040605051002020D02" pitchFamily="82" charset="0"/>
+                <a:cs typeface="DaunPenh" panose="01010101010101010101" pitchFamily="2" charset="0"/>
+              </a:rPr>
+              <a:t>nodos o vértices </a:t>
+            </a:r>
+            <a:r>
+              <a:rPr lang="es-CO" sz="2800" b="1" dirty="0">
+                <a:solidFill>
+                  <a:srgbClr val="002060"/>
+                </a:solidFill>
+                <a:latin typeface="Gabriola" panose="04040605051002020D02" pitchFamily="82" charset="0"/>
+                <a:cs typeface="DaunPenh" panose="01010101010101010101" pitchFamily="2" charset="0"/>
+              </a:rPr>
+              <a:t>pertenecen a un conjunto finito, y son la unidad fundamental por la que están formados los grafos. De forma general, cada nodo se convierte en el identificador del problema a modelar.</a:t>
+            </a:r>
+          </a:p>
+        </p:txBody>
+      </p:sp>
+      <p:pic>
+        <p:nvPicPr>
+          <p:cNvPr id="2" name="1 Imagen"/>
+          <p:cNvPicPr>
+            <a:picLocks noChangeAspect="1"/>
+          </p:cNvPicPr>
+          <p:nvPr/>
+        </p:nvPicPr>
+        <p:blipFill>
+          <a:blip r:embed="rId3">
+            <a:extLst>
+              <a:ext uri="{28A0092B-C50C-407E-A947-70E740481C1C}">
+                <a14:useLocalDpi xmlns:a14="http://schemas.microsoft.com/office/drawing/2010/main" val="0"/>
+              </a:ext>
+            </a:extLst>
+          </a:blip>
+          <a:stretch>
+            <a:fillRect/>
+          </a:stretch>
+        </p:blipFill>
+        <p:spPr>
+          <a:xfrm>
+            <a:off x="1691680" y="3075806"/>
+            <a:ext cx="3381164" cy="1639865"/>
+          </a:xfrm>
+          <a:prstGeom prst="rect">
+            <a:avLst/>
+          </a:prstGeom>
+        </p:spPr>
+      </p:pic>
+    </p:spTree>
+    <p:extLst>
+      <p:ext uri="{BB962C8B-B14F-4D97-AF65-F5344CB8AC3E}">
+        <p14:creationId xmlns:p14="http://schemas.microsoft.com/office/powerpoint/2010/main" val="692181209"/>
+      </p:ext>
+    </p:extLst>
+  </p:cSld>
+  <p:clrMapOvr>
+    <a:masterClrMapping/>
+  </p:clrMapOvr>
+</p:sld>
+</file>
+
+<file path=ppt/slides/slide12.xml><?xml version="1.0" encoding="utf-8"?>
+<p:sld xmlns:a="http://schemas.openxmlformats.org/drawingml/2006/main" xmlns:r="http://schemas.openxmlformats.org/officeDocument/2006/relationships" xmlns:p="http://schemas.openxmlformats.org/presentationml/2006/main">
+  <p:cSld>
+    <p:spTree>
+      <p:nvGrpSpPr>
+        <p:cNvPr id="1" name=""/>
+        <p:cNvGrpSpPr/>
+        <p:nvPr/>
+      </p:nvGrpSpPr>
+      <p:grpSpPr>
+        <a:xfrm>
+          <a:off x="0" y="0"/>
+          <a:ext cx="0" cy="0"/>
+          <a:chOff x="0" y="0"/>
+          <a:chExt cx="0" cy="0"/>
+        </a:xfrm>
+      </p:grpSpPr>
+      <p:pic>
+        <p:nvPicPr>
+          <p:cNvPr id="4" name="Shape 143" descr="logosis1.png"/>
+          <p:cNvPicPr preferRelativeResize="0"/>
+          <p:nvPr/>
+        </p:nvPicPr>
+        <p:blipFill>
+          <a:blip r:embed="rId2">
+            <a:alphaModFix/>
+          </a:blip>
+          <a:stretch>
+            <a:fillRect/>
+          </a:stretch>
+        </p:blipFill>
+        <p:spPr>
+          <a:xfrm>
+            <a:off x="7452320" y="3795886"/>
+            <a:ext cx="1691679" cy="1347614"/>
+          </a:xfrm>
+          <a:prstGeom prst="rect">
+            <a:avLst/>
+          </a:prstGeom>
+          <a:noFill/>
+          <a:ln>
+            <a:noFill/>
+          </a:ln>
+        </p:spPr>
+      </p:pic>
+      <p:sp>
+        <p:nvSpPr>
+          <p:cNvPr id="5" name="4 CuadroTexto"/>
+          <p:cNvSpPr txBox="1"/>
+          <p:nvPr/>
+        </p:nvSpPr>
+        <p:spPr>
+          <a:xfrm>
+            <a:off x="251520" y="237258"/>
+            <a:ext cx="5076371" cy="923330"/>
+          </a:xfrm>
+          <a:prstGeom prst="rect">
+            <a:avLst/>
+          </a:prstGeom>
+          <a:noFill/>
+        </p:spPr>
+        <p:txBody>
+          <a:bodyPr wrap="square" rtlCol="0">
+            <a:spAutoFit/>
+          </a:bodyPr>
+          <a:lstStyle/>
+          <a:p>
+            <a:r>
+              <a:rPr lang="es-ES" sz="4000" b="1" dirty="0">
+                <a:ln w="12700">
+                  <a:solidFill>
+                    <a:schemeClr val="tx2">
+                      <a:satMod val="155000"/>
+                    </a:schemeClr>
+                  </a:solidFill>
+                  <a:prstDash val="solid"/>
+                </a:ln>
+                <a:solidFill>
+                  <a:schemeClr val="tx1"/>
+                </a:solidFill>
+                <a:effectLst>
+                  <a:outerShdw blurRad="41275" dist="20320" dir="1800000" algn="tl" rotWithShape="0">
+                    <a:srgbClr val="000000">
+                      <a:alpha val="40000"/>
+                    </a:srgbClr>
+                  </a:outerShdw>
+                </a:effectLst>
+                <a:latin typeface="Rockwell" panose="02060603020205020403" pitchFamily="18" charset="0"/>
+              </a:rPr>
+              <a:t>Qué es una Arista? </a:t>
+            </a:r>
+          </a:p>
+          <a:p>
+            <a:endParaRPr lang="es-CO" dirty="0"/>
+          </a:p>
+        </p:txBody>
+      </p:sp>
+      <p:sp>
+        <p:nvSpPr>
+          <p:cNvPr id="6" name="5 CuadroTexto"/>
+          <p:cNvSpPr txBox="1"/>
+          <p:nvPr/>
+        </p:nvSpPr>
+        <p:spPr>
+          <a:xfrm>
+            <a:off x="251520" y="1169319"/>
+            <a:ext cx="6840760" cy="3108543"/>
+          </a:xfrm>
+          <a:prstGeom prst="rect">
+            <a:avLst/>
+          </a:prstGeom>
+          <a:noFill/>
+        </p:spPr>
+        <p:txBody>
+          <a:bodyPr wrap="square" rtlCol="0">
+            <a:spAutoFit/>
+          </a:bodyPr>
+          <a:lstStyle/>
+          <a:p>
+            <a:r>
+              <a:rPr lang="es-CO" sz="2800" b="1" dirty="0">
+                <a:solidFill>
+                  <a:srgbClr val="002060"/>
+                </a:solidFill>
+                <a:latin typeface="Gabriola" panose="04040605051002020D02" pitchFamily="82" charset="0"/>
+                <a:cs typeface="DaunPenh" panose="01010101010101010101" pitchFamily="2" charset="0"/>
+              </a:rPr>
+              <a:t>Una </a:t>
+            </a:r>
+            <a:r>
+              <a:rPr lang="es-CO" sz="2800" b="1" dirty="0">
+                <a:solidFill>
+                  <a:srgbClr val="0070C0"/>
+                </a:solidFill>
+                <a:latin typeface="Gabriola" panose="04040605051002020D02" pitchFamily="82" charset="0"/>
+                <a:cs typeface="DaunPenh" panose="01010101010101010101" pitchFamily="2" charset="0"/>
+              </a:rPr>
+              <a:t>arista </a:t>
+            </a:r>
+            <a:r>
+              <a:rPr lang="es-CO" sz="2800" b="1" dirty="0">
+                <a:solidFill>
+                  <a:srgbClr val="002060"/>
+                </a:solidFill>
+                <a:latin typeface="Gabriola" panose="04040605051002020D02" pitchFamily="82" charset="0"/>
+                <a:cs typeface="DaunPenh" panose="01010101010101010101" pitchFamily="2" charset="0"/>
+              </a:rPr>
+              <a:t>corresponde a una relación entre dos </a:t>
+            </a:r>
+            <a:r>
+              <a:rPr lang="es-CO" sz="2800" b="1" dirty="0">
+                <a:solidFill>
+                  <a:srgbClr val="0070C0"/>
+                </a:solidFill>
+                <a:latin typeface="Gabriola" panose="04040605051002020D02" pitchFamily="82" charset="0"/>
+                <a:cs typeface="DaunPenh" panose="01010101010101010101" pitchFamily="2" charset="0"/>
+              </a:rPr>
+              <a:t>nodos </a:t>
+            </a:r>
+            <a:r>
+              <a:rPr lang="es-CO" sz="2800" b="1" dirty="0">
+                <a:solidFill>
+                  <a:srgbClr val="002060"/>
+                </a:solidFill>
+                <a:latin typeface="Gabriola" panose="04040605051002020D02" pitchFamily="82" charset="0"/>
+                <a:cs typeface="DaunPenh" panose="01010101010101010101" pitchFamily="2" charset="0"/>
+              </a:rPr>
+              <a:t>de un grafo.</a:t>
+            </a:r>
+          </a:p>
+          <a:p>
+            <a:r>
+              <a:rPr lang="es-CO" sz="2800" b="1" dirty="0">
+                <a:solidFill>
+                  <a:srgbClr val="002060"/>
+                </a:solidFill>
+                <a:latin typeface="Gabriola" panose="04040605051002020D02" pitchFamily="82" charset="0"/>
+                <a:cs typeface="DaunPenh" panose="01010101010101010101" pitchFamily="2" charset="0"/>
+              </a:rPr>
+              <a:t>Para caracterizar un grafo G son suficientes únicamente el conjunto de todas sus aristas, comúnmente denotado con la letra E (Edge), junto con el conjunto de sus </a:t>
+            </a:r>
+            <a:r>
+              <a:rPr lang="es-CO" sz="2800" b="1" dirty="0">
+                <a:solidFill>
+                  <a:srgbClr val="0070C0"/>
+                </a:solidFill>
+                <a:latin typeface="Gabriola" panose="04040605051002020D02" pitchFamily="82" charset="0"/>
+                <a:cs typeface="DaunPenh" panose="01010101010101010101" pitchFamily="2" charset="0"/>
+              </a:rPr>
+              <a:t>vértices</a:t>
+            </a:r>
+            <a:r>
+              <a:rPr lang="es-CO" sz="2800" b="1" dirty="0">
+                <a:solidFill>
+                  <a:srgbClr val="002060"/>
+                </a:solidFill>
+                <a:latin typeface="Gabriola" panose="04040605051002020D02" pitchFamily="82" charset="0"/>
+                <a:cs typeface="DaunPenh" panose="01010101010101010101" pitchFamily="2" charset="0"/>
+              </a:rPr>
+              <a:t> o</a:t>
+            </a:r>
+            <a:r>
+              <a:rPr lang="es-CO" sz="2800" b="1" dirty="0">
+                <a:solidFill>
+                  <a:srgbClr val="0070C0"/>
+                </a:solidFill>
+                <a:latin typeface="Gabriola" panose="04040605051002020D02" pitchFamily="82" charset="0"/>
+                <a:cs typeface="DaunPenh" panose="01010101010101010101" pitchFamily="2" charset="0"/>
+              </a:rPr>
+              <a:t> nodos</a:t>
+            </a:r>
+            <a:r>
+              <a:rPr lang="es-CO" sz="2800" b="1" dirty="0">
+                <a:solidFill>
+                  <a:srgbClr val="002060"/>
+                </a:solidFill>
+                <a:latin typeface="Gabriola" panose="04040605051002020D02" pitchFamily="82" charset="0"/>
+                <a:cs typeface="DaunPenh" panose="01010101010101010101" pitchFamily="2" charset="0"/>
+              </a:rPr>
+              <a:t>, denotado por V. </a:t>
+            </a:r>
+          </a:p>
+          <a:p>
+            <a:r>
+              <a:rPr lang="es-CO" sz="2800" b="1" dirty="0">
+                <a:solidFill>
+                  <a:srgbClr val="002060"/>
+                </a:solidFill>
+                <a:latin typeface="Gabriola" panose="04040605051002020D02" pitchFamily="82" charset="0"/>
+                <a:cs typeface="DaunPenh" panose="01010101010101010101" pitchFamily="2" charset="0"/>
+              </a:rPr>
+              <a:t>Así, dicho grafo se puede representar como G = (V,E)</a:t>
+            </a:r>
+          </a:p>
+        </p:txBody>
+      </p:sp>
+    </p:spTree>
+    <p:extLst>
+      <p:ext uri="{BB962C8B-B14F-4D97-AF65-F5344CB8AC3E}">
+        <p14:creationId xmlns:p14="http://schemas.microsoft.com/office/powerpoint/2010/main" val="1409945284"/>
+      </p:ext>
+    </p:extLst>
+  </p:cSld>
+  <p:clrMapOvr>
+    <a:masterClrMapping/>
+  </p:clrMapOvr>
+</p:sld>
+</file>
+
+<file path=ppt/slides/slide13.xml><?xml version="1.0" encoding="utf-8"?>
+<p:sld xmlns:a="http://schemas.openxmlformats.org/drawingml/2006/main" xmlns:r="http://schemas.openxmlformats.org/officeDocument/2006/relationships" xmlns:p="http://schemas.openxmlformats.org/presentationml/2006/main">
+  <p:cSld>
+    <p:spTree>
+      <p:nvGrpSpPr>
         <p:cNvPr id="1" name=""/>
         <p:cNvGrpSpPr/>
         <p:nvPr/>
@@ -17755,7 +18854,7 @@
 </p:sld>
 </file>
 
-<file path=ppt/slides/slide11.xml><?xml version="1.0" encoding="utf-8"?>
+<file path=ppt/slides/slide14.xml><?xml version="1.0" encoding="utf-8"?>
 <p:sld xmlns:a="http://schemas.openxmlformats.org/drawingml/2006/main" xmlns:r="http://schemas.openxmlformats.org/officeDocument/2006/relationships" xmlns:p="http://schemas.openxmlformats.org/presentationml/2006/main">
   <p:cSld>
     <p:spTree>
@@ -18008,7 +19107,7 @@
 </p:sld>
 </file>
 
-<file path=ppt/slides/slide12.xml><?xml version="1.0" encoding="utf-8"?>
+<file path=ppt/slides/slide15.xml><?xml version="1.0" encoding="utf-8"?>
 <p:sld xmlns:a="http://schemas.openxmlformats.org/drawingml/2006/main" xmlns:r="http://schemas.openxmlformats.org/officeDocument/2006/relationships" xmlns:p="http://schemas.openxmlformats.org/presentationml/2006/main">
   <p:cSld>
     <p:spTree>
@@ -18247,7 +19346,7 @@
 </p:sld>
 </file>
 
-<file path=ppt/slides/slide13.xml><?xml version="1.0" encoding="utf-8"?>
+<file path=ppt/slides/slide16.xml><?xml version="1.0" encoding="utf-8"?>
 <p:sld xmlns:a="http://schemas.openxmlformats.org/drawingml/2006/main" xmlns:r="http://schemas.openxmlformats.org/officeDocument/2006/relationships" xmlns:p="http://schemas.openxmlformats.org/presentationml/2006/main">
   <p:cSld>
     <p:spTree>
@@ -18456,7 +19555,7 @@
 </p:sld>
 </file>
 
-<file path=ppt/slides/slide14.xml><?xml version="1.0" encoding="utf-8"?>
+<file path=ppt/slides/slide17.xml><?xml version="1.0" encoding="utf-8"?>
 <p:sld xmlns:a="http://schemas.openxmlformats.org/drawingml/2006/main" xmlns:r="http://schemas.openxmlformats.org/officeDocument/2006/relationships" xmlns:p="http://schemas.openxmlformats.org/presentationml/2006/main">
   <p:cSld>
     <p:bg>
@@ -18678,7 +19777,7 @@
 </p:sld>
 </file>
 
-<file path=ppt/slides/slide15.xml><?xml version="1.0" encoding="utf-8"?>
+<file path=ppt/slides/slide18.xml><?xml version="1.0" encoding="utf-8"?>
 <p:sld xmlns:a="http://schemas.openxmlformats.org/drawingml/2006/main" xmlns:r="http://schemas.openxmlformats.org/officeDocument/2006/relationships" xmlns:p="http://schemas.openxmlformats.org/presentationml/2006/main" showMasterSp="0">
   <p:cSld>
     <p:bg>
@@ -19107,7 +20206,207 @@
 </p:sld>
 </file>
 
-<file path=ppt/slides/slide16.xml><?xml version="1.0" encoding="utf-8"?>
+<file path=ppt/slides/slide19.xml><?xml version="1.0" encoding="utf-8"?>
+<p:sld xmlns:a="http://schemas.openxmlformats.org/drawingml/2006/main" xmlns:r="http://schemas.openxmlformats.org/officeDocument/2006/relationships" xmlns:p="http://schemas.openxmlformats.org/presentationml/2006/main">
+  <p:cSld>
+    <p:spTree>
+      <p:nvGrpSpPr>
+        <p:cNvPr id="1" name=""/>
+        <p:cNvGrpSpPr/>
+        <p:nvPr/>
+      </p:nvGrpSpPr>
+      <p:grpSpPr>
+        <a:xfrm>
+          <a:off x="0" y="0"/>
+          <a:ext cx="0" cy="0"/>
+          <a:chOff x="0" y="0"/>
+          <a:chExt cx="0" cy="0"/>
+        </a:xfrm>
+      </p:grpSpPr>
+      <p:pic>
+        <p:nvPicPr>
+          <p:cNvPr id="6" name="Imagen 5"/>
+          <p:cNvPicPr>
+            <a:picLocks noChangeAspect="1"/>
+          </p:cNvPicPr>
+          <p:nvPr/>
+        </p:nvPicPr>
+        <p:blipFill>
+          <a:blip r:embed="rId2"/>
+          <a:stretch>
+            <a:fillRect/>
+          </a:stretch>
+        </p:blipFill>
+        <p:spPr>
+          <a:xfrm>
+            <a:off x="203408" y="1347614"/>
+            <a:ext cx="6888872" cy="2664296"/>
+          </a:xfrm>
+          <a:prstGeom prst="rect">
+            <a:avLst/>
+          </a:prstGeom>
+        </p:spPr>
+      </p:pic>
+      <p:sp>
+        <p:nvSpPr>
+          <p:cNvPr id="7" name="Título 6"/>
+          <p:cNvSpPr>
+            <a:spLocks noGrp="1"/>
+          </p:cNvSpPr>
+          <p:nvPr>
+            <p:ph type="title"/>
+          </p:nvPr>
+        </p:nvSpPr>
+        <p:spPr>
+          <a:xfrm>
+            <a:off x="539552" y="339502"/>
+            <a:ext cx="6447600" cy="572102"/>
+          </a:xfrm>
+        </p:spPr>
+        <p:txBody>
+          <a:bodyPr/>
+          <a:lstStyle/>
+          <a:p>
+            <a:pPr algn="ctr"/>
+            <a:r>
+              <a:rPr lang="es-CO" sz="3600" b="1" dirty="0">
+                <a:ln w="12700">
+                  <a:solidFill>
+                    <a:schemeClr val="tx2">
+                      <a:satMod val="155000"/>
+                    </a:schemeClr>
+                  </a:solidFill>
+                  <a:prstDash val="solid"/>
+                </a:ln>
+                <a:solidFill>
+                  <a:schemeClr val="tx1"/>
+                </a:solidFill>
+                <a:effectLst>
+                  <a:outerShdw blurRad="41275" dist="20320" dir="1800000" algn="tl" rotWithShape="0">
+                    <a:srgbClr val="000000">
+                      <a:alpha val="40000"/>
+                    </a:srgbClr>
+                  </a:outerShdw>
+                </a:effectLst>
+                <a:latin typeface="Rockwell" panose="02060603020205020403" pitchFamily="18" charset="0"/>
+                <a:ea typeface="Arial"/>
+                <a:cs typeface="Arial"/>
+                <a:sym typeface="Arial"/>
+              </a:rPr>
+              <a:t>EJEMPLO BFS</a:t>
+            </a:r>
+          </a:p>
+        </p:txBody>
+      </p:sp>
+    </p:spTree>
+    <p:extLst>
+      <p:ext uri="{BB962C8B-B14F-4D97-AF65-F5344CB8AC3E}">
+        <p14:creationId xmlns:p14="http://schemas.microsoft.com/office/powerpoint/2010/main" val="729683089"/>
+      </p:ext>
+    </p:extLst>
+  </p:cSld>
+  <p:clrMapOvr>
+    <a:masterClrMapping/>
+  </p:clrMapOvr>
+</p:sld>
+</file>
+
+<file path=ppt/slides/slide2.xml><?xml version="1.0" encoding="utf-8"?>
+<p:sld xmlns:a="http://schemas.openxmlformats.org/drawingml/2006/main" xmlns:r="http://schemas.openxmlformats.org/officeDocument/2006/relationships" xmlns:p="http://schemas.openxmlformats.org/presentationml/2006/main">
+  <p:cSld>
+    <p:spTree>
+      <p:nvGrpSpPr>
+        <p:cNvPr id="1" name=""/>
+        <p:cNvGrpSpPr/>
+        <p:nvPr/>
+      </p:nvGrpSpPr>
+      <p:grpSpPr>
+        <a:xfrm>
+          <a:off x="0" y="0"/>
+          <a:ext cx="0" cy="0"/>
+          <a:chOff x="0" y="0"/>
+          <a:chExt cx="0" cy="0"/>
+        </a:xfrm>
+      </p:grpSpPr>
+      <p:pic>
+        <p:nvPicPr>
+          <p:cNvPr id="1026" name="Picture 2" descr="Resultado de imagen para if i have seen further it is by standing on the shoulders of giants"/>
+          <p:cNvPicPr>
+            <a:picLocks noChangeAspect="1" noChangeArrowheads="1"/>
+          </p:cNvPicPr>
+          <p:nvPr/>
+        </p:nvPicPr>
+        <p:blipFill>
+          <a:blip r:embed="rId2">
+            <a:extLst>
+              <a:ext uri="{28A0092B-C50C-407E-A947-70E740481C1C}">
+                <a14:useLocalDpi xmlns:a14="http://schemas.microsoft.com/office/drawing/2010/main" val="0"/>
+              </a:ext>
+            </a:extLst>
+          </a:blip>
+          <a:srcRect/>
+          <a:stretch>
+            <a:fillRect/>
+          </a:stretch>
+        </p:blipFill>
+        <p:spPr bwMode="auto">
+          <a:xfrm>
+            <a:off x="2275359" y="-9356578"/>
+            <a:ext cx="6400000" cy="3600000"/>
+          </a:xfrm>
+          <a:prstGeom prst="rect">
+            <a:avLst/>
+          </a:prstGeom>
+          <a:noFill/>
+          <a:extLst>
+            <a:ext uri="{909E8E84-426E-40DD-AFC4-6F175D3DCCD1}">
+              <a14:hiddenFill xmlns:a14="http://schemas.microsoft.com/office/drawing/2010/main">
+                <a:solidFill>
+                  <a:srgbClr val="FFFFFF"/>
+                </a:solidFill>
+              </a14:hiddenFill>
+            </a:ext>
+          </a:extLst>
+        </p:spPr>
+      </p:pic>
+      <p:pic>
+        <p:nvPicPr>
+          <p:cNvPr id="4" name="Imagen 3"/>
+          <p:cNvPicPr>
+            <a:picLocks noChangeAspect="1"/>
+          </p:cNvPicPr>
+          <p:nvPr/>
+        </p:nvPicPr>
+        <p:blipFill>
+          <a:blip r:embed="rId2"/>
+          <a:stretch>
+            <a:fillRect/>
+          </a:stretch>
+        </p:blipFill>
+        <p:spPr>
+          <a:xfrm>
+            <a:off x="0" y="0"/>
+            <a:ext cx="9144000" cy="5143500"/>
+          </a:xfrm>
+          <a:prstGeom prst="rect">
+            <a:avLst/>
+          </a:prstGeom>
+        </p:spPr>
+      </p:pic>
+    </p:spTree>
+    <p:extLst>
+      <p:ext uri="{BB962C8B-B14F-4D97-AF65-F5344CB8AC3E}">
+        <p14:creationId xmlns:p14="http://schemas.microsoft.com/office/powerpoint/2010/main" val="3442488662"/>
+      </p:ext>
+    </p:extLst>
+  </p:cSld>
+  <p:clrMapOvr>
+    <a:masterClrMapping/>
+  </p:clrMapOvr>
+</p:sld>
+</file>
+
+<file path=ppt/slides/slide20.xml><?xml version="1.0" encoding="utf-8"?>
 <p:sld xmlns:a="http://schemas.openxmlformats.org/drawingml/2006/main" xmlns:r="http://schemas.openxmlformats.org/officeDocument/2006/relationships" xmlns:p="http://schemas.openxmlformats.org/presentationml/2006/main">
   <p:cSld>
     <p:spTree>
@@ -19373,112 +20672,7 @@
 </p:sld>
 </file>
 
-<file path=ppt/slides/slide17.xml><?xml version="1.0" encoding="utf-8"?>
-<p:sld xmlns:a="http://schemas.openxmlformats.org/drawingml/2006/main" xmlns:r="http://schemas.openxmlformats.org/officeDocument/2006/relationships" xmlns:p="http://schemas.openxmlformats.org/presentationml/2006/main">
-  <p:cSld>
-    <p:spTree>
-      <p:nvGrpSpPr>
-        <p:cNvPr id="1" name=""/>
-        <p:cNvGrpSpPr/>
-        <p:nvPr/>
-      </p:nvGrpSpPr>
-      <p:grpSpPr>
-        <a:xfrm>
-          <a:off x="0" y="0"/>
-          <a:ext cx="0" cy="0"/>
-          <a:chOff x="0" y="0"/>
-          <a:chExt cx="0" cy="0"/>
-        </a:xfrm>
-      </p:grpSpPr>
-      <p:pic>
-        <p:nvPicPr>
-          <p:cNvPr id="6" name="Imagen 5"/>
-          <p:cNvPicPr>
-            <a:picLocks noChangeAspect="1"/>
-          </p:cNvPicPr>
-          <p:nvPr/>
-        </p:nvPicPr>
-        <p:blipFill>
-          <a:blip r:embed="rId2"/>
-          <a:stretch>
-            <a:fillRect/>
-          </a:stretch>
-        </p:blipFill>
-        <p:spPr>
-          <a:xfrm>
-            <a:off x="203408" y="1347614"/>
-            <a:ext cx="6888872" cy="2664296"/>
-          </a:xfrm>
-          <a:prstGeom prst="rect">
-            <a:avLst/>
-          </a:prstGeom>
-        </p:spPr>
-      </p:pic>
-      <p:sp>
-        <p:nvSpPr>
-          <p:cNvPr id="7" name="Título 6"/>
-          <p:cNvSpPr>
-            <a:spLocks noGrp="1"/>
-          </p:cNvSpPr>
-          <p:nvPr>
-            <p:ph type="title"/>
-          </p:nvPr>
-        </p:nvSpPr>
-        <p:spPr>
-          <a:xfrm>
-            <a:off x="539552" y="339502"/>
-            <a:ext cx="6447600" cy="572102"/>
-          </a:xfrm>
-        </p:spPr>
-        <p:txBody>
-          <a:bodyPr/>
-          <a:lstStyle/>
-          <a:p>
-            <a:pPr algn="ctr"/>
-            <a:r>
-              <a:rPr lang="es-CO" sz="3600" b="1" dirty="0">
-                <a:ln w="12700">
-                  <a:solidFill>
-                    <a:schemeClr val="tx2">
-                      <a:satMod val="155000"/>
-                    </a:schemeClr>
-                  </a:solidFill>
-                  <a:prstDash val="solid"/>
-                </a:ln>
-                <a:solidFill>
-                  <a:schemeClr val="tx1"/>
-                </a:solidFill>
-                <a:effectLst>
-                  <a:outerShdw blurRad="41275" dist="20320" dir="1800000" algn="tl" rotWithShape="0">
-                    <a:srgbClr val="000000">
-                      <a:alpha val="40000"/>
-                    </a:srgbClr>
-                  </a:outerShdw>
-                </a:effectLst>
-                <a:latin typeface="Rockwell" panose="02060603020205020403" pitchFamily="18" charset="0"/>
-                <a:ea typeface="Arial"/>
-                <a:cs typeface="Arial"/>
-                <a:sym typeface="Arial"/>
-              </a:rPr>
-              <a:t>EJEMPLO BFS</a:t>
-            </a:r>
-          </a:p>
-        </p:txBody>
-      </p:sp>
-    </p:spTree>
-    <p:extLst>
-      <p:ext uri="{BB962C8B-B14F-4D97-AF65-F5344CB8AC3E}">
-        <p14:creationId xmlns:p14="http://schemas.microsoft.com/office/powerpoint/2010/main" val="729683089"/>
-      </p:ext>
-    </p:extLst>
-  </p:cSld>
-  <p:clrMapOvr>
-    <a:masterClrMapping/>
-  </p:clrMapOvr>
-</p:sld>
-</file>
-
-<file path=ppt/slides/slide18.xml><?xml version="1.0" encoding="utf-8"?>
+<file path=ppt/slides/slide21.xml><?xml version="1.0" encoding="utf-8"?>
 <p:sld xmlns:a="http://schemas.openxmlformats.org/drawingml/2006/main" xmlns:r="http://schemas.openxmlformats.org/officeDocument/2006/relationships" xmlns:p="http://schemas.openxmlformats.org/presentationml/2006/main">
   <p:cSld>
     <p:spTree>
@@ -19824,7 +21018,7 @@
 </p:sld>
 </file>
 
-<file path=ppt/slides/slide19.xml><?xml version="1.0" encoding="utf-8"?>
+<file path=ppt/slides/slide22.xml><?xml version="1.0" encoding="utf-8"?>
 <p:sld xmlns:a="http://schemas.openxmlformats.org/drawingml/2006/main" xmlns:r="http://schemas.openxmlformats.org/officeDocument/2006/relationships" xmlns:p="http://schemas.openxmlformats.org/presentationml/2006/main" showMasterSp="0">
   <p:cSld>
     <p:bg>
@@ -20088,102 +21282,7 @@
 </p:sld>
 </file>
 
-<file path=ppt/slides/slide2.xml><?xml version="1.0" encoding="utf-8"?>
-<p:sld xmlns:a="http://schemas.openxmlformats.org/drawingml/2006/main" xmlns:r="http://schemas.openxmlformats.org/officeDocument/2006/relationships" xmlns:p="http://schemas.openxmlformats.org/presentationml/2006/main">
-  <p:cSld>
-    <p:spTree>
-      <p:nvGrpSpPr>
-        <p:cNvPr id="1" name=""/>
-        <p:cNvGrpSpPr/>
-        <p:nvPr/>
-      </p:nvGrpSpPr>
-      <p:grpSpPr>
-        <a:xfrm>
-          <a:off x="0" y="0"/>
-          <a:ext cx="0" cy="0"/>
-          <a:chOff x="0" y="0"/>
-          <a:chExt cx="0" cy="0"/>
-        </a:xfrm>
-      </p:grpSpPr>
-      <p:pic>
-        <p:nvPicPr>
-          <p:cNvPr id="1026" name="Picture 2" descr="Resultado de imagen para if i have seen further it is by standing on the shoulders of giants"/>
-          <p:cNvPicPr>
-            <a:picLocks noChangeAspect="1" noChangeArrowheads="1"/>
-          </p:cNvPicPr>
-          <p:nvPr/>
-        </p:nvPicPr>
-        <p:blipFill>
-          <a:blip r:embed="rId2">
-            <a:extLst>
-              <a:ext uri="{28A0092B-C50C-407E-A947-70E740481C1C}">
-                <a14:useLocalDpi xmlns:a14="http://schemas.microsoft.com/office/drawing/2010/main" val="0"/>
-              </a:ext>
-            </a:extLst>
-          </a:blip>
-          <a:srcRect/>
-          <a:stretch>
-            <a:fillRect/>
-          </a:stretch>
-        </p:blipFill>
-        <p:spPr bwMode="auto">
-          <a:xfrm>
-            <a:off x="2275359" y="-9356578"/>
-            <a:ext cx="6400000" cy="3600000"/>
-          </a:xfrm>
-          <a:prstGeom prst="rect">
-            <a:avLst/>
-          </a:prstGeom>
-          <a:noFill/>
-          <a:extLst>
-            <a:ext uri="{909E8E84-426E-40DD-AFC4-6F175D3DCCD1}">
-              <a14:hiddenFill xmlns:a14="http://schemas.microsoft.com/office/drawing/2010/main">
-                <a:solidFill>
-                  <a:srgbClr val="FFFFFF"/>
-                </a:solidFill>
-              </a14:hiddenFill>
-            </a:ext>
-          </a:extLst>
-        </p:spPr>
-      </p:pic>
-      <p:pic>
-        <p:nvPicPr>
-          <p:cNvPr id="4" name="Imagen 3"/>
-          <p:cNvPicPr>
-            <a:picLocks noChangeAspect="1"/>
-          </p:cNvPicPr>
-          <p:nvPr/>
-        </p:nvPicPr>
-        <p:blipFill>
-          <a:blip r:embed="rId2"/>
-          <a:stretch>
-            <a:fillRect/>
-          </a:stretch>
-        </p:blipFill>
-        <p:spPr>
-          <a:xfrm>
-            <a:off x="0" y="0"/>
-            <a:ext cx="9144000" cy="5143500"/>
-          </a:xfrm>
-          <a:prstGeom prst="rect">
-            <a:avLst/>
-          </a:prstGeom>
-        </p:spPr>
-      </p:pic>
-    </p:spTree>
-    <p:extLst>
-      <p:ext uri="{BB962C8B-B14F-4D97-AF65-F5344CB8AC3E}">
-        <p14:creationId xmlns:p14="http://schemas.microsoft.com/office/powerpoint/2010/main" val="3442488662"/>
-      </p:ext>
-    </p:extLst>
-  </p:cSld>
-  <p:clrMapOvr>
-    <a:masterClrMapping/>
-  </p:clrMapOvr>
-</p:sld>
-</file>
-
-<file path=ppt/slides/slide20.xml><?xml version="1.0" encoding="utf-8"?>
+<file path=ppt/slides/slide23.xml><?xml version="1.0" encoding="utf-8"?>
 <p:sld xmlns:a="http://schemas.openxmlformats.org/drawingml/2006/main" xmlns:r="http://schemas.openxmlformats.org/officeDocument/2006/relationships" xmlns:p="http://schemas.openxmlformats.org/presentationml/2006/main">
   <p:cSld>
     <p:spTree>
@@ -20449,7 +21548,7 @@
 </p:sld>
 </file>
 
-<file path=ppt/slides/slide21.xml><?xml version="1.0" encoding="utf-8"?>
+<file path=ppt/slides/slide24.xml><?xml version="1.0" encoding="utf-8"?>
 <p:sld xmlns:a="http://schemas.openxmlformats.org/drawingml/2006/main" xmlns:r="http://schemas.openxmlformats.org/officeDocument/2006/relationships" xmlns:p="http://schemas.openxmlformats.org/presentationml/2006/main">
   <p:cSld>
     <p:spTree>
@@ -20851,7 +21950,7 @@
 </p:sld>
 </file>
 
-<file path=ppt/slides/slide22.xml><?xml version="1.0" encoding="utf-8"?>
+<file path=ppt/slides/slide25.xml><?xml version="1.0" encoding="utf-8"?>
 <p:sld xmlns:a="http://schemas.openxmlformats.org/drawingml/2006/main" xmlns:r="http://schemas.openxmlformats.org/officeDocument/2006/relationships" xmlns:p="http://schemas.openxmlformats.org/presentationml/2006/main">
   <p:cSld>
     <p:spTree>
@@ -21063,6 +22162,165 @@
     <p:extLst>
       <p:ext uri="{BB962C8B-B14F-4D97-AF65-F5344CB8AC3E}">
         <p14:creationId xmlns:p14="http://schemas.microsoft.com/office/powerpoint/2010/main" val="4093333674"/>
+      </p:ext>
+    </p:extLst>
+  </p:cSld>
+  <p:clrMapOvr>
+    <a:masterClrMapping/>
+  </p:clrMapOvr>
+</p:sld>
+</file>
+
+<file path=ppt/slides/slide26.xml><?xml version="1.0" encoding="utf-8"?>
+<p:sld xmlns:a="http://schemas.openxmlformats.org/drawingml/2006/main" xmlns:r="http://schemas.openxmlformats.org/officeDocument/2006/relationships" xmlns:p="http://schemas.openxmlformats.org/presentationml/2006/main">
+  <p:cSld>
+    <p:spTree>
+      <p:nvGrpSpPr>
+        <p:cNvPr id="1" name=""/>
+        <p:cNvGrpSpPr/>
+        <p:nvPr/>
+      </p:nvGrpSpPr>
+      <p:grpSpPr>
+        <a:xfrm>
+          <a:off x="0" y="0"/>
+          <a:ext cx="0" cy="0"/>
+          <a:chOff x="0" y="0"/>
+          <a:chExt cx="0" cy="0"/>
+        </a:xfrm>
+      </p:grpSpPr>
+      <p:pic>
+        <p:nvPicPr>
+          <p:cNvPr id="4" name="Shape 143" descr="logosis1.png"/>
+          <p:cNvPicPr preferRelativeResize="0"/>
+          <p:nvPr/>
+        </p:nvPicPr>
+        <p:blipFill>
+          <a:blip r:embed="rId2">
+            <a:alphaModFix/>
+          </a:blip>
+          <a:stretch>
+            <a:fillRect/>
+          </a:stretch>
+        </p:blipFill>
+        <p:spPr>
+          <a:xfrm>
+            <a:off x="6901818" y="3657601"/>
+            <a:ext cx="2242181" cy="1485899"/>
+          </a:xfrm>
+          <a:prstGeom prst="rect">
+            <a:avLst/>
+          </a:prstGeom>
+          <a:noFill/>
+          <a:ln>
+            <a:noFill/>
+          </a:ln>
+        </p:spPr>
+      </p:pic>
+      <p:sp>
+        <p:nvSpPr>
+          <p:cNvPr id="5" name="4 CuadroTexto"/>
+          <p:cNvSpPr txBox="1"/>
+          <p:nvPr/>
+        </p:nvSpPr>
+        <p:spPr>
+          <a:xfrm>
+            <a:off x="107504" y="1072278"/>
+            <a:ext cx="7056784" cy="2585323"/>
+          </a:xfrm>
+          <a:prstGeom prst="rect">
+            <a:avLst/>
+          </a:prstGeom>
+          <a:noFill/>
+        </p:spPr>
+        <p:txBody>
+          <a:bodyPr wrap="square" rtlCol="0">
+            <a:spAutoFit/>
+          </a:bodyPr>
+          <a:lstStyle/>
+          <a:p>
+            <a:pPr algn="ctr"/>
+            <a:r>
+              <a:rPr lang="es-CO" sz="5400" b="1" dirty="0">
+                <a:ln w="12700">
+                  <a:solidFill>
+                    <a:schemeClr val="tx2">
+                      <a:satMod val="155000"/>
+                    </a:schemeClr>
+                  </a:solidFill>
+                  <a:prstDash val="solid"/>
+                </a:ln>
+                <a:solidFill>
+                  <a:schemeClr val="tx1"/>
+                </a:solidFill>
+                <a:effectLst>
+                  <a:outerShdw blurRad="41275" dist="20320" dir="1800000" algn="tl" rotWithShape="0">
+                    <a:srgbClr val="000000">
+                      <a:alpha val="40000"/>
+                    </a:srgbClr>
+                  </a:outerShdw>
+                </a:effectLst>
+                <a:latin typeface="Rockwell" panose="02060603020205020403" pitchFamily="18" charset="0"/>
+              </a:rPr>
+              <a:t>¡ Muchas Gracias !</a:t>
+            </a:r>
+          </a:p>
+          <a:p>
+            <a:pPr algn="ctr"/>
+            <a:endParaRPr lang="es-CO" sz="5400" b="1" dirty="0">
+              <a:ln w="12700">
+                <a:solidFill>
+                  <a:schemeClr val="tx2">
+                    <a:satMod val="155000"/>
+                  </a:schemeClr>
+                </a:solidFill>
+                <a:prstDash val="solid"/>
+              </a:ln>
+              <a:solidFill>
+                <a:schemeClr val="tx1"/>
+              </a:solidFill>
+              <a:effectLst>
+                <a:outerShdw blurRad="41275" dist="20320" dir="1800000" algn="tl" rotWithShape="0">
+                  <a:srgbClr val="000000">
+                    <a:alpha val="40000"/>
+                  </a:srgbClr>
+                </a:outerShdw>
+              </a:effectLst>
+              <a:latin typeface="Rockwell" panose="02060603020205020403" pitchFamily="18" charset="0"/>
+            </a:endParaRPr>
+          </a:p>
+          <a:p>
+            <a:pPr algn="ctr"/>
+            <a:r>
+              <a:rPr lang="es-CO" sz="5400" b="1" dirty="0">
+                <a:ln w="12700">
+                  <a:solidFill>
+                    <a:schemeClr val="tx2">
+                      <a:satMod val="155000"/>
+                    </a:schemeClr>
+                  </a:solidFill>
+                  <a:prstDash val="solid"/>
+                </a:ln>
+                <a:solidFill>
+                  <a:schemeClr val="tx1"/>
+                </a:solidFill>
+                <a:effectLst>
+                  <a:outerShdw blurRad="41275" dist="20320" dir="1800000" algn="tl" rotWithShape="0">
+                    <a:srgbClr val="000000">
+                      <a:alpha val="40000"/>
+                    </a:srgbClr>
+                  </a:outerShdw>
+                </a:effectLst>
+                <a:latin typeface="Rockwell" panose="02060603020205020403" pitchFamily="18" charset="0"/>
+              </a:rPr>
+              <a:t>:D </a:t>
+            </a:r>
+          </a:p>
+        </p:txBody>
+      </p:sp>
+    </p:spTree>
+    <p:extLst>
+      <p:ext uri="{BB962C8B-B14F-4D97-AF65-F5344CB8AC3E}">
+        <p14:creationId xmlns:p14="http://schemas.microsoft.com/office/powerpoint/2010/main" val="3168669103"/>
       </p:ext>
     </p:extLst>
   </p:cSld>
@@ -21408,6 +22666,827 @@
 </file>
 
 <file path=ppt/slides/slide5.xml><?xml version="1.0" encoding="utf-8"?>
+<p:sld xmlns:a="http://schemas.openxmlformats.org/drawingml/2006/main" xmlns:r="http://schemas.openxmlformats.org/officeDocument/2006/relationships" xmlns:p="http://schemas.openxmlformats.org/presentationml/2006/main">
+  <p:cSld>
+    <p:spTree>
+      <p:nvGrpSpPr>
+        <p:cNvPr id="1" name=""/>
+        <p:cNvGrpSpPr/>
+        <p:nvPr/>
+      </p:nvGrpSpPr>
+      <p:grpSpPr>
+        <a:xfrm>
+          <a:off x="0" y="0"/>
+          <a:ext cx="0" cy="0"/>
+          <a:chOff x="0" y="0"/>
+          <a:chExt cx="0" cy="0"/>
+        </a:xfrm>
+      </p:grpSpPr>
+      <p:pic>
+        <p:nvPicPr>
+          <p:cNvPr id="6" name="Shape 143" descr="logosis1.png"/>
+          <p:cNvPicPr preferRelativeResize="0"/>
+          <p:nvPr/>
+        </p:nvPicPr>
+        <p:blipFill>
+          <a:blip r:embed="rId2">
+            <a:alphaModFix/>
+          </a:blip>
+          <a:stretch>
+            <a:fillRect/>
+          </a:stretch>
+        </p:blipFill>
+        <p:spPr>
+          <a:xfrm>
+            <a:off x="6901818" y="3657601"/>
+            <a:ext cx="2242181" cy="1485899"/>
+          </a:xfrm>
+          <a:prstGeom prst="rect">
+            <a:avLst/>
+          </a:prstGeom>
+          <a:noFill/>
+          <a:ln>
+            <a:noFill/>
+          </a:ln>
+        </p:spPr>
+      </p:pic>
+      <p:pic>
+        <p:nvPicPr>
+          <p:cNvPr id="2" name="Imagen 1"/>
+          <p:cNvPicPr>
+            <a:picLocks noChangeAspect="1"/>
+          </p:cNvPicPr>
+          <p:nvPr/>
+        </p:nvPicPr>
+        <p:blipFill>
+          <a:blip r:embed="rId3"/>
+          <a:stretch>
+            <a:fillRect/>
+          </a:stretch>
+        </p:blipFill>
+        <p:spPr>
+          <a:xfrm>
+            <a:off x="611560" y="339502"/>
+            <a:ext cx="5760640" cy="4539842"/>
+          </a:xfrm>
+          <a:prstGeom prst="rect">
+            <a:avLst/>
+          </a:prstGeom>
+          <a:ln>
+            <a:solidFill>
+              <a:schemeClr val="accent2">
+                <a:lumMod val="75000"/>
+              </a:schemeClr>
+            </a:solidFill>
+          </a:ln>
+        </p:spPr>
+      </p:pic>
+      <mc:AlternateContent xmlns:mc="http://schemas.openxmlformats.org/markup-compatibility/2006">
+        <mc:Choice xmlns:p14="http://schemas.microsoft.com/office/powerpoint/2010/main" Requires="p14">
+          <p:contentPart p14:bwMode="auto" r:id="rId4">
+            <p14:nvContentPartPr>
+              <p14:cNvPr id="4" name="Entrada de lápiz 3"/>
+              <p14:cNvContentPartPr/>
+              <p14:nvPr/>
+            </p14:nvContentPartPr>
+            <p14:xfrm>
+              <a:off x="4698812" y="3763984"/>
+              <a:ext cx="421920" cy="510480"/>
+            </p14:xfrm>
+          </p:contentPart>
+        </mc:Choice>
+        <mc:Fallback>
+          <p:pic>
+            <p:nvPicPr>
+              <p:cNvPr id="4" name="Entrada de lápiz 3"/>
+              <p:cNvPicPr/>
+              <p:nvPr/>
+            </p:nvPicPr>
+            <p:blipFill>
+              <a:blip r:embed="rId5"/>
+              <a:stretch>
+                <a:fillRect/>
+              </a:stretch>
+            </p:blipFill>
+            <p:spPr>
+              <a:xfrm>
+                <a:off x="4650932" y="3667864"/>
+                <a:ext cx="517680" cy="702720"/>
+              </a:xfrm>
+              <a:prstGeom prst="rect">
+                <a:avLst/>
+              </a:prstGeom>
+            </p:spPr>
+          </p:pic>
+        </mc:Fallback>
+      </mc:AlternateContent>
+      <mc:AlternateContent xmlns:mc="http://schemas.openxmlformats.org/markup-compatibility/2006">
+        <mc:Choice xmlns:p14="http://schemas.microsoft.com/office/powerpoint/2010/main" Requires="p14">
+          <p:contentPart p14:bwMode="auto" r:id="rId6">
+            <p14:nvContentPartPr>
+              <p14:cNvPr id="7" name="Entrada de lápiz 6"/>
+              <p14:cNvContentPartPr/>
+              <p14:nvPr/>
+            </p14:nvContentPartPr>
+            <p14:xfrm>
+              <a:off x="4698452" y="3805024"/>
+              <a:ext cx="408600" cy="460080"/>
+            </p14:xfrm>
+          </p:contentPart>
+        </mc:Choice>
+        <mc:Fallback>
+          <p:pic>
+            <p:nvPicPr>
+              <p:cNvPr id="7" name="Entrada de lápiz 6"/>
+              <p:cNvPicPr/>
+              <p:nvPr/>
+            </p:nvPicPr>
+            <p:blipFill>
+              <a:blip r:embed="rId7"/>
+              <a:stretch>
+                <a:fillRect/>
+              </a:stretch>
+            </p:blipFill>
+            <p:spPr>
+              <a:xfrm>
+                <a:off x="4650530" y="3708904"/>
+                <a:ext cx="504444" cy="652320"/>
+              </a:xfrm>
+              <a:prstGeom prst="rect">
+                <a:avLst/>
+              </a:prstGeom>
+            </p:spPr>
+          </p:pic>
+        </mc:Fallback>
+      </mc:AlternateContent>
+      <mc:AlternateContent xmlns:mc="http://schemas.openxmlformats.org/markup-compatibility/2006">
+        <mc:Choice xmlns:p14="http://schemas.microsoft.com/office/powerpoint/2010/main" Requires="p14">
+          <p:contentPart p14:bwMode="auto" r:id="rId8">
+            <p14:nvContentPartPr>
+              <p14:cNvPr id="13" name="Entrada de lápiz 12"/>
+              <p14:cNvContentPartPr/>
+              <p14:nvPr/>
+            </p14:nvContentPartPr>
+            <p14:xfrm>
+              <a:off x="4704932" y="3654544"/>
+              <a:ext cx="448560" cy="692640"/>
+            </p14:xfrm>
+          </p:contentPart>
+        </mc:Choice>
+        <mc:Fallback>
+          <p:pic>
+            <p:nvPicPr>
+              <p:cNvPr id="13" name="Entrada de lápiz 12"/>
+              <p:cNvPicPr/>
+              <p:nvPr/>
+            </p:nvPicPr>
+            <p:blipFill>
+              <a:blip r:embed="rId9"/>
+              <a:stretch>
+                <a:fillRect/>
+              </a:stretch>
+            </p:blipFill>
+            <p:spPr>
+              <a:xfrm>
+                <a:off x="4657052" y="3558424"/>
+                <a:ext cx="544320" cy="884880"/>
+              </a:xfrm>
+              <a:prstGeom prst="rect">
+                <a:avLst/>
+              </a:prstGeom>
+            </p:spPr>
+          </p:pic>
+        </mc:Fallback>
+      </mc:AlternateContent>
+      <mc:AlternateContent xmlns:mc="http://schemas.openxmlformats.org/markup-compatibility/2006">
+        <mc:Choice xmlns:p14="http://schemas.microsoft.com/office/powerpoint/2010/main" Requires="p14">
+          <p:contentPart p14:bwMode="auto" r:id="rId10">
+            <p14:nvContentPartPr>
+              <p14:cNvPr id="14" name="Entrada de lápiz 13"/>
+              <p14:cNvContentPartPr/>
+              <p14:nvPr/>
+            </p14:nvContentPartPr>
+            <p14:xfrm>
+              <a:off x="4571452" y="3694085"/>
+              <a:ext cx="605520" cy="710280"/>
+            </p14:xfrm>
+          </p:contentPart>
+        </mc:Choice>
+        <mc:Fallback>
+          <p:pic>
+            <p:nvPicPr>
+              <p:cNvPr id="14" name="Entrada de lápiz 13"/>
+              <p:cNvPicPr/>
+              <p:nvPr/>
+            </p:nvPicPr>
+            <p:blipFill>
+              <a:blip r:embed="rId11"/>
+              <a:stretch>
+                <a:fillRect/>
+              </a:stretch>
+            </p:blipFill>
+            <p:spPr>
+              <a:xfrm>
+                <a:off x="4523572" y="3597965"/>
+                <a:ext cx="701280" cy="902520"/>
+              </a:xfrm>
+              <a:prstGeom prst="rect">
+                <a:avLst/>
+              </a:prstGeom>
+            </p:spPr>
+          </p:pic>
+        </mc:Fallback>
+      </mc:AlternateContent>
+    </p:spTree>
+    <p:extLst>
+      <p:ext uri="{BB962C8B-B14F-4D97-AF65-F5344CB8AC3E}">
+        <p14:creationId xmlns:p14="http://schemas.microsoft.com/office/powerpoint/2010/main" val="2064772652"/>
+      </p:ext>
+    </p:extLst>
+  </p:cSld>
+  <p:clrMapOvr>
+    <a:masterClrMapping/>
+  </p:clrMapOvr>
+</p:sld>
+</file>
+
+<file path=ppt/slides/slide6.xml><?xml version="1.0" encoding="utf-8"?>
+<p:sld xmlns:a="http://schemas.openxmlformats.org/drawingml/2006/main" xmlns:r="http://schemas.openxmlformats.org/officeDocument/2006/relationships" xmlns:p="http://schemas.openxmlformats.org/presentationml/2006/main">
+  <p:cSld>
+    <p:spTree>
+      <p:nvGrpSpPr>
+        <p:cNvPr id="1" name=""/>
+        <p:cNvGrpSpPr/>
+        <p:nvPr/>
+      </p:nvGrpSpPr>
+      <p:grpSpPr>
+        <a:xfrm>
+          <a:off x="0" y="0"/>
+          <a:ext cx="0" cy="0"/>
+          <a:chOff x="0" y="0"/>
+          <a:chExt cx="0" cy="0"/>
+        </a:xfrm>
+      </p:grpSpPr>
+      <p:pic>
+        <p:nvPicPr>
+          <p:cNvPr id="6" name="Shape 143" descr="logosis1.png"/>
+          <p:cNvPicPr preferRelativeResize="0"/>
+          <p:nvPr/>
+        </p:nvPicPr>
+        <p:blipFill>
+          <a:blip r:embed="rId2">
+            <a:alphaModFix/>
+          </a:blip>
+          <a:stretch>
+            <a:fillRect/>
+          </a:stretch>
+        </p:blipFill>
+        <p:spPr>
+          <a:xfrm>
+            <a:off x="6901818" y="3657601"/>
+            <a:ext cx="2242181" cy="1485899"/>
+          </a:xfrm>
+          <a:prstGeom prst="rect">
+            <a:avLst/>
+          </a:prstGeom>
+          <a:noFill/>
+          <a:ln>
+            <a:noFill/>
+          </a:ln>
+        </p:spPr>
+      </p:pic>
+      <p:pic>
+        <p:nvPicPr>
+          <p:cNvPr id="2" name="Imagen 1"/>
+          <p:cNvPicPr>
+            <a:picLocks noChangeAspect="1"/>
+          </p:cNvPicPr>
+          <p:nvPr/>
+        </p:nvPicPr>
+        <p:blipFill>
+          <a:blip r:embed="rId3"/>
+          <a:stretch>
+            <a:fillRect/>
+          </a:stretch>
+        </p:blipFill>
+        <p:spPr>
+          <a:xfrm>
+            <a:off x="611560" y="339502"/>
+            <a:ext cx="5760640" cy="4539842"/>
+          </a:xfrm>
+          <a:prstGeom prst="rect">
+            <a:avLst/>
+          </a:prstGeom>
+          <a:ln>
+            <a:solidFill>
+              <a:schemeClr val="accent2">
+                <a:lumMod val="75000"/>
+              </a:schemeClr>
+            </a:solidFill>
+          </a:ln>
+        </p:spPr>
+      </p:pic>
+      <mc:AlternateContent xmlns:mc="http://schemas.openxmlformats.org/markup-compatibility/2006">
+        <mc:Choice xmlns:p14="http://schemas.microsoft.com/office/powerpoint/2010/main" Requires="p14">
+          <p:contentPart p14:bwMode="auto" r:id="rId4">
+            <p14:nvContentPartPr>
+              <p14:cNvPr id="4" name="Entrada de lápiz 3"/>
+              <p14:cNvContentPartPr/>
+              <p14:nvPr/>
+            </p14:nvContentPartPr>
+            <p14:xfrm>
+              <a:off x="4698812" y="3763984"/>
+              <a:ext cx="421920" cy="510480"/>
+            </p14:xfrm>
+          </p:contentPart>
+        </mc:Choice>
+        <mc:Fallback>
+          <p:pic>
+            <p:nvPicPr>
+              <p:cNvPr id="4" name="Entrada de lápiz 3"/>
+              <p:cNvPicPr/>
+              <p:nvPr/>
+            </p:nvPicPr>
+            <p:blipFill>
+              <a:blip r:embed="rId5"/>
+              <a:stretch>
+                <a:fillRect/>
+              </a:stretch>
+            </p:blipFill>
+            <p:spPr>
+              <a:xfrm>
+                <a:off x="4650932" y="3667864"/>
+                <a:ext cx="517680" cy="702720"/>
+              </a:xfrm>
+              <a:prstGeom prst="rect">
+                <a:avLst/>
+              </a:prstGeom>
+            </p:spPr>
+          </p:pic>
+        </mc:Fallback>
+      </mc:AlternateContent>
+      <mc:AlternateContent xmlns:mc="http://schemas.openxmlformats.org/markup-compatibility/2006">
+        <mc:Choice xmlns:p14="http://schemas.microsoft.com/office/powerpoint/2010/main" Requires="p14">
+          <p:contentPart p14:bwMode="auto" r:id="rId6">
+            <p14:nvContentPartPr>
+              <p14:cNvPr id="7" name="Entrada de lápiz 6"/>
+              <p14:cNvContentPartPr/>
+              <p14:nvPr/>
+            </p14:nvContentPartPr>
+            <p14:xfrm>
+              <a:off x="4698452" y="3805024"/>
+              <a:ext cx="408600" cy="460080"/>
+            </p14:xfrm>
+          </p:contentPart>
+        </mc:Choice>
+        <mc:Fallback>
+          <p:pic>
+            <p:nvPicPr>
+              <p:cNvPr id="7" name="Entrada de lápiz 6"/>
+              <p:cNvPicPr/>
+              <p:nvPr/>
+            </p:nvPicPr>
+            <p:blipFill>
+              <a:blip r:embed="rId7"/>
+              <a:stretch>
+                <a:fillRect/>
+              </a:stretch>
+            </p:blipFill>
+            <p:spPr>
+              <a:xfrm>
+                <a:off x="4650530" y="3708904"/>
+                <a:ext cx="504444" cy="652320"/>
+              </a:xfrm>
+              <a:prstGeom prst="rect">
+                <a:avLst/>
+              </a:prstGeom>
+            </p:spPr>
+          </p:pic>
+        </mc:Fallback>
+      </mc:AlternateContent>
+      <mc:AlternateContent xmlns:mc="http://schemas.openxmlformats.org/markup-compatibility/2006">
+        <mc:Choice xmlns:p14="http://schemas.microsoft.com/office/powerpoint/2010/main" Requires="p14">
+          <p:contentPart p14:bwMode="auto" r:id="rId8">
+            <p14:nvContentPartPr>
+              <p14:cNvPr id="8" name="Entrada de lápiz 7"/>
+              <p14:cNvContentPartPr/>
+              <p14:nvPr/>
+            </p14:nvContentPartPr>
+            <p14:xfrm>
+              <a:off x="3529532" y="1987744"/>
+              <a:ext cx="425880" cy="821880"/>
+            </p14:xfrm>
+          </p:contentPart>
+        </mc:Choice>
+        <mc:Fallback>
+          <p:pic>
+            <p:nvPicPr>
+              <p:cNvPr id="8" name="Entrada de lápiz 7"/>
+              <p:cNvPicPr/>
+              <p:nvPr/>
+            </p:nvPicPr>
+            <p:blipFill>
+              <a:blip r:embed="rId9"/>
+              <a:stretch>
+                <a:fillRect/>
+              </a:stretch>
+            </p:blipFill>
+            <p:spPr>
+              <a:xfrm>
+                <a:off x="3481692" y="1891582"/>
+                <a:ext cx="521559" cy="1014204"/>
+              </a:xfrm>
+              <a:prstGeom prst="rect">
+                <a:avLst/>
+              </a:prstGeom>
+            </p:spPr>
+          </p:pic>
+        </mc:Fallback>
+      </mc:AlternateContent>
+      <mc:AlternateContent xmlns:mc="http://schemas.openxmlformats.org/markup-compatibility/2006">
+        <mc:Choice xmlns:p14="http://schemas.microsoft.com/office/powerpoint/2010/main" Requires="p14">
+          <p:contentPart p14:bwMode="auto" r:id="rId10">
+            <p14:nvContentPartPr>
+              <p14:cNvPr id="9" name="Entrada de lápiz 8"/>
+              <p14:cNvContentPartPr/>
+              <p14:nvPr/>
+            </p14:nvContentPartPr>
+            <p14:xfrm>
+              <a:off x="3625292" y="2112304"/>
+              <a:ext cx="274320" cy="471240"/>
+            </p14:xfrm>
+          </p:contentPart>
+        </mc:Choice>
+        <mc:Fallback>
+          <p:pic>
+            <p:nvPicPr>
+              <p:cNvPr id="9" name="Entrada de lápiz 8"/>
+              <p:cNvPicPr/>
+              <p:nvPr/>
+            </p:nvPicPr>
+            <p:blipFill>
+              <a:blip r:embed="rId11"/>
+              <a:stretch>
+                <a:fillRect/>
+              </a:stretch>
+            </p:blipFill>
+            <p:spPr>
+              <a:xfrm>
+                <a:off x="3577412" y="2016111"/>
+                <a:ext cx="370080" cy="663627"/>
+              </a:xfrm>
+              <a:prstGeom prst="rect">
+                <a:avLst/>
+              </a:prstGeom>
+            </p:spPr>
+          </p:pic>
+        </mc:Fallback>
+      </mc:AlternateContent>
+      <mc:AlternateContent xmlns:mc="http://schemas.openxmlformats.org/markup-compatibility/2006">
+        <mc:Choice xmlns:p14="http://schemas.microsoft.com/office/powerpoint/2010/main" Requires="p14">
+          <p:contentPart p14:bwMode="auto" r:id="rId12">
+            <p14:nvContentPartPr>
+              <p14:cNvPr id="10" name="Entrada de lápiz 9"/>
+              <p14:cNvContentPartPr/>
+              <p14:nvPr/>
+            </p14:nvContentPartPr>
+            <p14:xfrm>
+              <a:off x="3614852" y="2165584"/>
+              <a:ext cx="95040" cy="471240"/>
+            </p14:xfrm>
+          </p:contentPart>
+        </mc:Choice>
+        <mc:Fallback>
+          <p:pic>
+            <p:nvPicPr>
+              <p:cNvPr id="10" name="Entrada de lápiz 9"/>
+              <p:cNvPicPr/>
+              <p:nvPr/>
+            </p:nvPicPr>
+            <p:blipFill>
+              <a:blip r:embed="rId13"/>
+              <a:stretch>
+                <a:fillRect/>
+              </a:stretch>
+            </p:blipFill>
+            <p:spPr>
+              <a:xfrm>
+                <a:off x="3566790" y="2069464"/>
+                <a:ext cx="191164" cy="663480"/>
+              </a:xfrm>
+              <a:prstGeom prst="rect">
+                <a:avLst/>
+              </a:prstGeom>
+            </p:spPr>
+          </p:pic>
+        </mc:Fallback>
+      </mc:AlternateContent>
+      <mc:AlternateContent xmlns:mc="http://schemas.openxmlformats.org/markup-compatibility/2006">
+        <mc:Choice xmlns:p14="http://schemas.microsoft.com/office/powerpoint/2010/main" Requires="p14">
+          <p:contentPart p14:bwMode="auto" r:id="rId14">
+            <p14:nvContentPartPr>
+              <p14:cNvPr id="11" name="Entrada de lápiz 10"/>
+              <p14:cNvContentPartPr/>
+              <p14:nvPr/>
+            </p14:nvContentPartPr>
+            <p14:xfrm>
+              <a:off x="3710612" y="1956064"/>
+              <a:ext cx="10440" cy="320760"/>
+            </p14:xfrm>
+          </p:contentPart>
+        </mc:Choice>
+        <mc:Fallback>
+          <p:pic>
+            <p:nvPicPr>
+              <p:cNvPr id="11" name="Entrada de lápiz 10"/>
+              <p:cNvPicPr/>
+              <p:nvPr/>
+            </p:nvPicPr>
+            <p:blipFill>
+              <a:blip r:embed="rId15"/>
+              <a:stretch>
+                <a:fillRect/>
+              </a:stretch>
+            </p:blipFill>
+            <p:spPr>
+              <a:xfrm>
+                <a:off x="3664328" y="1860052"/>
+                <a:ext cx="103008" cy="512784"/>
+              </a:xfrm>
+              <a:prstGeom prst="rect">
+                <a:avLst/>
+              </a:prstGeom>
+            </p:spPr>
+          </p:pic>
+        </mc:Fallback>
+      </mc:AlternateContent>
+      <mc:AlternateContent xmlns:mc="http://schemas.openxmlformats.org/markup-compatibility/2006">
+        <mc:Choice xmlns:p14="http://schemas.microsoft.com/office/powerpoint/2010/main" Requires="p14">
+          <p:contentPart p14:bwMode="auto" r:id="rId16">
+            <p14:nvContentPartPr>
+              <p14:cNvPr id="12" name="Entrada de lápiz 11"/>
+              <p14:cNvContentPartPr/>
+              <p14:nvPr/>
+            </p14:nvContentPartPr>
+            <p14:xfrm>
+              <a:off x="3546092" y="1777144"/>
+              <a:ext cx="418680" cy="825120"/>
+            </p14:xfrm>
+          </p:contentPart>
+        </mc:Choice>
+        <mc:Fallback>
+          <p:pic>
+            <p:nvPicPr>
+              <p:cNvPr id="12" name="Entrada de lápiz 11"/>
+              <p:cNvPicPr/>
+              <p:nvPr/>
+            </p:nvPicPr>
+            <p:blipFill>
+              <a:blip r:embed="rId17"/>
+              <a:stretch>
+                <a:fillRect/>
+              </a:stretch>
+            </p:blipFill>
+            <p:spPr>
+              <a:xfrm>
+                <a:off x="3498212" y="1680982"/>
+                <a:ext cx="514440" cy="1017444"/>
+              </a:xfrm>
+              <a:prstGeom prst="rect">
+                <a:avLst/>
+              </a:prstGeom>
+            </p:spPr>
+          </p:pic>
+        </mc:Fallback>
+      </mc:AlternateContent>
+      <mc:AlternateContent xmlns:mc="http://schemas.openxmlformats.org/markup-compatibility/2006">
+        <mc:Choice xmlns:p14="http://schemas.microsoft.com/office/powerpoint/2010/main" Requires="p14">
+          <p:contentPart p14:bwMode="auto" r:id="rId18">
+            <p14:nvContentPartPr>
+              <p14:cNvPr id="13" name="Entrada de lápiz 12"/>
+              <p14:cNvContentPartPr/>
+              <p14:nvPr/>
+            </p14:nvContentPartPr>
+            <p14:xfrm>
+              <a:off x="4704932" y="3654544"/>
+              <a:ext cx="448560" cy="692640"/>
+            </p14:xfrm>
+          </p:contentPart>
+        </mc:Choice>
+        <mc:Fallback>
+          <p:pic>
+            <p:nvPicPr>
+              <p:cNvPr id="13" name="Entrada de lápiz 12"/>
+              <p:cNvPicPr/>
+              <p:nvPr/>
+            </p:nvPicPr>
+            <p:blipFill>
+              <a:blip r:embed="rId19"/>
+              <a:stretch>
+                <a:fillRect/>
+              </a:stretch>
+            </p:blipFill>
+            <p:spPr>
+              <a:xfrm>
+                <a:off x="4657052" y="3558424"/>
+                <a:ext cx="544320" cy="884880"/>
+              </a:xfrm>
+              <a:prstGeom prst="rect">
+                <a:avLst/>
+              </a:prstGeom>
+            </p:spPr>
+          </p:pic>
+        </mc:Fallback>
+      </mc:AlternateContent>
+    </p:spTree>
+    <p:extLst>
+      <p:ext uri="{BB962C8B-B14F-4D97-AF65-F5344CB8AC3E}">
+        <p14:creationId xmlns:p14="http://schemas.microsoft.com/office/powerpoint/2010/main" val="368618065"/>
+      </p:ext>
+    </p:extLst>
+  </p:cSld>
+  <p:clrMapOvr>
+    <a:masterClrMapping/>
+  </p:clrMapOvr>
+</p:sld>
+</file>
+
+<file path=ppt/slides/slide7.xml><?xml version="1.0" encoding="utf-8"?>
+<p:sld xmlns:a="http://schemas.openxmlformats.org/drawingml/2006/main" xmlns:r="http://schemas.openxmlformats.org/officeDocument/2006/relationships" xmlns:p="http://schemas.openxmlformats.org/presentationml/2006/main">
+  <p:cSld>
+    <p:spTree>
+      <p:nvGrpSpPr>
+        <p:cNvPr id="1" name=""/>
+        <p:cNvGrpSpPr/>
+        <p:nvPr/>
+      </p:nvGrpSpPr>
+      <p:grpSpPr>
+        <a:xfrm>
+          <a:off x="0" y="0"/>
+          <a:ext cx="0" cy="0"/>
+          <a:chOff x="0" y="0"/>
+          <a:chExt cx="0" cy="0"/>
+        </a:xfrm>
+      </p:grpSpPr>
+      <p:pic>
+        <p:nvPicPr>
+          <p:cNvPr id="6" name="Shape 143" descr="logosis1.png"/>
+          <p:cNvPicPr preferRelativeResize="0"/>
+          <p:nvPr/>
+        </p:nvPicPr>
+        <p:blipFill>
+          <a:blip r:embed="rId2">
+            <a:alphaModFix/>
+          </a:blip>
+          <a:stretch>
+            <a:fillRect/>
+          </a:stretch>
+        </p:blipFill>
+        <p:spPr>
+          <a:xfrm>
+            <a:off x="7884368" y="4011910"/>
+            <a:ext cx="1259631" cy="1131590"/>
+          </a:xfrm>
+          <a:prstGeom prst="rect">
+            <a:avLst/>
+          </a:prstGeom>
+          <a:noFill/>
+          <a:ln>
+            <a:noFill/>
+          </a:ln>
+        </p:spPr>
+      </p:pic>
+      <p:sp>
+        <p:nvSpPr>
+          <p:cNvPr id="14" name="5 CuadroTexto"/>
+          <p:cNvSpPr txBox="1"/>
+          <p:nvPr/>
+        </p:nvSpPr>
+        <p:spPr>
+          <a:xfrm>
+            <a:off x="107504" y="483518"/>
+            <a:ext cx="7632848" cy="3785652"/>
+          </a:xfrm>
+          <a:prstGeom prst="rect">
+            <a:avLst/>
+          </a:prstGeom>
+          <a:noFill/>
+        </p:spPr>
+        <p:txBody>
+          <a:bodyPr wrap="square" rtlCol="0">
+            <a:spAutoFit/>
+          </a:bodyPr>
+          <a:lstStyle/>
+          <a:p>
+            <a:r>
+              <a:rPr lang="es-CO" sz="2400" b="1" dirty="0">
+                <a:solidFill>
+                  <a:srgbClr val="002060"/>
+                </a:solidFill>
+                <a:latin typeface="Gabriola" panose="04040605051002020D02" pitchFamily="82" charset="0"/>
+                <a:cs typeface="DaunPenh" panose="01010101010101010101" pitchFamily="2" charset="0"/>
+              </a:rPr>
+              <a:t>Si el punto de llegada y salida es el mismo, obligatoriamente debe tener un número par de aristas (uno para salir y otro para regresar). Esto se conoce como “ciclo </a:t>
+            </a:r>
+            <a:r>
+              <a:rPr lang="es-CO" sz="2400" b="1" dirty="0" err="1">
+                <a:solidFill>
+                  <a:srgbClr val="002060"/>
+                </a:solidFill>
+                <a:latin typeface="Gabriola" panose="04040605051002020D02" pitchFamily="82" charset="0"/>
+                <a:cs typeface="DaunPenh" panose="01010101010101010101" pitchFamily="2" charset="0"/>
+              </a:rPr>
+              <a:t>euleriano</a:t>
+            </a:r>
+            <a:r>
+              <a:rPr lang="es-CO" sz="2400" b="1" dirty="0">
+                <a:solidFill>
+                  <a:srgbClr val="002060"/>
+                </a:solidFill>
+                <a:latin typeface="Gabriola" panose="04040605051002020D02" pitchFamily="82" charset="0"/>
+                <a:cs typeface="DaunPenh" panose="01010101010101010101" pitchFamily="2" charset="0"/>
+              </a:rPr>
+              <a:t>”.</a:t>
+            </a:r>
+          </a:p>
+          <a:p>
+            <a:endParaRPr lang="es-CO" sz="2400" b="1" dirty="0">
+              <a:solidFill>
+                <a:srgbClr val="002060"/>
+              </a:solidFill>
+              <a:latin typeface="Gabriola" panose="04040605051002020D02" pitchFamily="82" charset="0"/>
+              <a:cs typeface="DaunPenh" panose="01010101010101010101" pitchFamily="2" charset="0"/>
+            </a:endParaRPr>
+          </a:p>
+          <a:p>
+            <a:r>
+              <a:rPr lang="es-CO" sz="2400" b="1" dirty="0">
+                <a:solidFill>
+                  <a:srgbClr val="002060"/>
+                </a:solidFill>
+                <a:latin typeface="Gabriola" panose="04040605051002020D02" pitchFamily="82" charset="0"/>
+                <a:cs typeface="DaunPenh" panose="01010101010101010101" pitchFamily="2" charset="0"/>
+              </a:rPr>
+              <a:t>– Si por el contrario el punto de salida y el de llegada son diferentes, deben tener obligatoriamente un número impar de aristas. Esto es lo que conocemos como “camino </a:t>
+            </a:r>
+            <a:r>
+              <a:rPr lang="es-CO" sz="2400" b="1" dirty="0" err="1">
+                <a:solidFill>
+                  <a:srgbClr val="002060"/>
+                </a:solidFill>
+                <a:latin typeface="Gabriola" panose="04040605051002020D02" pitchFamily="82" charset="0"/>
+                <a:cs typeface="DaunPenh" panose="01010101010101010101" pitchFamily="2" charset="0"/>
+              </a:rPr>
+              <a:t>euleriano</a:t>
+            </a:r>
+            <a:r>
+              <a:rPr lang="es-CO" sz="2400" b="1" dirty="0">
+                <a:solidFill>
+                  <a:srgbClr val="002060"/>
+                </a:solidFill>
+                <a:latin typeface="Gabriola" panose="04040605051002020D02" pitchFamily="82" charset="0"/>
+                <a:cs typeface="DaunPenh" panose="01010101010101010101" pitchFamily="2" charset="0"/>
+              </a:rPr>
+              <a:t>”.</a:t>
+            </a:r>
+          </a:p>
+          <a:p>
+            <a:endParaRPr lang="es-CO" sz="2400" b="1" dirty="0">
+              <a:solidFill>
+                <a:srgbClr val="002060"/>
+              </a:solidFill>
+              <a:latin typeface="Gabriola" panose="04040605051002020D02" pitchFamily="82" charset="0"/>
+              <a:cs typeface="DaunPenh" panose="01010101010101010101" pitchFamily="2" charset="0"/>
+            </a:endParaRPr>
+          </a:p>
+          <a:p>
+            <a:r>
+              <a:rPr lang="es-CO" sz="2400" b="1" dirty="0">
+                <a:solidFill>
+                  <a:srgbClr val="002060"/>
+                </a:solidFill>
+                <a:latin typeface="Gabriola" panose="04040605051002020D02" pitchFamily="82" charset="0"/>
+                <a:cs typeface="DaunPenh" panose="01010101010101010101" pitchFamily="2" charset="0"/>
+              </a:rPr>
+              <a:t>Estos estudios realizados por Euler fueron el detonante de la teoría de grafos, convirtiendo una simple discusión pueblerina en toda una disciplina científica.</a:t>
+            </a:r>
+          </a:p>
+        </p:txBody>
+      </p:sp>
+    </p:spTree>
+    <p:extLst>
+      <p:ext uri="{BB962C8B-B14F-4D97-AF65-F5344CB8AC3E}">
+        <p14:creationId xmlns:p14="http://schemas.microsoft.com/office/powerpoint/2010/main" val="2860799896"/>
+      </p:ext>
+    </p:extLst>
+  </p:cSld>
+  <p:clrMapOvr>
+    <a:masterClrMapping/>
+  </p:clrMapOvr>
+</p:sld>
+</file>
+
+<file path=ppt/slides/slide8.xml><?xml version="1.0" encoding="utf-8"?>
 <p:sld xmlns:a="http://schemas.openxmlformats.org/drawingml/2006/main" xmlns:r="http://schemas.openxmlformats.org/officeDocument/2006/relationships" xmlns:p="http://schemas.openxmlformats.org/presentationml/2006/main" showMasterSp="0">
   <p:cSld>
     <p:bg>
@@ -21605,7 +23684,7 @@
 </p:sld>
 </file>
 
-<file path=ppt/slides/slide6.xml><?xml version="1.0" encoding="utf-8"?>
+<file path=ppt/slides/slide9.xml><?xml version="1.0" encoding="utf-8"?>
 <p:sld xmlns:a="http://schemas.openxmlformats.org/drawingml/2006/main" xmlns:r="http://schemas.openxmlformats.org/officeDocument/2006/relationships" xmlns:p="http://schemas.openxmlformats.org/presentationml/2006/main">
   <p:cSld>
     <p:spTree>
@@ -21726,753 +23805,6 @@
     <p:extLst>
       <p:ext uri="{BB962C8B-B14F-4D97-AF65-F5344CB8AC3E}">
         <p14:creationId xmlns:p14="http://schemas.microsoft.com/office/powerpoint/2010/main" val="2011333475"/>
-      </p:ext>
-    </p:extLst>
-  </p:cSld>
-  <p:clrMapOvr>
-    <a:masterClrMapping/>
-  </p:clrMapOvr>
-</p:sld>
-</file>
-
-<file path=ppt/slides/slide7.xml><?xml version="1.0" encoding="utf-8"?>
-<p:sld xmlns:a="http://schemas.openxmlformats.org/drawingml/2006/main" xmlns:r="http://schemas.openxmlformats.org/officeDocument/2006/relationships" xmlns:p="http://schemas.openxmlformats.org/presentationml/2006/main">
-  <p:cSld>
-    <p:spTree>
-      <p:nvGrpSpPr>
-        <p:cNvPr id="1" name="Shape 142"/>
-        <p:cNvGrpSpPr/>
-        <p:nvPr/>
-      </p:nvGrpSpPr>
-      <p:grpSpPr>
-        <a:xfrm>
-          <a:off x="0" y="0"/>
-          <a:ext cx="0" cy="0"/>
-          <a:chOff x="0" y="0"/>
-          <a:chExt cx="0" cy="0"/>
-        </a:xfrm>
-      </p:grpSpPr>
-      <p:pic>
-        <p:nvPicPr>
-          <p:cNvPr id="143" name="Shape 143" descr="logosis1.png"/>
-          <p:cNvPicPr preferRelativeResize="0"/>
-          <p:nvPr/>
-        </p:nvPicPr>
-        <p:blipFill>
-          <a:blip r:embed="rId3">
-            <a:alphaModFix/>
-          </a:blip>
-          <a:stretch>
-            <a:fillRect/>
-          </a:stretch>
-        </p:blipFill>
-        <p:spPr>
-          <a:xfrm>
-            <a:off x="6862354" y="3657600"/>
-            <a:ext cx="2242181" cy="1485899"/>
-          </a:xfrm>
-          <a:prstGeom prst="rect">
-            <a:avLst/>
-          </a:prstGeom>
-          <a:noFill/>
-          <a:ln>
-            <a:noFill/>
-          </a:ln>
-        </p:spPr>
-      </p:pic>
-      <p:sp>
-        <p:nvSpPr>
-          <p:cNvPr id="3" name="2 CuadroTexto"/>
-          <p:cNvSpPr txBox="1"/>
-          <p:nvPr/>
-        </p:nvSpPr>
-        <p:spPr>
-          <a:xfrm>
-            <a:off x="683568" y="352276"/>
-            <a:ext cx="5076371" cy="923330"/>
-          </a:xfrm>
-          <a:prstGeom prst="rect">
-            <a:avLst/>
-          </a:prstGeom>
-          <a:noFill/>
-        </p:spPr>
-        <p:txBody>
-          <a:bodyPr wrap="square" rtlCol="0">
-            <a:spAutoFit/>
-          </a:bodyPr>
-          <a:lstStyle/>
-          <a:p>
-            <a:r>
-              <a:rPr lang="es-ES" sz="4000" b="1" dirty="0">
-                <a:ln w="12700">
-                  <a:solidFill>
-                    <a:schemeClr val="tx2">
-                      <a:satMod val="155000"/>
-                    </a:schemeClr>
-                  </a:solidFill>
-                  <a:prstDash val="solid"/>
-                </a:ln>
-                <a:solidFill>
-                  <a:schemeClr val="tx1"/>
-                </a:solidFill>
-                <a:effectLst>
-                  <a:outerShdw blurRad="41275" dist="20320" dir="1800000" algn="tl" rotWithShape="0">
-                    <a:srgbClr val="000000">
-                      <a:alpha val="40000"/>
-                    </a:srgbClr>
-                  </a:outerShdw>
-                </a:effectLst>
-                <a:latin typeface="Rockwell" panose="02060603020205020403" pitchFamily="18" charset="0"/>
-              </a:rPr>
-              <a:t>Qué es un Grafo? </a:t>
-            </a:r>
-          </a:p>
-          <a:p>
-            <a:endParaRPr lang="es-CO" dirty="0"/>
-          </a:p>
-        </p:txBody>
-      </p:sp>
-      <p:sp>
-        <p:nvSpPr>
-          <p:cNvPr id="4" name="3 CuadroTexto"/>
-          <p:cNvSpPr txBox="1"/>
-          <p:nvPr/>
-        </p:nvSpPr>
-        <p:spPr>
-          <a:xfrm>
-            <a:off x="1124325" y="1167073"/>
-            <a:ext cx="5616624" cy="1815882"/>
-          </a:xfrm>
-          <a:prstGeom prst="rect">
-            <a:avLst/>
-          </a:prstGeom>
-          <a:noFill/>
-        </p:spPr>
-        <p:txBody>
-          <a:bodyPr wrap="square" rtlCol="0">
-            <a:spAutoFit/>
-          </a:bodyPr>
-          <a:lstStyle/>
-          <a:p>
-            <a:pPr algn="just"/>
-            <a:r>
-              <a:rPr lang="es-CO" sz="2800" b="1" dirty="0">
-                <a:solidFill>
-                  <a:schemeClr val="accent2">
-                    <a:lumMod val="50000"/>
-                  </a:schemeClr>
-                </a:solidFill>
-                <a:latin typeface="Gabriola" panose="04040605051002020D02" pitchFamily="82" charset="0"/>
-                <a:cs typeface="Arabic Typesetting" panose="03020402040406030203" pitchFamily="66" charset="-78"/>
-              </a:rPr>
-              <a:t>Un grafo es un conjunto de objetos llamados </a:t>
-            </a:r>
-            <a:r>
-              <a:rPr lang="es-CO" sz="2800" b="1" dirty="0">
-                <a:solidFill>
-                  <a:srgbClr val="0070C0"/>
-                </a:solidFill>
-                <a:latin typeface="Gabriola" panose="04040605051002020D02" pitchFamily="82" charset="0"/>
-                <a:cs typeface="Arabic Typesetting" panose="03020402040406030203" pitchFamily="66" charset="-78"/>
-              </a:rPr>
-              <a:t>nodos</a:t>
-            </a:r>
-            <a:r>
-              <a:rPr lang="es-CO" sz="2800" b="1" dirty="0">
-                <a:solidFill>
-                  <a:schemeClr val="accent2">
-                    <a:lumMod val="50000"/>
-                  </a:schemeClr>
-                </a:solidFill>
-                <a:latin typeface="Gabriola" panose="04040605051002020D02" pitchFamily="82" charset="0"/>
-                <a:cs typeface="Arabic Typesetting" panose="03020402040406030203" pitchFamily="66" charset="-78"/>
-              </a:rPr>
-              <a:t> unidos por enlaces llamados </a:t>
-            </a:r>
-            <a:r>
-              <a:rPr lang="es-CO" sz="2800" b="1" dirty="0">
-                <a:solidFill>
-                  <a:srgbClr val="0070C0"/>
-                </a:solidFill>
-                <a:latin typeface="Gabriola" panose="04040605051002020D02" pitchFamily="82" charset="0"/>
-                <a:cs typeface="Arabic Typesetting" panose="03020402040406030203" pitchFamily="66" charset="-78"/>
-              </a:rPr>
-              <a:t>aristas</a:t>
-            </a:r>
-            <a:r>
-              <a:rPr lang="es-CO" sz="2800" b="1" dirty="0">
-                <a:solidFill>
-                  <a:schemeClr val="accent2">
-                    <a:lumMod val="50000"/>
-                  </a:schemeClr>
-                </a:solidFill>
-                <a:latin typeface="Gabriola" panose="04040605051002020D02" pitchFamily="82" charset="0"/>
-                <a:cs typeface="Arabic Typesetting" panose="03020402040406030203" pitchFamily="66" charset="-78"/>
-              </a:rPr>
-              <a:t>, las cuales permiten representar relaciones binarias entre  ellos.</a:t>
-            </a:r>
-          </a:p>
-        </p:txBody>
-      </p:sp>
-      <p:pic>
-        <p:nvPicPr>
-          <p:cNvPr id="5" name="4 Imagen"/>
-          <p:cNvPicPr>
-            <a:picLocks noChangeAspect="1"/>
-          </p:cNvPicPr>
-          <p:nvPr/>
-        </p:nvPicPr>
-        <p:blipFill>
-          <a:blip r:embed="rId4">
-            <a:extLst>
-              <a:ext uri="{28A0092B-C50C-407E-A947-70E740481C1C}">
-                <a14:useLocalDpi xmlns:a14="http://schemas.microsoft.com/office/drawing/2010/main" val="0"/>
-              </a:ext>
-            </a:extLst>
-          </a:blip>
-          <a:stretch>
-            <a:fillRect/>
-          </a:stretch>
-        </p:blipFill>
-        <p:spPr>
-          <a:xfrm>
-            <a:off x="3491880" y="2982955"/>
-            <a:ext cx="2949410" cy="1902276"/>
-          </a:xfrm>
-          <a:prstGeom prst="rect">
-            <a:avLst/>
-          </a:prstGeom>
-        </p:spPr>
-      </p:pic>
-      <p:sp>
-        <p:nvSpPr>
-          <p:cNvPr id="2" name="1 CuadroTexto"/>
-          <p:cNvSpPr txBox="1"/>
-          <p:nvPr/>
-        </p:nvSpPr>
-        <p:spPr>
-          <a:xfrm>
-            <a:off x="467543" y="3477219"/>
-            <a:ext cx="2329967" cy="615553"/>
-          </a:xfrm>
-          <a:prstGeom prst="rect">
-            <a:avLst/>
-          </a:prstGeom>
-          <a:noFill/>
-        </p:spPr>
-        <p:txBody>
-          <a:bodyPr wrap="square" rtlCol="0">
-            <a:spAutoFit/>
-          </a:bodyPr>
-          <a:lstStyle/>
-          <a:p>
-            <a:r>
-              <a:rPr lang="es-CO" sz="2000" dirty="0">
-                <a:solidFill>
-                  <a:schemeClr val="accent2">
-                    <a:lumMod val="50000"/>
-                  </a:schemeClr>
-                </a:solidFill>
-                <a:latin typeface="Rockwell" panose="02060603020205020403" pitchFamily="18" charset="0"/>
-                <a:cs typeface="Arabic Typesetting" panose="03020402040406030203" pitchFamily="66" charset="-78"/>
-              </a:rPr>
-              <a:t>Denotado como G </a:t>
-            </a:r>
-            <a:endParaRPr lang="es-CO" sz="2000" dirty="0">
-              <a:solidFill>
-                <a:schemeClr val="accent2">
-                  <a:lumMod val="50000"/>
-                </a:schemeClr>
-              </a:solidFill>
-              <a:latin typeface="Gabriola" panose="04040605051002020D02" pitchFamily="82" charset="0"/>
-              <a:cs typeface="Arabic Typesetting" panose="03020402040406030203" pitchFamily="66" charset="-78"/>
-            </a:endParaRPr>
-          </a:p>
-          <a:p>
-            <a:endParaRPr lang="es-CO" b="1" dirty="0">
-              <a:solidFill>
-                <a:schemeClr val="accent2">
-                  <a:lumMod val="50000"/>
-                </a:schemeClr>
-              </a:solidFill>
-              <a:latin typeface="Gabriola" panose="04040605051002020D02" pitchFamily="82" charset="0"/>
-              <a:cs typeface="Arabic Typesetting" panose="03020402040406030203" pitchFamily="66" charset="-78"/>
-            </a:endParaRPr>
-          </a:p>
-        </p:txBody>
-      </p:sp>
-    </p:spTree>
-    <p:extLst>
-      <p:ext uri="{BB962C8B-B14F-4D97-AF65-F5344CB8AC3E}">
-        <p14:creationId xmlns:p14="http://schemas.microsoft.com/office/powerpoint/2010/main" val="868747889"/>
-      </p:ext>
-    </p:extLst>
-  </p:cSld>
-  <p:clrMapOvr>
-    <a:masterClrMapping/>
-  </p:clrMapOvr>
-</p:sld>
-</file>
-
-<file path=ppt/slides/slide8.xml><?xml version="1.0" encoding="utf-8"?>
-<p:sld xmlns:a="http://schemas.openxmlformats.org/drawingml/2006/main" xmlns:r="http://schemas.openxmlformats.org/officeDocument/2006/relationships" xmlns:p="http://schemas.openxmlformats.org/presentationml/2006/main">
-  <p:cSld>
-    <p:spTree>
-      <p:nvGrpSpPr>
-        <p:cNvPr id="1" name=""/>
-        <p:cNvGrpSpPr/>
-        <p:nvPr/>
-      </p:nvGrpSpPr>
-      <p:grpSpPr>
-        <a:xfrm>
-          <a:off x="0" y="0"/>
-          <a:ext cx="0" cy="0"/>
-          <a:chOff x="0" y="0"/>
-          <a:chExt cx="0" cy="0"/>
-        </a:xfrm>
-      </p:grpSpPr>
-      <p:pic>
-        <p:nvPicPr>
-          <p:cNvPr id="4" name="Shape 143" descr="logosis1.png"/>
-          <p:cNvPicPr preferRelativeResize="0"/>
-          <p:nvPr/>
-        </p:nvPicPr>
-        <p:blipFill>
-          <a:blip r:embed="rId2">
-            <a:alphaModFix/>
-          </a:blip>
-          <a:stretch>
-            <a:fillRect/>
-          </a:stretch>
-        </p:blipFill>
-        <p:spPr>
-          <a:xfrm>
-            <a:off x="7452320" y="3795886"/>
-            <a:ext cx="1691679" cy="1347614"/>
-          </a:xfrm>
-          <a:prstGeom prst="rect">
-            <a:avLst/>
-          </a:prstGeom>
-          <a:noFill/>
-          <a:ln>
-            <a:noFill/>
-          </a:ln>
-        </p:spPr>
-      </p:pic>
-      <p:sp>
-        <p:nvSpPr>
-          <p:cNvPr id="5" name="4 CuadroTexto"/>
-          <p:cNvSpPr txBox="1"/>
-          <p:nvPr/>
-        </p:nvSpPr>
-        <p:spPr>
-          <a:xfrm>
-            <a:off x="251520" y="280268"/>
-            <a:ext cx="6840760" cy="923330"/>
-          </a:xfrm>
-          <a:prstGeom prst="rect">
-            <a:avLst/>
-          </a:prstGeom>
-          <a:noFill/>
-        </p:spPr>
-        <p:txBody>
-          <a:bodyPr wrap="square" rtlCol="0">
-            <a:spAutoFit/>
-          </a:bodyPr>
-          <a:lstStyle/>
-          <a:p>
-            <a:r>
-              <a:rPr lang="es-ES" sz="4000" b="1" dirty="0">
-                <a:ln w="12700">
-                  <a:solidFill>
-                    <a:schemeClr val="tx2">
-                      <a:satMod val="155000"/>
-                    </a:schemeClr>
-                  </a:solidFill>
-                  <a:prstDash val="solid"/>
-                </a:ln>
-                <a:solidFill>
-                  <a:schemeClr val="tx1"/>
-                </a:solidFill>
-                <a:effectLst>
-                  <a:outerShdw blurRad="41275" dist="20320" dir="1800000" algn="tl" rotWithShape="0">
-                    <a:srgbClr val="000000">
-                      <a:alpha val="40000"/>
-                    </a:srgbClr>
-                  </a:outerShdw>
-                </a:effectLst>
-                <a:latin typeface="Rockwell" panose="02060603020205020403" pitchFamily="18" charset="0"/>
-              </a:rPr>
-              <a:t>Qué es un Nodo o Vértice?</a:t>
-            </a:r>
-            <a:r>
-              <a:rPr lang="es-ES" sz="4000" b="1" dirty="0">
-                <a:ln w="12700">
-                  <a:solidFill>
-                    <a:schemeClr val="tx2">
-                      <a:satMod val="155000"/>
-                    </a:schemeClr>
-                  </a:solidFill>
-                  <a:prstDash val="solid"/>
-                </a:ln>
-                <a:solidFill>
-                  <a:schemeClr val="tx1"/>
-                </a:solidFill>
-                <a:effectLst>
-                  <a:outerShdw blurRad="41275" dist="20320" dir="1800000" algn="tl" rotWithShape="0">
-                    <a:srgbClr val="000000">
-                      <a:alpha val="40000"/>
-                    </a:srgbClr>
-                  </a:outerShdw>
-                </a:effectLst>
-                <a:latin typeface="Cataneo BT" panose="03020802040502060804" pitchFamily="66" charset="0"/>
-              </a:rPr>
-              <a:t> </a:t>
-            </a:r>
-          </a:p>
-          <a:p>
-            <a:endParaRPr lang="es-CO" dirty="0"/>
-          </a:p>
-        </p:txBody>
-      </p:sp>
-      <p:sp>
-        <p:nvSpPr>
-          <p:cNvPr id="6" name="5 CuadroTexto"/>
-          <p:cNvSpPr txBox="1"/>
-          <p:nvPr/>
-        </p:nvSpPr>
-        <p:spPr>
-          <a:xfrm>
-            <a:off x="251520" y="1169319"/>
-            <a:ext cx="6840760" cy="1815882"/>
-          </a:xfrm>
-          <a:prstGeom prst="rect">
-            <a:avLst/>
-          </a:prstGeom>
-          <a:noFill/>
-        </p:spPr>
-        <p:txBody>
-          <a:bodyPr wrap="square" rtlCol="0">
-            <a:spAutoFit/>
-          </a:bodyPr>
-          <a:lstStyle/>
-          <a:p>
-            <a:r>
-              <a:rPr lang="es-CO" sz="2800" b="1" dirty="0">
-                <a:solidFill>
-                  <a:srgbClr val="002060"/>
-                </a:solidFill>
-                <a:latin typeface="Gabriola" panose="04040605051002020D02" pitchFamily="82" charset="0"/>
-                <a:cs typeface="DaunPenh" panose="01010101010101010101" pitchFamily="2" charset="0"/>
-              </a:rPr>
-              <a:t>Los </a:t>
-            </a:r>
-            <a:r>
-              <a:rPr lang="es-CO" sz="2800" b="1" dirty="0">
-                <a:solidFill>
-                  <a:srgbClr val="0070C0"/>
-                </a:solidFill>
-                <a:latin typeface="Gabriola" panose="04040605051002020D02" pitchFamily="82" charset="0"/>
-                <a:cs typeface="DaunPenh" panose="01010101010101010101" pitchFamily="2" charset="0"/>
-              </a:rPr>
-              <a:t>nodos o vértices </a:t>
-            </a:r>
-            <a:r>
-              <a:rPr lang="es-CO" sz="2800" b="1" dirty="0">
-                <a:solidFill>
-                  <a:srgbClr val="002060"/>
-                </a:solidFill>
-                <a:latin typeface="Gabriola" panose="04040605051002020D02" pitchFamily="82" charset="0"/>
-                <a:cs typeface="DaunPenh" panose="01010101010101010101" pitchFamily="2" charset="0"/>
-              </a:rPr>
-              <a:t>pertenecen a un conjunto finito, y son la unidad fundamental por la que están formados los grafos. De forma general, cada nodo se convierte en el identificador del problema a modelar.</a:t>
-            </a:r>
-          </a:p>
-        </p:txBody>
-      </p:sp>
-      <p:pic>
-        <p:nvPicPr>
-          <p:cNvPr id="2" name="1 Imagen"/>
-          <p:cNvPicPr>
-            <a:picLocks noChangeAspect="1"/>
-          </p:cNvPicPr>
-          <p:nvPr/>
-        </p:nvPicPr>
-        <p:blipFill>
-          <a:blip r:embed="rId3">
-            <a:extLst>
-              <a:ext uri="{28A0092B-C50C-407E-A947-70E740481C1C}">
-                <a14:useLocalDpi xmlns:a14="http://schemas.microsoft.com/office/drawing/2010/main" val="0"/>
-              </a:ext>
-            </a:extLst>
-          </a:blip>
-          <a:stretch>
-            <a:fillRect/>
-          </a:stretch>
-        </p:blipFill>
-        <p:spPr>
-          <a:xfrm>
-            <a:off x="1691680" y="3075806"/>
-            <a:ext cx="3381164" cy="1639865"/>
-          </a:xfrm>
-          <a:prstGeom prst="rect">
-            <a:avLst/>
-          </a:prstGeom>
-        </p:spPr>
-      </p:pic>
-    </p:spTree>
-    <p:extLst>
-      <p:ext uri="{BB962C8B-B14F-4D97-AF65-F5344CB8AC3E}">
-        <p14:creationId xmlns:p14="http://schemas.microsoft.com/office/powerpoint/2010/main" val="692181209"/>
-      </p:ext>
-    </p:extLst>
-  </p:cSld>
-  <p:clrMapOvr>
-    <a:masterClrMapping/>
-  </p:clrMapOvr>
-</p:sld>
-</file>
-
-<file path=ppt/slides/slide9.xml><?xml version="1.0" encoding="utf-8"?>
-<p:sld xmlns:a="http://schemas.openxmlformats.org/drawingml/2006/main" xmlns:r="http://schemas.openxmlformats.org/officeDocument/2006/relationships" xmlns:p="http://schemas.openxmlformats.org/presentationml/2006/main">
-  <p:cSld>
-    <p:spTree>
-      <p:nvGrpSpPr>
-        <p:cNvPr id="1" name=""/>
-        <p:cNvGrpSpPr/>
-        <p:nvPr/>
-      </p:nvGrpSpPr>
-      <p:grpSpPr>
-        <a:xfrm>
-          <a:off x="0" y="0"/>
-          <a:ext cx="0" cy="0"/>
-          <a:chOff x="0" y="0"/>
-          <a:chExt cx="0" cy="0"/>
-        </a:xfrm>
-      </p:grpSpPr>
-      <p:pic>
-        <p:nvPicPr>
-          <p:cNvPr id="4" name="Shape 143" descr="logosis1.png"/>
-          <p:cNvPicPr preferRelativeResize="0"/>
-          <p:nvPr/>
-        </p:nvPicPr>
-        <p:blipFill>
-          <a:blip r:embed="rId2">
-            <a:alphaModFix/>
-          </a:blip>
-          <a:stretch>
-            <a:fillRect/>
-          </a:stretch>
-        </p:blipFill>
-        <p:spPr>
-          <a:xfrm>
-            <a:off x="7452320" y="3795886"/>
-            <a:ext cx="1691679" cy="1347614"/>
-          </a:xfrm>
-          <a:prstGeom prst="rect">
-            <a:avLst/>
-          </a:prstGeom>
-          <a:noFill/>
-          <a:ln>
-            <a:noFill/>
-          </a:ln>
-        </p:spPr>
-      </p:pic>
-      <p:sp>
-        <p:nvSpPr>
-          <p:cNvPr id="5" name="4 CuadroTexto"/>
-          <p:cNvSpPr txBox="1"/>
-          <p:nvPr/>
-        </p:nvSpPr>
-        <p:spPr>
-          <a:xfrm>
-            <a:off x="251520" y="237258"/>
-            <a:ext cx="5076371" cy="923330"/>
-          </a:xfrm>
-          <a:prstGeom prst="rect">
-            <a:avLst/>
-          </a:prstGeom>
-          <a:noFill/>
-        </p:spPr>
-        <p:txBody>
-          <a:bodyPr wrap="square" rtlCol="0">
-            <a:spAutoFit/>
-          </a:bodyPr>
-          <a:lstStyle/>
-          <a:p>
-            <a:r>
-              <a:rPr lang="es-ES" sz="4000" b="1" dirty="0">
-                <a:ln w="12700">
-                  <a:solidFill>
-                    <a:schemeClr val="tx2">
-                      <a:satMod val="155000"/>
-                    </a:schemeClr>
-                  </a:solidFill>
-                  <a:prstDash val="solid"/>
-                </a:ln>
-                <a:solidFill>
-                  <a:schemeClr val="tx1"/>
-                </a:solidFill>
-                <a:effectLst>
-                  <a:outerShdw blurRad="41275" dist="20320" dir="1800000" algn="tl" rotWithShape="0">
-                    <a:srgbClr val="000000">
-                      <a:alpha val="40000"/>
-                    </a:srgbClr>
-                  </a:outerShdw>
-                </a:effectLst>
-                <a:latin typeface="Rockwell" panose="02060603020205020403" pitchFamily="18" charset="0"/>
-              </a:rPr>
-              <a:t>Qué es una Arista? </a:t>
-            </a:r>
-          </a:p>
-          <a:p>
-            <a:endParaRPr lang="es-CO" dirty="0"/>
-          </a:p>
-        </p:txBody>
-      </p:sp>
-      <p:sp>
-        <p:nvSpPr>
-          <p:cNvPr id="6" name="5 CuadroTexto"/>
-          <p:cNvSpPr txBox="1"/>
-          <p:nvPr/>
-        </p:nvSpPr>
-        <p:spPr>
-          <a:xfrm>
-            <a:off x="251520" y="1169319"/>
-            <a:ext cx="6840760" cy="3108543"/>
-          </a:xfrm>
-          <a:prstGeom prst="rect">
-            <a:avLst/>
-          </a:prstGeom>
-          <a:noFill/>
-        </p:spPr>
-        <p:txBody>
-          <a:bodyPr wrap="square" rtlCol="0">
-            <a:spAutoFit/>
-          </a:bodyPr>
-          <a:lstStyle/>
-          <a:p>
-            <a:r>
-              <a:rPr lang="es-CO" sz="2800" b="1" dirty="0">
-                <a:solidFill>
-                  <a:srgbClr val="002060"/>
-                </a:solidFill>
-                <a:latin typeface="Gabriola" panose="04040605051002020D02" pitchFamily="82" charset="0"/>
-                <a:cs typeface="DaunPenh" panose="01010101010101010101" pitchFamily="2" charset="0"/>
-              </a:rPr>
-              <a:t>Una </a:t>
-            </a:r>
-            <a:r>
-              <a:rPr lang="es-CO" sz="2800" b="1" dirty="0">
-                <a:solidFill>
-                  <a:srgbClr val="0070C0"/>
-                </a:solidFill>
-                <a:latin typeface="Gabriola" panose="04040605051002020D02" pitchFamily="82" charset="0"/>
-                <a:cs typeface="DaunPenh" panose="01010101010101010101" pitchFamily="2" charset="0"/>
-              </a:rPr>
-              <a:t>arista </a:t>
-            </a:r>
-            <a:r>
-              <a:rPr lang="es-CO" sz="2800" b="1" dirty="0">
-                <a:solidFill>
-                  <a:srgbClr val="002060"/>
-                </a:solidFill>
-                <a:latin typeface="Gabriola" panose="04040605051002020D02" pitchFamily="82" charset="0"/>
-                <a:cs typeface="DaunPenh" panose="01010101010101010101" pitchFamily="2" charset="0"/>
-              </a:rPr>
-              <a:t>corresponde a una relación entre dos </a:t>
-            </a:r>
-            <a:r>
-              <a:rPr lang="es-CO" sz="2800" b="1" dirty="0">
-                <a:solidFill>
-                  <a:srgbClr val="0070C0"/>
-                </a:solidFill>
-                <a:latin typeface="Gabriola" panose="04040605051002020D02" pitchFamily="82" charset="0"/>
-                <a:cs typeface="DaunPenh" panose="01010101010101010101" pitchFamily="2" charset="0"/>
-              </a:rPr>
-              <a:t>nodos </a:t>
-            </a:r>
-            <a:r>
-              <a:rPr lang="es-CO" sz="2800" b="1" dirty="0">
-                <a:solidFill>
-                  <a:srgbClr val="002060"/>
-                </a:solidFill>
-                <a:latin typeface="Gabriola" panose="04040605051002020D02" pitchFamily="82" charset="0"/>
-                <a:cs typeface="DaunPenh" panose="01010101010101010101" pitchFamily="2" charset="0"/>
-              </a:rPr>
-              <a:t>de un grafo.</a:t>
-            </a:r>
-          </a:p>
-          <a:p>
-            <a:r>
-              <a:rPr lang="es-CO" sz="2800" b="1" dirty="0">
-                <a:solidFill>
-                  <a:srgbClr val="002060"/>
-                </a:solidFill>
-                <a:latin typeface="Gabriola" panose="04040605051002020D02" pitchFamily="82" charset="0"/>
-                <a:cs typeface="DaunPenh" panose="01010101010101010101" pitchFamily="2" charset="0"/>
-              </a:rPr>
-              <a:t>Para caracterizar un grafo G son suficientes únicamente el conjunto de todas sus aristas, comúnmente denotado con la letra E (Edge), junto con el conjunto de sus </a:t>
-            </a:r>
-            <a:r>
-              <a:rPr lang="es-CO" sz="2800" b="1" dirty="0">
-                <a:solidFill>
-                  <a:srgbClr val="0070C0"/>
-                </a:solidFill>
-                <a:latin typeface="Gabriola" panose="04040605051002020D02" pitchFamily="82" charset="0"/>
-                <a:cs typeface="DaunPenh" panose="01010101010101010101" pitchFamily="2" charset="0"/>
-              </a:rPr>
-              <a:t>vértices</a:t>
-            </a:r>
-            <a:r>
-              <a:rPr lang="es-CO" sz="2800" b="1" dirty="0">
-                <a:solidFill>
-                  <a:srgbClr val="002060"/>
-                </a:solidFill>
-                <a:latin typeface="Gabriola" panose="04040605051002020D02" pitchFamily="82" charset="0"/>
-                <a:cs typeface="DaunPenh" panose="01010101010101010101" pitchFamily="2" charset="0"/>
-              </a:rPr>
-              <a:t> o</a:t>
-            </a:r>
-            <a:r>
-              <a:rPr lang="es-CO" sz="2800" b="1" dirty="0">
-                <a:solidFill>
-                  <a:srgbClr val="0070C0"/>
-                </a:solidFill>
-                <a:latin typeface="Gabriola" panose="04040605051002020D02" pitchFamily="82" charset="0"/>
-                <a:cs typeface="DaunPenh" panose="01010101010101010101" pitchFamily="2" charset="0"/>
-              </a:rPr>
-              <a:t> nodos</a:t>
-            </a:r>
-            <a:r>
-              <a:rPr lang="es-CO" sz="2800" b="1" dirty="0">
-                <a:solidFill>
-                  <a:srgbClr val="002060"/>
-                </a:solidFill>
-                <a:latin typeface="Gabriola" panose="04040605051002020D02" pitchFamily="82" charset="0"/>
-                <a:cs typeface="DaunPenh" panose="01010101010101010101" pitchFamily="2" charset="0"/>
-              </a:rPr>
-              <a:t>, denotado por V. </a:t>
-            </a:r>
-          </a:p>
-          <a:p>
-            <a:r>
-              <a:rPr lang="es-CO" sz="2800" b="1" dirty="0">
-                <a:solidFill>
-                  <a:srgbClr val="002060"/>
-                </a:solidFill>
-                <a:latin typeface="Gabriola" panose="04040605051002020D02" pitchFamily="82" charset="0"/>
-                <a:cs typeface="DaunPenh" panose="01010101010101010101" pitchFamily="2" charset="0"/>
-              </a:rPr>
-              <a:t>Así, dicho grafo se puede representar como G = (V,E)</a:t>
-            </a:r>
-          </a:p>
-        </p:txBody>
-      </p:sp>
-    </p:spTree>
-    <p:extLst>
-      <p:ext uri="{BB962C8B-B14F-4D97-AF65-F5344CB8AC3E}">
-        <p14:creationId xmlns:p14="http://schemas.microsoft.com/office/powerpoint/2010/main" val="1409945284"/>
       </p:ext>
     </p:extLst>
   </p:cSld>
